--- a/WIP/Documents/Report 1/UJD_VN_Examination_v1.0_EN/UJD_VN_ProjectOverview_v1.0.pptx
+++ b/WIP/Documents/Report 1/UJD_VN_Examination_v1.0_EN/UJD_VN_ProjectOverview_v1.0.pptx
@@ -15,14 +15,14 @@
     <p:sldId id="262" r:id="rId9"/>
     <p:sldId id="273" r:id="rId10"/>
     <p:sldId id="264" r:id="rId11"/>
-    <p:sldId id="275" r:id="rId12"/>
-    <p:sldId id="266" r:id="rId13"/>
-    <p:sldId id="265" r:id="rId14"/>
-    <p:sldId id="274" r:id="rId15"/>
-    <p:sldId id="267" r:id="rId16"/>
-    <p:sldId id="263" r:id="rId17"/>
-    <p:sldId id="268" r:id="rId18"/>
-    <p:sldId id="269" r:id="rId19"/>
+    <p:sldId id="277" r:id="rId12"/>
+    <p:sldId id="276" r:id="rId13"/>
+    <p:sldId id="278" r:id="rId14"/>
+    <p:sldId id="275" r:id="rId15"/>
+    <p:sldId id="266" r:id="rId16"/>
+    <p:sldId id="265" r:id="rId17"/>
+    <p:sldId id="274" r:id="rId18"/>
+    <p:sldId id="267" r:id="rId19"/>
     <p:sldId id="270" r:id="rId20"/>
   </p:sldIdLst>
   <p:sldSz cx="12192000" cy="6858000"/>
@@ -3147,7 +3147,7 @@
         <a:lstStyle/>
         <a:p>
           <a:r>
-            <a:rPr lang="en-US" b="1" dirty="0" smtClean="0">
+            <a:rPr lang="en-US" b="0" dirty="0" smtClean="0">
               <a:solidFill>
                 <a:schemeClr val="accent5"/>
               </a:solidFill>
@@ -3156,7 +3156,7 @@
             </a:rPr>
             <a:t>Problem Definition</a:t>
           </a:r>
-          <a:endParaRPr lang="vi-VN" dirty="0"/>
+          <a:endParaRPr lang="vi-VN" b="0" dirty="0"/>
         </a:p>
       </dgm:t>
     </dgm:pt>
@@ -3197,7 +3197,7 @@
         <a:lstStyle/>
         <a:p>
           <a:r>
-            <a:rPr lang="en-US" b="1" dirty="0" smtClean="0">
+            <a:rPr lang="en-US" b="0" dirty="0" smtClean="0">
               <a:solidFill>
                 <a:schemeClr val="accent5"/>
               </a:solidFill>
@@ -3206,7 +3206,7 @@
             </a:rPr>
             <a:t>The Idea</a:t>
           </a:r>
-          <a:endParaRPr lang="vi-VN" dirty="0"/>
+          <a:endParaRPr lang="vi-VN" b="0" dirty="0"/>
         </a:p>
       </dgm:t>
     </dgm:pt>
@@ -3247,7 +3247,7 @@
         <a:lstStyle/>
         <a:p>
           <a:r>
-            <a:rPr lang="en-US" b="1" dirty="0" smtClean="0">
+            <a:rPr lang="en-US" b="0" dirty="0" smtClean="0">
               <a:solidFill>
                 <a:schemeClr val="accent5"/>
               </a:solidFill>
@@ -3256,7 +3256,7 @@
             </a:rPr>
             <a:t>System purpose/ objective</a:t>
           </a:r>
-          <a:endParaRPr lang="vi-VN" dirty="0"/>
+          <a:endParaRPr lang="vi-VN" b="0" dirty="0"/>
         </a:p>
       </dgm:t>
     </dgm:pt>
@@ -3297,7 +3297,7 @@
         <a:lstStyle/>
         <a:p>
           <a:r>
-            <a:rPr lang="en-US" b="1" dirty="0" smtClean="0">
+            <a:rPr lang="en-US" b="0" dirty="0" smtClean="0">
               <a:solidFill>
                 <a:schemeClr val="accent5"/>
               </a:solidFill>
@@ -3346,7 +3346,7 @@
         <a:lstStyle/>
         <a:p>
           <a:r>
-            <a:rPr lang="en-US" b="1" dirty="0" smtClean="0">
+            <a:rPr lang="en-US" b="0" dirty="0" smtClean="0">
               <a:solidFill>
                 <a:schemeClr val="accent5"/>
               </a:solidFill>
@@ -3583,7 +3583,7 @@
       </dgm:spPr>
     </dgm:pt>
     <dgm:pt modelId="{3B8EE0E5-5621-4678-899B-2278EEC59DF2}" type="pres">
-      <dgm:prSet presAssocID="{8D59369C-0137-4C79-8C22-85BF9DFA6EB0}" presName="txShp" presStyleLbl="node1" presStyleIdx="4" presStyleCnt="5">
+      <dgm:prSet presAssocID="{8D59369C-0137-4C79-8C22-85BF9DFA6EB0}" presName="txShp" presStyleLbl="node1" presStyleIdx="4" presStyleCnt="5" custLinFactNeighborY="1474">
         <dgm:presLayoutVars>
           <dgm:bulletEnabled val="1"/>
         </dgm:presLayoutVars>
@@ -5056,12 +5056,12 @@
         </a:fontRef>
       </dsp:style>
       <dsp:txBody>
-        <a:bodyPr spcFirstLastPara="0" vert="horz" wrap="square" lIns="385190" tIns="121920" rIns="227584" bIns="121920" numCol="1" spcCol="1270" anchor="ctr" anchorCtr="0">
+        <a:bodyPr spcFirstLastPara="0" vert="horz" wrap="square" lIns="385190" tIns="129540" rIns="241808" bIns="129540" numCol="1" spcCol="1270" anchor="ctr" anchorCtr="0">
           <a:noAutofit/>
         </a:bodyPr>
         <a:lstStyle/>
         <a:p>
-          <a:pPr lvl="0" algn="ctr" defTabSz="1422400">
+          <a:pPr lvl="0" algn="ctr" defTabSz="1511300">
             <a:lnSpc>
               <a:spcPct val="90000"/>
             </a:lnSpc>
@@ -5073,7 +5073,7 @@
             </a:spcAft>
           </a:pPr>
           <a:r>
-            <a:rPr lang="en-US" sz="3200" b="1" kern="1200" dirty="0" smtClean="0">
+            <a:rPr lang="en-US" sz="3400" b="0" kern="1200" dirty="0" smtClean="0">
               <a:solidFill>
                 <a:schemeClr val="accent5"/>
               </a:solidFill>
@@ -5082,7 +5082,7 @@
             </a:rPr>
             <a:t>Problem Definition</a:t>
           </a:r>
-          <a:endParaRPr lang="vi-VN" sz="3200" kern="1200" dirty="0"/>
+          <a:endParaRPr lang="vi-VN" sz="3400" b="0" kern="1200" dirty="0"/>
         </a:p>
       </dsp:txBody>
       <dsp:txXfrm rot="10800000">
@@ -5189,12 +5189,12 @@
         </a:fontRef>
       </dsp:style>
       <dsp:txBody>
-        <a:bodyPr spcFirstLastPara="0" vert="horz" wrap="square" lIns="385190" tIns="121920" rIns="227584" bIns="121920" numCol="1" spcCol="1270" anchor="ctr" anchorCtr="0">
+        <a:bodyPr spcFirstLastPara="0" vert="horz" wrap="square" lIns="385190" tIns="129540" rIns="241808" bIns="129540" numCol="1" spcCol="1270" anchor="ctr" anchorCtr="0">
           <a:noAutofit/>
         </a:bodyPr>
         <a:lstStyle/>
         <a:p>
-          <a:pPr lvl="0" algn="ctr" defTabSz="1422400">
+          <a:pPr lvl="0" algn="ctr" defTabSz="1511300">
             <a:lnSpc>
               <a:spcPct val="90000"/>
             </a:lnSpc>
@@ -5206,7 +5206,7 @@
             </a:spcAft>
           </a:pPr>
           <a:r>
-            <a:rPr lang="en-US" sz="3200" b="1" kern="1200" dirty="0" smtClean="0">
+            <a:rPr lang="en-US" sz="3400" b="0" kern="1200" dirty="0" smtClean="0">
               <a:solidFill>
                 <a:schemeClr val="accent5"/>
               </a:solidFill>
@@ -5215,7 +5215,7 @@
             </a:rPr>
             <a:t>The Idea</a:t>
           </a:r>
-          <a:endParaRPr lang="vi-VN" sz="3200" kern="1200" dirty="0"/>
+          <a:endParaRPr lang="vi-VN" sz="3400" b="0" kern="1200" dirty="0"/>
         </a:p>
       </dsp:txBody>
       <dsp:txXfrm rot="10800000">
@@ -5322,12 +5322,12 @@
         </a:fontRef>
       </dsp:style>
       <dsp:txBody>
-        <a:bodyPr spcFirstLastPara="0" vert="horz" wrap="square" lIns="385190" tIns="121920" rIns="227584" bIns="121920" numCol="1" spcCol="1270" anchor="ctr" anchorCtr="0">
+        <a:bodyPr spcFirstLastPara="0" vert="horz" wrap="square" lIns="385190" tIns="129540" rIns="241808" bIns="129540" numCol="1" spcCol="1270" anchor="ctr" anchorCtr="0">
           <a:noAutofit/>
         </a:bodyPr>
         <a:lstStyle/>
         <a:p>
-          <a:pPr lvl="0" algn="ctr" defTabSz="1422400">
+          <a:pPr lvl="0" algn="ctr" defTabSz="1511300">
             <a:lnSpc>
               <a:spcPct val="90000"/>
             </a:lnSpc>
@@ -5339,7 +5339,7 @@
             </a:spcAft>
           </a:pPr>
           <a:r>
-            <a:rPr lang="en-US" sz="3200" b="1" kern="1200" dirty="0" smtClean="0">
+            <a:rPr lang="en-US" sz="3400" b="0" kern="1200" dirty="0" smtClean="0">
               <a:solidFill>
                 <a:schemeClr val="accent5"/>
               </a:solidFill>
@@ -5348,7 +5348,7 @@
             </a:rPr>
             <a:t>System purpose/ objective</a:t>
           </a:r>
-          <a:endParaRPr lang="vi-VN" sz="3200" kern="1200" dirty="0"/>
+          <a:endParaRPr lang="vi-VN" sz="3400" b="0" kern="1200" dirty="0"/>
         </a:p>
       </dsp:txBody>
       <dsp:txXfrm rot="10800000">
@@ -5455,12 +5455,12 @@
         </a:fontRef>
       </dsp:style>
       <dsp:txBody>
-        <a:bodyPr spcFirstLastPara="0" vert="horz" wrap="square" lIns="385190" tIns="121920" rIns="227584" bIns="121920" numCol="1" spcCol="1270" anchor="ctr" anchorCtr="0">
+        <a:bodyPr spcFirstLastPara="0" vert="horz" wrap="square" lIns="385190" tIns="129540" rIns="241808" bIns="129540" numCol="1" spcCol="1270" anchor="ctr" anchorCtr="0">
           <a:noAutofit/>
         </a:bodyPr>
         <a:lstStyle/>
         <a:p>
-          <a:pPr lvl="0" algn="ctr" defTabSz="1422400">
+          <a:pPr lvl="0" algn="ctr" defTabSz="1511300">
             <a:lnSpc>
               <a:spcPct val="90000"/>
             </a:lnSpc>
@@ -5472,7 +5472,7 @@
             </a:spcAft>
           </a:pPr>
           <a:r>
-            <a:rPr lang="en-US" sz="3200" b="1" kern="1200" dirty="0" smtClean="0">
+            <a:rPr lang="en-US" sz="3400" b="0" kern="1200" dirty="0" smtClean="0">
               <a:solidFill>
                 <a:schemeClr val="accent5"/>
               </a:solidFill>
@@ -5547,7 +5547,7 @@
       </dsp:nvSpPr>
       <dsp:spPr>
         <a:xfrm rot="10800000">
-          <a:off x="1579815" y="4541080"/>
+          <a:off x="1579815" y="4545164"/>
           <a:ext cx="5405120" cy="873502"/>
         </a:xfrm>
         <a:prstGeom prst="homePlate">
@@ -5587,12 +5587,12 @@
         </a:fontRef>
       </dsp:style>
       <dsp:txBody>
-        <a:bodyPr spcFirstLastPara="0" vert="horz" wrap="square" lIns="385190" tIns="121920" rIns="227584" bIns="121920" numCol="1" spcCol="1270" anchor="ctr" anchorCtr="0">
+        <a:bodyPr spcFirstLastPara="0" vert="horz" wrap="square" lIns="385190" tIns="129540" rIns="241808" bIns="129540" numCol="1" spcCol="1270" anchor="ctr" anchorCtr="0">
           <a:noAutofit/>
         </a:bodyPr>
         <a:lstStyle/>
         <a:p>
-          <a:pPr lvl="0" algn="ctr" defTabSz="1422400">
+          <a:pPr lvl="0" algn="ctr" defTabSz="1511300">
             <a:lnSpc>
               <a:spcPct val="90000"/>
             </a:lnSpc>
@@ -5604,7 +5604,7 @@
             </a:spcAft>
           </a:pPr>
           <a:r>
-            <a:rPr lang="en-US" sz="3200" b="1" kern="1200" dirty="0" smtClean="0">
+            <a:rPr lang="en-US" sz="3400" b="0" kern="1200" dirty="0" smtClean="0">
               <a:solidFill>
                 <a:schemeClr val="accent5"/>
               </a:solidFill>
@@ -5616,7 +5616,7 @@
         </a:p>
       </dsp:txBody>
       <dsp:txXfrm rot="10800000">
-        <a:off x="1798190" y="4541080"/>
+        <a:off x="1798190" y="4545164"/>
         <a:ext cx="5186745" cy="873502"/>
       </dsp:txXfrm>
     </dsp:sp>
@@ -14541,7 +14541,7 @@
           <a:p>
             <a:fld id="{48A87A34-81AB-432B-8DAE-1953F412C126}" type="datetimeFigureOut">
               <a:rPr lang="en-US" dirty="0"/>
-              <a:t>6/3/2014</a:t>
+              <a:t>6/6/2014</a:t>
             </a:fld>
             <a:endParaRPr lang="en-US" dirty="0"/>
           </a:p>
@@ -14851,7 +14851,7 @@
           <a:p>
             <a:fld id="{48A87A34-81AB-432B-8DAE-1953F412C126}" type="datetimeFigureOut">
               <a:rPr lang="en-US" dirty="0"/>
-              <a:t>6/3/2014</a:t>
+              <a:t>6/6/2014</a:t>
             </a:fld>
             <a:endParaRPr lang="en-US" dirty="0"/>
           </a:p>
@@ -15068,7 +15068,7 @@
           <a:p>
             <a:fld id="{48A87A34-81AB-432B-8DAE-1953F412C126}" type="datetimeFigureOut">
               <a:rPr lang="en-US" dirty="0"/>
-              <a:t>6/3/2014</a:t>
+              <a:t>6/6/2014</a:t>
             </a:fld>
             <a:endParaRPr lang="en-US" dirty="0"/>
           </a:p>
@@ -15354,7 +15354,7 @@
           <a:p>
             <a:fld id="{48A87A34-81AB-432B-8DAE-1953F412C126}" type="datetimeFigureOut">
               <a:rPr lang="en-US" dirty="0"/>
-              <a:t>6/3/2014</a:t>
+              <a:t>6/6/2014</a:t>
             </a:fld>
             <a:endParaRPr lang="en-US" dirty="0"/>
           </a:p>
@@ -15803,7 +15803,7 @@
           <a:p>
             <a:fld id="{48A87A34-81AB-432B-8DAE-1953F412C126}" type="datetimeFigureOut">
               <a:rPr lang="en-US" dirty="0"/>
-              <a:t>6/3/2014</a:t>
+              <a:t>6/6/2014</a:t>
             </a:fld>
             <a:endParaRPr lang="en-US" dirty="0"/>
           </a:p>
@@ -16374,7 +16374,7 @@
           <a:p>
             <a:fld id="{48A87A34-81AB-432B-8DAE-1953F412C126}" type="datetimeFigureOut">
               <a:rPr lang="en-US" dirty="0"/>
-              <a:t>6/3/2014</a:t>
+              <a:t>6/6/2014</a:t>
             </a:fld>
             <a:endParaRPr lang="en-US" dirty="0"/>
           </a:p>
@@ -17230,7 +17230,7 @@
           <a:p>
             <a:fld id="{48A87A34-81AB-432B-8DAE-1953F412C126}" type="datetimeFigureOut">
               <a:rPr lang="en-US" dirty="0"/>
-              <a:t>6/3/2014</a:t>
+              <a:t>6/6/2014</a:t>
             </a:fld>
             <a:endParaRPr lang="en-US" dirty="0"/>
           </a:p>
@@ -17430,7 +17430,7 @@
           <a:p>
             <a:fld id="{48A87A34-81AB-432B-8DAE-1953F412C126}" type="datetimeFigureOut">
               <a:rPr lang="en-US" dirty="0"/>
-              <a:t>6/3/2014</a:t>
+              <a:t>6/6/2014</a:t>
             </a:fld>
             <a:endParaRPr lang="en-US" dirty="0"/>
           </a:p>
@@ -17639,7 +17639,7 @@
           <a:p>
             <a:fld id="{48A87A34-81AB-432B-8DAE-1953F412C126}" type="datetimeFigureOut">
               <a:rPr lang="en-US" dirty="0"/>
-              <a:t>6/3/2014</a:t>
+              <a:t>6/6/2014</a:t>
             </a:fld>
             <a:endParaRPr lang="en-US" dirty="0"/>
           </a:p>
@@ -17839,7 +17839,7 @@
           <a:p>
             <a:fld id="{48A87A34-81AB-432B-8DAE-1953F412C126}" type="datetimeFigureOut">
               <a:rPr lang="en-US" dirty="0"/>
-              <a:t>6/3/2014</a:t>
+              <a:t>6/6/2014</a:t>
             </a:fld>
             <a:endParaRPr lang="en-US" dirty="0"/>
           </a:p>
@@ -18114,7 +18114,7 @@
           <a:p>
             <a:fld id="{48A87A34-81AB-432B-8DAE-1953F412C126}" type="datetimeFigureOut">
               <a:rPr lang="en-US" dirty="0"/>
-              <a:t>6/3/2014</a:t>
+              <a:t>6/6/2014</a:t>
             </a:fld>
             <a:endParaRPr lang="en-US" dirty="0"/>
           </a:p>
@@ -18376,7 +18376,7 @@
           <a:p>
             <a:fld id="{48A87A34-81AB-432B-8DAE-1953F412C126}" type="datetimeFigureOut">
               <a:rPr lang="en-US" dirty="0"/>
-              <a:t>6/3/2014</a:t>
+              <a:t>6/6/2014</a:t>
             </a:fld>
             <a:endParaRPr lang="en-US" dirty="0"/>
           </a:p>
@@ -18786,7 +18786,7 @@
           <a:p>
             <a:fld id="{48A87A34-81AB-432B-8DAE-1953F412C126}" type="datetimeFigureOut">
               <a:rPr lang="en-US" dirty="0"/>
-              <a:t>6/3/2014</a:t>
+              <a:t>6/6/2014</a:t>
             </a:fld>
             <a:endParaRPr lang="en-US" dirty="0"/>
           </a:p>
@@ -18929,7 +18929,7 @@
           <a:p>
             <a:fld id="{48A87A34-81AB-432B-8DAE-1953F412C126}" type="datetimeFigureOut">
               <a:rPr lang="en-US" dirty="0"/>
-              <a:t>6/3/2014</a:t>
+              <a:t>6/6/2014</a:t>
             </a:fld>
             <a:endParaRPr lang="en-US" dirty="0"/>
           </a:p>
@@ -19049,7 +19049,7 @@
           <a:p>
             <a:fld id="{48A87A34-81AB-432B-8DAE-1953F412C126}" type="datetimeFigureOut">
               <a:rPr lang="en-US" dirty="0"/>
-              <a:t>6/3/2014</a:t>
+              <a:t>6/6/2014</a:t>
             </a:fld>
             <a:endParaRPr lang="en-US" dirty="0"/>
           </a:p>
@@ -19323,7 +19323,7 @@
           <a:p>
             <a:fld id="{48A87A34-81AB-432B-8DAE-1953F412C126}" type="datetimeFigureOut">
               <a:rPr lang="en-US" dirty="0"/>
-              <a:t>6/3/2014</a:t>
+              <a:t>6/6/2014</a:t>
             </a:fld>
             <a:endParaRPr lang="en-US" dirty="0"/>
           </a:p>
@@ -19633,7 +19633,7 @@
           <a:p>
             <a:fld id="{48A87A34-81AB-432B-8DAE-1953F412C126}" type="datetimeFigureOut">
               <a:rPr lang="en-US" dirty="0"/>
-              <a:t>6/3/2014</a:t>
+              <a:t>6/6/2014</a:t>
             </a:fld>
             <a:endParaRPr lang="en-US" dirty="0"/>
           </a:p>
@@ -19882,7 +19882,7 @@
             <a:fld id="{48A87A34-81AB-432B-8DAE-1953F412C126}" type="datetimeFigureOut">
               <a:rPr lang="en-US" dirty="0"/>
               <a:pPr/>
-              <a:t>6/3/2014</a:t>
+              <a:t>6/6/2014</a:t>
             </a:fld>
             <a:endParaRPr lang="en-US" dirty="0"/>
           </a:p>
@@ -21127,7 +21127,12 @@
             <p:ph sz="quarter" idx="13"/>
           </p:nvPr>
         </p:nvSpPr>
-        <p:spPr/>
+        <p:spPr>
+          <a:xfrm>
+            <a:off x="913775" y="2367092"/>
+            <a:ext cx="10363826" cy="3424107"/>
+          </a:xfrm>
+        </p:spPr>
         <p:txBody>
           <a:bodyPr>
             <a:normAutofit/>
@@ -21136,7 +21141,7 @@
           <a:p>
             <a:r>
               <a:rPr lang="vi-VN" cap="none" dirty="0" smtClean="0">
-                <a:latin typeface="+mj-lt"/>
+                <a:latin typeface="Times New Roman (Headings)"/>
               </a:rPr>
               <a:t>The system will be developed on web</a:t>
             </a:r>
@@ -21144,7 +21149,7 @@
           <a:p>
             <a:r>
               <a:rPr lang="vi-VN" cap="none" dirty="0" smtClean="0">
-                <a:latin typeface="+mj-lt"/>
+                <a:latin typeface="Times New Roman (Headings)"/>
               </a:rPr>
               <a:t>User include guest and member can use functions likes:</a:t>
             </a:r>
@@ -21152,26 +21157,50 @@
           <a:p>
             <a:r>
               <a:rPr lang="vi-VN" cap="none" dirty="0" smtClean="0">
-                <a:latin typeface="+mj-lt"/>
+                <a:latin typeface="Times New Roman (Headings)"/>
               </a:rPr>
-              <a:t>User can filter and searching words with options: example sentences, grammar, video, conservation, specialized japanese</a:t>
+              <a:t>User can filter and searching words with </a:t>
+            </a:r>
+            <a:r>
+              <a:rPr lang="vi-VN" cap="none" dirty="0" smtClean="0">
+                <a:latin typeface="Times New Roman (Headings)"/>
+              </a:rPr>
+              <a:t>more options:</a:t>
             </a:r>
           </a:p>
           <a:p>
+            <a:pPr>
+              <a:buFont typeface="Wingdings" panose="05000000000000000000" pitchFamily="2" charset="2"/>
+              <a:buChar char="Ø"/>
+            </a:pPr>
             <a:r>
               <a:rPr lang="vi-VN" cap="none" dirty="0" smtClean="0">
-                <a:latin typeface="+mj-lt"/>
+                <a:latin typeface="Times New Roman (Headings)"/>
               </a:rPr>
-              <a:t>User can learn with many sections: fundamental, intermediate, review JLPT, reading, listening, conservation</a:t>
+              <a:t>Search sentences: User enter 1 word then choose option ‘Search sentence’ , website will return full meaning of word and list related example sentences.</a:t>
             </a:r>
           </a:p>
           <a:p>
+            <a:pPr>
+              <a:buFont typeface="Wingdings" panose="05000000000000000000" pitchFamily="2" charset="2"/>
+              <a:buChar char="Ø"/>
+            </a:pPr>
             <a:r>
               <a:rPr lang="vi-VN" cap="none" dirty="0" smtClean="0">
-                <a:latin typeface="+mj-lt"/>
+                <a:latin typeface="Times New Roman (Headings)"/>
               </a:rPr>
-              <a:t>User can contribute database or opinion</a:t>
+              <a:t>Search grammar: User enter  1 grammar then choose option ‘Search grammar’ , website will return full meaning of grammar and list related example sentences.</a:t>
             </a:r>
+          </a:p>
+          <a:p>
+            <a:endParaRPr lang="vi-VN" cap="none" dirty="0" smtClean="0">
+              <a:latin typeface="Times New Roman (Headings)"/>
+            </a:endParaRPr>
+          </a:p>
+          <a:p>
+            <a:endParaRPr lang="vi-VN" cap="none" dirty="0" smtClean="0">
+              <a:latin typeface="Times New Roman (Headings)"/>
+            </a:endParaRPr>
           </a:p>
         </p:txBody>
       </p:sp>
@@ -21762,33 +21791,15 @@
                                   </p:childTnLst>
                                 </p:cTn>
                               </p:par>
-                            </p:childTnLst>
-                          </p:cTn>
-                        </p:par>
-                      </p:childTnLst>
-                    </p:cTn>
-                  </p:par>
-                  <p:par>
-                    <p:cTn id="36" fill="hold">
-                      <p:stCondLst>
-                        <p:cond delay="indefinite"/>
-                      </p:stCondLst>
-                      <p:childTnLst>
-                        <p:par>
-                          <p:cTn id="37" fill="hold">
-                            <p:stCondLst>
-                              <p:cond delay="0"/>
-                            </p:stCondLst>
-                            <p:childTnLst>
                               <p:par>
-                                <p:cTn id="38" presetID="42" presetClass="entr" presetSubtype="0" fill="hold" grpId="0" nodeType="clickEffect">
+                                <p:cTn id="36" presetID="42" presetClass="entr" presetSubtype="0" fill="hold" grpId="0" nodeType="withEffect">
                                   <p:stCondLst>
                                     <p:cond delay="0"/>
                                   </p:stCondLst>
                                   <p:childTnLst>
                                     <p:set>
                                       <p:cBhvr>
-                                        <p:cTn id="39" dur="1" fill="hold">
+                                        <p:cTn id="37" dur="1" fill="hold">
                                           <p:stCondLst>
                                             <p:cond delay="0"/>
                                           </p:stCondLst>
@@ -21810,7 +21821,7 @@
                                     </p:set>
                                     <p:animEffect transition="in" filter="fade">
                                       <p:cBhvr>
-                                        <p:cTn id="40" dur="1000"/>
+                                        <p:cTn id="38" dur="1000"/>
                                         <p:tgtEl>
                                           <p:spTgt spid="3">
                                             <p:txEl>
@@ -21822,7 +21833,7 @@
                                     </p:animEffect>
                                     <p:anim calcmode="lin" valueType="num">
                                       <p:cBhvr>
-                                        <p:cTn id="41" dur="1000" fill="hold"/>
+                                        <p:cTn id="39" dur="1000" fill="hold"/>
                                         <p:tgtEl>
                                           <p:spTgt spid="3">
                                             <p:txEl>
@@ -21849,7 +21860,7 @@
                                     </p:anim>
                                     <p:anim calcmode="lin" valueType="num">
                                       <p:cBhvr>
-                                        <p:cTn id="42" dur="1000" fill="hold"/>
+                                        <p:cTn id="40" dur="1000" fill="hold"/>
                                         <p:tgtEl>
                                           <p:spTgt spid="3">
                                             <p:txEl>
@@ -21939,6 +21950,1915 @@
             <p:ph sz="quarter" idx="13"/>
           </p:nvPr>
         </p:nvSpPr>
+        <p:spPr/>
+        <p:txBody>
+          <a:bodyPr/>
+          <a:lstStyle/>
+          <a:p>
+            <a:pPr>
+              <a:buFont typeface="Wingdings" panose="05000000000000000000" pitchFamily="2" charset="2"/>
+              <a:buChar char="Ø"/>
+            </a:pPr>
+            <a:r>
+              <a:rPr lang="vi-VN" cap="none" dirty="0">
+                <a:latin typeface="+mj-lt"/>
+              </a:rPr>
+              <a:t>Search conversation: User enter 1 keyword relate conversation then choose option ‘ Search conversation’, website will return list related </a:t>
+            </a:r>
+            <a:r>
+              <a:rPr lang="vi-VN" cap="none" dirty="0" smtClean="0">
+                <a:latin typeface="+mj-lt"/>
+              </a:rPr>
+              <a:t>conversations</a:t>
+            </a:r>
+            <a:endParaRPr lang="vi-VN" cap="none" dirty="0">
+              <a:latin typeface="+mj-lt"/>
+            </a:endParaRPr>
+          </a:p>
+          <a:p>
+            <a:pPr>
+              <a:buFont typeface="Wingdings" panose="05000000000000000000" pitchFamily="2" charset="2"/>
+              <a:buChar char="Ø"/>
+            </a:pPr>
+            <a:r>
+              <a:rPr lang="vi-VN" cap="none" dirty="0">
+                <a:latin typeface="+mj-lt"/>
+              </a:rPr>
+              <a:t>Search </a:t>
+            </a:r>
+            <a:r>
+              <a:rPr lang="vi-VN" cap="none" dirty="0" smtClean="0">
+                <a:latin typeface="+mj-lt"/>
+              </a:rPr>
+              <a:t>specialized Japanese: User enter 1 word then choose option ‘ Search specialized Japanese’, website </a:t>
+            </a:r>
+            <a:r>
+              <a:rPr lang="vi-VN" cap="none" dirty="0">
+                <a:latin typeface="+mj-lt"/>
+              </a:rPr>
+              <a:t>website will return full meaning of word and list related example sentences</a:t>
+            </a:r>
+            <a:r>
+              <a:rPr lang="vi-VN" cap="none" dirty="0" smtClean="0">
+                <a:latin typeface="+mj-lt"/>
+              </a:rPr>
+              <a:t>.</a:t>
+            </a:r>
+          </a:p>
+          <a:p>
+            <a:pPr>
+              <a:buFont typeface="Wingdings" panose="05000000000000000000" pitchFamily="2" charset="2"/>
+              <a:buChar char="Ø"/>
+            </a:pPr>
+            <a:r>
+              <a:rPr lang="vi-VN" cap="none" dirty="0" smtClean="0">
+                <a:latin typeface="+mj-lt"/>
+              </a:rPr>
+              <a:t>Search video: User enter </a:t>
+            </a:r>
+            <a:r>
+              <a:rPr lang="vi-VN" cap="none" dirty="0">
+                <a:latin typeface="+mj-lt"/>
+              </a:rPr>
+              <a:t>1 keyword relate </a:t>
+            </a:r>
+            <a:r>
+              <a:rPr lang="vi-VN" cap="none" dirty="0" smtClean="0">
+                <a:latin typeface="+mj-lt"/>
+              </a:rPr>
+              <a:t>video </a:t>
+            </a:r>
+            <a:r>
+              <a:rPr lang="vi-VN" cap="none" dirty="0">
+                <a:latin typeface="+mj-lt"/>
+              </a:rPr>
+              <a:t>then choose option ‘ Search </a:t>
+            </a:r>
+            <a:r>
+              <a:rPr lang="vi-VN" cap="none" dirty="0" smtClean="0">
+                <a:latin typeface="+mj-lt"/>
+              </a:rPr>
+              <a:t>video’, </a:t>
+            </a:r>
+            <a:r>
+              <a:rPr lang="vi-VN" cap="none" dirty="0">
+                <a:latin typeface="+mj-lt"/>
+              </a:rPr>
+              <a:t>website will return list related </a:t>
+            </a:r>
+            <a:r>
+              <a:rPr lang="vi-VN" cap="none" dirty="0" smtClean="0">
+                <a:latin typeface="+mj-lt"/>
+              </a:rPr>
+              <a:t>videos.</a:t>
+            </a:r>
+            <a:endParaRPr lang="vi-VN" cap="none" dirty="0">
+              <a:latin typeface="+mj-lt"/>
+            </a:endParaRPr>
+          </a:p>
+          <a:p>
+            <a:endParaRPr lang="vi-VN" dirty="0">
+              <a:latin typeface="+mj-lt"/>
+            </a:endParaRPr>
+          </a:p>
+        </p:txBody>
+      </p:sp>
+      <p:sp>
+        <p:nvSpPr>
+          <p:cNvPr id="4" name="Title 1"/>
+          <p:cNvSpPr>
+            <a:spLocks noGrp="1"/>
+          </p:cNvSpPr>
+          <p:nvPr>
+            <p:ph type="title"/>
+          </p:nvPr>
+        </p:nvSpPr>
+        <p:spPr>
+          <a:xfrm>
+            <a:off x="913775" y="618517"/>
+            <a:ext cx="10364451" cy="1596177"/>
+          </a:xfrm>
+        </p:spPr>
+        <p:txBody>
+          <a:bodyPr/>
+          <a:lstStyle/>
+          <a:p>
+            <a:pPr lvl="0"/>
+            <a:r>
+              <a:rPr lang="vi-VN" sz="5400" cap="none" dirty="0" smtClean="0">
+                <a:ln w="0"/>
+                <a:gradFill>
+                  <a:gsLst>
+                    <a:gs pos="0">
+                      <a:schemeClr val="accent5">
+                        <a:lumMod val="50000"/>
+                      </a:schemeClr>
+                    </a:gs>
+                    <a:gs pos="50000">
+                      <a:schemeClr val="accent5"/>
+                    </a:gs>
+                    <a:gs pos="100000">
+                      <a:schemeClr val="accent5">
+                        <a:lumMod val="60000"/>
+                        <a:lumOff val="40000"/>
+                      </a:schemeClr>
+                    </a:gs>
+                  </a:gsLst>
+                  <a:lin ang="5400000"/>
+                </a:gradFill>
+                <a:effectLst>
+                  <a:reflection blurRad="6350" stA="53000" endA="300" endPos="35500" dir="5400000" sy="-90000" algn="bl" rotWithShape="0"/>
+                </a:effectLst>
+                <a:latin typeface="Times New Roman" pitchFamily="18" charset="0"/>
+                <a:cs typeface="Times New Roman" pitchFamily="18" charset="0"/>
+              </a:rPr>
+              <a:t>Functional Requirements</a:t>
+            </a:r>
+            <a:r>
+              <a:rPr lang="vi-VN" dirty="0"/>
+              <a:t/>
+            </a:r>
+            <a:br>
+              <a:rPr lang="vi-VN" dirty="0"/>
+            </a:br>
+            <a:endParaRPr lang="vi-VN" dirty="0"/>
+          </a:p>
+        </p:txBody>
+      </p:sp>
+    </p:spTree>
+    <p:extLst>
+      <p:ext uri="{BB962C8B-B14F-4D97-AF65-F5344CB8AC3E}">
+        <p14:creationId xmlns:p14="http://schemas.microsoft.com/office/powerpoint/2010/main" val="2071829766"/>
+      </p:ext>
+    </p:extLst>
+  </p:cSld>
+  <p:clrMapOvr>
+    <a:masterClrMapping/>
+  </p:clrMapOvr>
+  <p:timing>
+    <p:tnLst>
+      <p:par>
+        <p:cTn id="1" dur="indefinite" restart="never" nodeType="tmRoot">
+          <p:childTnLst>
+            <p:seq concurrent="1" nextAc="seek">
+              <p:cTn id="2" dur="indefinite" nodeType="mainSeq">
+                <p:childTnLst>
+                  <p:par>
+                    <p:cTn id="3" fill="hold">
+                      <p:stCondLst>
+                        <p:cond delay="indefinite"/>
+                      </p:stCondLst>
+                      <p:childTnLst>
+                        <p:par>
+                          <p:cTn id="4" fill="hold">
+                            <p:stCondLst>
+                              <p:cond delay="0"/>
+                            </p:stCondLst>
+                            <p:childTnLst>
+                              <p:par>
+                                <p:cTn id="5" presetID="16" presetClass="entr" presetSubtype="21" fill="hold" grpId="0" nodeType="clickEffect">
+                                  <p:stCondLst>
+                                    <p:cond delay="0"/>
+                                  </p:stCondLst>
+                                  <p:childTnLst>
+                                    <p:set>
+                                      <p:cBhvr>
+                                        <p:cTn id="6" dur="1" fill="hold">
+                                          <p:stCondLst>
+                                            <p:cond delay="0"/>
+                                          </p:stCondLst>
+                                        </p:cTn>
+                                        <p:tgtEl>
+                                          <p:spTgt spid="4"/>
+                                        </p:tgtEl>
+                                        <p:attrNameLst>
+                                          <p:attrName>style.visibility</p:attrName>
+                                        </p:attrNameLst>
+                                      </p:cBhvr>
+                                      <p:to>
+                                        <p:strVal val="visible"/>
+                                      </p:to>
+                                    </p:set>
+                                    <p:animEffect transition="in" filter="barn(inVertical)">
+                                      <p:cBhvr>
+                                        <p:cTn id="7" dur="500"/>
+                                        <p:tgtEl>
+                                          <p:spTgt spid="4"/>
+                                        </p:tgtEl>
+                                      </p:cBhvr>
+                                    </p:animEffect>
+                                  </p:childTnLst>
+                                </p:cTn>
+                              </p:par>
+                            </p:childTnLst>
+                          </p:cTn>
+                        </p:par>
+                      </p:childTnLst>
+                    </p:cTn>
+                  </p:par>
+                  <p:par>
+                    <p:cTn id="8" fill="hold">
+                      <p:stCondLst>
+                        <p:cond delay="indefinite"/>
+                      </p:stCondLst>
+                      <p:childTnLst>
+                        <p:par>
+                          <p:cTn id="9" fill="hold">
+                            <p:stCondLst>
+                              <p:cond delay="0"/>
+                            </p:stCondLst>
+                            <p:childTnLst>
+                              <p:par>
+                                <p:cTn id="10" presetID="42" presetClass="entr" presetSubtype="0" fill="hold" nodeType="clickEffect">
+                                  <p:stCondLst>
+                                    <p:cond delay="0"/>
+                                  </p:stCondLst>
+                                  <p:childTnLst>
+                                    <p:set>
+                                      <p:cBhvr>
+                                        <p:cTn id="11" dur="1" fill="hold">
+                                          <p:stCondLst>
+                                            <p:cond delay="0"/>
+                                          </p:stCondLst>
+                                        </p:cTn>
+                                        <p:tgtEl>
+                                          <p:spTgt spid="3">
+                                            <p:txEl>
+                                              <p:pRg st="0" end="0"/>
+                                            </p:txEl>
+                                          </p:spTgt>
+                                        </p:tgtEl>
+                                        <p:attrNameLst>
+                                          <p:attrName>style.visibility</p:attrName>
+                                        </p:attrNameLst>
+                                      </p:cBhvr>
+                                      <p:to>
+                                        <p:strVal val="visible"/>
+                                      </p:to>
+                                    </p:set>
+                                    <p:animEffect transition="in" filter="fade">
+                                      <p:cBhvr>
+                                        <p:cTn id="12" dur="1000"/>
+                                        <p:tgtEl>
+                                          <p:spTgt spid="3">
+                                            <p:txEl>
+                                              <p:pRg st="0" end="0"/>
+                                            </p:txEl>
+                                          </p:spTgt>
+                                        </p:tgtEl>
+                                      </p:cBhvr>
+                                    </p:animEffect>
+                                    <p:anim calcmode="lin" valueType="num">
+                                      <p:cBhvr>
+                                        <p:cTn id="13" dur="1000" fill="hold"/>
+                                        <p:tgtEl>
+                                          <p:spTgt spid="3">
+                                            <p:txEl>
+                                              <p:pRg st="0" end="0"/>
+                                            </p:txEl>
+                                          </p:spTgt>
+                                        </p:tgtEl>
+                                        <p:attrNameLst>
+                                          <p:attrName>ppt_x</p:attrName>
+                                        </p:attrNameLst>
+                                      </p:cBhvr>
+                                      <p:tavLst>
+                                        <p:tav tm="0">
+                                          <p:val>
+                                            <p:strVal val="#ppt_x"/>
+                                          </p:val>
+                                        </p:tav>
+                                        <p:tav tm="100000">
+                                          <p:val>
+                                            <p:strVal val="#ppt_x"/>
+                                          </p:val>
+                                        </p:tav>
+                                      </p:tavLst>
+                                    </p:anim>
+                                    <p:anim calcmode="lin" valueType="num">
+                                      <p:cBhvr>
+                                        <p:cTn id="14" dur="1000" fill="hold"/>
+                                        <p:tgtEl>
+                                          <p:spTgt spid="3">
+                                            <p:txEl>
+                                              <p:pRg st="0" end="0"/>
+                                            </p:txEl>
+                                          </p:spTgt>
+                                        </p:tgtEl>
+                                        <p:attrNameLst>
+                                          <p:attrName>ppt_y</p:attrName>
+                                        </p:attrNameLst>
+                                      </p:cBhvr>
+                                      <p:tavLst>
+                                        <p:tav tm="0">
+                                          <p:val>
+                                            <p:strVal val="#ppt_y+.1"/>
+                                          </p:val>
+                                        </p:tav>
+                                        <p:tav tm="100000">
+                                          <p:val>
+                                            <p:strVal val="#ppt_y"/>
+                                          </p:val>
+                                        </p:tav>
+                                      </p:tavLst>
+                                    </p:anim>
+                                  </p:childTnLst>
+                                </p:cTn>
+                              </p:par>
+                              <p:par>
+                                <p:cTn id="15" presetID="42" presetClass="entr" presetSubtype="0" fill="hold" nodeType="withEffect">
+                                  <p:stCondLst>
+                                    <p:cond delay="0"/>
+                                  </p:stCondLst>
+                                  <p:childTnLst>
+                                    <p:set>
+                                      <p:cBhvr>
+                                        <p:cTn id="16" dur="1" fill="hold">
+                                          <p:stCondLst>
+                                            <p:cond delay="0"/>
+                                          </p:stCondLst>
+                                        </p:cTn>
+                                        <p:tgtEl>
+                                          <p:spTgt spid="3">
+                                            <p:txEl>
+                                              <p:pRg st="1" end="1"/>
+                                            </p:txEl>
+                                          </p:spTgt>
+                                        </p:tgtEl>
+                                        <p:attrNameLst>
+                                          <p:attrName>style.visibility</p:attrName>
+                                        </p:attrNameLst>
+                                      </p:cBhvr>
+                                      <p:to>
+                                        <p:strVal val="visible"/>
+                                      </p:to>
+                                    </p:set>
+                                    <p:animEffect transition="in" filter="fade">
+                                      <p:cBhvr>
+                                        <p:cTn id="17" dur="1000"/>
+                                        <p:tgtEl>
+                                          <p:spTgt spid="3">
+                                            <p:txEl>
+                                              <p:pRg st="1" end="1"/>
+                                            </p:txEl>
+                                          </p:spTgt>
+                                        </p:tgtEl>
+                                      </p:cBhvr>
+                                    </p:animEffect>
+                                    <p:anim calcmode="lin" valueType="num">
+                                      <p:cBhvr>
+                                        <p:cTn id="18" dur="1000" fill="hold"/>
+                                        <p:tgtEl>
+                                          <p:spTgt spid="3">
+                                            <p:txEl>
+                                              <p:pRg st="1" end="1"/>
+                                            </p:txEl>
+                                          </p:spTgt>
+                                        </p:tgtEl>
+                                        <p:attrNameLst>
+                                          <p:attrName>ppt_x</p:attrName>
+                                        </p:attrNameLst>
+                                      </p:cBhvr>
+                                      <p:tavLst>
+                                        <p:tav tm="0">
+                                          <p:val>
+                                            <p:strVal val="#ppt_x"/>
+                                          </p:val>
+                                        </p:tav>
+                                        <p:tav tm="100000">
+                                          <p:val>
+                                            <p:strVal val="#ppt_x"/>
+                                          </p:val>
+                                        </p:tav>
+                                      </p:tavLst>
+                                    </p:anim>
+                                    <p:anim calcmode="lin" valueType="num">
+                                      <p:cBhvr>
+                                        <p:cTn id="19" dur="1000" fill="hold"/>
+                                        <p:tgtEl>
+                                          <p:spTgt spid="3">
+                                            <p:txEl>
+                                              <p:pRg st="1" end="1"/>
+                                            </p:txEl>
+                                          </p:spTgt>
+                                        </p:tgtEl>
+                                        <p:attrNameLst>
+                                          <p:attrName>ppt_y</p:attrName>
+                                        </p:attrNameLst>
+                                      </p:cBhvr>
+                                      <p:tavLst>
+                                        <p:tav tm="0">
+                                          <p:val>
+                                            <p:strVal val="#ppt_y+.1"/>
+                                          </p:val>
+                                        </p:tav>
+                                        <p:tav tm="100000">
+                                          <p:val>
+                                            <p:strVal val="#ppt_y"/>
+                                          </p:val>
+                                        </p:tav>
+                                      </p:tavLst>
+                                    </p:anim>
+                                  </p:childTnLst>
+                                </p:cTn>
+                              </p:par>
+                              <p:par>
+                                <p:cTn id="20" presetID="42" presetClass="entr" presetSubtype="0" fill="hold" nodeType="withEffect">
+                                  <p:stCondLst>
+                                    <p:cond delay="0"/>
+                                  </p:stCondLst>
+                                  <p:childTnLst>
+                                    <p:set>
+                                      <p:cBhvr>
+                                        <p:cTn id="21" dur="1" fill="hold">
+                                          <p:stCondLst>
+                                            <p:cond delay="0"/>
+                                          </p:stCondLst>
+                                        </p:cTn>
+                                        <p:tgtEl>
+                                          <p:spTgt spid="3">
+                                            <p:txEl>
+                                              <p:pRg st="2" end="2"/>
+                                            </p:txEl>
+                                          </p:spTgt>
+                                        </p:tgtEl>
+                                        <p:attrNameLst>
+                                          <p:attrName>style.visibility</p:attrName>
+                                        </p:attrNameLst>
+                                      </p:cBhvr>
+                                      <p:to>
+                                        <p:strVal val="visible"/>
+                                      </p:to>
+                                    </p:set>
+                                    <p:animEffect transition="in" filter="fade">
+                                      <p:cBhvr>
+                                        <p:cTn id="22" dur="1000"/>
+                                        <p:tgtEl>
+                                          <p:spTgt spid="3">
+                                            <p:txEl>
+                                              <p:pRg st="2" end="2"/>
+                                            </p:txEl>
+                                          </p:spTgt>
+                                        </p:tgtEl>
+                                      </p:cBhvr>
+                                    </p:animEffect>
+                                    <p:anim calcmode="lin" valueType="num">
+                                      <p:cBhvr>
+                                        <p:cTn id="23" dur="1000" fill="hold"/>
+                                        <p:tgtEl>
+                                          <p:spTgt spid="3">
+                                            <p:txEl>
+                                              <p:pRg st="2" end="2"/>
+                                            </p:txEl>
+                                          </p:spTgt>
+                                        </p:tgtEl>
+                                        <p:attrNameLst>
+                                          <p:attrName>ppt_x</p:attrName>
+                                        </p:attrNameLst>
+                                      </p:cBhvr>
+                                      <p:tavLst>
+                                        <p:tav tm="0">
+                                          <p:val>
+                                            <p:strVal val="#ppt_x"/>
+                                          </p:val>
+                                        </p:tav>
+                                        <p:tav tm="100000">
+                                          <p:val>
+                                            <p:strVal val="#ppt_x"/>
+                                          </p:val>
+                                        </p:tav>
+                                      </p:tavLst>
+                                    </p:anim>
+                                    <p:anim calcmode="lin" valueType="num">
+                                      <p:cBhvr>
+                                        <p:cTn id="24" dur="1000" fill="hold"/>
+                                        <p:tgtEl>
+                                          <p:spTgt spid="3">
+                                            <p:txEl>
+                                              <p:pRg st="2" end="2"/>
+                                            </p:txEl>
+                                          </p:spTgt>
+                                        </p:tgtEl>
+                                        <p:attrNameLst>
+                                          <p:attrName>ppt_y</p:attrName>
+                                        </p:attrNameLst>
+                                      </p:cBhvr>
+                                      <p:tavLst>
+                                        <p:tav tm="0">
+                                          <p:val>
+                                            <p:strVal val="#ppt_y+.1"/>
+                                          </p:val>
+                                        </p:tav>
+                                        <p:tav tm="100000">
+                                          <p:val>
+                                            <p:strVal val="#ppt_y"/>
+                                          </p:val>
+                                        </p:tav>
+                                      </p:tavLst>
+                                    </p:anim>
+                                  </p:childTnLst>
+                                </p:cTn>
+                              </p:par>
+                            </p:childTnLst>
+                          </p:cTn>
+                        </p:par>
+                      </p:childTnLst>
+                    </p:cTn>
+                  </p:par>
+                </p:childTnLst>
+              </p:cTn>
+              <p:prevCondLst>
+                <p:cond evt="onPrev" delay="0">
+                  <p:tgtEl>
+                    <p:sldTgt/>
+                  </p:tgtEl>
+                </p:cond>
+              </p:prevCondLst>
+              <p:nextCondLst>
+                <p:cond evt="onNext" delay="0">
+                  <p:tgtEl>
+                    <p:sldTgt/>
+                  </p:tgtEl>
+                </p:cond>
+              </p:nextCondLst>
+            </p:seq>
+          </p:childTnLst>
+        </p:cTn>
+      </p:par>
+    </p:tnLst>
+    <p:bldLst>
+      <p:bldP spid="4" grpId="0"/>
+    </p:bldLst>
+  </p:timing>
+</p:sld>
+</file>
+
+<file path=ppt/slides/slide12.xml><?xml version="1.0" encoding="utf-8"?>
+<p:sld xmlns:a="http://schemas.openxmlformats.org/drawingml/2006/main" xmlns:r="http://schemas.openxmlformats.org/officeDocument/2006/relationships" xmlns:p="http://schemas.openxmlformats.org/presentationml/2006/main">
+  <p:cSld>
+    <p:spTree>
+      <p:nvGrpSpPr>
+        <p:cNvPr id="1" name=""/>
+        <p:cNvGrpSpPr/>
+        <p:nvPr/>
+      </p:nvGrpSpPr>
+      <p:grpSpPr>
+        <a:xfrm>
+          <a:off x="0" y="0"/>
+          <a:ext cx="0" cy="0"/>
+          <a:chOff x="0" y="0"/>
+          <a:chExt cx="0" cy="0"/>
+        </a:xfrm>
+      </p:grpSpPr>
+      <p:sp>
+        <p:nvSpPr>
+          <p:cNvPr id="3" name="Content Placeholder 2"/>
+          <p:cNvSpPr>
+            <a:spLocks noGrp="1"/>
+          </p:cNvSpPr>
+          <p:nvPr>
+            <p:ph sz="quarter" idx="13"/>
+          </p:nvPr>
+        </p:nvSpPr>
+        <p:spPr/>
+        <p:txBody>
+          <a:bodyPr>
+            <a:normAutofit lnSpcReduction="10000"/>
+          </a:bodyPr>
+          <a:lstStyle/>
+          <a:p>
+            <a:r>
+              <a:rPr lang="vi-VN" cap="none" dirty="0">
+                <a:latin typeface="+mj-lt"/>
+              </a:rPr>
+              <a:t>User can learn with many </a:t>
+            </a:r>
+            <a:r>
+              <a:rPr lang="vi-VN" cap="none" dirty="0" smtClean="0">
+                <a:latin typeface="+mj-lt"/>
+              </a:rPr>
+              <a:t>sections:</a:t>
+            </a:r>
+          </a:p>
+          <a:p>
+            <a:pPr>
+              <a:buFont typeface="Wingdings" panose="05000000000000000000" pitchFamily="2" charset="2"/>
+              <a:buChar char="Ø"/>
+            </a:pPr>
+            <a:r>
+              <a:rPr lang="vi-VN" cap="none" dirty="0" smtClean="0">
+                <a:latin typeface="+mj-lt"/>
+              </a:rPr>
+              <a:t>Training listening: User can choose section depend on level (N2, N3, N4)</a:t>
+            </a:r>
+          </a:p>
+          <a:p>
+            <a:pPr>
+              <a:buFont typeface="Wingdings" panose="05000000000000000000" pitchFamily="2" charset="2"/>
+              <a:buChar char="Ø"/>
+            </a:pPr>
+            <a:r>
+              <a:rPr lang="vi-VN" cap="none" dirty="0" smtClean="0">
+                <a:latin typeface="+mj-lt"/>
+              </a:rPr>
+              <a:t>Training reading: </a:t>
+            </a:r>
+            <a:r>
+              <a:rPr lang="vi-VN" cap="none" dirty="0">
+                <a:latin typeface="+mj-lt"/>
+              </a:rPr>
+              <a:t>User can choose section </a:t>
+            </a:r>
+            <a:r>
+              <a:rPr lang="vi-VN" cap="none" dirty="0" smtClean="0">
+                <a:latin typeface="+mj-lt"/>
+              </a:rPr>
+              <a:t>from easy to hard</a:t>
+            </a:r>
+          </a:p>
+          <a:p>
+            <a:pPr>
+              <a:buFont typeface="Wingdings" panose="05000000000000000000" pitchFamily="2" charset="2"/>
+              <a:buChar char="Ø"/>
+            </a:pPr>
+            <a:r>
+              <a:rPr lang="vi-VN" cap="none" dirty="0" smtClean="0">
+                <a:latin typeface="+mj-lt"/>
+              </a:rPr>
+              <a:t>Reading document: website provide lots of documnet such as foundamentel japanese, intermediate japanese, review</a:t>
+            </a:r>
+          </a:p>
+          <a:p>
+            <a:pPr>
+              <a:buFont typeface="Wingdings" panose="05000000000000000000" pitchFamily="2" charset="2"/>
+              <a:buChar char="Ø"/>
+            </a:pPr>
+            <a:r>
+              <a:rPr lang="vi-VN" cap="none" dirty="0" smtClean="0">
+                <a:latin typeface="+mj-lt"/>
+              </a:rPr>
+              <a:t>Listening conversation: </a:t>
+            </a:r>
+            <a:r>
+              <a:rPr lang="vi-VN" cap="none" dirty="0">
+                <a:latin typeface="+mj-lt"/>
+              </a:rPr>
+              <a:t>User can choose section </a:t>
+            </a:r>
+            <a:r>
+              <a:rPr lang="vi-VN" cap="none" dirty="0" smtClean="0">
+                <a:latin typeface="+mj-lt"/>
+              </a:rPr>
+              <a:t>‘daily conversation’, ‘common conversation’</a:t>
+            </a:r>
+          </a:p>
+          <a:p>
+            <a:r>
+              <a:rPr lang="vi-VN" cap="none" dirty="0">
+                <a:latin typeface="+mj-lt"/>
+              </a:rPr>
+              <a:t>User can contribute database or opinion: when user has good document and good idea, user can send to admin</a:t>
+            </a:r>
+          </a:p>
+          <a:p>
+            <a:pPr marL="0" indent="0">
+              <a:buNone/>
+            </a:pPr>
+            <a:endParaRPr lang="vi-VN" cap="none" dirty="0">
+              <a:latin typeface="+mj-lt"/>
+            </a:endParaRPr>
+          </a:p>
+        </p:txBody>
+      </p:sp>
+      <p:sp>
+        <p:nvSpPr>
+          <p:cNvPr id="4" name="Title 1"/>
+          <p:cNvSpPr>
+            <a:spLocks noGrp="1"/>
+          </p:cNvSpPr>
+          <p:nvPr>
+            <p:ph type="title"/>
+          </p:nvPr>
+        </p:nvSpPr>
+        <p:spPr>
+          <a:xfrm>
+            <a:off x="913775" y="618517"/>
+            <a:ext cx="10364451" cy="1596177"/>
+          </a:xfrm>
+        </p:spPr>
+        <p:txBody>
+          <a:bodyPr/>
+          <a:lstStyle/>
+          <a:p>
+            <a:pPr lvl="0"/>
+            <a:r>
+              <a:rPr lang="vi-VN" sz="5400" cap="none" dirty="0" smtClean="0">
+                <a:ln w="0"/>
+                <a:gradFill>
+                  <a:gsLst>
+                    <a:gs pos="0">
+                      <a:schemeClr val="accent5">
+                        <a:lumMod val="50000"/>
+                      </a:schemeClr>
+                    </a:gs>
+                    <a:gs pos="50000">
+                      <a:schemeClr val="accent5"/>
+                    </a:gs>
+                    <a:gs pos="100000">
+                      <a:schemeClr val="accent5">
+                        <a:lumMod val="60000"/>
+                        <a:lumOff val="40000"/>
+                      </a:schemeClr>
+                    </a:gs>
+                  </a:gsLst>
+                  <a:lin ang="5400000"/>
+                </a:gradFill>
+                <a:effectLst>
+                  <a:reflection blurRad="6350" stA="53000" endA="300" endPos="35500" dir="5400000" sy="-90000" algn="bl" rotWithShape="0"/>
+                </a:effectLst>
+                <a:latin typeface="Times New Roman" pitchFamily="18" charset="0"/>
+                <a:cs typeface="Times New Roman" pitchFamily="18" charset="0"/>
+              </a:rPr>
+              <a:t>Functional Requirements</a:t>
+            </a:r>
+            <a:r>
+              <a:rPr lang="vi-VN" dirty="0"/>
+              <a:t/>
+            </a:r>
+            <a:br>
+              <a:rPr lang="vi-VN" dirty="0"/>
+            </a:br>
+            <a:endParaRPr lang="vi-VN" dirty="0"/>
+          </a:p>
+        </p:txBody>
+      </p:sp>
+    </p:spTree>
+    <p:extLst>
+      <p:ext uri="{BB962C8B-B14F-4D97-AF65-F5344CB8AC3E}">
+        <p14:creationId xmlns:p14="http://schemas.microsoft.com/office/powerpoint/2010/main" val="650563165"/>
+      </p:ext>
+    </p:extLst>
+  </p:cSld>
+  <p:clrMapOvr>
+    <a:masterClrMapping/>
+  </p:clrMapOvr>
+  <p:timing>
+    <p:tnLst>
+      <p:par>
+        <p:cTn id="1" dur="indefinite" restart="never" nodeType="tmRoot">
+          <p:childTnLst>
+            <p:seq concurrent="1" nextAc="seek">
+              <p:cTn id="2" dur="indefinite" nodeType="mainSeq">
+                <p:childTnLst>
+                  <p:par>
+                    <p:cTn id="3" fill="hold">
+                      <p:stCondLst>
+                        <p:cond delay="indefinite"/>
+                      </p:stCondLst>
+                      <p:childTnLst>
+                        <p:par>
+                          <p:cTn id="4" fill="hold">
+                            <p:stCondLst>
+                              <p:cond delay="0"/>
+                            </p:stCondLst>
+                            <p:childTnLst>
+                              <p:par>
+                                <p:cTn id="5" presetID="16" presetClass="entr" presetSubtype="21" fill="hold" grpId="0" nodeType="clickEffect">
+                                  <p:stCondLst>
+                                    <p:cond delay="0"/>
+                                  </p:stCondLst>
+                                  <p:childTnLst>
+                                    <p:set>
+                                      <p:cBhvr>
+                                        <p:cTn id="6" dur="1" fill="hold">
+                                          <p:stCondLst>
+                                            <p:cond delay="0"/>
+                                          </p:stCondLst>
+                                        </p:cTn>
+                                        <p:tgtEl>
+                                          <p:spTgt spid="4"/>
+                                        </p:tgtEl>
+                                        <p:attrNameLst>
+                                          <p:attrName>style.visibility</p:attrName>
+                                        </p:attrNameLst>
+                                      </p:cBhvr>
+                                      <p:to>
+                                        <p:strVal val="visible"/>
+                                      </p:to>
+                                    </p:set>
+                                    <p:animEffect transition="in" filter="barn(inVertical)">
+                                      <p:cBhvr>
+                                        <p:cTn id="7" dur="500"/>
+                                        <p:tgtEl>
+                                          <p:spTgt spid="4"/>
+                                        </p:tgtEl>
+                                      </p:cBhvr>
+                                    </p:animEffect>
+                                  </p:childTnLst>
+                                </p:cTn>
+                              </p:par>
+                            </p:childTnLst>
+                          </p:cTn>
+                        </p:par>
+                      </p:childTnLst>
+                    </p:cTn>
+                  </p:par>
+                  <p:par>
+                    <p:cTn id="8" fill="hold">
+                      <p:stCondLst>
+                        <p:cond delay="indefinite"/>
+                      </p:stCondLst>
+                      <p:childTnLst>
+                        <p:par>
+                          <p:cTn id="9" fill="hold">
+                            <p:stCondLst>
+                              <p:cond delay="0"/>
+                            </p:stCondLst>
+                            <p:childTnLst>
+                              <p:par>
+                                <p:cTn id="10" presetID="16" presetClass="entr" presetSubtype="21" fill="hold" nodeType="clickEffect">
+                                  <p:stCondLst>
+                                    <p:cond delay="0"/>
+                                  </p:stCondLst>
+                                  <p:childTnLst>
+                                    <p:set>
+                                      <p:cBhvr>
+                                        <p:cTn id="11" dur="1" fill="hold">
+                                          <p:stCondLst>
+                                            <p:cond delay="0"/>
+                                          </p:stCondLst>
+                                        </p:cTn>
+                                        <p:tgtEl>
+                                          <p:spTgt spid="3">
+                                            <p:txEl>
+                                              <p:pRg st="0" end="0"/>
+                                            </p:txEl>
+                                          </p:spTgt>
+                                        </p:tgtEl>
+                                        <p:attrNameLst>
+                                          <p:attrName>style.visibility</p:attrName>
+                                        </p:attrNameLst>
+                                      </p:cBhvr>
+                                      <p:to>
+                                        <p:strVal val="visible"/>
+                                      </p:to>
+                                    </p:set>
+                                    <p:animEffect transition="in" filter="barn(inVertical)">
+                                      <p:cBhvr>
+                                        <p:cTn id="12" dur="500"/>
+                                        <p:tgtEl>
+                                          <p:spTgt spid="3">
+                                            <p:txEl>
+                                              <p:pRg st="0" end="0"/>
+                                            </p:txEl>
+                                          </p:spTgt>
+                                        </p:tgtEl>
+                                      </p:cBhvr>
+                                    </p:animEffect>
+                                  </p:childTnLst>
+                                </p:cTn>
+                              </p:par>
+                            </p:childTnLst>
+                          </p:cTn>
+                        </p:par>
+                      </p:childTnLst>
+                    </p:cTn>
+                  </p:par>
+                  <p:par>
+                    <p:cTn id="13" fill="hold">
+                      <p:stCondLst>
+                        <p:cond delay="indefinite"/>
+                      </p:stCondLst>
+                      <p:childTnLst>
+                        <p:par>
+                          <p:cTn id="14" fill="hold">
+                            <p:stCondLst>
+                              <p:cond delay="0"/>
+                            </p:stCondLst>
+                            <p:childTnLst>
+                              <p:par>
+                                <p:cTn id="15" presetID="42" presetClass="entr" presetSubtype="0" fill="hold" nodeType="clickEffect">
+                                  <p:stCondLst>
+                                    <p:cond delay="0"/>
+                                  </p:stCondLst>
+                                  <p:childTnLst>
+                                    <p:set>
+                                      <p:cBhvr>
+                                        <p:cTn id="16" dur="1" fill="hold">
+                                          <p:stCondLst>
+                                            <p:cond delay="0"/>
+                                          </p:stCondLst>
+                                        </p:cTn>
+                                        <p:tgtEl>
+                                          <p:spTgt spid="3">
+                                            <p:txEl>
+                                              <p:pRg st="1" end="1"/>
+                                            </p:txEl>
+                                          </p:spTgt>
+                                        </p:tgtEl>
+                                        <p:attrNameLst>
+                                          <p:attrName>style.visibility</p:attrName>
+                                        </p:attrNameLst>
+                                      </p:cBhvr>
+                                      <p:to>
+                                        <p:strVal val="visible"/>
+                                      </p:to>
+                                    </p:set>
+                                    <p:animEffect transition="in" filter="fade">
+                                      <p:cBhvr>
+                                        <p:cTn id="17" dur="1000"/>
+                                        <p:tgtEl>
+                                          <p:spTgt spid="3">
+                                            <p:txEl>
+                                              <p:pRg st="1" end="1"/>
+                                            </p:txEl>
+                                          </p:spTgt>
+                                        </p:tgtEl>
+                                      </p:cBhvr>
+                                    </p:animEffect>
+                                    <p:anim calcmode="lin" valueType="num">
+                                      <p:cBhvr>
+                                        <p:cTn id="18" dur="1000" fill="hold"/>
+                                        <p:tgtEl>
+                                          <p:spTgt spid="3">
+                                            <p:txEl>
+                                              <p:pRg st="1" end="1"/>
+                                            </p:txEl>
+                                          </p:spTgt>
+                                        </p:tgtEl>
+                                        <p:attrNameLst>
+                                          <p:attrName>ppt_x</p:attrName>
+                                        </p:attrNameLst>
+                                      </p:cBhvr>
+                                      <p:tavLst>
+                                        <p:tav tm="0">
+                                          <p:val>
+                                            <p:strVal val="#ppt_x"/>
+                                          </p:val>
+                                        </p:tav>
+                                        <p:tav tm="100000">
+                                          <p:val>
+                                            <p:strVal val="#ppt_x"/>
+                                          </p:val>
+                                        </p:tav>
+                                      </p:tavLst>
+                                    </p:anim>
+                                    <p:anim calcmode="lin" valueType="num">
+                                      <p:cBhvr>
+                                        <p:cTn id="19" dur="1000" fill="hold"/>
+                                        <p:tgtEl>
+                                          <p:spTgt spid="3">
+                                            <p:txEl>
+                                              <p:pRg st="1" end="1"/>
+                                            </p:txEl>
+                                          </p:spTgt>
+                                        </p:tgtEl>
+                                        <p:attrNameLst>
+                                          <p:attrName>ppt_y</p:attrName>
+                                        </p:attrNameLst>
+                                      </p:cBhvr>
+                                      <p:tavLst>
+                                        <p:tav tm="0">
+                                          <p:val>
+                                            <p:strVal val="#ppt_y+.1"/>
+                                          </p:val>
+                                        </p:tav>
+                                        <p:tav tm="100000">
+                                          <p:val>
+                                            <p:strVal val="#ppt_y"/>
+                                          </p:val>
+                                        </p:tav>
+                                      </p:tavLst>
+                                    </p:anim>
+                                  </p:childTnLst>
+                                </p:cTn>
+                              </p:par>
+                              <p:par>
+                                <p:cTn id="20" presetID="42" presetClass="entr" presetSubtype="0" fill="hold" nodeType="withEffect">
+                                  <p:stCondLst>
+                                    <p:cond delay="0"/>
+                                  </p:stCondLst>
+                                  <p:childTnLst>
+                                    <p:set>
+                                      <p:cBhvr>
+                                        <p:cTn id="21" dur="1" fill="hold">
+                                          <p:stCondLst>
+                                            <p:cond delay="0"/>
+                                          </p:stCondLst>
+                                        </p:cTn>
+                                        <p:tgtEl>
+                                          <p:spTgt spid="3">
+                                            <p:txEl>
+                                              <p:pRg st="2" end="2"/>
+                                            </p:txEl>
+                                          </p:spTgt>
+                                        </p:tgtEl>
+                                        <p:attrNameLst>
+                                          <p:attrName>style.visibility</p:attrName>
+                                        </p:attrNameLst>
+                                      </p:cBhvr>
+                                      <p:to>
+                                        <p:strVal val="visible"/>
+                                      </p:to>
+                                    </p:set>
+                                    <p:animEffect transition="in" filter="fade">
+                                      <p:cBhvr>
+                                        <p:cTn id="22" dur="1000"/>
+                                        <p:tgtEl>
+                                          <p:spTgt spid="3">
+                                            <p:txEl>
+                                              <p:pRg st="2" end="2"/>
+                                            </p:txEl>
+                                          </p:spTgt>
+                                        </p:tgtEl>
+                                      </p:cBhvr>
+                                    </p:animEffect>
+                                    <p:anim calcmode="lin" valueType="num">
+                                      <p:cBhvr>
+                                        <p:cTn id="23" dur="1000" fill="hold"/>
+                                        <p:tgtEl>
+                                          <p:spTgt spid="3">
+                                            <p:txEl>
+                                              <p:pRg st="2" end="2"/>
+                                            </p:txEl>
+                                          </p:spTgt>
+                                        </p:tgtEl>
+                                        <p:attrNameLst>
+                                          <p:attrName>ppt_x</p:attrName>
+                                        </p:attrNameLst>
+                                      </p:cBhvr>
+                                      <p:tavLst>
+                                        <p:tav tm="0">
+                                          <p:val>
+                                            <p:strVal val="#ppt_x"/>
+                                          </p:val>
+                                        </p:tav>
+                                        <p:tav tm="100000">
+                                          <p:val>
+                                            <p:strVal val="#ppt_x"/>
+                                          </p:val>
+                                        </p:tav>
+                                      </p:tavLst>
+                                    </p:anim>
+                                    <p:anim calcmode="lin" valueType="num">
+                                      <p:cBhvr>
+                                        <p:cTn id="24" dur="1000" fill="hold"/>
+                                        <p:tgtEl>
+                                          <p:spTgt spid="3">
+                                            <p:txEl>
+                                              <p:pRg st="2" end="2"/>
+                                            </p:txEl>
+                                          </p:spTgt>
+                                        </p:tgtEl>
+                                        <p:attrNameLst>
+                                          <p:attrName>ppt_y</p:attrName>
+                                        </p:attrNameLst>
+                                      </p:cBhvr>
+                                      <p:tavLst>
+                                        <p:tav tm="0">
+                                          <p:val>
+                                            <p:strVal val="#ppt_y+.1"/>
+                                          </p:val>
+                                        </p:tav>
+                                        <p:tav tm="100000">
+                                          <p:val>
+                                            <p:strVal val="#ppt_y"/>
+                                          </p:val>
+                                        </p:tav>
+                                      </p:tavLst>
+                                    </p:anim>
+                                  </p:childTnLst>
+                                </p:cTn>
+                              </p:par>
+                              <p:par>
+                                <p:cTn id="25" presetID="42" presetClass="entr" presetSubtype="0" fill="hold" nodeType="withEffect">
+                                  <p:stCondLst>
+                                    <p:cond delay="0"/>
+                                  </p:stCondLst>
+                                  <p:childTnLst>
+                                    <p:set>
+                                      <p:cBhvr>
+                                        <p:cTn id="26" dur="1" fill="hold">
+                                          <p:stCondLst>
+                                            <p:cond delay="0"/>
+                                          </p:stCondLst>
+                                        </p:cTn>
+                                        <p:tgtEl>
+                                          <p:spTgt spid="3">
+                                            <p:txEl>
+                                              <p:pRg st="3" end="3"/>
+                                            </p:txEl>
+                                          </p:spTgt>
+                                        </p:tgtEl>
+                                        <p:attrNameLst>
+                                          <p:attrName>style.visibility</p:attrName>
+                                        </p:attrNameLst>
+                                      </p:cBhvr>
+                                      <p:to>
+                                        <p:strVal val="visible"/>
+                                      </p:to>
+                                    </p:set>
+                                    <p:animEffect transition="in" filter="fade">
+                                      <p:cBhvr>
+                                        <p:cTn id="27" dur="1000"/>
+                                        <p:tgtEl>
+                                          <p:spTgt spid="3">
+                                            <p:txEl>
+                                              <p:pRg st="3" end="3"/>
+                                            </p:txEl>
+                                          </p:spTgt>
+                                        </p:tgtEl>
+                                      </p:cBhvr>
+                                    </p:animEffect>
+                                    <p:anim calcmode="lin" valueType="num">
+                                      <p:cBhvr>
+                                        <p:cTn id="28" dur="1000" fill="hold"/>
+                                        <p:tgtEl>
+                                          <p:spTgt spid="3">
+                                            <p:txEl>
+                                              <p:pRg st="3" end="3"/>
+                                            </p:txEl>
+                                          </p:spTgt>
+                                        </p:tgtEl>
+                                        <p:attrNameLst>
+                                          <p:attrName>ppt_x</p:attrName>
+                                        </p:attrNameLst>
+                                      </p:cBhvr>
+                                      <p:tavLst>
+                                        <p:tav tm="0">
+                                          <p:val>
+                                            <p:strVal val="#ppt_x"/>
+                                          </p:val>
+                                        </p:tav>
+                                        <p:tav tm="100000">
+                                          <p:val>
+                                            <p:strVal val="#ppt_x"/>
+                                          </p:val>
+                                        </p:tav>
+                                      </p:tavLst>
+                                    </p:anim>
+                                    <p:anim calcmode="lin" valueType="num">
+                                      <p:cBhvr>
+                                        <p:cTn id="29" dur="1000" fill="hold"/>
+                                        <p:tgtEl>
+                                          <p:spTgt spid="3">
+                                            <p:txEl>
+                                              <p:pRg st="3" end="3"/>
+                                            </p:txEl>
+                                          </p:spTgt>
+                                        </p:tgtEl>
+                                        <p:attrNameLst>
+                                          <p:attrName>ppt_y</p:attrName>
+                                        </p:attrNameLst>
+                                      </p:cBhvr>
+                                      <p:tavLst>
+                                        <p:tav tm="0">
+                                          <p:val>
+                                            <p:strVal val="#ppt_y+.1"/>
+                                          </p:val>
+                                        </p:tav>
+                                        <p:tav tm="100000">
+                                          <p:val>
+                                            <p:strVal val="#ppt_y"/>
+                                          </p:val>
+                                        </p:tav>
+                                      </p:tavLst>
+                                    </p:anim>
+                                  </p:childTnLst>
+                                </p:cTn>
+                              </p:par>
+                              <p:par>
+                                <p:cTn id="30" presetID="42" presetClass="entr" presetSubtype="0" fill="hold" nodeType="withEffect">
+                                  <p:stCondLst>
+                                    <p:cond delay="0"/>
+                                  </p:stCondLst>
+                                  <p:childTnLst>
+                                    <p:set>
+                                      <p:cBhvr>
+                                        <p:cTn id="31" dur="1" fill="hold">
+                                          <p:stCondLst>
+                                            <p:cond delay="0"/>
+                                          </p:stCondLst>
+                                        </p:cTn>
+                                        <p:tgtEl>
+                                          <p:spTgt spid="3">
+                                            <p:txEl>
+                                              <p:pRg st="4" end="4"/>
+                                            </p:txEl>
+                                          </p:spTgt>
+                                        </p:tgtEl>
+                                        <p:attrNameLst>
+                                          <p:attrName>style.visibility</p:attrName>
+                                        </p:attrNameLst>
+                                      </p:cBhvr>
+                                      <p:to>
+                                        <p:strVal val="visible"/>
+                                      </p:to>
+                                    </p:set>
+                                    <p:animEffect transition="in" filter="fade">
+                                      <p:cBhvr>
+                                        <p:cTn id="32" dur="1000"/>
+                                        <p:tgtEl>
+                                          <p:spTgt spid="3">
+                                            <p:txEl>
+                                              <p:pRg st="4" end="4"/>
+                                            </p:txEl>
+                                          </p:spTgt>
+                                        </p:tgtEl>
+                                      </p:cBhvr>
+                                    </p:animEffect>
+                                    <p:anim calcmode="lin" valueType="num">
+                                      <p:cBhvr>
+                                        <p:cTn id="33" dur="1000" fill="hold"/>
+                                        <p:tgtEl>
+                                          <p:spTgt spid="3">
+                                            <p:txEl>
+                                              <p:pRg st="4" end="4"/>
+                                            </p:txEl>
+                                          </p:spTgt>
+                                        </p:tgtEl>
+                                        <p:attrNameLst>
+                                          <p:attrName>ppt_x</p:attrName>
+                                        </p:attrNameLst>
+                                      </p:cBhvr>
+                                      <p:tavLst>
+                                        <p:tav tm="0">
+                                          <p:val>
+                                            <p:strVal val="#ppt_x"/>
+                                          </p:val>
+                                        </p:tav>
+                                        <p:tav tm="100000">
+                                          <p:val>
+                                            <p:strVal val="#ppt_x"/>
+                                          </p:val>
+                                        </p:tav>
+                                      </p:tavLst>
+                                    </p:anim>
+                                    <p:anim calcmode="lin" valueType="num">
+                                      <p:cBhvr>
+                                        <p:cTn id="34" dur="1000" fill="hold"/>
+                                        <p:tgtEl>
+                                          <p:spTgt spid="3">
+                                            <p:txEl>
+                                              <p:pRg st="4" end="4"/>
+                                            </p:txEl>
+                                          </p:spTgt>
+                                        </p:tgtEl>
+                                        <p:attrNameLst>
+                                          <p:attrName>ppt_y</p:attrName>
+                                        </p:attrNameLst>
+                                      </p:cBhvr>
+                                      <p:tavLst>
+                                        <p:tav tm="0">
+                                          <p:val>
+                                            <p:strVal val="#ppt_y+.1"/>
+                                          </p:val>
+                                        </p:tav>
+                                        <p:tav tm="100000">
+                                          <p:val>
+                                            <p:strVal val="#ppt_y"/>
+                                          </p:val>
+                                        </p:tav>
+                                      </p:tavLst>
+                                    </p:anim>
+                                  </p:childTnLst>
+                                </p:cTn>
+                              </p:par>
+                            </p:childTnLst>
+                          </p:cTn>
+                        </p:par>
+                      </p:childTnLst>
+                    </p:cTn>
+                  </p:par>
+                  <p:par>
+                    <p:cTn id="35" fill="hold">
+                      <p:stCondLst>
+                        <p:cond delay="indefinite"/>
+                      </p:stCondLst>
+                      <p:childTnLst>
+                        <p:par>
+                          <p:cTn id="36" fill="hold">
+                            <p:stCondLst>
+                              <p:cond delay="0"/>
+                            </p:stCondLst>
+                            <p:childTnLst>
+                              <p:par>
+                                <p:cTn id="37" presetID="16" presetClass="entr" presetSubtype="21" fill="hold" nodeType="clickEffect">
+                                  <p:stCondLst>
+                                    <p:cond delay="0"/>
+                                  </p:stCondLst>
+                                  <p:childTnLst>
+                                    <p:set>
+                                      <p:cBhvr>
+                                        <p:cTn id="38" dur="1" fill="hold">
+                                          <p:stCondLst>
+                                            <p:cond delay="0"/>
+                                          </p:stCondLst>
+                                        </p:cTn>
+                                        <p:tgtEl>
+                                          <p:spTgt spid="3">
+                                            <p:txEl>
+                                              <p:pRg st="5" end="5"/>
+                                            </p:txEl>
+                                          </p:spTgt>
+                                        </p:tgtEl>
+                                        <p:attrNameLst>
+                                          <p:attrName>style.visibility</p:attrName>
+                                        </p:attrNameLst>
+                                      </p:cBhvr>
+                                      <p:to>
+                                        <p:strVal val="visible"/>
+                                      </p:to>
+                                    </p:set>
+                                    <p:animEffect transition="in" filter="barn(inVertical)">
+                                      <p:cBhvr>
+                                        <p:cTn id="39" dur="500"/>
+                                        <p:tgtEl>
+                                          <p:spTgt spid="3">
+                                            <p:txEl>
+                                              <p:pRg st="5" end="5"/>
+                                            </p:txEl>
+                                          </p:spTgt>
+                                        </p:tgtEl>
+                                      </p:cBhvr>
+                                    </p:animEffect>
+                                  </p:childTnLst>
+                                </p:cTn>
+                              </p:par>
+                            </p:childTnLst>
+                          </p:cTn>
+                        </p:par>
+                      </p:childTnLst>
+                    </p:cTn>
+                  </p:par>
+                </p:childTnLst>
+              </p:cTn>
+              <p:prevCondLst>
+                <p:cond evt="onPrev" delay="0">
+                  <p:tgtEl>
+                    <p:sldTgt/>
+                  </p:tgtEl>
+                </p:cond>
+              </p:prevCondLst>
+              <p:nextCondLst>
+                <p:cond evt="onNext" delay="0">
+                  <p:tgtEl>
+                    <p:sldTgt/>
+                  </p:tgtEl>
+                </p:cond>
+              </p:nextCondLst>
+            </p:seq>
+          </p:childTnLst>
+        </p:cTn>
+      </p:par>
+    </p:tnLst>
+    <p:bldLst>
+      <p:bldP spid="4" grpId="0"/>
+    </p:bldLst>
+  </p:timing>
+</p:sld>
+</file>
+
+<file path=ppt/slides/slide13.xml><?xml version="1.0" encoding="utf-8"?>
+<p:sld xmlns:a="http://schemas.openxmlformats.org/drawingml/2006/main" xmlns:r="http://schemas.openxmlformats.org/officeDocument/2006/relationships" xmlns:p="http://schemas.openxmlformats.org/presentationml/2006/main">
+  <p:cSld>
+    <p:spTree>
+      <p:nvGrpSpPr>
+        <p:cNvPr id="1" name=""/>
+        <p:cNvGrpSpPr/>
+        <p:nvPr/>
+      </p:nvGrpSpPr>
+      <p:grpSpPr>
+        <a:xfrm>
+          <a:off x="0" y="0"/>
+          <a:ext cx="0" cy="0"/>
+          <a:chOff x="0" y="0"/>
+          <a:chExt cx="0" cy="0"/>
+        </a:xfrm>
+      </p:grpSpPr>
+      <p:sp>
+        <p:nvSpPr>
+          <p:cNvPr id="3" name="Content Placeholder 2"/>
+          <p:cNvSpPr>
+            <a:spLocks noGrp="1"/>
+          </p:cNvSpPr>
+          <p:nvPr>
+            <p:ph sz="quarter" idx="13"/>
+          </p:nvPr>
+        </p:nvSpPr>
+        <p:spPr/>
+        <p:txBody>
+          <a:bodyPr/>
+          <a:lstStyle/>
+          <a:p>
+            <a:r>
+              <a:rPr lang="vi-VN" cap="none" dirty="0" smtClean="0">
+                <a:latin typeface="+mj-lt"/>
+              </a:rPr>
+              <a:t>If user is member, they can do test depend on level, in each level have full section to member test: reading, listening, garmmar, vocabulary. When member finishs test, they can save mark to tracking.</a:t>
+            </a:r>
+          </a:p>
+          <a:p>
+            <a:r>
+              <a:rPr lang="vi-VN" cap="none" dirty="0" smtClean="0">
+                <a:latin typeface="+mj-lt"/>
+              </a:rPr>
+              <a:t>Member can manage their account: edit profile, track mark</a:t>
+            </a:r>
+          </a:p>
+          <a:p>
+            <a:r>
+              <a:rPr lang="vi-VN" cap="none" dirty="0" smtClean="0">
+                <a:latin typeface="+mj-lt"/>
+              </a:rPr>
+              <a:t>Member can log in by registered account or by facebook account / google account</a:t>
+            </a:r>
+          </a:p>
+          <a:p>
+            <a:r>
+              <a:rPr lang="vi-VN" cap="none" dirty="0" smtClean="0">
+                <a:latin typeface="+mj-lt"/>
+              </a:rPr>
+              <a:t>If member forget password, they can get new password </a:t>
+            </a:r>
+            <a:endParaRPr lang="vi-VN" cap="none" dirty="0">
+              <a:latin typeface="+mj-lt"/>
+            </a:endParaRPr>
+          </a:p>
+        </p:txBody>
+      </p:sp>
+      <p:sp>
+        <p:nvSpPr>
+          <p:cNvPr id="4" name="Title 1"/>
+          <p:cNvSpPr>
+            <a:spLocks noGrp="1"/>
+          </p:cNvSpPr>
+          <p:nvPr>
+            <p:ph type="title"/>
+          </p:nvPr>
+        </p:nvSpPr>
+        <p:spPr>
+          <a:xfrm>
+            <a:off x="913775" y="618517"/>
+            <a:ext cx="10364451" cy="1596177"/>
+          </a:xfrm>
+        </p:spPr>
+        <p:txBody>
+          <a:bodyPr/>
+          <a:lstStyle/>
+          <a:p>
+            <a:pPr lvl="0"/>
+            <a:r>
+              <a:rPr lang="vi-VN" sz="5400" cap="none" dirty="0" smtClean="0">
+                <a:ln w="0"/>
+                <a:gradFill>
+                  <a:gsLst>
+                    <a:gs pos="0">
+                      <a:schemeClr val="accent5">
+                        <a:lumMod val="50000"/>
+                      </a:schemeClr>
+                    </a:gs>
+                    <a:gs pos="50000">
+                      <a:schemeClr val="accent5"/>
+                    </a:gs>
+                    <a:gs pos="100000">
+                      <a:schemeClr val="accent5">
+                        <a:lumMod val="60000"/>
+                        <a:lumOff val="40000"/>
+                      </a:schemeClr>
+                    </a:gs>
+                  </a:gsLst>
+                  <a:lin ang="5400000"/>
+                </a:gradFill>
+                <a:effectLst>
+                  <a:reflection blurRad="6350" stA="53000" endA="300" endPos="35500" dir="5400000" sy="-90000" algn="bl" rotWithShape="0"/>
+                </a:effectLst>
+                <a:latin typeface="Times New Roman" pitchFamily="18" charset="0"/>
+                <a:cs typeface="Times New Roman" pitchFamily="18" charset="0"/>
+              </a:rPr>
+              <a:t>Functional Requirements</a:t>
+            </a:r>
+            <a:r>
+              <a:rPr lang="vi-VN" dirty="0"/>
+              <a:t/>
+            </a:r>
+            <a:br>
+              <a:rPr lang="vi-VN" dirty="0"/>
+            </a:br>
+            <a:endParaRPr lang="vi-VN" dirty="0"/>
+          </a:p>
+        </p:txBody>
+      </p:sp>
+    </p:spTree>
+    <p:extLst>
+      <p:ext uri="{BB962C8B-B14F-4D97-AF65-F5344CB8AC3E}">
+        <p14:creationId xmlns:p14="http://schemas.microsoft.com/office/powerpoint/2010/main" val="740159332"/>
+      </p:ext>
+    </p:extLst>
+  </p:cSld>
+  <p:clrMapOvr>
+    <a:masterClrMapping/>
+  </p:clrMapOvr>
+  <p:timing>
+    <p:tnLst>
+      <p:par>
+        <p:cTn id="1" dur="indefinite" restart="never" nodeType="tmRoot">
+          <p:childTnLst>
+            <p:seq concurrent="1" nextAc="seek">
+              <p:cTn id="2" dur="indefinite" nodeType="mainSeq">
+                <p:childTnLst>
+                  <p:par>
+                    <p:cTn id="3" fill="hold">
+                      <p:stCondLst>
+                        <p:cond delay="indefinite"/>
+                      </p:stCondLst>
+                      <p:childTnLst>
+                        <p:par>
+                          <p:cTn id="4" fill="hold">
+                            <p:stCondLst>
+                              <p:cond delay="0"/>
+                            </p:stCondLst>
+                            <p:childTnLst>
+                              <p:par>
+                                <p:cTn id="5" presetID="16" presetClass="entr" presetSubtype="21" fill="hold" grpId="0" nodeType="clickEffect">
+                                  <p:stCondLst>
+                                    <p:cond delay="0"/>
+                                  </p:stCondLst>
+                                  <p:childTnLst>
+                                    <p:set>
+                                      <p:cBhvr>
+                                        <p:cTn id="6" dur="1" fill="hold">
+                                          <p:stCondLst>
+                                            <p:cond delay="0"/>
+                                          </p:stCondLst>
+                                        </p:cTn>
+                                        <p:tgtEl>
+                                          <p:spTgt spid="4"/>
+                                        </p:tgtEl>
+                                        <p:attrNameLst>
+                                          <p:attrName>style.visibility</p:attrName>
+                                        </p:attrNameLst>
+                                      </p:cBhvr>
+                                      <p:to>
+                                        <p:strVal val="visible"/>
+                                      </p:to>
+                                    </p:set>
+                                    <p:animEffect transition="in" filter="barn(inVertical)">
+                                      <p:cBhvr>
+                                        <p:cTn id="7" dur="500"/>
+                                        <p:tgtEl>
+                                          <p:spTgt spid="4"/>
+                                        </p:tgtEl>
+                                      </p:cBhvr>
+                                    </p:animEffect>
+                                  </p:childTnLst>
+                                </p:cTn>
+                              </p:par>
+                            </p:childTnLst>
+                          </p:cTn>
+                        </p:par>
+                      </p:childTnLst>
+                    </p:cTn>
+                  </p:par>
+                  <p:par>
+                    <p:cTn id="8" fill="hold">
+                      <p:stCondLst>
+                        <p:cond delay="indefinite"/>
+                      </p:stCondLst>
+                      <p:childTnLst>
+                        <p:par>
+                          <p:cTn id="9" fill="hold">
+                            <p:stCondLst>
+                              <p:cond delay="0"/>
+                            </p:stCondLst>
+                            <p:childTnLst>
+                              <p:par>
+                                <p:cTn id="10" presetID="10" presetClass="entr" presetSubtype="0" fill="hold" nodeType="clickEffect">
+                                  <p:stCondLst>
+                                    <p:cond delay="0"/>
+                                  </p:stCondLst>
+                                  <p:childTnLst>
+                                    <p:set>
+                                      <p:cBhvr>
+                                        <p:cTn id="11" dur="1" fill="hold">
+                                          <p:stCondLst>
+                                            <p:cond delay="0"/>
+                                          </p:stCondLst>
+                                        </p:cTn>
+                                        <p:tgtEl>
+                                          <p:spTgt spid="3">
+                                            <p:txEl>
+                                              <p:pRg st="0" end="0"/>
+                                            </p:txEl>
+                                          </p:spTgt>
+                                        </p:tgtEl>
+                                        <p:attrNameLst>
+                                          <p:attrName>style.visibility</p:attrName>
+                                        </p:attrNameLst>
+                                      </p:cBhvr>
+                                      <p:to>
+                                        <p:strVal val="visible"/>
+                                      </p:to>
+                                    </p:set>
+                                    <p:animEffect transition="in" filter="fade">
+                                      <p:cBhvr>
+                                        <p:cTn id="12" dur="500"/>
+                                        <p:tgtEl>
+                                          <p:spTgt spid="3">
+                                            <p:txEl>
+                                              <p:pRg st="0" end="0"/>
+                                            </p:txEl>
+                                          </p:spTgt>
+                                        </p:tgtEl>
+                                      </p:cBhvr>
+                                    </p:animEffect>
+                                  </p:childTnLst>
+                                </p:cTn>
+                              </p:par>
+                            </p:childTnLst>
+                          </p:cTn>
+                        </p:par>
+                      </p:childTnLst>
+                    </p:cTn>
+                  </p:par>
+                  <p:par>
+                    <p:cTn id="13" fill="hold">
+                      <p:stCondLst>
+                        <p:cond delay="indefinite"/>
+                      </p:stCondLst>
+                      <p:childTnLst>
+                        <p:par>
+                          <p:cTn id="14" fill="hold">
+                            <p:stCondLst>
+                              <p:cond delay="0"/>
+                            </p:stCondLst>
+                            <p:childTnLst>
+                              <p:par>
+                                <p:cTn id="15" presetID="10" presetClass="entr" presetSubtype="0" fill="hold" nodeType="clickEffect">
+                                  <p:stCondLst>
+                                    <p:cond delay="0"/>
+                                  </p:stCondLst>
+                                  <p:childTnLst>
+                                    <p:set>
+                                      <p:cBhvr>
+                                        <p:cTn id="16" dur="1" fill="hold">
+                                          <p:stCondLst>
+                                            <p:cond delay="0"/>
+                                          </p:stCondLst>
+                                        </p:cTn>
+                                        <p:tgtEl>
+                                          <p:spTgt spid="3">
+                                            <p:txEl>
+                                              <p:pRg st="1" end="1"/>
+                                            </p:txEl>
+                                          </p:spTgt>
+                                        </p:tgtEl>
+                                        <p:attrNameLst>
+                                          <p:attrName>style.visibility</p:attrName>
+                                        </p:attrNameLst>
+                                      </p:cBhvr>
+                                      <p:to>
+                                        <p:strVal val="visible"/>
+                                      </p:to>
+                                    </p:set>
+                                    <p:animEffect transition="in" filter="fade">
+                                      <p:cBhvr>
+                                        <p:cTn id="17" dur="500"/>
+                                        <p:tgtEl>
+                                          <p:spTgt spid="3">
+                                            <p:txEl>
+                                              <p:pRg st="1" end="1"/>
+                                            </p:txEl>
+                                          </p:spTgt>
+                                        </p:tgtEl>
+                                      </p:cBhvr>
+                                    </p:animEffect>
+                                  </p:childTnLst>
+                                </p:cTn>
+                              </p:par>
+                            </p:childTnLst>
+                          </p:cTn>
+                        </p:par>
+                      </p:childTnLst>
+                    </p:cTn>
+                  </p:par>
+                  <p:par>
+                    <p:cTn id="18" fill="hold">
+                      <p:stCondLst>
+                        <p:cond delay="indefinite"/>
+                      </p:stCondLst>
+                      <p:childTnLst>
+                        <p:par>
+                          <p:cTn id="19" fill="hold">
+                            <p:stCondLst>
+                              <p:cond delay="0"/>
+                            </p:stCondLst>
+                            <p:childTnLst>
+                              <p:par>
+                                <p:cTn id="20" presetID="10" presetClass="entr" presetSubtype="0" fill="hold" nodeType="clickEffect">
+                                  <p:stCondLst>
+                                    <p:cond delay="0"/>
+                                  </p:stCondLst>
+                                  <p:childTnLst>
+                                    <p:set>
+                                      <p:cBhvr>
+                                        <p:cTn id="21" dur="1" fill="hold">
+                                          <p:stCondLst>
+                                            <p:cond delay="0"/>
+                                          </p:stCondLst>
+                                        </p:cTn>
+                                        <p:tgtEl>
+                                          <p:spTgt spid="3">
+                                            <p:txEl>
+                                              <p:pRg st="2" end="2"/>
+                                            </p:txEl>
+                                          </p:spTgt>
+                                        </p:tgtEl>
+                                        <p:attrNameLst>
+                                          <p:attrName>style.visibility</p:attrName>
+                                        </p:attrNameLst>
+                                      </p:cBhvr>
+                                      <p:to>
+                                        <p:strVal val="visible"/>
+                                      </p:to>
+                                    </p:set>
+                                    <p:animEffect transition="in" filter="fade">
+                                      <p:cBhvr>
+                                        <p:cTn id="22" dur="500"/>
+                                        <p:tgtEl>
+                                          <p:spTgt spid="3">
+                                            <p:txEl>
+                                              <p:pRg st="2" end="2"/>
+                                            </p:txEl>
+                                          </p:spTgt>
+                                        </p:tgtEl>
+                                      </p:cBhvr>
+                                    </p:animEffect>
+                                  </p:childTnLst>
+                                </p:cTn>
+                              </p:par>
+                            </p:childTnLst>
+                          </p:cTn>
+                        </p:par>
+                      </p:childTnLst>
+                    </p:cTn>
+                  </p:par>
+                  <p:par>
+                    <p:cTn id="23" fill="hold">
+                      <p:stCondLst>
+                        <p:cond delay="indefinite"/>
+                      </p:stCondLst>
+                      <p:childTnLst>
+                        <p:par>
+                          <p:cTn id="24" fill="hold">
+                            <p:stCondLst>
+                              <p:cond delay="0"/>
+                            </p:stCondLst>
+                            <p:childTnLst>
+                              <p:par>
+                                <p:cTn id="25" presetID="10" presetClass="entr" presetSubtype="0" fill="hold" nodeType="clickEffect">
+                                  <p:stCondLst>
+                                    <p:cond delay="0"/>
+                                  </p:stCondLst>
+                                  <p:childTnLst>
+                                    <p:set>
+                                      <p:cBhvr>
+                                        <p:cTn id="26" dur="1" fill="hold">
+                                          <p:stCondLst>
+                                            <p:cond delay="0"/>
+                                          </p:stCondLst>
+                                        </p:cTn>
+                                        <p:tgtEl>
+                                          <p:spTgt spid="3">
+                                            <p:txEl>
+                                              <p:pRg st="3" end="3"/>
+                                            </p:txEl>
+                                          </p:spTgt>
+                                        </p:tgtEl>
+                                        <p:attrNameLst>
+                                          <p:attrName>style.visibility</p:attrName>
+                                        </p:attrNameLst>
+                                      </p:cBhvr>
+                                      <p:to>
+                                        <p:strVal val="visible"/>
+                                      </p:to>
+                                    </p:set>
+                                    <p:animEffect transition="in" filter="fade">
+                                      <p:cBhvr>
+                                        <p:cTn id="27" dur="500"/>
+                                        <p:tgtEl>
+                                          <p:spTgt spid="3">
+                                            <p:txEl>
+                                              <p:pRg st="3" end="3"/>
+                                            </p:txEl>
+                                          </p:spTgt>
+                                        </p:tgtEl>
+                                      </p:cBhvr>
+                                    </p:animEffect>
+                                  </p:childTnLst>
+                                </p:cTn>
+                              </p:par>
+                            </p:childTnLst>
+                          </p:cTn>
+                        </p:par>
+                      </p:childTnLst>
+                    </p:cTn>
+                  </p:par>
+                </p:childTnLst>
+              </p:cTn>
+              <p:prevCondLst>
+                <p:cond evt="onPrev" delay="0">
+                  <p:tgtEl>
+                    <p:sldTgt/>
+                  </p:tgtEl>
+                </p:cond>
+              </p:prevCondLst>
+              <p:nextCondLst>
+                <p:cond evt="onNext" delay="0">
+                  <p:tgtEl>
+                    <p:sldTgt/>
+                  </p:tgtEl>
+                </p:cond>
+              </p:nextCondLst>
+            </p:seq>
+          </p:childTnLst>
+        </p:cTn>
+      </p:par>
+    </p:tnLst>
+    <p:bldLst>
+      <p:bldP spid="4" grpId="0"/>
+    </p:bldLst>
+  </p:timing>
+</p:sld>
+</file>
+
+<file path=ppt/slides/slide14.xml><?xml version="1.0" encoding="utf-8"?>
+<p:sld xmlns:a="http://schemas.openxmlformats.org/drawingml/2006/main" xmlns:r="http://schemas.openxmlformats.org/officeDocument/2006/relationships" xmlns:p="http://schemas.openxmlformats.org/presentationml/2006/main">
+  <p:cSld>
+    <p:spTree>
+      <p:nvGrpSpPr>
+        <p:cNvPr id="1" name=""/>
+        <p:cNvGrpSpPr/>
+        <p:nvPr/>
+      </p:nvGrpSpPr>
+      <p:grpSpPr>
+        <a:xfrm>
+          <a:off x="0" y="0"/>
+          <a:ext cx="0" cy="0"/>
+          <a:chOff x="0" y="0"/>
+          <a:chExt cx="0" cy="0"/>
+        </a:xfrm>
+      </p:grpSpPr>
+      <p:sp>
+        <p:nvSpPr>
+          <p:cNvPr id="3" name="Content Placeholder 2"/>
+          <p:cNvSpPr>
+            <a:spLocks noGrp="1"/>
+          </p:cNvSpPr>
+          <p:nvPr>
+            <p:ph sz="quarter" idx="13"/>
+          </p:nvPr>
+        </p:nvSpPr>
         <p:spPr>
           <a:xfrm>
             <a:off x="913775" y="2367092"/>
@@ -21953,7 +23873,19 @@
               <a:rPr lang="vi-VN" cap="none" dirty="0" smtClean="0">
                 <a:latin typeface="+mj-lt"/>
               </a:rPr>
-              <a:t>If user is guest, they can register then doing test and tracking mark in manage account</a:t>
+              <a:t>If user is guest, they </a:t>
+            </a:r>
+            <a:r>
+              <a:rPr lang="vi-VN" cap="none" dirty="0" smtClean="0">
+                <a:latin typeface="+mj-lt"/>
+              </a:rPr>
+              <a:t>have to </a:t>
+            </a:r>
+            <a:r>
+              <a:rPr lang="vi-VN" cap="none" dirty="0" smtClean="0">
+                <a:latin typeface="+mj-lt"/>
+              </a:rPr>
+              <a:t>register then doing test and tracking mark in manage account</a:t>
             </a:r>
             <a:endParaRPr lang="vi-VN" dirty="0">
               <a:latin typeface="+mj-lt"/>
@@ -22314,7 +24246,7 @@
 </p:sld>
 </file>
 
-<file path=ppt/slides/slide12.xml><?xml version="1.0" encoding="utf-8"?>
+<file path=ppt/slides/slide15.xml><?xml version="1.0" encoding="utf-8"?>
 <p:sld xmlns:a="http://schemas.openxmlformats.org/drawingml/2006/main" xmlns:r="http://schemas.openxmlformats.org/officeDocument/2006/relationships" xmlns:p="http://schemas.openxmlformats.org/presentationml/2006/main">
   <p:cSld>
     <p:spTree>
@@ -22351,7 +24283,48 @@
                 <a:latin typeface="Times New Roman" panose="02020603050405020304" pitchFamily="18" charset="0"/>
                 <a:cs typeface="Times New Roman" panose="02020603050405020304" pitchFamily="18" charset="0"/>
               </a:rPr>
-              <a:t>Admin can manage account: edit, ban, unban, delete member</a:t>
+              <a:t>Admin can manage </a:t>
+            </a:r>
+            <a:r>
+              <a:rPr lang="en-US" cap="none" dirty="0" smtClean="0">
+                <a:latin typeface="Times New Roman" panose="02020603050405020304" pitchFamily="18" charset="0"/>
+                <a:cs typeface="Times New Roman" panose="02020603050405020304" pitchFamily="18" charset="0"/>
+              </a:rPr>
+              <a:t>admin’s account</a:t>
+            </a:r>
+            <a:r>
+              <a:rPr lang="en-US" cap="none" dirty="0" smtClean="0">
+                <a:latin typeface="Times New Roman" panose="02020603050405020304" pitchFamily="18" charset="0"/>
+                <a:cs typeface="Times New Roman" panose="02020603050405020304" pitchFamily="18" charset="0"/>
+              </a:rPr>
+              <a:t>: </a:t>
+            </a:r>
+            <a:r>
+              <a:rPr lang="en-US" cap="none" dirty="0" smtClean="0">
+                <a:latin typeface="Times New Roman" panose="02020603050405020304" pitchFamily="18" charset="0"/>
+                <a:cs typeface="Times New Roman" panose="02020603050405020304" pitchFamily="18" charset="0"/>
+              </a:rPr>
+              <a:t>admin can ad new admin, edit profile, delete admin</a:t>
+            </a:r>
+            <a:endParaRPr lang="en-US" cap="none" dirty="0" smtClean="0">
+              <a:latin typeface="Times New Roman" panose="02020603050405020304" pitchFamily="18" charset="0"/>
+              <a:cs typeface="Times New Roman" panose="02020603050405020304" pitchFamily="18" charset="0"/>
+            </a:endParaRPr>
+          </a:p>
+          <a:p>
+            <a:r>
+              <a:rPr lang="en-US" cap="none" dirty="0" smtClean="0">
+                <a:latin typeface="Times New Roman" panose="02020603050405020304" pitchFamily="18" charset="0"/>
+                <a:cs typeface="Times New Roman" panose="02020603050405020304" pitchFamily="18" charset="0"/>
+              </a:rPr>
+              <a:t>Admin can manage </a:t>
+            </a:r>
+            <a:r>
+              <a:rPr lang="en-US" cap="none" dirty="0" smtClean="0">
+                <a:latin typeface="Times New Roman" panose="02020603050405020304" pitchFamily="18" charset="0"/>
+                <a:cs typeface="Times New Roman" panose="02020603050405020304" pitchFamily="18" charset="0"/>
+              </a:rPr>
+              <a:t>member’s account: search member, ban/unban member, delete member</a:t>
             </a:r>
           </a:p>
           <a:p>
@@ -22360,7 +24333,7 @@
                 <a:latin typeface="Times New Roman" panose="02020603050405020304" pitchFamily="18" charset="0"/>
                 <a:cs typeface="Times New Roman" panose="02020603050405020304" pitchFamily="18" charset="0"/>
               </a:rPr>
-              <a:t>Admin can manage database: add, edit, delete database</a:t>
+              <a:t>Admin can manage Q&amp;A: search Q&amp;A, reply Q&amp;A, delete Q&amp;A, Approve Q&amp;A</a:t>
             </a:r>
           </a:p>
           <a:p>
@@ -22369,9 +24342,9 @@
                 <a:latin typeface="Times New Roman" panose="02020603050405020304" pitchFamily="18" charset="0"/>
                 <a:cs typeface="Times New Roman" panose="02020603050405020304" pitchFamily="18" charset="0"/>
               </a:rPr>
-              <a:t>Responding and approving from opinion’s user</a:t>
+              <a:t>Admin can manage database of: Vocabulary, reading, listening, conversation, testing. In each database, admin can search, add, edit, delete</a:t>
             </a:r>
-            <a:endParaRPr lang="vi-VN" cap="none" dirty="0">
+            <a:endParaRPr lang="en-US" cap="none" dirty="0" smtClean="0">
               <a:latin typeface="Times New Roman" panose="02020603050405020304" pitchFamily="18" charset="0"/>
               <a:cs typeface="Times New Roman" panose="02020603050405020304" pitchFamily="18" charset="0"/>
             </a:endParaRPr>
@@ -22856,6 +24829,121 @@
                       </p:childTnLst>
                     </p:cTn>
                   </p:par>
+                  <p:par>
+                    <p:cTn id="29" fill="hold">
+                      <p:stCondLst>
+                        <p:cond delay="indefinite"/>
+                      </p:stCondLst>
+                      <p:childTnLst>
+                        <p:par>
+                          <p:cTn id="30" fill="hold">
+                            <p:stCondLst>
+                              <p:cond delay="0"/>
+                            </p:stCondLst>
+                            <p:childTnLst>
+                              <p:par>
+                                <p:cTn id="31" presetID="42" presetClass="entr" presetSubtype="0" fill="hold" grpId="0" nodeType="clickEffect">
+                                  <p:stCondLst>
+                                    <p:cond delay="0"/>
+                                  </p:stCondLst>
+                                  <p:childTnLst>
+                                    <p:set>
+                                      <p:cBhvr>
+                                        <p:cTn id="32" dur="1" fill="hold">
+                                          <p:stCondLst>
+                                            <p:cond delay="0"/>
+                                          </p:stCondLst>
+                                        </p:cTn>
+                                        <p:tgtEl>
+                                          <p:spTgt spid="3">
+                                            <p:txEl>
+                                              <p:pRg st="3" end="3"/>
+                                            </p:txEl>
+                                          </p:spTgt>
+                                        </p:tgtEl>
+                                        <p:attrNameLst>
+                                          <p:attrName>style.visibility</p:attrName>
+                                        </p:attrNameLst>
+                                      </p:cBhvr>
+                                      <p:to>
+                                        <p:strVal val="visible"/>
+                                      </p:to>
+                                    </p:set>
+                                    <p:animEffect transition="in" filter="fade">
+                                      <p:cBhvr>
+                                        <p:cTn id="33" dur="1000"/>
+                                        <p:tgtEl>
+                                          <p:spTgt spid="3">
+                                            <p:txEl>
+                                              <p:pRg st="3" end="3"/>
+                                            </p:txEl>
+                                          </p:spTgt>
+                                        </p:tgtEl>
+                                      </p:cBhvr>
+                                    </p:animEffect>
+                                    <p:anim calcmode="lin" valueType="num">
+                                      <p:cBhvr>
+                                        <p:cTn id="34" dur="1000" fill="hold"/>
+                                        <p:tgtEl>
+                                          <p:spTgt spid="3">
+                                            <p:txEl>
+                                              <p:pRg st="3" end="3"/>
+                                            </p:txEl>
+                                          </p:spTgt>
+                                        </p:tgtEl>
+                                        <p:attrNameLst>
+                                          <p:attrName>ppt_x</p:attrName>
+                                        </p:attrNameLst>
+                                      </p:cBhvr>
+                                      <p:tavLst>
+                                        <p:tav tm="0">
+                                          <p:val>
+                                            <p:strVal val="#ppt_x"/>
+                                          </p:val>
+                                        </p:tav>
+                                        <p:tav tm="100000">
+                                          <p:val>
+                                            <p:strVal val="#ppt_x"/>
+                                          </p:val>
+                                        </p:tav>
+                                      </p:tavLst>
+                                    </p:anim>
+                                    <p:anim calcmode="lin" valueType="num">
+                                      <p:cBhvr>
+                                        <p:cTn id="35" dur="1000" fill="hold"/>
+                                        <p:tgtEl>
+                                          <p:spTgt spid="3">
+                                            <p:txEl>
+                                              <p:pRg st="3" end="3"/>
+                                            </p:txEl>
+                                          </p:spTgt>
+                                        </p:tgtEl>
+                                        <p:attrNameLst>
+                                          <p:attrName>ppt_y</p:attrName>
+                                        </p:attrNameLst>
+                                      </p:cBhvr>
+                                      <p:tavLst>
+                                        <p:tav tm="0">
+                                          <p:val>
+                                            <p:strVal val="#ppt_y+.1"/>
+                                          </p:val>
+                                        </p:tav>
+                                        <p:tav tm="100000">
+                                          <p:val>
+                                            <p:strVal val="#ppt_y"/>
+                                          </p:val>
+                                        </p:tav>
+                                      </p:tavLst>
+                                    </p:anim>
+                                  </p:childTnLst>
+                                </p:cTn>
+                              </p:par>
+                            </p:childTnLst>
+                          </p:cTn>
+                        </p:par>
+                      </p:childTnLst>
+                    </p:cTn>
+                  </p:par>
                 </p:childTnLst>
               </p:cTn>
               <p:prevCondLst>
@@ -22885,7 +24973,7 @@
 </p:sld>
 </file>
 
-<file path=ppt/slides/slide13.xml><?xml version="1.0" encoding="utf-8"?>
+<file path=ppt/slides/slide16.xml><?xml version="1.0" encoding="utf-8"?>
 <p:sld xmlns:a="http://schemas.openxmlformats.org/drawingml/2006/main" xmlns:r="http://schemas.openxmlformats.org/officeDocument/2006/relationships" xmlns:p="http://schemas.openxmlformats.org/presentationml/2006/main">
   <p:cSld>
     <p:spTree>
@@ -22914,12 +25002,14 @@
         </p:nvSpPr>
         <p:spPr>
           <a:xfrm>
-            <a:off x="913775" y="618517"/>
-            <a:ext cx="10364451" cy="1596177"/>
+            <a:off x="913775" y="0"/>
+            <a:ext cx="10364451" cy="940158"/>
           </a:xfrm>
         </p:spPr>
         <p:txBody>
-          <a:bodyPr/>
+          <a:bodyPr>
+            <a:normAutofit fontScale="90000"/>
+          </a:bodyPr>
           <a:lstStyle/>
           <a:p>
             <a:pPr lvl="0"/>
@@ -22988,8 +25078,8 @@
         </p:blipFill>
         <p:spPr>
           <a:xfrm>
-            <a:off x="1609860" y="1635617"/>
-            <a:ext cx="8937938" cy="5048518"/>
+            <a:off x="1725769" y="746974"/>
+            <a:ext cx="8731876" cy="6220495"/>
           </a:xfrm>
         </p:spPr>
       </p:pic>
@@ -23191,7 +25281,7 @@
 </p:sld>
 </file>
 
-<file path=ppt/slides/slide14.xml><?xml version="1.0" encoding="utf-8"?>
+<file path=ppt/slides/slide17.xml><?xml version="1.0" encoding="utf-8"?>
 <p:sld xmlns:a="http://schemas.openxmlformats.org/drawingml/2006/main" xmlns:r="http://schemas.openxmlformats.org/officeDocument/2006/relationships" xmlns:p="http://schemas.openxmlformats.org/presentationml/2006/main">
   <p:cSld>
     <p:spTree>
@@ -23208,71 +25298,9 @@
           <a:chExt cx="0" cy="0"/>
         </a:xfrm>
       </p:grpSpPr>
-      <p:sp>
-        <p:nvSpPr>
-          <p:cNvPr id="4" name="Title 1"/>
-          <p:cNvSpPr>
-            <a:spLocks noGrp="1"/>
-          </p:cNvSpPr>
-          <p:nvPr>
-            <p:ph type="title"/>
-          </p:nvPr>
-        </p:nvSpPr>
-        <p:spPr>
-          <a:xfrm>
-            <a:off x="913775" y="618517"/>
-            <a:ext cx="10364451" cy="1596177"/>
-          </a:xfrm>
-        </p:spPr>
-        <p:txBody>
-          <a:bodyPr/>
-          <a:lstStyle/>
-          <a:p>
-            <a:pPr lvl="0"/>
-            <a:r>
-              <a:rPr lang="vi-VN" sz="5400" cap="none" dirty="0" smtClean="0">
-                <a:ln w="0"/>
-                <a:gradFill>
-                  <a:gsLst>
-                    <a:gs pos="0">
-                      <a:schemeClr val="accent5">
-                        <a:lumMod val="50000"/>
-                      </a:schemeClr>
-                    </a:gs>
-                    <a:gs pos="50000">
-                      <a:schemeClr val="accent5"/>
-                    </a:gs>
-                    <a:gs pos="100000">
-                      <a:schemeClr val="accent5">
-                        <a:lumMod val="60000"/>
-                        <a:lumOff val="40000"/>
-                      </a:schemeClr>
-                    </a:gs>
-                  </a:gsLst>
-                  <a:lin ang="5400000"/>
-                </a:gradFill>
-                <a:effectLst>
-                  <a:reflection blurRad="6350" stA="53000" endA="300" endPos="35500" dir="5400000" sy="-90000" algn="bl" rotWithShape="0"/>
-                </a:effectLst>
-                <a:latin typeface="Times New Roman" pitchFamily="18" charset="0"/>
-                <a:cs typeface="Times New Roman" pitchFamily="18" charset="0"/>
-              </a:rPr>
-              <a:t>Use cases diagram</a:t>
-            </a:r>
-            <a:r>
-              <a:rPr lang="vi-VN" dirty="0"/>
-              <a:t/>
-            </a:r>
-            <a:br>
-              <a:rPr lang="vi-VN" dirty="0"/>
-            </a:br>
-            <a:endParaRPr lang="vi-VN" dirty="0"/>
-          </a:p>
-        </p:txBody>
-      </p:sp>
       <p:pic>
         <p:nvPicPr>
-          <p:cNvPr id="3" name="Content Placeholder 2"/>
+          <p:cNvPr id="6" name="Content Placeholder 5"/>
           <p:cNvPicPr>
             <a:picLocks noGrp="1" noChangeAspect="1"/>
           </p:cNvPicPr>
@@ -23294,8 +25322,8 @@
         </p:blipFill>
         <p:spPr>
           <a:xfrm>
-            <a:off x="1159099" y="1751527"/>
-            <a:ext cx="7637172" cy="4816698"/>
+            <a:off x="1648496" y="0"/>
+            <a:ext cx="7263685" cy="6858000"/>
           </a:xfrm>
         </p:spPr>
       </p:pic>
@@ -23312,192 +25340,14 @@
   <p:timing>
     <p:tnLst>
       <p:par>
-        <p:cTn id="1" dur="indefinite" restart="never" nodeType="tmRoot">
-          <p:childTnLst>
-            <p:seq concurrent="1" nextAc="seek">
-              <p:cTn id="2" dur="indefinite" nodeType="mainSeq">
-                <p:childTnLst>
-                  <p:par>
-                    <p:cTn id="3" fill="hold">
-                      <p:stCondLst>
-                        <p:cond delay="indefinite"/>
-                      </p:stCondLst>
-                      <p:childTnLst>
-                        <p:par>
-                          <p:cTn id="4" fill="hold">
-                            <p:stCondLst>
-                              <p:cond delay="0"/>
-                            </p:stCondLst>
-                            <p:childTnLst>
-                              <p:par>
-                                <p:cTn id="5" presetID="16" presetClass="entr" presetSubtype="21" fill="hold" grpId="0" nodeType="clickEffect">
-                                  <p:stCondLst>
-                                    <p:cond delay="0"/>
-                                  </p:stCondLst>
-                                  <p:childTnLst>
-                                    <p:set>
-                                      <p:cBhvr>
-                                        <p:cTn id="6" dur="1" fill="hold">
-                                          <p:stCondLst>
-                                            <p:cond delay="0"/>
-                                          </p:stCondLst>
-                                        </p:cTn>
-                                        <p:tgtEl>
-                                          <p:spTgt spid="4"/>
-                                        </p:tgtEl>
-                                        <p:attrNameLst>
-                                          <p:attrName>style.visibility</p:attrName>
-                                        </p:attrNameLst>
-                                      </p:cBhvr>
-                                      <p:to>
-                                        <p:strVal val="visible"/>
-                                      </p:to>
-                                    </p:set>
-                                    <p:animEffect transition="in" filter="barn(inVertical)">
-                                      <p:cBhvr>
-                                        <p:cTn id="7" dur="500"/>
-                                        <p:tgtEl>
-                                          <p:spTgt spid="4"/>
-                                        </p:tgtEl>
-                                      </p:cBhvr>
-                                    </p:animEffect>
-                                  </p:childTnLst>
-                                </p:cTn>
-                              </p:par>
-                            </p:childTnLst>
-                          </p:cTn>
-                        </p:par>
-                      </p:childTnLst>
-                    </p:cTn>
-                  </p:par>
-                  <p:par>
-                    <p:cTn id="8" fill="hold">
-                      <p:stCondLst>
-                        <p:cond delay="indefinite"/>
-                      </p:stCondLst>
-                      <p:childTnLst>
-                        <p:par>
-                          <p:cTn id="9" fill="hold">
-                            <p:stCondLst>
-                              <p:cond delay="0"/>
-                            </p:stCondLst>
-                            <p:childTnLst>
-                              <p:par>
-                                <p:cTn id="10" presetID="42" presetClass="entr" presetSubtype="0" fill="hold" nodeType="clickEffect">
-                                  <p:stCondLst>
-                                    <p:cond delay="0"/>
-                                  </p:stCondLst>
-                                  <p:childTnLst>
-                                    <p:set>
-                                      <p:cBhvr>
-                                        <p:cTn id="11" dur="1" fill="hold">
-                                          <p:stCondLst>
-                                            <p:cond delay="0"/>
-                                          </p:stCondLst>
-                                        </p:cTn>
-                                        <p:tgtEl>
-                                          <p:spTgt spid="3"/>
-                                        </p:tgtEl>
-                                        <p:attrNameLst>
-                                          <p:attrName>style.visibility</p:attrName>
-                                        </p:attrNameLst>
-                                      </p:cBhvr>
-                                      <p:to>
-                                        <p:strVal val="visible"/>
-                                      </p:to>
-                                    </p:set>
-                                    <p:animEffect transition="in" filter="fade">
-                                      <p:cBhvr>
-                                        <p:cTn id="12" dur="1000"/>
-                                        <p:tgtEl>
-                                          <p:spTgt spid="3"/>
-                                        </p:tgtEl>
-                                      </p:cBhvr>
-                                    </p:animEffect>
-                                    <p:anim calcmode="lin" valueType="num">
-                                      <p:cBhvr>
-                                        <p:cTn id="13" dur="1000" fill="hold"/>
-                                        <p:tgtEl>
-                                          <p:spTgt spid="3"/>
-                                        </p:tgtEl>
-                                        <p:attrNameLst>
-                                          <p:attrName>ppt_x</p:attrName>
-                                        </p:attrNameLst>
-                                      </p:cBhvr>
-                                      <p:tavLst>
-                                        <p:tav tm="0">
-                                          <p:val>
-                                            <p:strVal val="#ppt_x"/>
-                                          </p:val>
-                                        </p:tav>
-                                        <p:tav tm="100000">
-                                          <p:val>
-                                            <p:strVal val="#ppt_x"/>
-                                          </p:val>
-                                        </p:tav>
-                                      </p:tavLst>
-                                    </p:anim>
-                                    <p:anim calcmode="lin" valueType="num">
-                                      <p:cBhvr>
-                                        <p:cTn id="14" dur="1000" fill="hold"/>
-                                        <p:tgtEl>
-                                          <p:spTgt spid="3"/>
-                                        </p:tgtEl>
-                                        <p:attrNameLst>
-                                          <p:attrName>ppt_y</p:attrName>
-                                        </p:attrNameLst>
-                                      </p:cBhvr>
-                                      <p:tavLst>
-                                        <p:tav tm="0">
-                                          <p:val>
-                                            <p:strVal val="#ppt_y+.1"/>
-                                          </p:val>
-                                        </p:tav>
-                                        <p:tav tm="100000">
-                                          <p:val>
-                                            <p:strVal val="#ppt_y"/>
-                                          </p:val>
-                                        </p:tav>
-                                      </p:tavLst>
-                                    </p:anim>
-                                  </p:childTnLst>
-                                </p:cTn>
-                              </p:par>
-                            </p:childTnLst>
-                          </p:cTn>
-                        </p:par>
-                      </p:childTnLst>
-                    </p:cTn>
-                  </p:par>
-                </p:childTnLst>
-              </p:cTn>
-              <p:prevCondLst>
-                <p:cond evt="onPrev" delay="0">
-                  <p:tgtEl>
-                    <p:sldTgt/>
-                  </p:tgtEl>
-                </p:cond>
-              </p:prevCondLst>
-              <p:nextCondLst>
-                <p:cond evt="onNext" delay="0">
-                  <p:tgtEl>
-                    <p:sldTgt/>
-                  </p:tgtEl>
-                </p:cond>
-              </p:nextCondLst>
-            </p:seq>
-          </p:childTnLst>
-        </p:cTn>
+        <p:cTn id="1" dur="indefinite" restart="never" nodeType="tmRoot"/>
       </p:par>
     </p:tnLst>
-    <p:bldLst>
-      <p:bldP spid="4" grpId="0"/>
-    </p:bldLst>
   </p:timing>
 </p:sld>
 </file>
 
-<file path=ppt/slides/slide15.xml><?xml version="1.0" encoding="utf-8"?>
+<file path=ppt/slides/slide18.xml><?xml version="1.0" encoding="utf-8"?>
 <p:sld xmlns:a="http://schemas.openxmlformats.org/drawingml/2006/main" xmlns:r="http://schemas.openxmlformats.org/officeDocument/2006/relationships" xmlns:p="http://schemas.openxmlformats.org/presentationml/2006/main">
   <p:cSld>
     <p:spTree>
@@ -24414,3094 +26264,6 @@
 </p:sld>
 </file>
 
-<file path=ppt/slides/slide16.xml><?xml version="1.0" encoding="utf-8"?>
-<p:sld xmlns:a="http://schemas.openxmlformats.org/drawingml/2006/main" xmlns:r="http://schemas.openxmlformats.org/officeDocument/2006/relationships" xmlns:p="http://schemas.openxmlformats.org/presentationml/2006/main">
-  <p:cSld>
-    <p:spTree>
-      <p:nvGrpSpPr>
-        <p:cNvPr id="1" name=""/>
-        <p:cNvGrpSpPr/>
-        <p:nvPr/>
-      </p:nvGrpSpPr>
-      <p:grpSpPr>
-        <a:xfrm>
-          <a:off x="0" y="0"/>
-          <a:ext cx="0" cy="0"/>
-          <a:chOff x="0" y="0"/>
-          <a:chExt cx="0" cy="0"/>
-        </a:xfrm>
-      </p:grpSpPr>
-      <p:sp>
-        <p:nvSpPr>
-          <p:cNvPr id="3" name="Content Placeholder 2"/>
-          <p:cNvSpPr>
-            <a:spLocks noGrp="1"/>
-          </p:cNvSpPr>
-          <p:nvPr>
-            <p:ph sz="quarter" idx="13"/>
-          </p:nvPr>
-        </p:nvSpPr>
-        <p:spPr/>
-        <p:txBody>
-          <a:bodyPr>
-            <a:normAutofit/>
-          </a:bodyPr>
-          <a:lstStyle/>
-          <a:p>
-            <a:r>
-              <a:rPr lang="en-US" cap="none" dirty="0" smtClean="0">
-                <a:latin typeface="Times New Roman" panose="02020603050405020304" pitchFamily="18" charset="0"/>
-                <a:cs typeface="Times New Roman" panose="02020603050405020304" pitchFamily="18" charset="0"/>
-              </a:rPr>
-              <a:t>User:</a:t>
-            </a:r>
-          </a:p>
-          <a:p>
-            <a:pPr>
-              <a:buFont typeface="Wingdings" panose="05000000000000000000" pitchFamily="2" charset="2"/>
-              <a:buChar char="Ø"/>
-            </a:pPr>
-            <a:r>
-              <a:rPr lang="en-US" cap="none" dirty="0" smtClean="0">
-                <a:latin typeface="Times New Roman" panose="02020603050405020304" pitchFamily="18" charset="0"/>
-                <a:cs typeface="Times New Roman" panose="02020603050405020304" pitchFamily="18" charset="0"/>
-              </a:rPr>
-              <a:t>Search depend on section</a:t>
-            </a:r>
-          </a:p>
-          <a:p>
-            <a:pPr>
-              <a:buFont typeface="Wingdings" panose="05000000000000000000" pitchFamily="2" charset="2"/>
-              <a:buChar char="Ø"/>
-            </a:pPr>
-            <a:r>
-              <a:rPr lang="en-US" cap="none" dirty="0" smtClean="0">
-                <a:latin typeface="Times New Roman" panose="02020603050405020304" pitchFamily="18" charset="0"/>
-                <a:cs typeface="Times New Roman" panose="02020603050405020304" pitchFamily="18" charset="0"/>
-              </a:rPr>
-              <a:t>Register account</a:t>
-            </a:r>
-          </a:p>
-          <a:p>
-            <a:pPr>
-              <a:buFont typeface="Wingdings" panose="05000000000000000000" pitchFamily="2" charset="2"/>
-              <a:buChar char="Ø"/>
-            </a:pPr>
-            <a:r>
-              <a:rPr lang="en-US" cap="none" dirty="0" smtClean="0">
-                <a:latin typeface="Times New Roman" panose="02020603050405020304" pitchFamily="18" charset="0"/>
-                <a:cs typeface="Times New Roman" panose="02020603050405020304" pitchFamily="18" charset="0"/>
-              </a:rPr>
-              <a:t>Login, logout</a:t>
-            </a:r>
-          </a:p>
-          <a:p>
-            <a:pPr>
-              <a:buFont typeface="Wingdings" panose="05000000000000000000" pitchFamily="2" charset="2"/>
-              <a:buChar char="Ø"/>
-            </a:pPr>
-            <a:r>
-              <a:rPr lang="en-US" cap="none" dirty="0" smtClean="0">
-                <a:latin typeface="Times New Roman" panose="02020603050405020304" pitchFamily="18" charset="0"/>
-                <a:cs typeface="Times New Roman" panose="02020603050405020304" pitchFamily="18" charset="0"/>
-              </a:rPr>
-              <a:t>Manage account: change password, forget password, tracking mark </a:t>
-            </a:r>
-          </a:p>
-          <a:p>
-            <a:pPr>
-              <a:buFont typeface="Wingdings" panose="05000000000000000000" pitchFamily="2" charset="2"/>
-              <a:buChar char="Ø"/>
-            </a:pPr>
-            <a:r>
-              <a:rPr lang="en-US" cap="none" dirty="0" smtClean="0">
-                <a:latin typeface="Times New Roman" panose="02020603050405020304" pitchFamily="18" charset="0"/>
-                <a:cs typeface="Times New Roman" panose="02020603050405020304" pitchFamily="18" charset="0"/>
-              </a:rPr>
-              <a:t>Doing test</a:t>
-            </a:r>
-          </a:p>
-        </p:txBody>
-      </p:sp>
-      <p:sp>
-        <p:nvSpPr>
-          <p:cNvPr id="4" name="Title 1"/>
-          <p:cNvSpPr>
-            <a:spLocks noGrp="1"/>
-          </p:cNvSpPr>
-          <p:nvPr>
-            <p:ph type="title"/>
-          </p:nvPr>
-        </p:nvSpPr>
-        <p:spPr>
-          <a:xfrm>
-            <a:off x="913775" y="618517"/>
-            <a:ext cx="10364451" cy="1596177"/>
-          </a:xfrm>
-        </p:spPr>
-        <p:txBody>
-          <a:bodyPr/>
-          <a:lstStyle/>
-          <a:p>
-            <a:pPr lvl="0"/>
-            <a:r>
-              <a:rPr lang="vi-VN" sz="5400" cap="none" dirty="0" smtClean="0">
-                <a:ln w="0"/>
-                <a:gradFill>
-                  <a:gsLst>
-                    <a:gs pos="0">
-                      <a:schemeClr val="accent5">
-                        <a:lumMod val="50000"/>
-                      </a:schemeClr>
-                    </a:gs>
-                    <a:gs pos="50000">
-                      <a:schemeClr val="accent5"/>
-                    </a:gs>
-                    <a:gs pos="100000">
-                      <a:schemeClr val="accent5">
-                        <a:lumMod val="60000"/>
-                        <a:lumOff val="40000"/>
-                      </a:schemeClr>
-                    </a:gs>
-                  </a:gsLst>
-                  <a:lin ang="5400000"/>
-                </a:gradFill>
-                <a:effectLst>
-                  <a:reflection blurRad="6350" stA="53000" endA="300" endPos="35500" dir="5400000" sy="-90000" algn="bl" rotWithShape="0"/>
-                </a:effectLst>
-                <a:latin typeface="Times New Roman" pitchFamily="18" charset="0"/>
-                <a:cs typeface="Times New Roman" pitchFamily="18" charset="0"/>
-              </a:rPr>
-              <a:t>Funtionality </a:t>
-            </a:r>
-            <a:r>
-              <a:rPr lang="vi-VN" dirty="0" smtClean="0"/>
-              <a:t/>
-            </a:r>
-            <a:br>
-              <a:rPr lang="vi-VN" dirty="0" smtClean="0"/>
-            </a:br>
-            <a:endParaRPr lang="vi-VN" dirty="0"/>
-          </a:p>
-        </p:txBody>
-      </p:sp>
-    </p:spTree>
-    <p:extLst>
-      <p:ext uri="{BB962C8B-B14F-4D97-AF65-F5344CB8AC3E}">
-        <p14:creationId xmlns:p14="http://schemas.microsoft.com/office/powerpoint/2010/main" val="170635150"/>
-      </p:ext>
-    </p:extLst>
-  </p:cSld>
-  <p:clrMapOvr>
-    <a:masterClrMapping/>
-  </p:clrMapOvr>
-  <p:timing>
-    <p:tnLst>
-      <p:par>
-        <p:cTn id="1" dur="indefinite" restart="never" nodeType="tmRoot">
-          <p:childTnLst>
-            <p:seq concurrent="1" nextAc="seek">
-              <p:cTn id="2" dur="indefinite" nodeType="mainSeq">
-                <p:childTnLst>
-                  <p:par>
-                    <p:cTn id="3" fill="hold">
-                      <p:stCondLst>
-                        <p:cond delay="indefinite"/>
-                      </p:stCondLst>
-                      <p:childTnLst>
-                        <p:par>
-                          <p:cTn id="4" fill="hold">
-                            <p:stCondLst>
-                              <p:cond delay="0"/>
-                            </p:stCondLst>
-                            <p:childTnLst>
-                              <p:par>
-                                <p:cTn id="5" presetID="16" presetClass="entr" presetSubtype="21" fill="hold" grpId="0" nodeType="clickEffect">
-                                  <p:stCondLst>
-                                    <p:cond delay="0"/>
-                                  </p:stCondLst>
-                                  <p:childTnLst>
-                                    <p:set>
-                                      <p:cBhvr>
-                                        <p:cTn id="6" dur="1" fill="hold">
-                                          <p:stCondLst>
-                                            <p:cond delay="0"/>
-                                          </p:stCondLst>
-                                        </p:cTn>
-                                        <p:tgtEl>
-                                          <p:spTgt spid="4"/>
-                                        </p:tgtEl>
-                                        <p:attrNameLst>
-                                          <p:attrName>style.visibility</p:attrName>
-                                        </p:attrNameLst>
-                                      </p:cBhvr>
-                                      <p:to>
-                                        <p:strVal val="visible"/>
-                                      </p:to>
-                                    </p:set>
-                                    <p:animEffect transition="in" filter="barn(inVertical)">
-                                      <p:cBhvr>
-                                        <p:cTn id="7" dur="500"/>
-                                        <p:tgtEl>
-                                          <p:spTgt spid="4"/>
-                                        </p:tgtEl>
-                                      </p:cBhvr>
-                                    </p:animEffect>
-                                  </p:childTnLst>
-                                </p:cTn>
-                              </p:par>
-                            </p:childTnLst>
-                          </p:cTn>
-                        </p:par>
-                      </p:childTnLst>
-                    </p:cTn>
-                  </p:par>
-                  <p:par>
-                    <p:cTn id="8" fill="hold">
-                      <p:stCondLst>
-                        <p:cond delay="indefinite"/>
-                      </p:stCondLst>
-                      <p:childTnLst>
-                        <p:par>
-                          <p:cTn id="9" fill="hold">
-                            <p:stCondLst>
-                              <p:cond delay="0"/>
-                            </p:stCondLst>
-                            <p:childTnLst>
-                              <p:par>
-                                <p:cTn id="10" presetID="26" presetClass="entr" presetSubtype="0" fill="hold" grpId="0" nodeType="clickEffect">
-                                  <p:stCondLst>
-                                    <p:cond delay="0"/>
-                                  </p:stCondLst>
-                                  <p:childTnLst>
-                                    <p:set>
-                                      <p:cBhvr>
-                                        <p:cTn id="11" dur="1" fill="hold">
-                                          <p:stCondLst>
-                                            <p:cond delay="0"/>
-                                          </p:stCondLst>
-                                        </p:cTn>
-                                        <p:tgtEl>
-                                          <p:spTgt spid="3">
-                                            <p:txEl>
-                                              <p:pRg st="0" end="0"/>
-                                            </p:txEl>
-                                          </p:spTgt>
-                                        </p:tgtEl>
-                                        <p:attrNameLst>
-                                          <p:attrName>style.visibility</p:attrName>
-                                        </p:attrNameLst>
-                                      </p:cBhvr>
-                                      <p:to>
-                                        <p:strVal val="visible"/>
-                                      </p:to>
-                                    </p:set>
-                                    <p:animEffect transition="in" filter="wipe(down)">
-                                      <p:cBhvr>
-                                        <p:cTn id="12" dur="580">
-                                          <p:stCondLst>
-                                            <p:cond delay="0"/>
-                                          </p:stCondLst>
-                                        </p:cTn>
-                                        <p:tgtEl>
-                                          <p:spTgt spid="3">
-                                            <p:txEl>
-                                              <p:pRg st="0" end="0"/>
-                                            </p:txEl>
-                                          </p:spTgt>
-                                        </p:tgtEl>
-                                      </p:cBhvr>
-                                    </p:animEffect>
-                                    <p:anim calcmode="lin" valueType="num">
-                                      <p:cBhvr>
-                                        <p:cTn id="13" dur="1822" tmFilter="0,0; 0.14,0.36; 0.43,0.73; 0.71,0.91; 1.0,1.0">
-                                          <p:stCondLst>
-                                            <p:cond delay="0"/>
-                                          </p:stCondLst>
-                                        </p:cTn>
-                                        <p:tgtEl>
-                                          <p:spTgt spid="3">
-                                            <p:txEl>
-                                              <p:pRg st="0" end="0"/>
-                                            </p:txEl>
-                                          </p:spTgt>
-                                        </p:tgtEl>
-                                        <p:attrNameLst>
-                                          <p:attrName>ppt_x</p:attrName>
-                                        </p:attrNameLst>
-                                      </p:cBhvr>
-                                      <p:tavLst>
-                                        <p:tav tm="0">
-                                          <p:val>
-                                            <p:strVal val="#ppt_x-0.25"/>
-                                          </p:val>
-                                        </p:tav>
-                                        <p:tav tm="100000">
-                                          <p:val>
-                                            <p:strVal val="#ppt_x"/>
-                                          </p:val>
-                                        </p:tav>
-                                      </p:tavLst>
-                                    </p:anim>
-                                    <p:anim calcmode="lin" valueType="num">
-                                      <p:cBhvr>
-                                        <p:cTn id="14" dur="664" tmFilter="0.0,0.0; 0.25,0.07; 0.50,0.2; 0.75,0.467; 1.0,1.0">
-                                          <p:stCondLst>
-                                            <p:cond delay="0"/>
-                                          </p:stCondLst>
-                                        </p:cTn>
-                                        <p:tgtEl>
-                                          <p:spTgt spid="3">
-                                            <p:txEl>
-                                              <p:pRg st="0" end="0"/>
-                                            </p:txEl>
-                                          </p:spTgt>
-                                        </p:tgtEl>
-                                        <p:attrNameLst>
-                                          <p:attrName>ppt_y</p:attrName>
-                                        </p:attrNameLst>
-                                      </p:cBhvr>
-                                      <p:tavLst>
-                                        <p:tav tm="0" fmla="#ppt_y-sin(pi*$)/3">
-                                          <p:val>
-                                            <p:fltVal val="0.5"/>
-                                          </p:val>
-                                        </p:tav>
-                                        <p:tav tm="100000">
-                                          <p:val>
-                                            <p:fltVal val="1"/>
-                                          </p:val>
-                                        </p:tav>
-                                      </p:tavLst>
-                                    </p:anim>
-                                    <p:anim calcmode="lin" valueType="num">
-                                      <p:cBhvr>
-                                        <p:cTn id="15" dur="664" tmFilter="0, 0; 0.125,0.2665; 0.25,0.4; 0.375,0.465; 0.5,0.5;  0.625,0.535; 0.75,0.6; 0.875,0.7335; 1,1">
-                                          <p:stCondLst>
-                                            <p:cond delay="664"/>
-                                          </p:stCondLst>
-                                        </p:cTn>
-                                        <p:tgtEl>
-                                          <p:spTgt spid="3">
-                                            <p:txEl>
-                                              <p:pRg st="0" end="0"/>
-                                            </p:txEl>
-                                          </p:spTgt>
-                                        </p:tgtEl>
-                                        <p:attrNameLst>
-                                          <p:attrName>ppt_y</p:attrName>
-                                        </p:attrNameLst>
-                                      </p:cBhvr>
-                                      <p:tavLst>
-                                        <p:tav tm="0" fmla="#ppt_y-sin(pi*$)/9">
-                                          <p:val>
-                                            <p:fltVal val="0"/>
-                                          </p:val>
-                                        </p:tav>
-                                        <p:tav tm="100000">
-                                          <p:val>
-                                            <p:fltVal val="1"/>
-                                          </p:val>
-                                        </p:tav>
-                                      </p:tavLst>
-                                    </p:anim>
-                                    <p:anim calcmode="lin" valueType="num">
-                                      <p:cBhvr>
-                                        <p:cTn id="16" dur="332" tmFilter="0, 0; 0.125,0.2665; 0.25,0.4; 0.375,0.465; 0.5,0.5;  0.625,0.535; 0.75,0.6; 0.875,0.7335; 1,1">
-                                          <p:stCondLst>
-                                            <p:cond delay="1324"/>
-                                          </p:stCondLst>
-                                        </p:cTn>
-                                        <p:tgtEl>
-                                          <p:spTgt spid="3">
-                                            <p:txEl>
-                                              <p:pRg st="0" end="0"/>
-                                            </p:txEl>
-                                          </p:spTgt>
-                                        </p:tgtEl>
-                                        <p:attrNameLst>
-                                          <p:attrName>ppt_y</p:attrName>
-                                        </p:attrNameLst>
-                                      </p:cBhvr>
-                                      <p:tavLst>
-                                        <p:tav tm="0" fmla="#ppt_y-sin(pi*$)/27">
-                                          <p:val>
-                                            <p:fltVal val="0"/>
-                                          </p:val>
-                                        </p:tav>
-                                        <p:tav tm="100000">
-                                          <p:val>
-                                            <p:fltVal val="1"/>
-                                          </p:val>
-                                        </p:tav>
-                                      </p:tavLst>
-                                    </p:anim>
-                                    <p:anim calcmode="lin" valueType="num">
-                                      <p:cBhvr>
-                                        <p:cTn id="17" dur="164" tmFilter="0, 0; 0.125,0.2665; 0.25,0.4; 0.375,0.465; 0.5,0.5;  0.625,0.535; 0.75,0.6; 0.875,0.7335; 1,1">
-                                          <p:stCondLst>
-                                            <p:cond delay="1656"/>
-                                          </p:stCondLst>
-                                        </p:cTn>
-                                        <p:tgtEl>
-                                          <p:spTgt spid="3">
-                                            <p:txEl>
-                                              <p:pRg st="0" end="0"/>
-                                            </p:txEl>
-                                          </p:spTgt>
-                                        </p:tgtEl>
-                                        <p:attrNameLst>
-                                          <p:attrName>ppt_y</p:attrName>
-                                        </p:attrNameLst>
-                                      </p:cBhvr>
-                                      <p:tavLst>
-                                        <p:tav tm="0" fmla="#ppt_y-sin(pi*$)/81">
-                                          <p:val>
-                                            <p:fltVal val="0"/>
-                                          </p:val>
-                                        </p:tav>
-                                        <p:tav tm="100000">
-                                          <p:val>
-                                            <p:fltVal val="1"/>
-                                          </p:val>
-                                        </p:tav>
-                                      </p:tavLst>
-                                    </p:anim>
-                                    <p:animScale>
-                                      <p:cBhvr>
-                                        <p:cTn id="18" dur="26">
-                                          <p:stCondLst>
-                                            <p:cond delay="650"/>
-                                          </p:stCondLst>
-                                        </p:cTn>
-                                        <p:tgtEl>
-                                          <p:spTgt spid="3">
-                                            <p:txEl>
-                                              <p:pRg st="0" end="0"/>
-                                            </p:txEl>
-                                          </p:spTgt>
-                                        </p:tgtEl>
-                                      </p:cBhvr>
-                                      <p:to x="100000" y="60000"/>
-                                    </p:animScale>
-                                    <p:animScale>
-                                      <p:cBhvr>
-                                        <p:cTn id="19" dur="166" decel="50000">
-                                          <p:stCondLst>
-                                            <p:cond delay="676"/>
-                                          </p:stCondLst>
-                                        </p:cTn>
-                                        <p:tgtEl>
-                                          <p:spTgt spid="3">
-                                            <p:txEl>
-                                              <p:pRg st="0" end="0"/>
-                                            </p:txEl>
-                                          </p:spTgt>
-                                        </p:tgtEl>
-                                      </p:cBhvr>
-                                      <p:to x="100000" y="100000"/>
-                                    </p:animScale>
-                                    <p:animScale>
-                                      <p:cBhvr>
-                                        <p:cTn id="20" dur="26">
-                                          <p:stCondLst>
-                                            <p:cond delay="1312"/>
-                                          </p:stCondLst>
-                                        </p:cTn>
-                                        <p:tgtEl>
-                                          <p:spTgt spid="3">
-                                            <p:txEl>
-                                              <p:pRg st="0" end="0"/>
-                                            </p:txEl>
-                                          </p:spTgt>
-                                        </p:tgtEl>
-                                      </p:cBhvr>
-                                      <p:to x="100000" y="80000"/>
-                                    </p:animScale>
-                                    <p:animScale>
-                                      <p:cBhvr>
-                                        <p:cTn id="21" dur="166" decel="50000">
-                                          <p:stCondLst>
-                                            <p:cond delay="1338"/>
-                                          </p:stCondLst>
-                                        </p:cTn>
-                                        <p:tgtEl>
-                                          <p:spTgt spid="3">
-                                            <p:txEl>
-                                              <p:pRg st="0" end="0"/>
-                                            </p:txEl>
-                                          </p:spTgt>
-                                        </p:tgtEl>
-                                      </p:cBhvr>
-                                      <p:to x="100000" y="100000"/>
-                                    </p:animScale>
-                                    <p:animScale>
-                                      <p:cBhvr>
-                                        <p:cTn id="22" dur="26">
-                                          <p:stCondLst>
-                                            <p:cond delay="1642"/>
-                                          </p:stCondLst>
-                                        </p:cTn>
-                                        <p:tgtEl>
-                                          <p:spTgt spid="3">
-                                            <p:txEl>
-                                              <p:pRg st="0" end="0"/>
-                                            </p:txEl>
-                                          </p:spTgt>
-                                        </p:tgtEl>
-                                      </p:cBhvr>
-                                      <p:to x="100000" y="90000"/>
-                                    </p:animScale>
-                                    <p:animScale>
-                                      <p:cBhvr>
-                                        <p:cTn id="23" dur="166" decel="50000">
-                                          <p:stCondLst>
-                                            <p:cond delay="1668"/>
-                                          </p:stCondLst>
-                                        </p:cTn>
-                                        <p:tgtEl>
-                                          <p:spTgt spid="3">
-                                            <p:txEl>
-                                              <p:pRg st="0" end="0"/>
-                                            </p:txEl>
-                                          </p:spTgt>
-                                        </p:tgtEl>
-                                      </p:cBhvr>
-                                      <p:to x="100000" y="100000"/>
-                                    </p:animScale>
-                                    <p:animScale>
-                                      <p:cBhvr>
-                                        <p:cTn id="24" dur="26">
-                                          <p:stCondLst>
-                                            <p:cond delay="1808"/>
-                                          </p:stCondLst>
-                                        </p:cTn>
-                                        <p:tgtEl>
-                                          <p:spTgt spid="3">
-                                            <p:txEl>
-                                              <p:pRg st="0" end="0"/>
-                                            </p:txEl>
-                                          </p:spTgt>
-                                        </p:tgtEl>
-                                      </p:cBhvr>
-                                      <p:to x="100000" y="95000"/>
-                                    </p:animScale>
-                                    <p:animScale>
-                                      <p:cBhvr>
-                                        <p:cTn id="25" dur="166" decel="50000">
-                                          <p:stCondLst>
-                                            <p:cond delay="1834"/>
-                                          </p:stCondLst>
-                                        </p:cTn>
-                                        <p:tgtEl>
-                                          <p:spTgt spid="3">
-                                            <p:txEl>
-                                              <p:pRg st="0" end="0"/>
-                                            </p:txEl>
-                                          </p:spTgt>
-                                        </p:tgtEl>
-                                      </p:cBhvr>
-                                      <p:to x="100000" y="100000"/>
-                                    </p:animScale>
-                                  </p:childTnLst>
-                                </p:cTn>
-                              </p:par>
-                            </p:childTnLst>
-                          </p:cTn>
-                        </p:par>
-                      </p:childTnLst>
-                    </p:cTn>
-                  </p:par>
-                  <p:par>
-                    <p:cTn id="26" fill="hold">
-                      <p:stCondLst>
-                        <p:cond delay="indefinite"/>
-                      </p:stCondLst>
-                      <p:childTnLst>
-                        <p:par>
-                          <p:cTn id="27" fill="hold">
-                            <p:stCondLst>
-                              <p:cond delay="0"/>
-                            </p:stCondLst>
-                            <p:childTnLst>
-                              <p:par>
-                                <p:cTn id="28" presetID="31" presetClass="entr" presetSubtype="0" fill="hold" grpId="0" nodeType="clickEffect">
-                                  <p:stCondLst>
-                                    <p:cond delay="0"/>
-                                  </p:stCondLst>
-                                  <p:childTnLst>
-                                    <p:set>
-                                      <p:cBhvr>
-                                        <p:cTn id="29" dur="1" fill="hold">
-                                          <p:stCondLst>
-                                            <p:cond delay="0"/>
-                                          </p:stCondLst>
-                                        </p:cTn>
-                                        <p:tgtEl>
-                                          <p:spTgt spid="3">
-                                            <p:txEl>
-                                              <p:pRg st="1" end="1"/>
-                                            </p:txEl>
-                                          </p:spTgt>
-                                        </p:tgtEl>
-                                        <p:attrNameLst>
-                                          <p:attrName>style.visibility</p:attrName>
-                                        </p:attrNameLst>
-                                      </p:cBhvr>
-                                      <p:to>
-                                        <p:strVal val="visible"/>
-                                      </p:to>
-                                    </p:set>
-                                    <p:anim calcmode="lin" valueType="num">
-                                      <p:cBhvr>
-                                        <p:cTn id="30" dur="1000" fill="hold"/>
-                                        <p:tgtEl>
-                                          <p:spTgt spid="3">
-                                            <p:txEl>
-                                              <p:pRg st="1" end="1"/>
-                                            </p:txEl>
-                                          </p:spTgt>
-                                        </p:tgtEl>
-                                        <p:attrNameLst>
-                                          <p:attrName>ppt_w</p:attrName>
-                                        </p:attrNameLst>
-                                      </p:cBhvr>
-                                      <p:tavLst>
-                                        <p:tav tm="0">
-                                          <p:val>
-                                            <p:fltVal val="0"/>
-                                          </p:val>
-                                        </p:tav>
-                                        <p:tav tm="100000">
-                                          <p:val>
-                                            <p:strVal val="#ppt_w"/>
-                                          </p:val>
-                                        </p:tav>
-                                      </p:tavLst>
-                                    </p:anim>
-                                    <p:anim calcmode="lin" valueType="num">
-                                      <p:cBhvr>
-                                        <p:cTn id="31" dur="1000" fill="hold"/>
-                                        <p:tgtEl>
-                                          <p:spTgt spid="3">
-                                            <p:txEl>
-                                              <p:pRg st="1" end="1"/>
-                                            </p:txEl>
-                                          </p:spTgt>
-                                        </p:tgtEl>
-                                        <p:attrNameLst>
-                                          <p:attrName>ppt_h</p:attrName>
-                                        </p:attrNameLst>
-                                      </p:cBhvr>
-                                      <p:tavLst>
-                                        <p:tav tm="0">
-                                          <p:val>
-                                            <p:fltVal val="0"/>
-                                          </p:val>
-                                        </p:tav>
-                                        <p:tav tm="100000">
-                                          <p:val>
-                                            <p:strVal val="#ppt_h"/>
-                                          </p:val>
-                                        </p:tav>
-                                      </p:tavLst>
-                                    </p:anim>
-                                    <p:anim calcmode="lin" valueType="num">
-                                      <p:cBhvr>
-                                        <p:cTn id="32" dur="1000" fill="hold"/>
-                                        <p:tgtEl>
-                                          <p:spTgt spid="3">
-                                            <p:txEl>
-                                              <p:pRg st="1" end="1"/>
-                                            </p:txEl>
-                                          </p:spTgt>
-                                        </p:tgtEl>
-                                        <p:attrNameLst>
-                                          <p:attrName>style.rotation</p:attrName>
-                                        </p:attrNameLst>
-                                      </p:cBhvr>
-                                      <p:tavLst>
-                                        <p:tav tm="0">
-                                          <p:val>
-                                            <p:fltVal val="90"/>
-                                          </p:val>
-                                        </p:tav>
-                                        <p:tav tm="100000">
-                                          <p:val>
-                                            <p:fltVal val="0"/>
-                                          </p:val>
-                                        </p:tav>
-                                      </p:tavLst>
-                                    </p:anim>
-                                    <p:animEffect transition="in" filter="fade">
-                                      <p:cBhvr>
-                                        <p:cTn id="33" dur="1000"/>
-                                        <p:tgtEl>
-                                          <p:spTgt spid="3">
-                                            <p:txEl>
-                                              <p:pRg st="1" end="1"/>
-                                            </p:txEl>
-                                          </p:spTgt>
-                                        </p:tgtEl>
-                                      </p:cBhvr>
-                                    </p:animEffect>
-                                  </p:childTnLst>
-                                </p:cTn>
-                              </p:par>
-                              <p:par>
-                                <p:cTn id="34" presetID="31" presetClass="entr" presetSubtype="0" fill="hold" grpId="0" nodeType="withEffect">
-                                  <p:stCondLst>
-                                    <p:cond delay="0"/>
-                                  </p:stCondLst>
-                                  <p:childTnLst>
-                                    <p:set>
-                                      <p:cBhvr>
-                                        <p:cTn id="35" dur="1" fill="hold">
-                                          <p:stCondLst>
-                                            <p:cond delay="0"/>
-                                          </p:stCondLst>
-                                        </p:cTn>
-                                        <p:tgtEl>
-                                          <p:spTgt spid="3">
-                                            <p:txEl>
-                                              <p:pRg st="2" end="2"/>
-                                            </p:txEl>
-                                          </p:spTgt>
-                                        </p:tgtEl>
-                                        <p:attrNameLst>
-                                          <p:attrName>style.visibility</p:attrName>
-                                        </p:attrNameLst>
-                                      </p:cBhvr>
-                                      <p:to>
-                                        <p:strVal val="visible"/>
-                                      </p:to>
-                                    </p:set>
-                                    <p:anim calcmode="lin" valueType="num">
-                                      <p:cBhvr>
-                                        <p:cTn id="36" dur="1000" fill="hold"/>
-                                        <p:tgtEl>
-                                          <p:spTgt spid="3">
-                                            <p:txEl>
-                                              <p:pRg st="2" end="2"/>
-                                            </p:txEl>
-                                          </p:spTgt>
-                                        </p:tgtEl>
-                                        <p:attrNameLst>
-                                          <p:attrName>ppt_w</p:attrName>
-                                        </p:attrNameLst>
-                                      </p:cBhvr>
-                                      <p:tavLst>
-                                        <p:tav tm="0">
-                                          <p:val>
-                                            <p:fltVal val="0"/>
-                                          </p:val>
-                                        </p:tav>
-                                        <p:tav tm="100000">
-                                          <p:val>
-                                            <p:strVal val="#ppt_w"/>
-                                          </p:val>
-                                        </p:tav>
-                                      </p:tavLst>
-                                    </p:anim>
-                                    <p:anim calcmode="lin" valueType="num">
-                                      <p:cBhvr>
-                                        <p:cTn id="37" dur="1000" fill="hold"/>
-                                        <p:tgtEl>
-                                          <p:spTgt spid="3">
-                                            <p:txEl>
-                                              <p:pRg st="2" end="2"/>
-                                            </p:txEl>
-                                          </p:spTgt>
-                                        </p:tgtEl>
-                                        <p:attrNameLst>
-                                          <p:attrName>ppt_h</p:attrName>
-                                        </p:attrNameLst>
-                                      </p:cBhvr>
-                                      <p:tavLst>
-                                        <p:tav tm="0">
-                                          <p:val>
-                                            <p:fltVal val="0"/>
-                                          </p:val>
-                                        </p:tav>
-                                        <p:tav tm="100000">
-                                          <p:val>
-                                            <p:strVal val="#ppt_h"/>
-                                          </p:val>
-                                        </p:tav>
-                                      </p:tavLst>
-                                    </p:anim>
-                                    <p:anim calcmode="lin" valueType="num">
-                                      <p:cBhvr>
-                                        <p:cTn id="38" dur="1000" fill="hold"/>
-                                        <p:tgtEl>
-                                          <p:spTgt spid="3">
-                                            <p:txEl>
-                                              <p:pRg st="2" end="2"/>
-                                            </p:txEl>
-                                          </p:spTgt>
-                                        </p:tgtEl>
-                                        <p:attrNameLst>
-                                          <p:attrName>style.rotation</p:attrName>
-                                        </p:attrNameLst>
-                                      </p:cBhvr>
-                                      <p:tavLst>
-                                        <p:tav tm="0">
-                                          <p:val>
-                                            <p:fltVal val="90"/>
-                                          </p:val>
-                                        </p:tav>
-                                        <p:tav tm="100000">
-                                          <p:val>
-                                            <p:fltVal val="0"/>
-                                          </p:val>
-                                        </p:tav>
-                                      </p:tavLst>
-                                    </p:anim>
-                                    <p:animEffect transition="in" filter="fade">
-                                      <p:cBhvr>
-                                        <p:cTn id="39" dur="1000"/>
-                                        <p:tgtEl>
-                                          <p:spTgt spid="3">
-                                            <p:txEl>
-                                              <p:pRg st="2" end="2"/>
-                                            </p:txEl>
-                                          </p:spTgt>
-                                        </p:tgtEl>
-                                      </p:cBhvr>
-                                    </p:animEffect>
-                                  </p:childTnLst>
-                                </p:cTn>
-                              </p:par>
-                              <p:par>
-                                <p:cTn id="40" presetID="31" presetClass="entr" presetSubtype="0" fill="hold" grpId="0" nodeType="withEffect">
-                                  <p:stCondLst>
-                                    <p:cond delay="0"/>
-                                  </p:stCondLst>
-                                  <p:childTnLst>
-                                    <p:set>
-                                      <p:cBhvr>
-                                        <p:cTn id="41" dur="1" fill="hold">
-                                          <p:stCondLst>
-                                            <p:cond delay="0"/>
-                                          </p:stCondLst>
-                                        </p:cTn>
-                                        <p:tgtEl>
-                                          <p:spTgt spid="3">
-                                            <p:txEl>
-                                              <p:pRg st="3" end="3"/>
-                                            </p:txEl>
-                                          </p:spTgt>
-                                        </p:tgtEl>
-                                        <p:attrNameLst>
-                                          <p:attrName>style.visibility</p:attrName>
-                                        </p:attrNameLst>
-                                      </p:cBhvr>
-                                      <p:to>
-                                        <p:strVal val="visible"/>
-                                      </p:to>
-                                    </p:set>
-                                    <p:anim calcmode="lin" valueType="num">
-                                      <p:cBhvr>
-                                        <p:cTn id="42" dur="1000" fill="hold"/>
-                                        <p:tgtEl>
-                                          <p:spTgt spid="3">
-                                            <p:txEl>
-                                              <p:pRg st="3" end="3"/>
-                                            </p:txEl>
-                                          </p:spTgt>
-                                        </p:tgtEl>
-                                        <p:attrNameLst>
-                                          <p:attrName>ppt_w</p:attrName>
-                                        </p:attrNameLst>
-                                      </p:cBhvr>
-                                      <p:tavLst>
-                                        <p:tav tm="0">
-                                          <p:val>
-                                            <p:fltVal val="0"/>
-                                          </p:val>
-                                        </p:tav>
-                                        <p:tav tm="100000">
-                                          <p:val>
-                                            <p:strVal val="#ppt_w"/>
-                                          </p:val>
-                                        </p:tav>
-                                      </p:tavLst>
-                                    </p:anim>
-                                    <p:anim calcmode="lin" valueType="num">
-                                      <p:cBhvr>
-                                        <p:cTn id="43" dur="1000" fill="hold"/>
-                                        <p:tgtEl>
-                                          <p:spTgt spid="3">
-                                            <p:txEl>
-                                              <p:pRg st="3" end="3"/>
-                                            </p:txEl>
-                                          </p:spTgt>
-                                        </p:tgtEl>
-                                        <p:attrNameLst>
-                                          <p:attrName>ppt_h</p:attrName>
-                                        </p:attrNameLst>
-                                      </p:cBhvr>
-                                      <p:tavLst>
-                                        <p:tav tm="0">
-                                          <p:val>
-                                            <p:fltVal val="0"/>
-                                          </p:val>
-                                        </p:tav>
-                                        <p:tav tm="100000">
-                                          <p:val>
-                                            <p:strVal val="#ppt_h"/>
-                                          </p:val>
-                                        </p:tav>
-                                      </p:tavLst>
-                                    </p:anim>
-                                    <p:anim calcmode="lin" valueType="num">
-                                      <p:cBhvr>
-                                        <p:cTn id="44" dur="1000" fill="hold"/>
-                                        <p:tgtEl>
-                                          <p:spTgt spid="3">
-                                            <p:txEl>
-                                              <p:pRg st="3" end="3"/>
-                                            </p:txEl>
-                                          </p:spTgt>
-                                        </p:tgtEl>
-                                        <p:attrNameLst>
-                                          <p:attrName>style.rotation</p:attrName>
-                                        </p:attrNameLst>
-                                      </p:cBhvr>
-                                      <p:tavLst>
-                                        <p:tav tm="0">
-                                          <p:val>
-                                            <p:fltVal val="90"/>
-                                          </p:val>
-                                        </p:tav>
-                                        <p:tav tm="100000">
-                                          <p:val>
-                                            <p:fltVal val="0"/>
-                                          </p:val>
-                                        </p:tav>
-                                      </p:tavLst>
-                                    </p:anim>
-                                    <p:animEffect transition="in" filter="fade">
-                                      <p:cBhvr>
-                                        <p:cTn id="45" dur="1000"/>
-                                        <p:tgtEl>
-                                          <p:spTgt spid="3">
-                                            <p:txEl>
-                                              <p:pRg st="3" end="3"/>
-                                            </p:txEl>
-                                          </p:spTgt>
-                                        </p:tgtEl>
-                                      </p:cBhvr>
-                                    </p:animEffect>
-                                  </p:childTnLst>
-                                </p:cTn>
-                              </p:par>
-                              <p:par>
-                                <p:cTn id="46" presetID="31" presetClass="entr" presetSubtype="0" fill="hold" grpId="0" nodeType="withEffect">
-                                  <p:stCondLst>
-                                    <p:cond delay="0"/>
-                                  </p:stCondLst>
-                                  <p:childTnLst>
-                                    <p:set>
-                                      <p:cBhvr>
-                                        <p:cTn id="47" dur="1" fill="hold">
-                                          <p:stCondLst>
-                                            <p:cond delay="0"/>
-                                          </p:stCondLst>
-                                        </p:cTn>
-                                        <p:tgtEl>
-                                          <p:spTgt spid="3">
-                                            <p:txEl>
-                                              <p:pRg st="4" end="4"/>
-                                            </p:txEl>
-                                          </p:spTgt>
-                                        </p:tgtEl>
-                                        <p:attrNameLst>
-                                          <p:attrName>style.visibility</p:attrName>
-                                        </p:attrNameLst>
-                                      </p:cBhvr>
-                                      <p:to>
-                                        <p:strVal val="visible"/>
-                                      </p:to>
-                                    </p:set>
-                                    <p:anim calcmode="lin" valueType="num">
-                                      <p:cBhvr>
-                                        <p:cTn id="48" dur="1000" fill="hold"/>
-                                        <p:tgtEl>
-                                          <p:spTgt spid="3">
-                                            <p:txEl>
-                                              <p:pRg st="4" end="4"/>
-                                            </p:txEl>
-                                          </p:spTgt>
-                                        </p:tgtEl>
-                                        <p:attrNameLst>
-                                          <p:attrName>ppt_w</p:attrName>
-                                        </p:attrNameLst>
-                                      </p:cBhvr>
-                                      <p:tavLst>
-                                        <p:tav tm="0">
-                                          <p:val>
-                                            <p:fltVal val="0"/>
-                                          </p:val>
-                                        </p:tav>
-                                        <p:tav tm="100000">
-                                          <p:val>
-                                            <p:strVal val="#ppt_w"/>
-                                          </p:val>
-                                        </p:tav>
-                                      </p:tavLst>
-                                    </p:anim>
-                                    <p:anim calcmode="lin" valueType="num">
-                                      <p:cBhvr>
-                                        <p:cTn id="49" dur="1000" fill="hold"/>
-                                        <p:tgtEl>
-                                          <p:spTgt spid="3">
-                                            <p:txEl>
-                                              <p:pRg st="4" end="4"/>
-                                            </p:txEl>
-                                          </p:spTgt>
-                                        </p:tgtEl>
-                                        <p:attrNameLst>
-                                          <p:attrName>ppt_h</p:attrName>
-                                        </p:attrNameLst>
-                                      </p:cBhvr>
-                                      <p:tavLst>
-                                        <p:tav tm="0">
-                                          <p:val>
-                                            <p:fltVal val="0"/>
-                                          </p:val>
-                                        </p:tav>
-                                        <p:tav tm="100000">
-                                          <p:val>
-                                            <p:strVal val="#ppt_h"/>
-                                          </p:val>
-                                        </p:tav>
-                                      </p:tavLst>
-                                    </p:anim>
-                                    <p:anim calcmode="lin" valueType="num">
-                                      <p:cBhvr>
-                                        <p:cTn id="50" dur="1000" fill="hold"/>
-                                        <p:tgtEl>
-                                          <p:spTgt spid="3">
-                                            <p:txEl>
-                                              <p:pRg st="4" end="4"/>
-                                            </p:txEl>
-                                          </p:spTgt>
-                                        </p:tgtEl>
-                                        <p:attrNameLst>
-                                          <p:attrName>style.rotation</p:attrName>
-                                        </p:attrNameLst>
-                                      </p:cBhvr>
-                                      <p:tavLst>
-                                        <p:tav tm="0">
-                                          <p:val>
-                                            <p:fltVal val="90"/>
-                                          </p:val>
-                                        </p:tav>
-                                        <p:tav tm="100000">
-                                          <p:val>
-                                            <p:fltVal val="0"/>
-                                          </p:val>
-                                        </p:tav>
-                                      </p:tavLst>
-                                    </p:anim>
-                                    <p:animEffect transition="in" filter="fade">
-                                      <p:cBhvr>
-                                        <p:cTn id="51" dur="1000"/>
-                                        <p:tgtEl>
-                                          <p:spTgt spid="3">
-                                            <p:txEl>
-                                              <p:pRg st="4" end="4"/>
-                                            </p:txEl>
-                                          </p:spTgt>
-                                        </p:tgtEl>
-                                      </p:cBhvr>
-                                    </p:animEffect>
-                                  </p:childTnLst>
-                                </p:cTn>
-                              </p:par>
-                              <p:par>
-                                <p:cTn id="52" presetID="31" presetClass="entr" presetSubtype="0" fill="hold" grpId="0" nodeType="withEffect">
-                                  <p:stCondLst>
-                                    <p:cond delay="0"/>
-                                  </p:stCondLst>
-                                  <p:childTnLst>
-                                    <p:set>
-                                      <p:cBhvr>
-                                        <p:cTn id="53" dur="1" fill="hold">
-                                          <p:stCondLst>
-                                            <p:cond delay="0"/>
-                                          </p:stCondLst>
-                                        </p:cTn>
-                                        <p:tgtEl>
-                                          <p:spTgt spid="3">
-                                            <p:txEl>
-                                              <p:pRg st="5" end="5"/>
-                                            </p:txEl>
-                                          </p:spTgt>
-                                        </p:tgtEl>
-                                        <p:attrNameLst>
-                                          <p:attrName>style.visibility</p:attrName>
-                                        </p:attrNameLst>
-                                      </p:cBhvr>
-                                      <p:to>
-                                        <p:strVal val="visible"/>
-                                      </p:to>
-                                    </p:set>
-                                    <p:anim calcmode="lin" valueType="num">
-                                      <p:cBhvr>
-                                        <p:cTn id="54" dur="1000" fill="hold"/>
-                                        <p:tgtEl>
-                                          <p:spTgt spid="3">
-                                            <p:txEl>
-                                              <p:pRg st="5" end="5"/>
-                                            </p:txEl>
-                                          </p:spTgt>
-                                        </p:tgtEl>
-                                        <p:attrNameLst>
-                                          <p:attrName>ppt_w</p:attrName>
-                                        </p:attrNameLst>
-                                      </p:cBhvr>
-                                      <p:tavLst>
-                                        <p:tav tm="0">
-                                          <p:val>
-                                            <p:fltVal val="0"/>
-                                          </p:val>
-                                        </p:tav>
-                                        <p:tav tm="100000">
-                                          <p:val>
-                                            <p:strVal val="#ppt_w"/>
-                                          </p:val>
-                                        </p:tav>
-                                      </p:tavLst>
-                                    </p:anim>
-                                    <p:anim calcmode="lin" valueType="num">
-                                      <p:cBhvr>
-                                        <p:cTn id="55" dur="1000" fill="hold"/>
-                                        <p:tgtEl>
-                                          <p:spTgt spid="3">
-                                            <p:txEl>
-                                              <p:pRg st="5" end="5"/>
-                                            </p:txEl>
-                                          </p:spTgt>
-                                        </p:tgtEl>
-                                        <p:attrNameLst>
-                                          <p:attrName>ppt_h</p:attrName>
-                                        </p:attrNameLst>
-                                      </p:cBhvr>
-                                      <p:tavLst>
-                                        <p:tav tm="0">
-                                          <p:val>
-                                            <p:fltVal val="0"/>
-                                          </p:val>
-                                        </p:tav>
-                                        <p:tav tm="100000">
-                                          <p:val>
-                                            <p:strVal val="#ppt_h"/>
-                                          </p:val>
-                                        </p:tav>
-                                      </p:tavLst>
-                                    </p:anim>
-                                    <p:anim calcmode="lin" valueType="num">
-                                      <p:cBhvr>
-                                        <p:cTn id="56" dur="1000" fill="hold"/>
-                                        <p:tgtEl>
-                                          <p:spTgt spid="3">
-                                            <p:txEl>
-                                              <p:pRg st="5" end="5"/>
-                                            </p:txEl>
-                                          </p:spTgt>
-                                        </p:tgtEl>
-                                        <p:attrNameLst>
-                                          <p:attrName>style.rotation</p:attrName>
-                                        </p:attrNameLst>
-                                      </p:cBhvr>
-                                      <p:tavLst>
-                                        <p:tav tm="0">
-                                          <p:val>
-                                            <p:fltVal val="90"/>
-                                          </p:val>
-                                        </p:tav>
-                                        <p:tav tm="100000">
-                                          <p:val>
-                                            <p:fltVal val="0"/>
-                                          </p:val>
-                                        </p:tav>
-                                      </p:tavLst>
-                                    </p:anim>
-                                    <p:animEffect transition="in" filter="fade">
-                                      <p:cBhvr>
-                                        <p:cTn id="57" dur="1000"/>
-                                        <p:tgtEl>
-                                          <p:spTgt spid="3">
-                                            <p:txEl>
-                                              <p:pRg st="5" end="5"/>
-                                            </p:txEl>
-                                          </p:spTgt>
-                                        </p:tgtEl>
-                                      </p:cBhvr>
-                                    </p:animEffect>
-                                  </p:childTnLst>
-                                </p:cTn>
-                              </p:par>
-                            </p:childTnLst>
-                          </p:cTn>
-                        </p:par>
-                      </p:childTnLst>
-                    </p:cTn>
-                  </p:par>
-                </p:childTnLst>
-              </p:cTn>
-              <p:prevCondLst>
-                <p:cond evt="onPrev" delay="0">
-                  <p:tgtEl>
-                    <p:sldTgt/>
-                  </p:tgtEl>
-                </p:cond>
-              </p:prevCondLst>
-              <p:nextCondLst>
-                <p:cond evt="onNext" delay="0">
-                  <p:tgtEl>
-                    <p:sldTgt/>
-                  </p:tgtEl>
-                </p:cond>
-              </p:nextCondLst>
-            </p:seq>
-          </p:childTnLst>
-        </p:cTn>
-      </p:par>
-    </p:tnLst>
-    <p:bldLst>
-      <p:bldP spid="3" grpId="0" build="p"/>
-      <p:bldP spid="4" grpId="0"/>
-    </p:bldLst>
-  </p:timing>
-</p:sld>
-</file>
-
-<file path=ppt/slides/slide17.xml><?xml version="1.0" encoding="utf-8"?>
-<p:sld xmlns:a="http://schemas.openxmlformats.org/drawingml/2006/main" xmlns:r="http://schemas.openxmlformats.org/officeDocument/2006/relationships" xmlns:p="http://schemas.openxmlformats.org/presentationml/2006/main">
-  <p:cSld>
-    <p:spTree>
-      <p:nvGrpSpPr>
-        <p:cNvPr id="1" name=""/>
-        <p:cNvGrpSpPr/>
-        <p:nvPr/>
-      </p:nvGrpSpPr>
-      <p:grpSpPr>
-        <a:xfrm>
-          <a:off x="0" y="0"/>
-          <a:ext cx="0" cy="0"/>
-          <a:chOff x="0" y="0"/>
-          <a:chExt cx="0" cy="0"/>
-        </a:xfrm>
-      </p:grpSpPr>
-      <p:sp>
-        <p:nvSpPr>
-          <p:cNvPr id="3" name="Content Placeholder 2"/>
-          <p:cNvSpPr>
-            <a:spLocks noGrp="1"/>
-          </p:cNvSpPr>
-          <p:nvPr>
-            <p:ph sz="quarter" idx="13"/>
-          </p:nvPr>
-        </p:nvSpPr>
-        <p:spPr/>
-        <p:txBody>
-          <a:bodyPr>
-            <a:normAutofit/>
-          </a:bodyPr>
-          <a:lstStyle/>
-          <a:p>
-            <a:pPr>
-              <a:buFont typeface="Wingdings" panose="05000000000000000000" pitchFamily="2" charset="2"/>
-              <a:buChar char="Ø"/>
-            </a:pPr>
-            <a:r>
-              <a:rPr lang="en-US" cap="none" dirty="0" smtClean="0">
-                <a:latin typeface="Times New Roman" panose="02020603050405020304" pitchFamily="18" charset="0"/>
-                <a:cs typeface="Times New Roman" panose="02020603050405020304" pitchFamily="18" charset="0"/>
-              </a:rPr>
-              <a:t>Training </a:t>
-            </a:r>
-            <a:r>
-              <a:rPr lang="en-US" cap="none" dirty="0">
-                <a:latin typeface="Times New Roman" panose="02020603050405020304" pitchFamily="18" charset="0"/>
-                <a:cs typeface="Times New Roman" panose="02020603050405020304" pitchFamily="18" charset="0"/>
-              </a:rPr>
-              <a:t>listening </a:t>
-            </a:r>
-          </a:p>
-          <a:p>
-            <a:pPr>
-              <a:buFont typeface="Wingdings" panose="05000000000000000000" pitchFamily="2" charset="2"/>
-              <a:buChar char="Ø"/>
-            </a:pPr>
-            <a:r>
-              <a:rPr lang="en-US" cap="none" dirty="0" smtClean="0">
-                <a:latin typeface="Times New Roman" panose="02020603050405020304" pitchFamily="18" charset="0"/>
-                <a:cs typeface="Times New Roman" panose="02020603050405020304" pitchFamily="18" charset="0"/>
-              </a:rPr>
-              <a:t>Reading </a:t>
-            </a:r>
-            <a:endParaRPr lang="en-US" cap="none" dirty="0">
-              <a:latin typeface="Times New Roman" panose="02020603050405020304" pitchFamily="18" charset="0"/>
-              <a:cs typeface="Times New Roman" panose="02020603050405020304" pitchFamily="18" charset="0"/>
-            </a:endParaRPr>
-          </a:p>
-          <a:p>
-            <a:pPr>
-              <a:buFont typeface="Wingdings" panose="05000000000000000000" pitchFamily="2" charset="2"/>
-              <a:buChar char="Ø"/>
-            </a:pPr>
-            <a:r>
-              <a:rPr lang="en-US" cap="none" dirty="0">
-                <a:latin typeface="Times New Roman" panose="02020603050405020304" pitchFamily="18" charset="0"/>
-                <a:cs typeface="Times New Roman" panose="02020603050405020304" pitchFamily="18" charset="0"/>
-              </a:rPr>
-              <a:t>Conservation</a:t>
-            </a:r>
-          </a:p>
-          <a:p>
-            <a:pPr>
-              <a:buFont typeface="Wingdings" panose="05000000000000000000" pitchFamily="2" charset="2"/>
-              <a:buChar char="Ø"/>
-            </a:pPr>
-            <a:r>
-              <a:rPr lang="en-US" cap="none" dirty="0" smtClean="0">
-                <a:latin typeface="Times New Roman" panose="02020603050405020304" pitchFamily="18" charset="0"/>
-                <a:cs typeface="Times New Roman" panose="02020603050405020304" pitchFamily="18" charset="0"/>
-              </a:rPr>
-              <a:t>Contact admin: Send </a:t>
-            </a:r>
-            <a:r>
-              <a:rPr lang="en-US" cap="none" dirty="0">
-                <a:latin typeface="Times New Roman" panose="02020603050405020304" pitchFamily="18" charset="0"/>
-                <a:cs typeface="Times New Roman" panose="02020603050405020304" pitchFamily="18" charset="0"/>
-              </a:rPr>
-              <a:t>opinion, contribute database</a:t>
-            </a:r>
-          </a:p>
-          <a:p>
-            <a:endParaRPr lang="vi-VN" dirty="0">
-              <a:latin typeface="Times New Roman" panose="02020603050405020304" pitchFamily="18" charset="0"/>
-              <a:cs typeface="Times New Roman" panose="02020603050405020304" pitchFamily="18" charset="0"/>
-            </a:endParaRPr>
-          </a:p>
-        </p:txBody>
-      </p:sp>
-      <p:sp>
-        <p:nvSpPr>
-          <p:cNvPr id="4" name="Title 1"/>
-          <p:cNvSpPr>
-            <a:spLocks noGrp="1"/>
-          </p:cNvSpPr>
-          <p:nvPr>
-            <p:ph type="title"/>
-          </p:nvPr>
-        </p:nvSpPr>
-        <p:spPr>
-          <a:xfrm>
-            <a:off x="913775" y="618517"/>
-            <a:ext cx="10364451" cy="1596177"/>
-          </a:xfrm>
-        </p:spPr>
-        <p:txBody>
-          <a:bodyPr/>
-          <a:lstStyle/>
-          <a:p>
-            <a:pPr lvl="0"/>
-            <a:r>
-              <a:rPr lang="vi-VN" sz="5400" cap="none" dirty="0" smtClean="0">
-                <a:ln w="0"/>
-                <a:gradFill>
-                  <a:gsLst>
-                    <a:gs pos="0">
-                      <a:schemeClr val="accent5">
-                        <a:lumMod val="50000"/>
-                      </a:schemeClr>
-                    </a:gs>
-                    <a:gs pos="50000">
-                      <a:schemeClr val="accent5"/>
-                    </a:gs>
-                    <a:gs pos="100000">
-                      <a:schemeClr val="accent5">
-                        <a:lumMod val="60000"/>
-                        <a:lumOff val="40000"/>
-                      </a:schemeClr>
-                    </a:gs>
-                  </a:gsLst>
-                  <a:lin ang="5400000"/>
-                </a:gradFill>
-                <a:effectLst>
-                  <a:reflection blurRad="6350" stA="53000" endA="300" endPos="35500" dir="5400000" sy="-90000" algn="bl" rotWithShape="0"/>
-                </a:effectLst>
-                <a:latin typeface="Times New Roman" pitchFamily="18" charset="0"/>
-                <a:cs typeface="Times New Roman" pitchFamily="18" charset="0"/>
-              </a:rPr>
-              <a:t>Funtionality </a:t>
-            </a:r>
-            <a:r>
-              <a:rPr lang="vi-VN" dirty="0" smtClean="0"/>
-              <a:t/>
-            </a:r>
-            <a:br>
-              <a:rPr lang="vi-VN" dirty="0" smtClean="0"/>
-            </a:br>
-            <a:endParaRPr lang="vi-VN" dirty="0"/>
-          </a:p>
-        </p:txBody>
-      </p:sp>
-    </p:spTree>
-    <p:extLst>
-      <p:ext uri="{BB962C8B-B14F-4D97-AF65-F5344CB8AC3E}">
-        <p14:creationId xmlns:p14="http://schemas.microsoft.com/office/powerpoint/2010/main" val="2222157890"/>
-      </p:ext>
-    </p:extLst>
-  </p:cSld>
-  <p:clrMapOvr>
-    <a:masterClrMapping/>
-  </p:clrMapOvr>
-  <p:timing>
-    <p:tnLst>
-      <p:par>
-        <p:cTn id="1" dur="indefinite" restart="never" nodeType="tmRoot">
-          <p:childTnLst>
-            <p:seq concurrent="1" nextAc="seek">
-              <p:cTn id="2" dur="indefinite" nodeType="mainSeq">
-                <p:childTnLst>
-                  <p:par>
-                    <p:cTn id="3" fill="hold">
-                      <p:stCondLst>
-                        <p:cond delay="indefinite"/>
-                      </p:stCondLst>
-                      <p:childTnLst>
-                        <p:par>
-                          <p:cTn id="4" fill="hold">
-                            <p:stCondLst>
-                              <p:cond delay="0"/>
-                            </p:stCondLst>
-                            <p:childTnLst>
-                              <p:par>
-                                <p:cTn id="5" presetID="16" presetClass="entr" presetSubtype="21" fill="hold" grpId="0" nodeType="clickEffect">
-                                  <p:stCondLst>
-                                    <p:cond delay="0"/>
-                                  </p:stCondLst>
-                                  <p:childTnLst>
-                                    <p:set>
-                                      <p:cBhvr>
-                                        <p:cTn id="6" dur="1" fill="hold">
-                                          <p:stCondLst>
-                                            <p:cond delay="0"/>
-                                          </p:stCondLst>
-                                        </p:cTn>
-                                        <p:tgtEl>
-                                          <p:spTgt spid="4"/>
-                                        </p:tgtEl>
-                                        <p:attrNameLst>
-                                          <p:attrName>style.visibility</p:attrName>
-                                        </p:attrNameLst>
-                                      </p:cBhvr>
-                                      <p:to>
-                                        <p:strVal val="visible"/>
-                                      </p:to>
-                                    </p:set>
-                                    <p:animEffect transition="in" filter="barn(inVertical)">
-                                      <p:cBhvr>
-                                        <p:cTn id="7" dur="500"/>
-                                        <p:tgtEl>
-                                          <p:spTgt spid="4"/>
-                                        </p:tgtEl>
-                                      </p:cBhvr>
-                                    </p:animEffect>
-                                  </p:childTnLst>
-                                </p:cTn>
-                              </p:par>
-                            </p:childTnLst>
-                          </p:cTn>
-                        </p:par>
-                      </p:childTnLst>
-                    </p:cTn>
-                  </p:par>
-                  <p:par>
-                    <p:cTn id="8" fill="hold">
-                      <p:stCondLst>
-                        <p:cond delay="indefinite"/>
-                      </p:stCondLst>
-                      <p:childTnLst>
-                        <p:par>
-                          <p:cTn id="9" fill="hold">
-                            <p:stCondLst>
-                              <p:cond delay="0"/>
-                            </p:stCondLst>
-                            <p:childTnLst>
-                              <p:par>
-                                <p:cTn id="10" presetID="31" presetClass="entr" presetSubtype="0" fill="hold" nodeType="clickEffect">
-                                  <p:stCondLst>
-                                    <p:cond delay="0"/>
-                                  </p:stCondLst>
-                                  <p:childTnLst>
-                                    <p:set>
-                                      <p:cBhvr>
-                                        <p:cTn id="11" dur="1" fill="hold">
-                                          <p:stCondLst>
-                                            <p:cond delay="0"/>
-                                          </p:stCondLst>
-                                        </p:cTn>
-                                        <p:tgtEl>
-                                          <p:spTgt spid="3">
-                                            <p:txEl>
-                                              <p:pRg st="0" end="0"/>
-                                            </p:txEl>
-                                          </p:spTgt>
-                                        </p:tgtEl>
-                                        <p:attrNameLst>
-                                          <p:attrName>style.visibility</p:attrName>
-                                        </p:attrNameLst>
-                                      </p:cBhvr>
-                                      <p:to>
-                                        <p:strVal val="visible"/>
-                                      </p:to>
-                                    </p:set>
-                                    <p:anim calcmode="lin" valueType="num">
-                                      <p:cBhvr>
-                                        <p:cTn id="12" dur="1000" fill="hold"/>
-                                        <p:tgtEl>
-                                          <p:spTgt spid="3">
-                                            <p:txEl>
-                                              <p:pRg st="0" end="0"/>
-                                            </p:txEl>
-                                          </p:spTgt>
-                                        </p:tgtEl>
-                                        <p:attrNameLst>
-                                          <p:attrName>ppt_w</p:attrName>
-                                        </p:attrNameLst>
-                                      </p:cBhvr>
-                                      <p:tavLst>
-                                        <p:tav tm="0">
-                                          <p:val>
-                                            <p:fltVal val="0"/>
-                                          </p:val>
-                                        </p:tav>
-                                        <p:tav tm="100000">
-                                          <p:val>
-                                            <p:strVal val="#ppt_w"/>
-                                          </p:val>
-                                        </p:tav>
-                                      </p:tavLst>
-                                    </p:anim>
-                                    <p:anim calcmode="lin" valueType="num">
-                                      <p:cBhvr>
-                                        <p:cTn id="13" dur="1000" fill="hold"/>
-                                        <p:tgtEl>
-                                          <p:spTgt spid="3">
-                                            <p:txEl>
-                                              <p:pRg st="0" end="0"/>
-                                            </p:txEl>
-                                          </p:spTgt>
-                                        </p:tgtEl>
-                                        <p:attrNameLst>
-                                          <p:attrName>ppt_h</p:attrName>
-                                        </p:attrNameLst>
-                                      </p:cBhvr>
-                                      <p:tavLst>
-                                        <p:tav tm="0">
-                                          <p:val>
-                                            <p:fltVal val="0"/>
-                                          </p:val>
-                                        </p:tav>
-                                        <p:tav tm="100000">
-                                          <p:val>
-                                            <p:strVal val="#ppt_h"/>
-                                          </p:val>
-                                        </p:tav>
-                                      </p:tavLst>
-                                    </p:anim>
-                                    <p:anim calcmode="lin" valueType="num">
-                                      <p:cBhvr>
-                                        <p:cTn id="14" dur="1000" fill="hold"/>
-                                        <p:tgtEl>
-                                          <p:spTgt spid="3">
-                                            <p:txEl>
-                                              <p:pRg st="0" end="0"/>
-                                            </p:txEl>
-                                          </p:spTgt>
-                                        </p:tgtEl>
-                                        <p:attrNameLst>
-                                          <p:attrName>style.rotation</p:attrName>
-                                        </p:attrNameLst>
-                                      </p:cBhvr>
-                                      <p:tavLst>
-                                        <p:tav tm="0">
-                                          <p:val>
-                                            <p:fltVal val="90"/>
-                                          </p:val>
-                                        </p:tav>
-                                        <p:tav tm="100000">
-                                          <p:val>
-                                            <p:fltVal val="0"/>
-                                          </p:val>
-                                        </p:tav>
-                                      </p:tavLst>
-                                    </p:anim>
-                                    <p:animEffect transition="in" filter="fade">
-                                      <p:cBhvr>
-                                        <p:cTn id="15" dur="1000"/>
-                                        <p:tgtEl>
-                                          <p:spTgt spid="3">
-                                            <p:txEl>
-                                              <p:pRg st="0" end="0"/>
-                                            </p:txEl>
-                                          </p:spTgt>
-                                        </p:tgtEl>
-                                      </p:cBhvr>
-                                    </p:animEffect>
-                                  </p:childTnLst>
-                                </p:cTn>
-                              </p:par>
-                              <p:par>
-                                <p:cTn id="16" presetID="31" presetClass="entr" presetSubtype="0" fill="hold" nodeType="withEffect">
-                                  <p:stCondLst>
-                                    <p:cond delay="0"/>
-                                  </p:stCondLst>
-                                  <p:childTnLst>
-                                    <p:set>
-                                      <p:cBhvr>
-                                        <p:cTn id="17" dur="1" fill="hold">
-                                          <p:stCondLst>
-                                            <p:cond delay="0"/>
-                                          </p:stCondLst>
-                                        </p:cTn>
-                                        <p:tgtEl>
-                                          <p:spTgt spid="3">
-                                            <p:txEl>
-                                              <p:pRg st="1" end="1"/>
-                                            </p:txEl>
-                                          </p:spTgt>
-                                        </p:tgtEl>
-                                        <p:attrNameLst>
-                                          <p:attrName>style.visibility</p:attrName>
-                                        </p:attrNameLst>
-                                      </p:cBhvr>
-                                      <p:to>
-                                        <p:strVal val="visible"/>
-                                      </p:to>
-                                    </p:set>
-                                    <p:anim calcmode="lin" valueType="num">
-                                      <p:cBhvr>
-                                        <p:cTn id="18" dur="1000" fill="hold"/>
-                                        <p:tgtEl>
-                                          <p:spTgt spid="3">
-                                            <p:txEl>
-                                              <p:pRg st="1" end="1"/>
-                                            </p:txEl>
-                                          </p:spTgt>
-                                        </p:tgtEl>
-                                        <p:attrNameLst>
-                                          <p:attrName>ppt_w</p:attrName>
-                                        </p:attrNameLst>
-                                      </p:cBhvr>
-                                      <p:tavLst>
-                                        <p:tav tm="0">
-                                          <p:val>
-                                            <p:fltVal val="0"/>
-                                          </p:val>
-                                        </p:tav>
-                                        <p:tav tm="100000">
-                                          <p:val>
-                                            <p:strVal val="#ppt_w"/>
-                                          </p:val>
-                                        </p:tav>
-                                      </p:tavLst>
-                                    </p:anim>
-                                    <p:anim calcmode="lin" valueType="num">
-                                      <p:cBhvr>
-                                        <p:cTn id="19" dur="1000" fill="hold"/>
-                                        <p:tgtEl>
-                                          <p:spTgt spid="3">
-                                            <p:txEl>
-                                              <p:pRg st="1" end="1"/>
-                                            </p:txEl>
-                                          </p:spTgt>
-                                        </p:tgtEl>
-                                        <p:attrNameLst>
-                                          <p:attrName>ppt_h</p:attrName>
-                                        </p:attrNameLst>
-                                      </p:cBhvr>
-                                      <p:tavLst>
-                                        <p:tav tm="0">
-                                          <p:val>
-                                            <p:fltVal val="0"/>
-                                          </p:val>
-                                        </p:tav>
-                                        <p:tav tm="100000">
-                                          <p:val>
-                                            <p:strVal val="#ppt_h"/>
-                                          </p:val>
-                                        </p:tav>
-                                      </p:tavLst>
-                                    </p:anim>
-                                    <p:anim calcmode="lin" valueType="num">
-                                      <p:cBhvr>
-                                        <p:cTn id="20" dur="1000" fill="hold"/>
-                                        <p:tgtEl>
-                                          <p:spTgt spid="3">
-                                            <p:txEl>
-                                              <p:pRg st="1" end="1"/>
-                                            </p:txEl>
-                                          </p:spTgt>
-                                        </p:tgtEl>
-                                        <p:attrNameLst>
-                                          <p:attrName>style.rotation</p:attrName>
-                                        </p:attrNameLst>
-                                      </p:cBhvr>
-                                      <p:tavLst>
-                                        <p:tav tm="0">
-                                          <p:val>
-                                            <p:fltVal val="90"/>
-                                          </p:val>
-                                        </p:tav>
-                                        <p:tav tm="100000">
-                                          <p:val>
-                                            <p:fltVal val="0"/>
-                                          </p:val>
-                                        </p:tav>
-                                      </p:tavLst>
-                                    </p:anim>
-                                    <p:animEffect transition="in" filter="fade">
-                                      <p:cBhvr>
-                                        <p:cTn id="21" dur="1000"/>
-                                        <p:tgtEl>
-                                          <p:spTgt spid="3">
-                                            <p:txEl>
-                                              <p:pRg st="1" end="1"/>
-                                            </p:txEl>
-                                          </p:spTgt>
-                                        </p:tgtEl>
-                                      </p:cBhvr>
-                                    </p:animEffect>
-                                  </p:childTnLst>
-                                </p:cTn>
-                              </p:par>
-                              <p:par>
-                                <p:cTn id="22" presetID="31" presetClass="entr" presetSubtype="0" fill="hold" nodeType="withEffect">
-                                  <p:stCondLst>
-                                    <p:cond delay="0"/>
-                                  </p:stCondLst>
-                                  <p:childTnLst>
-                                    <p:set>
-                                      <p:cBhvr>
-                                        <p:cTn id="23" dur="1" fill="hold">
-                                          <p:stCondLst>
-                                            <p:cond delay="0"/>
-                                          </p:stCondLst>
-                                        </p:cTn>
-                                        <p:tgtEl>
-                                          <p:spTgt spid="3">
-                                            <p:txEl>
-                                              <p:pRg st="2" end="2"/>
-                                            </p:txEl>
-                                          </p:spTgt>
-                                        </p:tgtEl>
-                                        <p:attrNameLst>
-                                          <p:attrName>style.visibility</p:attrName>
-                                        </p:attrNameLst>
-                                      </p:cBhvr>
-                                      <p:to>
-                                        <p:strVal val="visible"/>
-                                      </p:to>
-                                    </p:set>
-                                    <p:anim calcmode="lin" valueType="num">
-                                      <p:cBhvr>
-                                        <p:cTn id="24" dur="1000" fill="hold"/>
-                                        <p:tgtEl>
-                                          <p:spTgt spid="3">
-                                            <p:txEl>
-                                              <p:pRg st="2" end="2"/>
-                                            </p:txEl>
-                                          </p:spTgt>
-                                        </p:tgtEl>
-                                        <p:attrNameLst>
-                                          <p:attrName>ppt_w</p:attrName>
-                                        </p:attrNameLst>
-                                      </p:cBhvr>
-                                      <p:tavLst>
-                                        <p:tav tm="0">
-                                          <p:val>
-                                            <p:fltVal val="0"/>
-                                          </p:val>
-                                        </p:tav>
-                                        <p:tav tm="100000">
-                                          <p:val>
-                                            <p:strVal val="#ppt_w"/>
-                                          </p:val>
-                                        </p:tav>
-                                      </p:tavLst>
-                                    </p:anim>
-                                    <p:anim calcmode="lin" valueType="num">
-                                      <p:cBhvr>
-                                        <p:cTn id="25" dur="1000" fill="hold"/>
-                                        <p:tgtEl>
-                                          <p:spTgt spid="3">
-                                            <p:txEl>
-                                              <p:pRg st="2" end="2"/>
-                                            </p:txEl>
-                                          </p:spTgt>
-                                        </p:tgtEl>
-                                        <p:attrNameLst>
-                                          <p:attrName>ppt_h</p:attrName>
-                                        </p:attrNameLst>
-                                      </p:cBhvr>
-                                      <p:tavLst>
-                                        <p:tav tm="0">
-                                          <p:val>
-                                            <p:fltVal val="0"/>
-                                          </p:val>
-                                        </p:tav>
-                                        <p:tav tm="100000">
-                                          <p:val>
-                                            <p:strVal val="#ppt_h"/>
-                                          </p:val>
-                                        </p:tav>
-                                      </p:tavLst>
-                                    </p:anim>
-                                    <p:anim calcmode="lin" valueType="num">
-                                      <p:cBhvr>
-                                        <p:cTn id="26" dur="1000" fill="hold"/>
-                                        <p:tgtEl>
-                                          <p:spTgt spid="3">
-                                            <p:txEl>
-                                              <p:pRg st="2" end="2"/>
-                                            </p:txEl>
-                                          </p:spTgt>
-                                        </p:tgtEl>
-                                        <p:attrNameLst>
-                                          <p:attrName>style.rotation</p:attrName>
-                                        </p:attrNameLst>
-                                      </p:cBhvr>
-                                      <p:tavLst>
-                                        <p:tav tm="0">
-                                          <p:val>
-                                            <p:fltVal val="90"/>
-                                          </p:val>
-                                        </p:tav>
-                                        <p:tav tm="100000">
-                                          <p:val>
-                                            <p:fltVal val="0"/>
-                                          </p:val>
-                                        </p:tav>
-                                      </p:tavLst>
-                                    </p:anim>
-                                    <p:animEffect transition="in" filter="fade">
-                                      <p:cBhvr>
-                                        <p:cTn id="27" dur="1000"/>
-                                        <p:tgtEl>
-                                          <p:spTgt spid="3">
-                                            <p:txEl>
-                                              <p:pRg st="2" end="2"/>
-                                            </p:txEl>
-                                          </p:spTgt>
-                                        </p:tgtEl>
-                                      </p:cBhvr>
-                                    </p:animEffect>
-                                  </p:childTnLst>
-                                </p:cTn>
-                              </p:par>
-                              <p:par>
-                                <p:cTn id="28" presetID="31" presetClass="entr" presetSubtype="0" fill="hold" nodeType="withEffect">
-                                  <p:stCondLst>
-                                    <p:cond delay="0"/>
-                                  </p:stCondLst>
-                                  <p:childTnLst>
-                                    <p:set>
-                                      <p:cBhvr>
-                                        <p:cTn id="29" dur="1" fill="hold">
-                                          <p:stCondLst>
-                                            <p:cond delay="0"/>
-                                          </p:stCondLst>
-                                        </p:cTn>
-                                        <p:tgtEl>
-                                          <p:spTgt spid="3">
-                                            <p:txEl>
-                                              <p:pRg st="3" end="3"/>
-                                            </p:txEl>
-                                          </p:spTgt>
-                                        </p:tgtEl>
-                                        <p:attrNameLst>
-                                          <p:attrName>style.visibility</p:attrName>
-                                        </p:attrNameLst>
-                                      </p:cBhvr>
-                                      <p:to>
-                                        <p:strVal val="visible"/>
-                                      </p:to>
-                                    </p:set>
-                                    <p:anim calcmode="lin" valueType="num">
-                                      <p:cBhvr>
-                                        <p:cTn id="30" dur="1000" fill="hold"/>
-                                        <p:tgtEl>
-                                          <p:spTgt spid="3">
-                                            <p:txEl>
-                                              <p:pRg st="3" end="3"/>
-                                            </p:txEl>
-                                          </p:spTgt>
-                                        </p:tgtEl>
-                                        <p:attrNameLst>
-                                          <p:attrName>ppt_w</p:attrName>
-                                        </p:attrNameLst>
-                                      </p:cBhvr>
-                                      <p:tavLst>
-                                        <p:tav tm="0">
-                                          <p:val>
-                                            <p:fltVal val="0"/>
-                                          </p:val>
-                                        </p:tav>
-                                        <p:tav tm="100000">
-                                          <p:val>
-                                            <p:strVal val="#ppt_w"/>
-                                          </p:val>
-                                        </p:tav>
-                                      </p:tavLst>
-                                    </p:anim>
-                                    <p:anim calcmode="lin" valueType="num">
-                                      <p:cBhvr>
-                                        <p:cTn id="31" dur="1000" fill="hold"/>
-                                        <p:tgtEl>
-                                          <p:spTgt spid="3">
-                                            <p:txEl>
-                                              <p:pRg st="3" end="3"/>
-                                            </p:txEl>
-                                          </p:spTgt>
-                                        </p:tgtEl>
-                                        <p:attrNameLst>
-                                          <p:attrName>ppt_h</p:attrName>
-                                        </p:attrNameLst>
-                                      </p:cBhvr>
-                                      <p:tavLst>
-                                        <p:tav tm="0">
-                                          <p:val>
-                                            <p:fltVal val="0"/>
-                                          </p:val>
-                                        </p:tav>
-                                        <p:tav tm="100000">
-                                          <p:val>
-                                            <p:strVal val="#ppt_h"/>
-                                          </p:val>
-                                        </p:tav>
-                                      </p:tavLst>
-                                    </p:anim>
-                                    <p:anim calcmode="lin" valueType="num">
-                                      <p:cBhvr>
-                                        <p:cTn id="32" dur="1000" fill="hold"/>
-                                        <p:tgtEl>
-                                          <p:spTgt spid="3">
-                                            <p:txEl>
-                                              <p:pRg st="3" end="3"/>
-                                            </p:txEl>
-                                          </p:spTgt>
-                                        </p:tgtEl>
-                                        <p:attrNameLst>
-                                          <p:attrName>style.rotation</p:attrName>
-                                        </p:attrNameLst>
-                                      </p:cBhvr>
-                                      <p:tavLst>
-                                        <p:tav tm="0">
-                                          <p:val>
-                                            <p:fltVal val="90"/>
-                                          </p:val>
-                                        </p:tav>
-                                        <p:tav tm="100000">
-                                          <p:val>
-                                            <p:fltVal val="0"/>
-                                          </p:val>
-                                        </p:tav>
-                                      </p:tavLst>
-                                    </p:anim>
-                                    <p:animEffect transition="in" filter="fade">
-                                      <p:cBhvr>
-                                        <p:cTn id="33" dur="1000"/>
-                                        <p:tgtEl>
-                                          <p:spTgt spid="3">
-                                            <p:txEl>
-                                              <p:pRg st="3" end="3"/>
-                                            </p:txEl>
-                                          </p:spTgt>
-                                        </p:tgtEl>
-                                      </p:cBhvr>
-                                    </p:animEffect>
-                                  </p:childTnLst>
-                                </p:cTn>
-                              </p:par>
-                            </p:childTnLst>
-                          </p:cTn>
-                        </p:par>
-                      </p:childTnLst>
-                    </p:cTn>
-                  </p:par>
-                </p:childTnLst>
-              </p:cTn>
-              <p:prevCondLst>
-                <p:cond evt="onPrev" delay="0">
-                  <p:tgtEl>
-                    <p:sldTgt/>
-                  </p:tgtEl>
-                </p:cond>
-              </p:prevCondLst>
-              <p:nextCondLst>
-                <p:cond evt="onNext" delay="0">
-                  <p:tgtEl>
-                    <p:sldTgt/>
-                  </p:tgtEl>
-                </p:cond>
-              </p:nextCondLst>
-            </p:seq>
-          </p:childTnLst>
-        </p:cTn>
-      </p:par>
-    </p:tnLst>
-    <p:bldLst>
-      <p:bldP spid="4" grpId="0"/>
-    </p:bldLst>
-  </p:timing>
-</p:sld>
-</file>
-
-<file path=ppt/slides/slide18.xml><?xml version="1.0" encoding="utf-8"?>
-<p:sld xmlns:a="http://schemas.openxmlformats.org/drawingml/2006/main" xmlns:r="http://schemas.openxmlformats.org/officeDocument/2006/relationships" xmlns:p="http://schemas.openxmlformats.org/presentationml/2006/main">
-  <p:cSld>
-    <p:spTree>
-      <p:nvGrpSpPr>
-        <p:cNvPr id="1" name=""/>
-        <p:cNvGrpSpPr/>
-        <p:nvPr/>
-      </p:nvGrpSpPr>
-      <p:grpSpPr>
-        <a:xfrm>
-          <a:off x="0" y="0"/>
-          <a:ext cx="0" cy="0"/>
-          <a:chOff x="0" y="0"/>
-          <a:chExt cx="0" cy="0"/>
-        </a:xfrm>
-      </p:grpSpPr>
-      <p:sp>
-        <p:nvSpPr>
-          <p:cNvPr id="3" name="Content Placeholder 2"/>
-          <p:cNvSpPr>
-            <a:spLocks noGrp="1"/>
-          </p:cNvSpPr>
-          <p:nvPr>
-            <p:ph sz="quarter" idx="13"/>
-          </p:nvPr>
-        </p:nvSpPr>
-        <p:spPr/>
-        <p:txBody>
-          <a:bodyPr/>
-          <a:lstStyle/>
-          <a:p>
-            <a:r>
-              <a:rPr lang="en-US" cap="none" dirty="0" smtClean="0">
-                <a:latin typeface="Times New Roman" panose="02020603050405020304" pitchFamily="18" charset="0"/>
-                <a:cs typeface="Times New Roman" panose="02020603050405020304" pitchFamily="18" charset="0"/>
-              </a:rPr>
-              <a:t>Admin</a:t>
-            </a:r>
-          </a:p>
-          <a:p>
-            <a:pPr>
-              <a:buFont typeface="Wingdings" panose="05000000000000000000" pitchFamily="2" charset="2"/>
-              <a:buChar char="Ø"/>
-            </a:pPr>
-            <a:r>
-              <a:rPr lang="en-US" cap="none" dirty="0" smtClean="0">
-                <a:latin typeface="Times New Roman" panose="02020603050405020304" pitchFamily="18" charset="0"/>
-                <a:cs typeface="Times New Roman" panose="02020603050405020304" pitchFamily="18" charset="0"/>
-              </a:rPr>
-              <a:t>Edit, </a:t>
-            </a:r>
-            <a:r>
-              <a:rPr lang="en-US" cap="none" dirty="0" err="1" smtClean="0">
-                <a:latin typeface="Times New Roman" panose="02020603050405020304" pitchFamily="18" charset="0"/>
-                <a:cs typeface="Times New Roman" panose="02020603050405020304" pitchFamily="18" charset="0"/>
-              </a:rPr>
-              <a:t>ban,unban</a:t>
-            </a:r>
-            <a:r>
-              <a:rPr lang="en-US" cap="none" dirty="0" smtClean="0">
-                <a:latin typeface="Times New Roman" panose="02020603050405020304" pitchFamily="18" charset="0"/>
-                <a:cs typeface="Times New Roman" panose="02020603050405020304" pitchFamily="18" charset="0"/>
-              </a:rPr>
-              <a:t>, delete member</a:t>
-            </a:r>
-          </a:p>
-          <a:p>
-            <a:pPr>
-              <a:buFont typeface="Wingdings" panose="05000000000000000000" pitchFamily="2" charset="2"/>
-              <a:buChar char="Ø"/>
-            </a:pPr>
-            <a:r>
-              <a:rPr lang="en-US" cap="none" dirty="0" smtClean="0">
-                <a:latin typeface="Times New Roman" panose="02020603050405020304" pitchFamily="18" charset="0"/>
-                <a:cs typeface="Times New Roman" panose="02020603050405020304" pitchFamily="18" charset="0"/>
-              </a:rPr>
-              <a:t>Add, edit, delete database</a:t>
-            </a:r>
-          </a:p>
-          <a:p>
-            <a:pPr>
-              <a:buFont typeface="Wingdings" panose="05000000000000000000" pitchFamily="2" charset="2"/>
-              <a:buChar char="Ø"/>
-            </a:pPr>
-            <a:r>
-              <a:rPr lang="en-US" cap="none" dirty="0" smtClean="0">
-                <a:latin typeface="Times New Roman" panose="02020603050405020304" pitchFamily="18" charset="0"/>
-                <a:cs typeface="Times New Roman" panose="02020603050405020304" pitchFamily="18" charset="0"/>
-              </a:rPr>
-              <a:t>Response opinion’s user</a:t>
-            </a:r>
-          </a:p>
-          <a:p>
-            <a:pPr>
-              <a:buFont typeface="Wingdings" panose="05000000000000000000" pitchFamily="2" charset="2"/>
-              <a:buChar char="Ø"/>
-            </a:pPr>
-            <a:r>
-              <a:rPr lang="en-US" cap="none" dirty="0" smtClean="0">
-                <a:latin typeface="Times New Roman" panose="02020603050405020304" pitchFamily="18" charset="0"/>
-                <a:cs typeface="Times New Roman" panose="02020603050405020304" pitchFamily="18" charset="0"/>
-              </a:rPr>
-              <a:t>Approve contribution of user</a:t>
-            </a:r>
-          </a:p>
-          <a:p>
-            <a:endParaRPr lang="vi-VN" cap="none" dirty="0">
-              <a:latin typeface="Times New Roman" panose="02020603050405020304" pitchFamily="18" charset="0"/>
-              <a:cs typeface="Times New Roman" panose="02020603050405020304" pitchFamily="18" charset="0"/>
-            </a:endParaRPr>
-          </a:p>
-        </p:txBody>
-      </p:sp>
-      <p:sp>
-        <p:nvSpPr>
-          <p:cNvPr id="4" name="Title 1"/>
-          <p:cNvSpPr>
-            <a:spLocks noGrp="1"/>
-          </p:cNvSpPr>
-          <p:nvPr>
-            <p:ph type="title"/>
-          </p:nvPr>
-        </p:nvSpPr>
-        <p:spPr>
-          <a:xfrm>
-            <a:off x="913775" y="618517"/>
-            <a:ext cx="10364451" cy="1596177"/>
-          </a:xfrm>
-        </p:spPr>
-        <p:txBody>
-          <a:bodyPr/>
-          <a:lstStyle/>
-          <a:p>
-            <a:pPr lvl="0"/>
-            <a:r>
-              <a:rPr lang="vi-VN" sz="5400" cap="none" dirty="0" smtClean="0">
-                <a:ln w="0"/>
-                <a:gradFill>
-                  <a:gsLst>
-                    <a:gs pos="0">
-                      <a:schemeClr val="accent5">
-                        <a:lumMod val="50000"/>
-                      </a:schemeClr>
-                    </a:gs>
-                    <a:gs pos="50000">
-                      <a:schemeClr val="accent5"/>
-                    </a:gs>
-                    <a:gs pos="100000">
-                      <a:schemeClr val="accent5">
-                        <a:lumMod val="60000"/>
-                        <a:lumOff val="40000"/>
-                      </a:schemeClr>
-                    </a:gs>
-                  </a:gsLst>
-                  <a:lin ang="5400000"/>
-                </a:gradFill>
-                <a:effectLst>
-                  <a:reflection blurRad="6350" stA="53000" endA="300" endPos="35500" dir="5400000" sy="-90000" algn="bl" rotWithShape="0"/>
-                </a:effectLst>
-                <a:latin typeface="Times New Roman" pitchFamily="18" charset="0"/>
-                <a:cs typeface="Times New Roman" pitchFamily="18" charset="0"/>
-              </a:rPr>
-              <a:t>Funtionality </a:t>
-            </a:r>
-            <a:r>
-              <a:rPr lang="vi-VN" dirty="0" smtClean="0"/>
-              <a:t/>
-            </a:r>
-            <a:br>
-              <a:rPr lang="vi-VN" dirty="0" smtClean="0"/>
-            </a:br>
-            <a:endParaRPr lang="vi-VN" dirty="0"/>
-          </a:p>
-        </p:txBody>
-      </p:sp>
-    </p:spTree>
-    <p:extLst>
-      <p:ext uri="{BB962C8B-B14F-4D97-AF65-F5344CB8AC3E}">
-        <p14:creationId xmlns:p14="http://schemas.microsoft.com/office/powerpoint/2010/main" val="4122737208"/>
-      </p:ext>
-    </p:extLst>
-  </p:cSld>
-  <p:clrMapOvr>
-    <a:masterClrMapping/>
-  </p:clrMapOvr>
-  <p:timing>
-    <p:tnLst>
-      <p:par>
-        <p:cTn id="1" dur="indefinite" restart="never" nodeType="tmRoot">
-          <p:childTnLst>
-            <p:seq concurrent="1" nextAc="seek">
-              <p:cTn id="2" dur="indefinite" nodeType="mainSeq">
-                <p:childTnLst>
-                  <p:par>
-                    <p:cTn id="3" fill="hold">
-                      <p:stCondLst>
-                        <p:cond delay="indefinite"/>
-                      </p:stCondLst>
-                      <p:childTnLst>
-                        <p:par>
-                          <p:cTn id="4" fill="hold">
-                            <p:stCondLst>
-                              <p:cond delay="0"/>
-                            </p:stCondLst>
-                            <p:childTnLst>
-                              <p:par>
-                                <p:cTn id="5" presetID="16" presetClass="entr" presetSubtype="21" fill="hold" grpId="0" nodeType="clickEffect">
-                                  <p:stCondLst>
-                                    <p:cond delay="0"/>
-                                  </p:stCondLst>
-                                  <p:childTnLst>
-                                    <p:set>
-                                      <p:cBhvr>
-                                        <p:cTn id="6" dur="1" fill="hold">
-                                          <p:stCondLst>
-                                            <p:cond delay="0"/>
-                                          </p:stCondLst>
-                                        </p:cTn>
-                                        <p:tgtEl>
-                                          <p:spTgt spid="4"/>
-                                        </p:tgtEl>
-                                        <p:attrNameLst>
-                                          <p:attrName>style.visibility</p:attrName>
-                                        </p:attrNameLst>
-                                      </p:cBhvr>
-                                      <p:to>
-                                        <p:strVal val="visible"/>
-                                      </p:to>
-                                    </p:set>
-                                    <p:animEffect transition="in" filter="barn(inVertical)">
-                                      <p:cBhvr>
-                                        <p:cTn id="7" dur="500"/>
-                                        <p:tgtEl>
-                                          <p:spTgt spid="4"/>
-                                        </p:tgtEl>
-                                      </p:cBhvr>
-                                    </p:animEffect>
-                                  </p:childTnLst>
-                                </p:cTn>
-                              </p:par>
-                            </p:childTnLst>
-                          </p:cTn>
-                        </p:par>
-                      </p:childTnLst>
-                    </p:cTn>
-                  </p:par>
-                  <p:par>
-                    <p:cTn id="8" fill="hold">
-                      <p:stCondLst>
-                        <p:cond delay="indefinite"/>
-                      </p:stCondLst>
-                      <p:childTnLst>
-                        <p:par>
-                          <p:cTn id="9" fill="hold">
-                            <p:stCondLst>
-                              <p:cond delay="0"/>
-                            </p:stCondLst>
-                            <p:childTnLst>
-                              <p:par>
-                                <p:cTn id="10" presetID="26" presetClass="entr" presetSubtype="0" fill="hold" nodeType="clickEffect">
-                                  <p:stCondLst>
-                                    <p:cond delay="0"/>
-                                  </p:stCondLst>
-                                  <p:childTnLst>
-                                    <p:set>
-                                      <p:cBhvr>
-                                        <p:cTn id="11" dur="1" fill="hold">
-                                          <p:stCondLst>
-                                            <p:cond delay="0"/>
-                                          </p:stCondLst>
-                                        </p:cTn>
-                                        <p:tgtEl>
-                                          <p:spTgt spid="3">
-                                            <p:txEl>
-                                              <p:pRg st="0" end="0"/>
-                                            </p:txEl>
-                                          </p:spTgt>
-                                        </p:tgtEl>
-                                        <p:attrNameLst>
-                                          <p:attrName>style.visibility</p:attrName>
-                                        </p:attrNameLst>
-                                      </p:cBhvr>
-                                      <p:to>
-                                        <p:strVal val="visible"/>
-                                      </p:to>
-                                    </p:set>
-                                    <p:animEffect transition="in" filter="wipe(down)">
-                                      <p:cBhvr>
-                                        <p:cTn id="12" dur="580">
-                                          <p:stCondLst>
-                                            <p:cond delay="0"/>
-                                          </p:stCondLst>
-                                        </p:cTn>
-                                        <p:tgtEl>
-                                          <p:spTgt spid="3">
-                                            <p:txEl>
-                                              <p:pRg st="0" end="0"/>
-                                            </p:txEl>
-                                          </p:spTgt>
-                                        </p:tgtEl>
-                                      </p:cBhvr>
-                                    </p:animEffect>
-                                    <p:anim calcmode="lin" valueType="num">
-                                      <p:cBhvr>
-                                        <p:cTn id="13" dur="1822" tmFilter="0,0; 0.14,0.36; 0.43,0.73; 0.71,0.91; 1.0,1.0">
-                                          <p:stCondLst>
-                                            <p:cond delay="0"/>
-                                          </p:stCondLst>
-                                        </p:cTn>
-                                        <p:tgtEl>
-                                          <p:spTgt spid="3">
-                                            <p:txEl>
-                                              <p:pRg st="0" end="0"/>
-                                            </p:txEl>
-                                          </p:spTgt>
-                                        </p:tgtEl>
-                                        <p:attrNameLst>
-                                          <p:attrName>ppt_x</p:attrName>
-                                        </p:attrNameLst>
-                                      </p:cBhvr>
-                                      <p:tavLst>
-                                        <p:tav tm="0">
-                                          <p:val>
-                                            <p:strVal val="#ppt_x-0.25"/>
-                                          </p:val>
-                                        </p:tav>
-                                        <p:tav tm="100000">
-                                          <p:val>
-                                            <p:strVal val="#ppt_x"/>
-                                          </p:val>
-                                        </p:tav>
-                                      </p:tavLst>
-                                    </p:anim>
-                                    <p:anim calcmode="lin" valueType="num">
-                                      <p:cBhvr>
-                                        <p:cTn id="14" dur="664" tmFilter="0.0,0.0; 0.25,0.07; 0.50,0.2; 0.75,0.467; 1.0,1.0">
-                                          <p:stCondLst>
-                                            <p:cond delay="0"/>
-                                          </p:stCondLst>
-                                        </p:cTn>
-                                        <p:tgtEl>
-                                          <p:spTgt spid="3">
-                                            <p:txEl>
-                                              <p:pRg st="0" end="0"/>
-                                            </p:txEl>
-                                          </p:spTgt>
-                                        </p:tgtEl>
-                                        <p:attrNameLst>
-                                          <p:attrName>ppt_y</p:attrName>
-                                        </p:attrNameLst>
-                                      </p:cBhvr>
-                                      <p:tavLst>
-                                        <p:tav tm="0" fmla="#ppt_y-sin(pi*$)/3">
-                                          <p:val>
-                                            <p:fltVal val="0.5"/>
-                                          </p:val>
-                                        </p:tav>
-                                        <p:tav tm="100000">
-                                          <p:val>
-                                            <p:fltVal val="1"/>
-                                          </p:val>
-                                        </p:tav>
-                                      </p:tavLst>
-                                    </p:anim>
-                                    <p:anim calcmode="lin" valueType="num">
-                                      <p:cBhvr>
-                                        <p:cTn id="15" dur="664" tmFilter="0, 0; 0.125,0.2665; 0.25,0.4; 0.375,0.465; 0.5,0.5;  0.625,0.535; 0.75,0.6; 0.875,0.7335; 1,1">
-                                          <p:stCondLst>
-                                            <p:cond delay="664"/>
-                                          </p:stCondLst>
-                                        </p:cTn>
-                                        <p:tgtEl>
-                                          <p:spTgt spid="3">
-                                            <p:txEl>
-                                              <p:pRg st="0" end="0"/>
-                                            </p:txEl>
-                                          </p:spTgt>
-                                        </p:tgtEl>
-                                        <p:attrNameLst>
-                                          <p:attrName>ppt_y</p:attrName>
-                                        </p:attrNameLst>
-                                      </p:cBhvr>
-                                      <p:tavLst>
-                                        <p:tav tm="0" fmla="#ppt_y-sin(pi*$)/9">
-                                          <p:val>
-                                            <p:fltVal val="0"/>
-                                          </p:val>
-                                        </p:tav>
-                                        <p:tav tm="100000">
-                                          <p:val>
-                                            <p:fltVal val="1"/>
-                                          </p:val>
-                                        </p:tav>
-                                      </p:tavLst>
-                                    </p:anim>
-                                    <p:anim calcmode="lin" valueType="num">
-                                      <p:cBhvr>
-                                        <p:cTn id="16" dur="332" tmFilter="0, 0; 0.125,0.2665; 0.25,0.4; 0.375,0.465; 0.5,0.5;  0.625,0.535; 0.75,0.6; 0.875,0.7335; 1,1">
-                                          <p:stCondLst>
-                                            <p:cond delay="1324"/>
-                                          </p:stCondLst>
-                                        </p:cTn>
-                                        <p:tgtEl>
-                                          <p:spTgt spid="3">
-                                            <p:txEl>
-                                              <p:pRg st="0" end="0"/>
-                                            </p:txEl>
-                                          </p:spTgt>
-                                        </p:tgtEl>
-                                        <p:attrNameLst>
-                                          <p:attrName>ppt_y</p:attrName>
-                                        </p:attrNameLst>
-                                      </p:cBhvr>
-                                      <p:tavLst>
-                                        <p:tav tm="0" fmla="#ppt_y-sin(pi*$)/27">
-                                          <p:val>
-                                            <p:fltVal val="0"/>
-                                          </p:val>
-                                        </p:tav>
-                                        <p:tav tm="100000">
-                                          <p:val>
-                                            <p:fltVal val="1"/>
-                                          </p:val>
-                                        </p:tav>
-                                      </p:tavLst>
-                                    </p:anim>
-                                    <p:anim calcmode="lin" valueType="num">
-                                      <p:cBhvr>
-                                        <p:cTn id="17" dur="164" tmFilter="0, 0; 0.125,0.2665; 0.25,0.4; 0.375,0.465; 0.5,0.5;  0.625,0.535; 0.75,0.6; 0.875,0.7335; 1,1">
-                                          <p:stCondLst>
-                                            <p:cond delay="1656"/>
-                                          </p:stCondLst>
-                                        </p:cTn>
-                                        <p:tgtEl>
-                                          <p:spTgt spid="3">
-                                            <p:txEl>
-                                              <p:pRg st="0" end="0"/>
-                                            </p:txEl>
-                                          </p:spTgt>
-                                        </p:tgtEl>
-                                        <p:attrNameLst>
-                                          <p:attrName>ppt_y</p:attrName>
-                                        </p:attrNameLst>
-                                      </p:cBhvr>
-                                      <p:tavLst>
-                                        <p:tav tm="0" fmla="#ppt_y-sin(pi*$)/81">
-                                          <p:val>
-                                            <p:fltVal val="0"/>
-                                          </p:val>
-                                        </p:tav>
-                                        <p:tav tm="100000">
-                                          <p:val>
-                                            <p:fltVal val="1"/>
-                                          </p:val>
-                                        </p:tav>
-                                      </p:tavLst>
-                                    </p:anim>
-                                    <p:animScale>
-                                      <p:cBhvr>
-                                        <p:cTn id="18" dur="26">
-                                          <p:stCondLst>
-                                            <p:cond delay="650"/>
-                                          </p:stCondLst>
-                                        </p:cTn>
-                                        <p:tgtEl>
-                                          <p:spTgt spid="3">
-                                            <p:txEl>
-                                              <p:pRg st="0" end="0"/>
-                                            </p:txEl>
-                                          </p:spTgt>
-                                        </p:tgtEl>
-                                      </p:cBhvr>
-                                      <p:to x="100000" y="60000"/>
-                                    </p:animScale>
-                                    <p:animScale>
-                                      <p:cBhvr>
-                                        <p:cTn id="19" dur="166" decel="50000">
-                                          <p:stCondLst>
-                                            <p:cond delay="676"/>
-                                          </p:stCondLst>
-                                        </p:cTn>
-                                        <p:tgtEl>
-                                          <p:spTgt spid="3">
-                                            <p:txEl>
-                                              <p:pRg st="0" end="0"/>
-                                            </p:txEl>
-                                          </p:spTgt>
-                                        </p:tgtEl>
-                                      </p:cBhvr>
-                                      <p:to x="100000" y="100000"/>
-                                    </p:animScale>
-                                    <p:animScale>
-                                      <p:cBhvr>
-                                        <p:cTn id="20" dur="26">
-                                          <p:stCondLst>
-                                            <p:cond delay="1312"/>
-                                          </p:stCondLst>
-                                        </p:cTn>
-                                        <p:tgtEl>
-                                          <p:spTgt spid="3">
-                                            <p:txEl>
-                                              <p:pRg st="0" end="0"/>
-                                            </p:txEl>
-                                          </p:spTgt>
-                                        </p:tgtEl>
-                                      </p:cBhvr>
-                                      <p:to x="100000" y="80000"/>
-                                    </p:animScale>
-                                    <p:animScale>
-                                      <p:cBhvr>
-                                        <p:cTn id="21" dur="166" decel="50000">
-                                          <p:stCondLst>
-                                            <p:cond delay="1338"/>
-                                          </p:stCondLst>
-                                        </p:cTn>
-                                        <p:tgtEl>
-                                          <p:spTgt spid="3">
-                                            <p:txEl>
-                                              <p:pRg st="0" end="0"/>
-                                            </p:txEl>
-                                          </p:spTgt>
-                                        </p:tgtEl>
-                                      </p:cBhvr>
-                                      <p:to x="100000" y="100000"/>
-                                    </p:animScale>
-                                    <p:animScale>
-                                      <p:cBhvr>
-                                        <p:cTn id="22" dur="26">
-                                          <p:stCondLst>
-                                            <p:cond delay="1642"/>
-                                          </p:stCondLst>
-                                        </p:cTn>
-                                        <p:tgtEl>
-                                          <p:spTgt spid="3">
-                                            <p:txEl>
-                                              <p:pRg st="0" end="0"/>
-                                            </p:txEl>
-                                          </p:spTgt>
-                                        </p:tgtEl>
-                                      </p:cBhvr>
-                                      <p:to x="100000" y="90000"/>
-                                    </p:animScale>
-                                    <p:animScale>
-                                      <p:cBhvr>
-                                        <p:cTn id="23" dur="166" decel="50000">
-                                          <p:stCondLst>
-                                            <p:cond delay="1668"/>
-                                          </p:stCondLst>
-                                        </p:cTn>
-                                        <p:tgtEl>
-                                          <p:spTgt spid="3">
-                                            <p:txEl>
-                                              <p:pRg st="0" end="0"/>
-                                            </p:txEl>
-                                          </p:spTgt>
-                                        </p:tgtEl>
-                                      </p:cBhvr>
-                                      <p:to x="100000" y="100000"/>
-                                    </p:animScale>
-                                    <p:animScale>
-                                      <p:cBhvr>
-                                        <p:cTn id="24" dur="26">
-                                          <p:stCondLst>
-                                            <p:cond delay="1808"/>
-                                          </p:stCondLst>
-                                        </p:cTn>
-                                        <p:tgtEl>
-                                          <p:spTgt spid="3">
-                                            <p:txEl>
-                                              <p:pRg st="0" end="0"/>
-                                            </p:txEl>
-                                          </p:spTgt>
-                                        </p:tgtEl>
-                                      </p:cBhvr>
-                                      <p:to x="100000" y="95000"/>
-                                    </p:animScale>
-                                    <p:animScale>
-                                      <p:cBhvr>
-                                        <p:cTn id="25" dur="166" decel="50000">
-                                          <p:stCondLst>
-                                            <p:cond delay="1834"/>
-                                          </p:stCondLst>
-                                        </p:cTn>
-                                        <p:tgtEl>
-                                          <p:spTgt spid="3">
-                                            <p:txEl>
-                                              <p:pRg st="0" end="0"/>
-                                            </p:txEl>
-                                          </p:spTgt>
-                                        </p:tgtEl>
-                                      </p:cBhvr>
-                                      <p:to x="100000" y="100000"/>
-                                    </p:animScale>
-                                  </p:childTnLst>
-                                </p:cTn>
-                              </p:par>
-                            </p:childTnLst>
-                          </p:cTn>
-                        </p:par>
-                      </p:childTnLst>
-                    </p:cTn>
-                  </p:par>
-                  <p:par>
-                    <p:cTn id="26" fill="hold">
-                      <p:stCondLst>
-                        <p:cond delay="indefinite"/>
-                      </p:stCondLst>
-                      <p:childTnLst>
-                        <p:par>
-                          <p:cTn id="27" fill="hold">
-                            <p:stCondLst>
-                              <p:cond delay="0"/>
-                            </p:stCondLst>
-                            <p:childTnLst>
-                              <p:par>
-                                <p:cTn id="28" presetID="53" presetClass="entr" presetSubtype="16" fill="hold" nodeType="clickEffect">
-                                  <p:stCondLst>
-                                    <p:cond delay="0"/>
-                                  </p:stCondLst>
-                                  <p:childTnLst>
-                                    <p:set>
-                                      <p:cBhvr>
-                                        <p:cTn id="29" dur="1" fill="hold">
-                                          <p:stCondLst>
-                                            <p:cond delay="0"/>
-                                          </p:stCondLst>
-                                        </p:cTn>
-                                        <p:tgtEl>
-                                          <p:spTgt spid="3">
-                                            <p:txEl>
-                                              <p:pRg st="1" end="1"/>
-                                            </p:txEl>
-                                          </p:spTgt>
-                                        </p:tgtEl>
-                                        <p:attrNameLst>
-                                          <p:attrName>style.visibility</p:attrName>
-                                        </p:attrNameLst>
-                                      </p:cBhvr>
-                                      <p:to>
-                                        <p:strVal val="visible"/>
-                                      </p:to>
-                                    </p:set>
-                                    <p:anim calcmode="lin" valueType="num">
-                                      <p:cBhvr>
-                                        <p:cTn id="30" dur="500" fill="hold"/>
-                                        <p:tgtEl>
-                                          <p:spTgt spid="3">
-                                            <p:txEl>
-                                              <p:pRg st="1" end="1"/>
-                                            </p:txEl>
-                                          </p:spTgt>
-                                        </p:tgtEl>
-                                        <p:attrNameLst>
-                                          <p:attrName>ppt_w</p:attrName>
-                                        </p:attrNameLst>
-                                      </p:cBhvr>
-                                      <p:tavLst>
-                                        <p:tav tm="0">
-                                          <p:val>
-                                            <p:fltVal val="0"/>
-                                          </p:val>
-                                        </p:tav>
-                                        <p:tav tm="100000">
-                                          <p:val>
-                                            <p:strVal val="#ppt_w"/>
-                                          </p:val>
-                                        </p:tav>
-                                      </p:tavLst>
-                                    </p:anim>
-                                    <p:anim calcmode="lin" valueType="num">
-                                      <p:cBhvr>
-                                        <p:cTn id="31" dur="500" fill="hold"/>
-                                        <p:tgtEl>
-                                          <p:spTgt spid="3">
-                                            <p:txEl>
-                                              <p:pRg st="1" end="1"/>
-                                            </p:txEl>
-                                          </p:spTgt>
-                                        </p:tgtEl>
-                                        <p:attrNameLst>
-                                          <p:attrName>ppt_h</p:attrName>
-                                        </p:attrNameLst>
-                                      </p:cBhvr>
-                                      <p:tavLst>
-                                        <p:tav tm="0">
-                                          <p:val>
-                                            <p:fltVal val="0"/>
-                                          </p:val>
-                                        </p:tav>
-                                        <p:tav tm="100000">
-                                          <p:val>
-                                            <p:strVal val="#ppt_h"/>
-                                          </p:val>
-                                        </p:tav>
-                                      </p:tavLst>
-                                    </p:anim>
-                                    <p:animEffect transition="in" filter="fade">
-                                      <p:cBhvr>
-                                        <p:cTn id="32" dur="500"/>
-                                        <p:tgtEl>
-                                          <p:spTgt spid="3">
-                                            <p:txEl>
-                                              <p:pRg st="1" end="1"/>
-                                            </p:txEl>
-                                          </p:spTgt>
-                                        </p:tgtEl>
-                                      </p:cBhvr>
-                                    </p:animEffect>
-                                  </p:childTnLst>
-                                </p:cTn>
-                              </p:par>
-                              <p:par>
-                                <p:cTn id="33" presetID="53" presetClass="entr" presetSubtype="16" fill="hold" nodeType="withEffect">
-                                  <p:stCondLst>
-                                    <p:cond delay="0"/>
-                                  </p:stCondLst>
-                                  <p:childTnLst>
-                                    <p:set>
-                                      <p:cBhvr>
-                                        <p:cTn id="34" dur="1" fill="hold">
-                                          <p:stCondLst>
-                                            <p:cond delay="0"/>
-                                          </p:stCondLst>
-                                        </p:cTn>
-                                        <p:tgtEl>
-                                          <p:spTgt spid="3">
-                                            <p:txEl>
-                                              <p:pRg st="2" end="2"/>
-                                            </p:txEl>
-                                          </p:spTgt>
-                                        </p:tgtEl>
-                                        <p:attrNameLst>
-                                          <p:attrName>style.visibility</p:attrName>
-                                        </p:attrNameLst>
-                                      </p:cBhvr>
-                                      <p:to>
-                                        <p:strVal val="visible"/>
-                                      </p:to>
-                                    </p:set>
-                                    <p:anim calcmode="lin" valueType="num">
-                                      <p:cBhvr>
-                                        <p:cTn id="35" dur="500" fill="hold"/>
-                                        <p:tgtEl>
-                                          <p:spTgt spid="3">
-                                            <p:txEl>
-                                              <p:pRg st="2" end="2"/>
-                                            </p:txEl>
-                                          </p:spTgt>
-                                        </p:tgtEl>
-                                        <p:attrNameLst>
-                                          <p:attrName>ppt_w</p:attrName>
-                                        </p:attrNameLst>
-                                      </p:cBhvr>
-                                      <p:tavLst>
-                                        <p:tav tm="0">
-                                          <p:val>
-                                            <p:fltVal val="0"/>
-                                          </p:val>
-                                        </p:tav>
-                                        <p:tav tm="100000">
-                                          <p:val>
-                                            <p:strVal val="#ppt_w"/>
-                                          </p:val>
-                                        </p:tav>
-                                      </p:tavLst>
-                                    </p:anim>
-                                    <p:anim calcmode="lin" valueType="num">
-                                      <p:cBhvr>
-                                        <p:cTn id="36" dur="500" fill="hold"/>
-                                        <p:tgtEl>
-                                          <p:spTgt spid="3">
-                                            <p:txEl>
-                                              <p:pRg st="2" end="2"/>
-                                            </p:txEl>
-                                          </p:spTgt>
-                                        </p:tgtEl>
-                                        <p:attrNameLst>
-                                          <p:attrName>ppt_h</p:attrName>
-                                        </p:attrNameLst>
-                                      </p:cBhvr>
-                                      <p:tavLst>
-                                        <p:tav tm="0">
-                                          <p:val>
-                                            <p:fltVal val="0"/>
-                                          </p:val>
-                                        </p:tav>
-                                        <p:tav tm="100000">
-                                          <p:val>
-                                            <p:strVal val="#ppt_h"/>
-                                          </p:val>
-                                        </p:tav>
-                                      </p:tavLst>
-                                    </p:anim>
-                                    <p:animEffect transition="in" filter="fade">
-                                      <p:cBhvr>
-                                        <p:cTn id="37" dur="500"/>
-                                        <p:tgtEl>
-                                          <p:spTgt spid="3">
-                                            <p:txEl>
-                                              <p:pRg st="2" end="2"/>
-                                            </p:txEl>
-                                          </p:spTgt>
-                                        </p:tgtEl>
-                                      </p:cBhvr>
-                                    </p:animEffect>
-                                  </p:childTnLst>
-                                </p:cTn>
-                              </p:par>
-                              <p:par>
-                                <p:cTn id="38" presetID="53" presetClass="entr" presetSubtype="16" fill="hold" nodeType="withEffect">
-                                  <p:stCondLst>
-                                    <p:cond delay="0"/>
-                                  </p:stCondLst>
-                                  <p:childTnLst>
-                                    <p:set>
-                                      <p:cBhvr>
-                                        <p:cTn id="39" dur="1" fill="hold">
-                                          <p:stCondLst>
-                                            <p:cond delay="0"/>
-                                          </p:stCondLst>
-                                        </p:cTn>
-                                        <p:tgtEl>
-                                          <p:spTgt spid="3">
-                                            <p:txEl>
-                                              <p:pRg st="3" end="3"/>
-                                            </p:txEl>
-                                          </p:spTgt>
-                                        </p:tgtEl>
-                                        <p:attrNameLst>
-                                          <p:attrName>style.visibility</p:attrName>
-                                        </p:attrNameLst>
-                                      </p:cBhvr>
-                                      <p:to>
-                                        <p:strVal val="visible"/>
-                                      </p:to>
-                                    </p:set>
-                                    <p:anim calcmode="lin" valueType="num">
-                                      <p:cBhvr>
-                                        <p:cTn id="40" dur="500" fill="hold"/>
-                                        <p:tgtEl>
-                                          <p:spTgt spid="3">
-                                            <p:txEl>
-                                              <p:pRg st="3" end="3"/>
-                                            </p:txEl>
-                                          </p:spTgt>
-                                        </p:tgtEl>
-                                        <p:attrNameLst>
-                                          <p:attrName>ppt_w</p:attrName>
-                                        </p:attrNameLst>
-                                      </p:cBhvr>
-                                      <p:tavLst>
-                                        <p:tav tm="0">
-                                          <p:val>
-                                            <p:fltVal val="0"/>
-                                          </p:val>
-                                        </p:tav>
-                                        <p:tav tm="100000">
-                                          <p:val>
-                                            <p:strVal val="#ppt_w"/>
-                                          </p:val>
-                                        </p:tav>
-                                      </p:tavLst>
-                                    </p:anim>
-                                    <p:anim calcmode="lin" valueType="num">
-                                      <p:cBhvr>
-                                        <p:cTn id="41" dur="500" fill="hold"/>
-                                        <p:tgtEl>
-                                          <p:spTgt spid="3">
-                                            <p:txEl>
-                                              <p:pRg st="3" end="3"/>
-                                            </p:txEl>
-                                          </p:spTgt>
-                                        </p:tgtEl>
-                                        <p:attrNameLst>
-                                          <p:attrName>ppt_h</p:attrName>
-                                        </p:attrNameLst>
-                                      </p:cBhvr>
-                                      <p:tavLst>
-                                        <p:tav tm="0">
-                                          <p:val>
-                                            <p:fltVal val="0"/>
-                                          </p:val>
-                                        </p:tav>
-                                        <p:tav tm="100000">
-                                          <p:val>
-                                            <p:strVal val="#ppt_h"/>
-                                          </p:val>
-                                        </p:tav>
-                                      </p:tavLst>
-                                    </p:anim>
-                                    <p:animEffect transition="in" filter="fade">
-                                      <p:cBhvr>
-                                        <p:cTn id="42" dur="500"/>
-                                        <p:tgtEl>
-                                          <p:spTgt spid="3">
-                                            <p:txEl>
-                                              <p:pRg st="3" end="3"/>
-                                            </p:txEl>
-                                          </p:spTgt>
-                                        </p:tgtEl>
-                                      </p:cBhvr>
-                                    </p:animEffect>
-                                  </p:childTnLst>
-                                </p:cTn>
-                              </p:par>
-                              <p:par>
-                                <p:cTn id="43" presetID="53" presetClass="entr" presetSubtype="16" fill="hold" nodeType="withEffect">
-                                  <p:stCondLst>
-                                    <p:cond delay="0"/>
-                                  </p:stCondLst>
-                                  <p:childTnLst>
-                                    <p:set>
-                                      <p:cBhvr>
-                                        <p:cTn id="44" dur="1" fill="hold">
-                                          <p:stCondLst>
-                                            <p:cond delay="0"/>
-                                          </p:stCondLst>
-                                        </p:cTn>
-                                        <p:tgtEl>
-                                          <p:spTgt spid="3">
-                                            <p:txEl>
-                                              <p:pRg st="4" end="4"/>
-                                            </p:txEl>
-                                          </p:spTgt>
-                                        </p:tgtEl>
-                                        <p:attrNameLst>
-                                          <p:attrName>style.visibility</p:attrName>
-                                        </p:attrNameLst>
-                                      </p:cBhvr>
-                                      <p:to>
-                                        <p:strVal val="visible"/>
-                                      </p:to>
-                                    </p:set>
-                                    <p:anim calcmode="lin" valueType="num">
-                                      <p:cBhvr>
-                                        <p:cTn id="45" dur="500" fill="hold"/>
-                                        <p:tgtEl>
-                                          <p:spTgt spid="3">
-                                            <p:txEl>
-                                              <p:pRg st="4" end="4"/>
-                                            </p:txEl>
-                                          </p:spTgt>
-                                        </p:tgtEl>
-                                        <p:attrNameLst>
-                                          <p:attrName>ppt_w</p:attrName>
-                                        </p:attrNameLst>
-                                      </p:cBhvr>
-                                      <p:tavLst>
-                                        <p:tav tm="0">
-                                          <p:val>
-                                            <p:fltVal val="0"/>
-                                          </p:val>
-                                        </p:tav>
-                                        <p:tav tm="100000">
-                                          <p:val>
-                                            <p:strVal val="#ppt_w"/>
-                                          </p:val>
-                                        </p:tav>
-                                      </p:tavLst>
-                                    </p:anim>
-                                    <p:anim calcmode="lin" valueType="num">
-                                      <p:cBhvr>
-                                        <p:cTn id="46" dur="500" fill="hold"/>
-                                        <p:tgtEl>
-                                          <p:spTgt spid="3">
-                                            <p:txEl>
-                                              <p:pRg st="4" end="4"/>
-                                            </p:txEl>
-                                          </p:spTgt>
-                                        </p:tgtEl>
-                                        <p:attrNameLst>
-                                          <p:attrName>ppt_h</p:attrName>
-                                        </p:attrNameLst>
-                                      </p:cBhvr>
-                                      <p:tavLst>
-                                        <p:tav tm="0">
-                                          <p:val>
-                                            <p:fltVal val="0"/>
-                                          </p:val>
-                                        </p:tav>
-                                        <p:tav tm="100000">
-                                          <p:val>
-                                            <p:strVal val="#ppt_h"/>
-                                          </p:val>
-                                        </p:tav>
-                                      </p:tavLst>
-                                    </p:anim>
-                                    <p:animEffect transition="in" filter="fade">
-                                      <p:cBhvr>
-                                        <p:cTn id="47" dur="500"/>
-                                        <p:tgtEl>
-                                          <p:spTgt spid="3">
-                                            <p:txEl>
-                                              <p:pRg st="4" end="4"/>
-                                            </p:txEl>
-                                          </p:spTgt>
-                                        </p:tgtEl>
-                                      </p:cBhvr>
-                                    </p:animEffect>
-                                  </p:childTnLst>
-                                </p:cTn>
-                              </p:par>
-                            </p:childTnLst>
-                          </p:cTn>
-                        </p:par>
-                      </p:childTnLst>
-                    </p:cTn>
-                  </p:par>
-                </p:childTnLst>
-              </p:cTn>
-              <p:prevCondLst>
-                <p:cond evt="onPrev" delay="0">
-                  <p:tgtEl>
-                    <p:sldTgt/>
-                  </p:tgtEl>
-                </p:cond>
-              </p:prevCondLst>
-              <p:nextCondLst>
-                <p:cond evt="onNext" delay="0">
-                  <p:tgtEl>
-                    <p:sldTgt/>
-                  </p:tgtEl>
-                </p:cond>
-              </p:nextCondLst>
-            </p:seq>
-          </p:childTnLst>
-        </p:cTn>
-      </p:par>
-    </p:tnLst>
-    <p:bldLst>
-      <p:bldP spid="4" grpId="0"/>
-    </p:bldLst>
-  </p:timing>
-</p:sld>
-</file>
-
 <file path=ppt/slides/slide19.xml><?xml version="1.0" encoding="utf-8"?>
 <p:sld xmlns:a="http://schemas.openxmlformats.org/drawingml/2006/main" xmlns:r="http://schemas.openxmlformats.org/officeDocument/2006/relationships" xmlns:p="http://schemas.openxmlformats.org/presentationml/2006/main">
   <p:cSld>
@@ -27592,7 +26354,7 @@
           <p:nvPr>
             <p:extLst>
               <p:ext uri="{D42A27DB-BD31-4B8C-83A1-F6EECF244321}">
-                <p14:modId xmlns:p14="http://schemas.microsoft.com/office/powerpoint/2010/main" val="2832813577"/>
+                <p14:modId xmlns:p14="http://schemas.microsoft.com/office/powerpoint/2010/main" val="1680815372"/>
               </p:ext>
             </p:extLst>
           </p:nvPr>
@@ -30145,7 +28907,21 @@
                 <a:latin typeface="Times New Roman" panose="02020603050405020304" pitchFamily="18" charset="0"/>
                 <a:cs typeface="Times New Roman" panose="02020603050405020304" pitchFamily="18" charset="0"/>
               </a:rPr>
-              <a:t>Full of sections to user can choose, such as: reading, listening, conservation, video, review JLPT</a:t>
+              <a:t>Full of sections to user can choose, such as: reading, listening, conservation, video, </a:t>
+            </a:r>
+            <a:r>
+              <a:rPr lang="en-US" cap="none" dirty="0" smtClean="0">
+                <a:latin typeface="Times New Roman" panose="02020603050405020304" pitchFamily="18" charset="0"/>
+                <a:cs typeface="Times New Roman" panose="02020603050405020304" pitchFamily="18" charset="0"/>
+              </a:rPr>
+              <a:t>testing, review </a:t>
+            </a:r>
+            <a:r>
+              <a:rPr lang="en-US" cap="none" dirty="0">
+                <a:latin typeface="Times New Roman" panose="02020603050405020304" pitchFamily="18" charset="0"/>
+                <a:cs typeface="Times New Roman" panose="02020603050405020304" pitchFamily="18" charset="0"/>
+              </a:rPr>
+              <a:t>JLPT</a:t>
             </a:r>
             <a:r>
               <a:rPr lang="en-US" cap="none" dirty="0" smtClean="0">

--- a/WIP/Documents/Report 1/UJD_VN_Examination_v1.0_EN/UJD_VN_ProjectOverview_v1.0.pptx
+++ b/WIP/Documents/Report 1/UJD_VN_Examination_v1.0_EN/UJD_VN_ProjectOverview_v1.0.pptx
@@ -5684,504 +5684,6 @@
       <dsp:cNvGrpSpPr/>
     </dsp:nvGrpSpPr>
     <dsp:grpSpPr/>
-    <dsp:sp modelId="{678C6D30-A20E-40F8-9C7B-9EA267646672}">
-      <dsp:nvSpPr>
-        <dsp:cNvPr id="0" name=""/>
-        <dsp:cNvSpPr/>
-      </dsp:nvSpPr>
-      <dsp:spPr>
-        <a:xfrm>
-          <a:off x="0" y="310006"/>
-          <a:ext cx="10363200" cy="992250"/>
-        </a:xfrm>
-        <a:prstGeom prst="rect">
-          <a:avLst/>
-        </a:prstGeom>
-        <a:solidFill>
-          <a:schemeClr val="lt1">
-            <a:alpha val="90000"/>
-            <a:hueOff val="0"/>
-            <a:satOff val="0"/>
-            <a:lumOff val="0"/>
-            <a:alphaOff val="0"/>
-          </a:schemeClr>
-        </a:solidFill>
-        <a:ln w="15875" cap="flat" cmpd="sng" algn="ctr">
-          <a:solidFill>
-            <a:schemeClr val="accent1">
-              <a:hueOff val="0"/>
-              <a:satOff val="0"/>
-              <a:lumOff val="0"/>
-              <a:alphaOff val="0"/>
-            </a:schemeClr>
-          </a:solidFill>
-          <a:prstDash val="solid"/>
-        </a:ln>
-        <a:effectLst/>
-      </dsp:spPr>
-      <dsp:style>
-        <a:lnRef idx="2">
-          <a:scrgbClr r="0" g="0" b="0"/>
-        </a:lnRef>
-        <a:fillRef idx="1">
-          <a:scrgbClr r="0" g="0" b="0"/>
-        </a:fillRef>
-        <a:effectRef idx="0">
-          <a:scrgbClr r="0" g="0" b="0"/>
-        </a:effectRef>
-        <a:fontRef idx="minor"/>
-      </dsp:style>
-      <dsp:txBody>
-        <a:bodyPr spcFirstLastPara="0" vert="horz" wrap="square" lIns="804299" tIns="374904" rIns="804299" bIns="128016" numCol="1" spcCol="1270" anchor="t" anchorCtr="0">
-          <a:noAutofit/>
-        </a:bodyPr>
-        <a:lstStyle/>
-        <a:p>
-          <a:pPr marL="171450" lvl="1" indent="-171450" algn="l" defTabSz="800100">
-            <a:lnSpc>
-              <a:spcPct val="90000"/>
-            </a:lnSpc>
-            <a:spcBef>
-              <a:spcPct val="0"/>
-            </a:spcBef>
-            <a:spcAft>
-              <a:spcPct val="15000"/>
-            </a:spcAft>
-            <a:buChar char="••"/>
-          </a:pPr>
-          <a:r>
-            <a:rPr lang="en-US" sz="1800" kern="1200" dirty="0" smtClean="0">
-              <a:latin typeface="Times New Roman" panose="02020603050405020304" pitchFamily="18" charset="0"/>
-              <a:cs typeface="Times New Roman" panose="02020603050405020304" pitchFamily="18" charset="0"/>
-            </a:rPr>
-            <a:t>Nowadays, the relation of Vietnam and Japan is very good, Japan market need more human resource of Vietnam in many fields, special IT.</a:t>
-          </a:r>
-          <a:endParaRPr lang="vi-VN" sz="1800" kern="1200" dirty="0">
-            <a:latin typeface="Times New Roman" panose="02020603050405020304" pitchFamily="18" charset="0"/>
-            <a:cs typeface="Times New Roman" panose="02020603050405020304" pitchFamily="18" charset="0"/>
-          </a:endParaRPr>
-        </a:p>
-      </dsp:txBody>
-      <dsp:txXfrm>
-        <a:off x="0" y="310006"/>
-        <a:ext cx="10363200" cy="992250"/>
-      </dsp:txXfrm>
-    </dsp:sp>
-    <dsp:sp modelId="{9DF00E2F-AB03-4A2B-8E6D-A48625443F6B}">
-      <dsp:nvSpPr>
-        <dsp:cNvPr id="0" name=""/>
-        <dsp:cNvSpPr/>
-      </dsp:nvSpPr>
-      <dsp:spPr>
-        <a:xfrm>
-          <a:off x="518160" y="44326"/>
-          <a:ext cx="7254240" cy="531360"/>
-        </a:xfrm>
-        <a:prstGeom prst="roundRect">
-          <a:avLst/>
-        </a:prstGeom>
-        <a:solidFill>
-          <a:schemeClr val="accent1">
-            <a:hueOff val="0"/>
-            <a:satOff val="0"/>
-            <a:lumOff val="0"/>
-            <a:alphaOff val="0"/>
-          </a:schemeClr>
-        </a:solidFill>
-        <a:ln w="15875" cap="flat" cmpd="sng" algn="ctr">
-          <a:solidFill>
-            <a:schemeClr val="lt1">
-              <a:hueOff val="0"/>
-              <a:satOff val="0"/>
-              <a:lumOff val="0"/>
-              <a:alphaOff val="0"/>
-            </a:schemeClr>
-          </a:solidFill>
-          <a:prstDash val="solid"/>
-        </a:ln>
-        <a:effectLst/>
-      </dsp:spPr>
-      <dsp:style>
-        <a:lnRef idx="2">
-          <a:scrgbClr r="0" g="0" b="0"/>
-        </a:lnRef>
-        <a:fillRef idx="1">
-          <a:scrgbClr r="0" g="0" b="0"/>
-        </a:fillRef>
-        <a:effectRef idx="0">
-          <a:scrgbClr r="0" g="0" b="0"/>
-        </a:effectRef>
-        <a:fontRef idx="minor">
-          <a:schemeClr val="lt1"/>
-        </a:fontRef>
-      </dsp:style>
-      <dsp:txBody>
-        <a:bodyPr spcFirstLastPara="0" vert="horz" wrap="square" lIns="274193" tIns="0" rIns="274193" bIns="0" numCol="1" spcCol="1270" anchor="ctr" anchorCtr="0">
-          <a:noAutofit/>
-        </a:bodyPr>
-        <a:lstStyle/>
-        <a:p>
-          <a:pPr lvl="0" algn="l" defTabSz="889000">
-            <a:lnSpc>
-              <a:spcPct val="90000"/>
-            </a:lnSpc>
-            <a:spcBef>
-              <a:spcPct val="0"/>
-            </a:spcBef>
-            <a:spcAft>
-              <a:spcPct val="35000"/>
-            </a:spcAft>
-          </a:pPr>
-          <a:r>
-            <a:rPr lang="en-US" sz="2000" kern="1200" dirty="0" smtClean="0">
-              <a:latin typeface="Times New Roman" panose="02020603050405020304" pitchFamily="18" charset="0"/>
-              <a:cs typeface="Times New Roman" panose="02020603050405020304" pitchFamily="18" charset="0"/>
-            </a:rPr>
-            <a:t>Demand of learning Japanese high	</a:t>
-          </a:r>
-          <a:endParaRPr lang="vi-VN" sz="2000" kern="1200" dirty="0">
-            <a:latin typeface="Times New Roman" panose="02020603050405020304" pitchFamily="18" charset="0"/>
-            <a:cs typeface="Times New Roman" panose="02020603050405020304" pitchFamily="18" charset="0"/>
-          </a:endParaRPr>
-        </a:p>
-      </dsp:txBody>
-      <dsp:txXfrm>
-        <a:off x="544099" y="70265"/>
-        <a:ext cx="7202362" cy="479482"/>
-      </dsp:txXfrm>
-    </dsp:sp>
-    <dsp:sp modelId="{68A2766C-7C34-4C35-887E-54B6FC4FB292}">
-      <dsp:nvSpPr>
-        <dsp:cNvPr id="0" name=""/>
-        <dsp:cNvSpPr/>
-      </dsp:nvSpPr>
-      <dsp:spPr>
-        <a:xfrm>
-          <a:off x="0" y="1665136"/>
-          <a:ext cx="10363200" cy="992250"/>
-        </a:xfrm>
-        <a:prstGeom prst="rect">
-          <a:avLst/>
-        </a:prstGeom>
-        <a:solidFill>
-          <a:schemeClr val="lt1">
-            <a:alpha val="90000"/>
-            <a:hueOff val="0"/>
-            <a:satOff val="0"/>
-            <a:lumOff val="0"/>
-            <a:alphaOff val="0"/>
-          </a:schemeClr>
-        </a:solidFill>
-        <a:ln w="15875" cap="flat" cmpd="sng" algn="ctr">
-          <a:solidFill>
-            <a:schemeClr val="accent1">
-              <a:hueOff val="0"/>
-              <a:satOff val="0"/>
-              <a:lumOff val="0"/>
-              <a:alphaOff val="0"/>
-            </a:schemeClr>
-          </a:solidFill>
-          <a:prstDash val="solid"/>
-        </a:ln>
-        <a:effectLst/>
-      </dsp:spPr>
-      <dsp:style>
-        <a:lnRef idx="2">
-          <a:scrgbClr r="0" g="0" b="0"/>
-        </a:lnRef>
-        <a:fillRef idx="1">
-          <a:scrgbClr r="0" g="0" b="0"/>
-        </a:fillRef>
-        <a:effectRef idx="0">
-          <a:scrgbClr r="0" g="0" b="0"/>
-        </a:effectRef>
-        <a:fontRef idx="minor"/>
-      </dsp:style>
-      <dsp:txBody>
-        <a:bodyPr spcFirstLastPara="0" vert="horz" wrap="square" lIns="804299" tIns="374904" rIns="804299" bIns="128016" numCol="1" spcCol="1270" anchor="t" anchorCtr="0">
-          <a:noAutofit/>
-        </a:bodyPr>
-        <a:lstStyle/>
-        <a:p>
-          <a:pPr marL="171450" lvl="1" indent="-171450" algn="l" defTabSz="800100">
-            <a:lnSpc>
-              <a:spcPct val="90000"/>
-            </a:lnSpc>
-            <a:spcBef>
-              <a:spcPct val="0"/>
-            </a:spcBef>
-            <a:spcAft>
-              <a:spcPct val="15000"/>
-            </a:spcAft>
-            <a:buChar char="••"/>
-          </a:pPr>
-          <a:r>
-            <a:rPr lang="en-US" sz="1800" kern="1200" dirty="0" smtClean="0">
-              <a:latin typeface="Times New Roman" panose="02020603050405020304" pitchFamily="18" charset="0"/>
-              <a:cs typeface="Times New Roman" panose="02020603050405020304" pitchFamily="18" charset="0"/>
-            </a:rPr>
-            <a:t>Because number of people learn Japanese is crowd, series of centers are opened but they cannot control of training quality. </a:t>
-          </a:r>
-          <a:endParaRPr lang="vi-VN" sz="1800" kern="1200" dirty="0">
-            <a:latin typeface="Times New Roman" panose="02020603050405020304" pitchFamily="18" charset="0"/>
-            <a:cs typeface="Times New Roman" panose="02020603050405020304" pitchFamily="18" charset="0"/>
-          </a:endParaRPr>
-        </a:p>
-      </dsp:txBody>
-      <dsp:txXfrm>
-        <a:off x="0" y="1665136"/>
-        <a:ext cx="10363200" cy="992250"/>
-      </dsp:txXfrm>
-    </dsp:sp>
-    <dsp:sp modelId="{D51B1303-EA43-4BF5-8680-F32E92C64BF3}">
-      <dsp:nvSpPr>
-        <dsp:cNvPr id="0" name=""/>
-        <dsp:cNvSpPr/>
-      </dsp:nvSpPr>
-      <dsp:spPr>
-        <a:xfrm>
-          <a:off x="518160" y="1399456"/>
-          <a:ext cx="7254240" cy="531360"/>
-        </a:xfrm>
-        <a:prstGeom prst="roundRect">
-          <a:avLst/>
-        </a:prstGeom>
-        <a:solidFill>
-          <a:schemeClr val="accent1">
-            <a:hueOff val="0"/>
-            <a:satOff val="0"/>
-            <a:lumOff val="0"/>
-            <a:alphaOff val="0"/>
-          </a:schemeClr>
-        </a:solidFill>
-        <a:ln w="15875" cap="flat" cmpd="sng" algn="ctr">
-          <a:solidFill>
-            <a:schemeClr val="lt1">
-              <a:hueOff val="0"/>
-              <a:satOff val="0"/>
-              <a:lumOff val="0"/>
-              <a:alphaOff val="0"/>
-            </a:schemeClr>
-          </a:solidFill>
-          <a:prstDash val="solid"/>
-        </a:ln>
-        <a:effectLst/>
-      </dsp:spPr>
-      <dsp:style>
-        <a:lnRef idx="2">
-          <a:scrgbClr r="0" g="0" b="0"/>
-        </a:lnRef>
-        <a:fillRef idx="1">
-          <a:scrgbClr r="0" g="0" b="0"/>
-        </a:fillRef>
-        <a:effectRef idx="0">
-          <a:scrgbClr r="0" g="0" b="0"/>
-        </a:effectRef>
-        <a:fontRef idx="minor">
-          <a:schemeClr val="lt1"/>
-        </a:fontRef>
-      </dsp:style>
-      <dsp:txBody>
-        <a:bodyPr spcFirstLastPara="0" vert="horz" wrap="square" lIns="274193" tIns="0" rIns="274193" bIns="0" numCol="1" spcCol="1270" anchor="ctr" anchorCtr="0">
-          <a:noAutofit/>
-        </a:bodyPr>
-        <a:lstStyle/>
-        <a:p>
-          <a:pPr lvl="0" algn="l" defTabSz="889000">
-            <a:lnSpc>
-              <a:spcPct val="90000"/>
-            </a:lnSpc>
-            <a:spcBef>
-              <a:spcPct val="0"/>
-            </a:spcBef>
-            <a:spcAft>
-              <a:spcPct val="35000"/>
-            </a:spcAft>
-          </a:pPr>
-          <a:r>
-            <a:rPr lang="en-US" sz="2000" kern="1200" dirty="0" smtClean="0">
-              <a:latin typeface="Times New Roman" panose="02020603050405020304" pitchFamily="18" charset="0"/>
-              <a:cs typeface="Times New Roman" panose="02020603050405020304" pitchFamily="18" charset="0"/>
-            </a:rPr>
-            <a:t>Have a lot of Japanese training center </a:t>
-          </a:r>
-          <a:endParaRPr lang="vi-VN" sz="2000" kern="1200" dirty="0">
-            <a:latin typeface="Times New Roman" panose="02020603050405020304" pitchFamily="18" charset="0"/>
-            <a:cs typeface="Times New Roman" panose="02020603050405020304" pitchFamily="18" charset="0"/>
-          </a:endParaRPr>
-        </a:p>
-      </dsp:txBody>
-      <dsp:txXfrm>
-        <a:off x="544099" y="1425395"/>
-        <a:ext cx="7202362" cy="479482"/>
-      </dsp:txXfrm>
-    </dsp:sp>
-    <dsp:sp modelId="{78651DE0-4B2B-43D0-9506-AC7E997241E2}">
-      <dsp:nvSpPr>
-        <dsp:cNvPr id="0" name=""/>
-        <dsp:cNvSpPr/>
-      </dsp:nvSpPr>
-      <dsp:spPr>
-        <a:xfrm>
-          <a:off x="0" y="3020267"/>
-          <a:ext cx="10363200" cy="992250"/>
-        </a:xfrm>
-        <a:prstGeom prst="rect">
-          <a:avLst/>
-        </a:prstGeom>
-        <a:solidFill>
-          <a:schemeClr val="lt1">
-            <a:alpha val="90000"/>
-            <a:hueOff val="0"/>
-            <a:satOff val="0"/>
-            <a:lumOff val="0"/>
-            <a:alphaOff val="0"/>
-          </a:schemeClr>
-        </a:solidFill>
-        <a:ln w="15875" cap="flat" cmpd="sng" algn="ctr">
-          <a:solidFill>
-            <a:schemeClr val="accent1">
-              <a:hueOff val="0"/>
-              <a:satOff val="0"/>
-              <a:lumOff val="0"/>
-              <a:alphaOff val="0"/>
-            </a:schemeClr>
-          </a:solidFill>
-          <a:prstDash val="solid"/>
-        </a:ln>
-        <a:effectLst/>
-      </dsp:spPr>
-      <dsp:style>
-        <a:lnRef idx="2">
-          <a:scrgbClr r="0" g="0" b="0"/>
-        </a:lnRef>
-        <a:fillRef idx="1">
-          <a:scrgbClr r="0" g="0" b="0"/>
-        </a:fillRef>
-        <a:effectRef idx="0">
-          <a:scrgbClr r="0" g="0" b="0"/>
-        </a:effectRef>
-        <a:fontRef idx="minor"/>
-      </dsp:style>
-      <dsp:txBody>
-        <a:bodyPr spcFirstLastPara="0" vert="horz" wrap="square" lIns="804299" tIns="374904" rIns="804299" bIns="128016" numCol="1" spcCol="1270" anchor="t" anchorCtr="0">
-          <a:noAutofit/>
-        </a:bodyPr>
-        <a:lstStyle/>
-        <a:p>
-          <a:pPr marL="171450" lvl="1" indent="-171450" algn="l" defTabSz="800100">
-            <a:lnSpc>
-              <a:spcPct val="90000"/>
-            </a:lnSpc>
-            <a:spcBef>
-              <a:spcPct val="0"/>
-            </a:spcBef>
-            <a:spcAft>
-              <a:spcPct val="15000"/>
-            </a:spcAft>
-            <a:buChar char="••"/>
-          </a:pPr>
-          <a:r>
-            <a:rPr lang="en-US" sz="1800" kern="1200" dirty="0" smtClean="0">
-              <a:latin typeface="Times New Roman" panose="02020603050405020304" pitchFamily="18" charset="0"/>
-              <a:cs typeface="Times New Roman" panose="02020603050405020304" pitchFamily="18" charset="0"/>
-            </a:rPr>
-            <a:t>With technology development, there are many websites to learn Japanese with many types and languages. Moreover it requests user upgrade account to learn.</a:t>
-          </a:r>
-          <a:endParaRPr lang="vi-VN" sz="1800" kern="1200" dirty="0">
-            <a:latin typeface="Times New Roman" panose="02020603050405020304" pitchFamily="18" charset="0"/>
-            <a:cs typeface="Times New Roman" panose="02020603050405020304" pitchFamily="18" charset="0"/>
-          </a:endParaRPr>
-        </a:p>
-      </dsp:txBody>
-      <dsp:txXfrm>
-        <a:off x="0" y="3020267"/>
-        <a:ext cx="10363200" cy="992250"/>
-      </dsp:txXfrm>
-    </dsp:sp>
-    <dsp:sp modelId="{ECA79339-7A35-4A1A-BD73-B1B2FC840DCA}">
-      <dsp:nvSpPr>
-        <dsp:cNvPr id="0" name=""/>
-        <dsp:cNvSpPr/>
-      </dsp:nvSpPr>
-      <dsp:spPr>
-        <a:xfrm>
-          <a:off x="531036" y="2754587"/>
-          <a:ext cx="7254240" cy="531360"/>
-        </a:xfrm>
-        <a:prstGeom prst="roundRect">
-          <a:avLst/>
-        </a:prstGeom>
-        <a:solidFill>
-          <a:schemeClr val="accent1">
-            <a:hueOff val="0"/>
-            <a:satOff val="0"/>
-            <a:lumOff val="0"/>
-            <a:alphaOff val="0"/>
-          </a:schemeClr>
-        </a:solidFill>
-        <a:ln w="15875" cap="flat" cmpd="sng" algn="ctr">
-          <a:solidFill>
-            <a:schemeClr val="lt1">
-              <a:hueOff val="0"/>
-              <a:satOff val="0"/>
-              <a:lumOff val="0"/>
-              <a:alphaOff val="0"/>
-            </a:schemeClr>
-          </a:solidFill>
-          <a:prstDash val="solid"/>
-        </a:ln>
-        <a:effectLst/>
-      </dsp:spPr>
-      <dsp:style>
-        <a:lnRef idx="2">
-          <a:scrgbClr r="0" g="0" b="0"/>
-        </a:lnRef>
-        <a:fillRef idx="1">
-          <a:scrgbClr r="0" g="0" b="0"/>
-        </a:fillRef>
-        <a:effectRef idx="0">
-          <a:scrgbClr r="0" g="0" b="0"/>
-        </a:effectRef>
-        <a:fontRef idx="minor">
-          <a:schemeClr val="lt1"/>
-        </a:fontRef>
-      </dsp:style>
-      <dsp:txBody>
-        <a:bodyPr spcFirstLastPara="0" vert="horz" wrap="square" lIns="274193" tIns="0" rIns="274193" bIns="0" numCol="1" spcCol="1270" anchor="ctr" anchorCtr="0">
-          <a:noAutofit/>
-        </a:bodyPr>
-        <a:lstStyle/>
-        <a:p>
-          <a:pPr lvl="0" algn="l" defTabSz="889000">
-            <a:lnSpc>
-              <a:spcPct val="90000"/>
-            </a:lnSpc>
-            <a:spcBef>
-              <a:spcPct val="0"/>
-            </a:spcBef>
-            <a:spcAft>
-              <a:spcPct val="35000"/>
-            </a:spcAft>
-          </a:pPr>
-          <a:r>
-            <a:rPr lang="en-US" sz="2000" kern="1200" dirty="0" smtClean="0">
-              <a:latin typeface="Times New Roman" panose="02020603050405020304" pitchFamily="18" charset="0"/>
-              <a:cs typeface="Times New Roman" panose="02020603050405020304" pitchFamily="18" charset="0"/>
-            </a:rPr>
-            <a:t>Learning online</a:t>
-          </a:r>
-          <a:endParaRPr lang="vi-VN" sz="2000" kern="1200" dirty="0">
-            <a:latin typeface="Times New Roman" panose="02020603050405020304" pitchFamily="18" charset="0"/>
-            <a:cs typeface="Times New Roman" panose="02020603050405020304" pitchFamily="18" charset="0"/>
-          </a:endParaRPr>
-        </a:p>
-      </dsp:txBody>
-      <dsp:txXfrm>
-        <a:off x="556975" y="2780526"/>
-        <a:ext cx="7202362" cy="479482"/>
-      </dsp:txXfrm>
-    </dsp:sp>
   </dsp:spTree>
 </dsp:drawing>
 </file>
@@ -6194,675 +5696,6 @@
       <dsp:cNvGrpSpPr/>
     </dsp:nvGrpSpPr>
     <dsp:grpSpPr/>
-    <dsp:sp modelId="{51C4A495-0C66-4A22-A351-390CFFC79680}">
-      <dsp:nvSpPr>
-        <dsp:cNvPr id="0" name=""/>
-        <dsp:cNvSpPr/>
-      </dsp:nvSpPr>
-      <dsp:spPr>
-        <a:xfrm>
-          <a:off x="-4076259" y="-625646"/>
-          <a:ext cx="4857378" cy="4857378"/>
-        </a:xfrm>
-        <a:prstGeom prst="blockArc">
-          <a:avLst>
-            <a:gd name="adj1" fmla="val 18900000"/>
-            <a:gd name="adj2" fmla="val 2700000"/>
-            <a:gd name="adj3" fmla="val 445"/>
-          </a:avLst>
-        </a:prstGeom>
-        <a:noFill/>
-        <a:ln w="15875" cap="flat" cmpd="sng" algn="ctr">
-          <a:solidFill>
-            <a:schemeClr val="accent1">
-              <a:shade val="60000"/>
-              <a:hueOff val="0"/>
-              <a:satOff val="0"/>
-              <a:lumOff val="0"/>
-              <a:alphaOff val="0"/>
-            </a:schemeClr>
-          </a:solidFill>
-          <a:prstDash val="solid"/>
-        </a:ln>
-        <a:effectLst/>
-      </dsp:spPr>
-      <dsp:style>
-        <a:lnRef idx="2">
-          <a:scrgbClr r="0" g="0" b="0"/>
-        </a:lnRef>
-        <a:fillRef idx="0">
-          <a:scrgbClr r="0" g="0" b="0"/>
-        </a:fillRef>
-        <a:effectRef idx="0">
-          <a:scrgbClr r="0" g="0" b="0"/>
-        </a:effectRef>
-        <a:fontRef idx="minor"/>
-      </dsp:style>
-    </dsp:sp>
-    <dsp:sp modelId="{9DD96637-2F30-4874-8A90-97DD64D536DA}">
-      <dsp:nvSpPr>
-        <dsp:cNvPr id="0" name=""/>
-        <dsp:cNvSpPr/>
-      </dsp:nvSpPr>
-      <dsp:spPr>
-        <a:xfrm>
-          <a:off x="342224" y="225308"/>
-          <a:ext cx="3897859" cy="450904"/>
-        </a:xfrm>
-        <a:prstGeom prst="rect">
-          <a:avLst/>
-        </a:prstGeom>
-        <a:solidFill>
-          <a:schemeClr val="accent1">
-            <a:hueOff val="0"/>
-            <a:satOff val="0"/>
-            <a:lumOff val="0"/>
-            <a:alphaOff val="0"/>
-          </a:schemeClr>
-        </a:solidFill>
-        <a:ln w="15875" cap="flat" cmpd="sng" algn="ctr">
-          <a:solidFill>
-            <a:schemeClr val="lt1">
-              <a:hueOff val="0"/>
-              <a:satOff val="0"/>
-              <a:lumOff val="0"/>
-              <a:alphaOff val="0"/>
-            </a:schemeClr>
-          </a:solidFill>
-          <a:prstDash val="solid"/>
-        </a:ln>
-        <a:effectLst/>
-      </dsp:spPr>
-      <dsp:style>
-        <a:lnRef idx="2">
-          <a:scrgbClr r="0" g="0" b="0"/>
-        </a:lnRef>
-        <a:fillRef idx="1">
-          <a:scrgbClr r="0" g="0" b="0"/>
-        </a:fillRef>
-        <a:effectRef idx="0">
-          <a:scrgbClr r="0" g="0" b="0"/>
-        </a:effectRef>
-        <a:fontRef idx="minor">
-          <a:schemeClr val="lt1"/>
-        </a:fontRef>
-      </dsp:style>
-      <dsp:txBody>
-        <a:bodyPr spcFirstLastPara="0" vert="horz" wrap="square" lIns="357906" tIns="40640" rIns="40640" bIns="40640" numCol="1" spcCol="1270" anchor="ctr" anchorCtr="0">
-          <a:noAutofit/>
-        </a:bodyPr>
-        <a:lstStyle/>
-        <a:p>
-          <a:pPr lvl="0" algn="l" defTabSz="711200">
-            <a:lnSpc>
-              <a:spcPct val="90000"/>
-            </a:lnSpc>
-            <a:spcBef>
-              <a:spcPct val="0"/>
-            </a:spcBef>
-            <a:spcAft>
-              <a:spcPct val="35000"/>
-            </a:spcAft>
-          </a:pPr>
-          <a:r>
-            <a:rPr lang="en-US" sz="1600" kern="1200" dirty="0" smtClean="0">
-              <a:latin typeface="Times New Roman" panose="02020603050405020304" pitchFamily="18" charset="0"/>
-              <a:cs typeface="Times New Roman" panose="02020603050405020304" pitchFamily="18" charset="0"/>
-            </a:rPr>
-            <a:t>Search with more option, but more words have not meaning with Vietnamese</a:t>
-          </a:r>
-          <a:endParaRPr lang="vi-VN" sz="1600" kern="1200" dirty="0">
-            <a:latin typeface="Times New Roman" panose="02020603050405020304" pitchFamily="18" charset="0"/>
-            <a:cs typeface="Times New Roman" panose="02020603050405020304" pitchFamily="18" charset="0"/>
-          </a:endParaRPr>
-        </a:p>
-      </dsp:txBody>
-      <dsp:txXfrm>
-        <a:off x="342224" y="225308"/>
-        <a:ext cx="3897859" cy="450904"/>
-      </dsp:txXfrm>
-    </dsp:sp>
-    <dsp:sp modelId="{7BFF0465-791D-4791-BA1F-466CB0FDCC10}">
-      <dsp:nvSpPr>
-        <dsp:cNvPr id="0" name=""/>
-        <dsp:cNvSpPr/>
-      </dsp:nvSpPr>
-      <dsp:spPr>
-        <a:xfrm>
-          <a:off x="60408" y="168945"/>
-          <a:ext cx="563631" cy="563631"/>
-        </a:xfrm>
-        <a:prstGeom prst="ellipse">
-          <a:avLst/>
-        </a:prstGeom>
-        <a:solidFill>
-          <a:schemeClr val="accent5"/>
-        </a:solidFill>
-        <a:ln w="22225" cap="flat" cmpd="sng" algn="ctr">
-          <a:solidFill>
-            <a:schemeClr val="lt1"/>
-          </a:solidFill>
-          <a:prstDash val="solid"/>
-        </a:ln>
-        <a:effectLst/>
-      </dsp:spPr>
-      <dsp:style>
-        <a:lnRef idx="3">
-          <a:schemeClr val="lt1"/>
-        </a:lnRef>
-        <a:fillRef idx="1">
-          <a:schemeClr val="accent5"/>
-        </a:fillRef>
-        <a:effectRef idx="1">
-          <a:schemeClr val="accent5"/>
-        </a:effectRef>
-        <a:fontRef idx="minor">
-          <a:schemeClr val="lt1"/>
-        </a:fontRef>
-      </dsp:style>
-    </dsp:sp>
-    <dsp:sp modelId="{9DF6A524-D9D9-4A58-8F9E-19DFD14DEA19}">
-      <dsp:nvSpPr>
-        <dsp:cNvPr id="0" name=""/>
-        <dsp:cNvSpPr/>
-      </dsp:nvSpPr>
-      <dsp:spPr>
-        <a:xfrm>
-          <a:off x="665329" y="901449"/>
-          <a:ext cx="3574754" cy="450904"/>
-        </a:xfrm>
-        <a:prstGeom prst="rect">
-          <a:avLst/>
-        </a:prstGeom>
-        <a:solidFill>
-          <a:schemeClr val="accent1">
-            <a:hueOff val="0"/>
-            <a:satOff val="0"/>
-            <a:lumOff val="0"/>
-            <a:alphaOff val="0"/>
-          </a:schemeClr>
-        </a:solidFill>
-        <a:ln w="15875" cap="flat" cmpd="sng" algn="ctr">
-          <a:solidFill>
-            <a:schemeClr val="lt1">
-              <a:hueOff val="0"/>
-              <a:satOff val="0"/>
-              <a:lumOff val="0"/>
-              <a:alphaOff val="0"/>
-            </a:schemeClr>
-          </a:solidFill>
-          <a:prstDash val="solid"/>
-        </a:ln>
-        <a:effectLst/>
-      </dsp:spPr>
-      <dsp:style>
-        <a:lnRef idx="2">
-          <a:scrgbClr r="0" g="0" b="0"/>
-        </a:lnRef>
-        <a:fillRef idx="1">
-          <a:scrgbClr r="0" g="0" b="0"/>
-        </a:fillRef>
-        <a:effectRef idx="0">
-          <a:scrgbClr r="0" g="0" b="0"/>
-        </a:effectRef>
-        <a:fontRef idx="minor">
-          <a:schemeClr val="lt1"/>
-        </a:fontRef>
-      </dsp:style>
-      <dsp:txBody>
-        <a:bodyPr spcFirstLastPara="0" vert="horz" wrap="square" lIns="357906" tIns="40640" rIns="40640" bIns="40640" numCol="1" spcCol="1270" anchor="ctr" anchorCtr="0">
-          <a:noAutofit/>
-        </a:bodyPr>
-        <a:lstStyle/>
-        <a:p>
-          <a:pPr lvl="0" algn="l" defTabSz="711200">
-            <a:lnSpc>
-              <a:spcPct val="90000"/>
-            </a:lnSpc>
-            <a:spcBef>
-              <a:spcPct val="0"/>
-            </a:spcBef>
-            <a:spcAft>
-              <a:spcPct val="35000"/>
-            </a:spcAft>
-          </a:pPr>
-          <a:r>
-            <a:rPr lang="en-US" sz="1600" kern="1200" dirty="0" smtClean="0">
-              <a:latin typeface="Times New Roman" panose="02020603050405020304" pitchFamily="18" charset="0"/>
-              <a:cs typeface="Times New Roman" panose="02020603050405020304" pitchFamily="18" charset="0"/>
-            </a:rPr>
-            <a:t>Search Kanji, grammar</a:t>
-          </a:r>
-          <a:endParaRPr lang="vi-VN" sz="1600" kern="1200" dirty="0">
-            <a:latin typeface="Times New Roman" panose="02020603050405020304" pitchFamily="18" charset="0"/>
-            <a:cs typeface="Times New Roman" panose="02020603050405020304" pitchFamily="18" charset="0"/>
-          </a:endParaRPr>
-        </a:p>
-      </dsp:txBody>
-      <dsp:txXfrm>
-        <a:off x="665329" y="901449"/>
-        <a:ext cx="3574754" cy="450904"/>
-      </dsp:txXfrm>
-    </dsp:sp>
-    <dsp:sp modelId="{497B9AD0-3E4D-4A7E-B68E-226332B026B0}">
-      <dsp:nvSpPr>
-        <dsp:cNvPr id="0" name=""/>
-        <dsp:cNvSpPr/>
-      </dsp:nvSpPr>
-      <dsp:spPr>
-        <a:xfrm>
-          <a:off x="383513" y="845086"/>
-          <a:ext cx="563631" cy="563631"/>
-        </a:xfrm>
-        <a:prstGeom prst="ellipse">
-          <a:avLst/>
-        </a:prstGeom>
-        <a:solidFill>
-          <a:schemeClr val="accent5"/>
-        </a:solidFill>
-        <a:ln w="22225" cap="flat" cmpd="sng" algn="ctr">
-          <a:solidFill>
-            <a:schemeClr val="lt1"/>
-          </a:solidFill>
-          <a:prstDash val="solid"/>
-        </a:ln>
-        <a:effectLst/>
-      </dsp:spPr>
-      <dsp:style>
-        <a:lnRef idx="3">
-          <a:schemeClr val="lt1"/>
-        </a:lnRef>
-        <a:fillRef idx="1">
-          <a:schemeClr val="accent5"/>
-        </a:fillRef>
-        <a:effectRef idx="1">
-          <a:schemeClr val="accent5"/>
-        </a:effectRef>
-        <a:fontRef idx="minor">
-          <a:schemeClr val="lt1"/>
-        </a:fontRef>
-      </dsp:style>
-    </dsp:sp>
-    <dsp:sp modelId="{2B15AA60-2467-495D-8871-06C600EDB43E}">
-      <dsp:nvSpPr>
-        <dsp:cNvPr id="0" name=""/>
-        <dsp:cNvSpPr/>
-      </dsp:nvSpPr>
-      <dsp:spPr>
-        <a:xfrm>
-          <a:off x="764496" y="1577590"/>
-          <a:ext cx="3475587" cy="450904"/>
-        </a:xfrm>
-        <a:prstGeom prst="rect">
-          <a:avLst/>
-        </a:prstGeom>
-        <a:solidFill>
-          <a:schemeClr val="accent1">
-            <a:hueOff val="0"/>
-            <a:satOff val="0"/>
-            <a:lumOff val="0"/>
-            <a:alphaOff val="0"/>
-          </a:schemeClr>
-        </a:solidFill>
-        <a:ln w="15875" cap="flat" cmpd="sng" algn="ctr">
-          <a:solidFill>
-            <a:schemeClr val="lt1">
-              <a:hueOff val="0"/>
-              <a:satOff val="0"/>
-              <a:lumOff val="0"/>
-              <a:alphaOff val="0"/>
-            </a:schemeClr>
-          </a:solidFill>
-          <a:prstDash val="solid"/>
-        </a:ln>
-        <a:effectLst/>
-      </dsp:spPr>
-      <dsp:style>
-        <a:lnRef idx="2">
-          <a:scrgbClr r="0" g="0" b="0"/>
-        </a:lnRef>
-        <a:fillRef idx="1">
-          <a:scrgbClr r="0" g="0" b="0"/>
-        </a:fillRef>
-        <a:effectRef idx="0">
-          <a:scrgbClr r="0" g="0" b="0"/>
-        </a:effectRef>
-        <a:fontRef idx="minor">
-          <a:schemeClr val="lt1"/>
-        </a:fontRef>
-      </dsp:style>
-      <dsp:txBody>
-        <a:bodyPr spcFirstLastPara="0" vert="horz" wrap="square" lIns="357906" tIns="40640" rIns="40640" bIns="40640" numCol="1" spcCol="1270" anchor="ctr" anchorCtr="0">
-          <a:noAutofit/>
-        </a:bodyPr>
-        <a:lstStyle/>
-        <a:p>
-          <a:pPr lvl="0" algn="l" defTabSz="711200">
-            <a:lnSpc>
-              <a:spcPct val="90000"/>
-            </a:lnSpc>
-            <a:spcBef>
-              <a:spcPct val="0"/>
-            </a:spcBef>
-            <a:spcAft>
-              <a:spcPct val="35000"/>
-            </a:spcAft>
-          </a:pPr>
-          <a:r>
-            <a:rPr lang="en-US" sz="1600" kern="1200" dirty="0" smtClean="0">
-              <a:latin typeface="Times New Roman" panose="02020603050405020304" pitchFamily="18" charset="0"/>
-              <a:cs typeface="Times New Roman" panose="02020603050405020304" pitchFamily="18" charset="0"/>
-            </a:rPr>
-            <a:t>Post question</a:t>
-          </a:r>
-          <a:endParaRPr lang="vi-VN" sz="1600" kern="1200" dirty="0">
-            <a:latin typeface="Times New Roman" panose="02020603050405020304" pitchFamily="18" charset="0"/>
-            <a:cs typeface="Times New Roman" panose="02020603050405020304" pitchFamily="18" charset="0"/>
-          </a:endParaRPr>
-        </a:p>
-      </dsp:txBody>
-      <dsp:txXfrm>
-        <a:off x="764496" y="1577590"/>
-        <a:ext cx="3475587" cy="450904"/>
-      </dsp:txXfrm>
-    </dsp:sp>
-    <dsp:sp modelId="{8575CED9-5FEF-41EF-BE93-852B953BDBDC}">
-      <dsp:nvSpPr>
-        <dsp:cNvPr id="0" name=""/>
-        <dsp:cNvSpPr/>
-      </dsp:nvSpPr>
-      <dsp:spPr>
-        <a:xfrm>
-          <a:off x="482681" y="1521226"/>
-          <a:ext cx="563631" cy="563631"/>
-        </a:xfrm>
-        <a:prstGeom prst="ellipse">
-          <a:avLst/>
-        </a:prstGeom>
-        <a:solidFill>
-          <a:schemeClr val="accent5"/>
-        </a:solidFill>
-        <a:ln w="22225" cap="flat" cmpd="sng" algn="ctr">
-          <a:solidFill>
-            <a:schemeClr val="lt1"/>
-          </a:solidFill>
-          <a:prstDash val="solid"/>
-        </a:ln>
-        <a:effectLst/>
-      </dsp:spPr>
-      <dsp:style>
-        <a:lnRef idx="3">
-          <a:schemeClr val="lt1"/>
-        </a:lnRef>
-        <a:fillRef idx="1">
-          <a:schemeClr val="accent5"/>
-        </a:fillRef>
-        <a:effectRef idx="1">
-          <a:schemeClr val="accent5"/>
-        </a:effectRef>
-        <a:fontRef idx="minor">
-          <a:schemeClr val="lt1"/>
-        </a:fontRef>
-      </dsp:style>
-    </dsp:sp>
-    <dsp:sp modelId="{0FF2CFBC-CB9E-4995-86FB-3267A6372736}">
-      <dsp:nvSpPr>
-        <dsp:cNvPr id="0" name=""/>
-        <dsp:cNvSpPr/>
-      </dsp:nvSpPr>
-      <dsp:spPr>
-        <a:xfrm>
-          <a:off x="665329" y="2253731"/>
-          <a:ext cx="3574754" cy="450904"/>
-        </a:xfrm>
-        <a:prstGeom prst="rect">
-          <a:avLst/>
-        </a:prstGeom>
-        <a:solidFill>
-          <a:schemeClr val="accent1">
-            <a:hueOff val="0"/>
-            <a:satOff val="0"/>
-            <a:lumOff val="0"/>
-            <a:alphaOff val="0"/>
-          </a:schemeClr>
-        </a:solidFill>
-        <a:ln w="15875" cap="flat" cmpd="sng" algn="ctr">
-          <a:solidFill>
-            <a:schemeClr val="lt1">
-              <a:hueOff val="0"/>
-              <a:satOff val="0"/>
-              <a:lumOff val="0"/>
-              <a:alphaOff val="0"/>
-            </a:schemeClr>
-          </a:solidFill>
-          <a:prstDash val="solid"/>
-        </a:ln>
-        <a:effectLst/>
-      </dsp:spPr>
-      <dsp:style>
-        <a:lnRef idx="2">
-          <a:scrgbClr r="0" g="0" b="0"/>
-        </a:lnRef>
-        <a:fillRef idx="1">
-          <a:scrgbClr r="0" g="0" b="0"/>
-        </a:fillRef>
-        <a:effectRef idx="0">
-          <a:scrgbClr r="0" g="0" b="0"/>
-        </a:effectRef>
-        <a:fontRef idx="minor">
-          <a:schemeClr val="lt1"/>
-        </a:fontRef>
-      </dsp:style>
-      <dsp:txBody>
-        <a:bodyPr spcFirstLastPara="0" vert="horz" wrap="square" lIns="357906" tIns="40640" rIns="40640" bIns="40640" numCol="1" spcCol="1270" anchor="ctr" anchorCtr="0">
-          <a:noAutofit/>
-        </a:bodyPr>
-        <a:lstStyle/>
-        <a:p>
-          <a:pPr lvl="0" algn="l" defTabSz="711200">
-            <a:lnSpc>
-              <a:spcPct val="90000"/>
-            </a:lnSpc>
-            <a:spcBef>
-              <a:spcPct val="0"/>
-            </a:spcBef>
-            <a:spcAft>
-              <a:spcPct val="35000"/>
-            </a:spcAft>
-          </a:pPr>
-          <a:r>
-            <a:rPr lang="en-US" sz="1600" kern="1200" dirty="0" smtClean="0">
-              <a:latin typeface="Times New Roman" panose="02020603050405020304" pitchFamily="18" charset="0"/>
-              <a:cs typeface="Times New Roman" panose="02020603050405020304" pitchFamily="18" charset="0"/>
-            </a:rPr>
-            <a:t>Do not support Viet-</a:t>
-          </a:r>
-          <a:r>
-            <a:rPr lang="en-US" sz="1600" kern="1200" dirty="0" err="1" smtClean="0">
-              <a:latin typeface="Times New Roman" panose="02020603050405020304" pitchFamily="18" charset="0"/>
-              <a:cs typeface="Times New Roman" panose="02020603050405020304" pitchFamily="18" charset="0"/>
-            </a:rPr>
-            <a:t>Nhat</a:t>
-          </a:r>
-          <a:r>
-            <a:rPr lang="en-US" sz="1600" kern="1200" dirty="0" smtClean="0">
-              <a:latin typeface="Times New Roman" panose="02020603050405020304" pitchFamily="18" charset="0"/>
-              <a:cs typeface="Times New Roman" panose="02020603050405020304" pitchFamily="18" charset="0"/>
-            </a:rPr>
-            <a:t> dictionary</a:t>
-          </a:r>
-          <a:endParaRPr lang="vi-VN" sz="1600" kern="1200" dirty="0">
-            <a:latin typeface="Times New Roman" panose="02020603050405020304" pitchFamily="18" charset="0"/>
-            <a:cs typeface="Times New Roman" panose="02020603050405020304" pitchFamily="18" charset="0"/>
-          </a:endParaRPr>
-        </a:p>
-      </dsp:txBody>
-      <dsp:txXfrm>
-        <a:off x="665329" y="2253731"/>
-        <a:ext cx="3574754" cy="450904"/>
-      </dsp:txXfrm>
-    </dsp:sp>
-    <dsp:sp modelId="{947B1892-D03C-417C-819C-4518608CE2F1}">
-      <dsp:nvSpPr>
-        <dsp:cNvPr id="0" name=""/>
-        <dsp:cNvSpPr/>
-      </dsp:nvSpPr>
-      <dsp:spPr>
-        <a:xfrm>
-          <a:off x="383513" y="2197367"/>
-          <a:ext cx="563631" cy="563631"/>
-        </a:xfrm>
-        <a:prstGeom prst="ellipse">
-          <a:avLst/>
-        </a:prstGeom>
-        <a:solidFill>
-          <a:schemeClr val="accent5"/>
-        </a:solidFill>
-        <a:ln w="22225" cap="flat" cmpd="sng" algn="ctr">
-          <a:solidFill>
-            <a:schemeClr val="lt1"/>
-          </a:solidFill>
-          <a:prstDash val="solid"/>
-        </a:ln>
-        <a:effectLst/>
-      </dsp:spPr>
-      <dsp:style>
-        <a:lnRef idx="3">
-          <a:schemeClr val="lt1"/>
-        </a:lnRef>
-        <a:fillRef idx="1">
-          <a:schemeClr val="accent5"/>
-        </a:fillRef>
-        <a:effectRef idx="1">
-          <a:schemeClr val="accent5"/>
-        </a:effectRef>
-        <a:fontRef idx="minor">
-          <a:schemeClr val="lt1"/>
-        </a:fontRef>
-      </dsp:style>
-    </dsp:sp>
-    <dsp:sp modelId="{123C2C93-EF1A-4AE1-983B-B83057050CFD}">
-      <dsp:nvSpPr>
-        <dsp:cNvPr id="0" name=""/>
-        <dsp:cNvSpPr/>
-      </dsp:nvSpPr>
-      <dsp:spPr>
-        <a:xfrm>
-          <a:off x="342224" y="2929871"/>
-          <a:ext cx="3897859" cy="450904"/>
-        </a:xfrm>
-        <a:prstGeom prst="rect">
-          <a:avLst/>
-        </a:prstGeom>
-        <a:solidFill>
-          <a:schemeClr val="accent1">
-            <a:hueOff val="0"/>
-            <a:satOff val="0"/>
-            <a:lumOff val="0"/>
-            <a:alphaOff val="0"/>
-          </a:schemeClr>
-        </a:solidFill>
-        <a:ln w="15875" cap="flat" cmpd="sng" algn="ctr">
-          <a:solidFill>
-            <a:schemeClr val="lt1">
-              <a:hueOff val="0"/>
-              <a:satOff val="0"/>
-              <a:lumOff val="0"/>
-              <a:alphaOff val="0"/>
-            </a:schemeClr>
-          </a:solidFill>
-          <a:prstDash val="solid"/>
-        </a:ln>
-        <a:effectLst/>
-      </dsp:spPr>
-      <dsp:style>
-        <a:lnRef idx="2">
-          <a:scrgbClr r="0" g="0" b="0"/>
-        </a:lnRef>
-        <a:fillRef idx="1">
-          <a:scrgbClr r="0" g="0" b="0"/>
-        </a:fillRef>
-        <a:effectRef idx="0">
-          <a:scrgbClr r="0" g="0" b="0"/>
-        </a:effectRef>
-        <a:fontRef idx="minor">
-          <a:schemeClr val="lt1"/>
-        </a:fontRef>
-      </dsp:style>
-      <dsp:txBody>
-        <a:bodyPr spcFirstLastPara="0" vert="horz" wrap="square" lIns="357906" tIns="40640" rIns="40640" bIns="40640" numCol="1" spcCol="1270" anchor="ctr" anchorCtr="0">
-          <a:noAutofit/>
-        </a:bodyPr>
-        <a:lstStyle/>
-        <a:p>
-          <a:pPr lvl="0" algn="l" defTabSz="711200">
-            <a:lnSpc>
-              <a:spcPct val="90000"/>
-            </a:lnSpc>
-            <a:spcBef>
-              <a:spcPct val="0"/>
-            </a:spcBef>
-            <a:spcAft>
-              <a:spcPct val="35000"/>
-            </a:spcAft>
-          </a:pPr>
-          <a:r>
-            <a:rPr lang="en-US" sz="1600" kern="1200" dirty="0" smtClean="0">
-              <a:latin typeface="Times New Roman" panose="02020603050405020304" pitchFamily="18" charset="0"/>
-              <a:cs typeface="Times New Roman" panose="02020603050405020304" pitchFamily="18" charset="0"/>
-            </a:rPr>
-            <a:t>Do not support listening, reading, conservation …</a:t>
-          </a:r>
-          <a:endParaRPr lang="vi-VN" sz="1600" kern="1200" dirty="0">
-            <a:latin typeface="Times New Roman" panose="02020603050405020304" pitchFamily="18" charset="0"/>
-            <a:cs typeface="Times New Roman" panose="02020603050405020304" pitchFamily="18" charset="0"/>
-          </a:endParaRPr>
-        </a:p>
-      </dsp:txBody>
-      <dsp:txXfrm>
-        <a:off x="342224" y="2929871"/>
-        <a:ext cx="3897859" cy="450904"/>
-      </dsp:txXfrm>
-    </dsp:sp>
-    <dsp:sp modelId="{BD052CAD-EFB7-467E-A22D-57802D279BC6}">
-      <dsp:nvSpPr>
-        <dsp:cNvPr id="0" name=""/>
-        <dsp:cNvSpPr/>
-      </dsp:nvSpPr>
-      <dsp:spPr>
-        <a:xfrm>
-          <a:off x="60408" y="2873508"/>
-          <a:ext cx="563631" cy="563631"/>
-        </a:xfrm>
-        <a:prstGeom prst="ellipse">
-          <a:avLst/>
-        </a:prstGeom>
-        <a:solidFill>
-          <a:schemeClr val="accent5"/>
-        </a:solidFill>
-        <a:ln w="22225" cap="flat" cmpd="sng" algn="ctr">
-          <a:solidFill>
-            <a:schemeClr val="lt1"/>
-          </a:solidFill>
-          <a:prstDash val="solid"/>
-        </a:ln>
-        <a:effectLst/>
-      </dsp:spPr>
-      <dsp:style>
-        <a:lnRef idx="3">
-          <a:schemeClr val="lt1"/>
-        </a:lnRef>
-        <a:fillRef idx="1">
-          <a:schemeClr val="accent5"/>
-        </a:fillRef>
-        <a:effectRef idx="1">
-          <a:schemeClr val="accent5"/>
-        </a:effectRef>
-        <a:fontRef idx="minor">
-          <a:schemeClr val="lt1"/>
-        </a:fontRef>
-      </dsp:style>
-    </dsp:sp>
   </dsp:spTree>
 </dsp:drawing>
 </file>
@@ -6875,417 +5708,6 @@
       <dsp:cNvGrpSpPr/>
     </dsp:nvGrpSpPr>
     <dsp:grpSpPr/>
-    <dsp:sp modelId="{9DCE723E-758A-4DCB-BF12-E43674B3B875}">
-      <dsp:nvSpPr>
-        <dsp:cNvPr id="0" name=""/>
-        <dsp:cNvSpPr/>
-      </dsp:nvSpPr>
-      <dsp:spPr>
-        <a:xfrm>
-          <a:off x="-4470206" y="-685537"/>
-          <a:ext cx="5325359" cy="5325359"/>
-        </a:xfrm>
-        <a:prstGeom prst="blockArc">
-          <a:avLst>
-            <a:gd name="adj1" fmla="val 18900000"/>
-            <a:gd name="adj2" fmla="val 2700000"/>
-            <a:gd name="adj3" fmla="val 406"/>
-          </a:avLst>
-        </a:prstGeom>
-        <a:noFill/>
-        <a:ln w="15875" cap="flat" cmpd="sng" algn="ctr">
-          <a:solidFill>
-            <a:schemeClr val="accent1">
-              <a:shade val="60000"/>
-              <a:hueOff val="0"/>
-              <a:satOff val="0"/>
-              <a:lumOff val="0"/>
-              <a:alphaOff val="0"/>
-            </a:schemeClr>
-          </a:solidFill>
-          <a:prstDash val="solid"/>
-        </a:ln>
-        <a:effectLst/>
-      </dsp:spPr>
-      <dsp:style>
-        <a:lnRef idx="2">
-          <a:scrgbClr r="0" g="0" b="0"/>
-        </a:lnRef>
-        <a:fillRef idx="0">
-          <a:scrgbClr r="0" g="0" b="0"/>
-        </a:fillRef>
-        <a:effectRef idx="0">
-          <a:scrgbClr r="0" g="0" b="0"/>
-        </a:effectRef>
-        <a:fontRef idx="minor"/>
-      </dsp:style>
-    </dsp:sp>
-    <dsp:sp modelId="{C372E2F0-A6A5-483E-98F9-044395DCEC81}">
-      <dsp:nvSpPr>
-        <dsp:cNvPr id="0" name=""/>
-        <dsp:cNvSpPr/>
-      </dsp:nvSpPr>
-      <dsp:spPr>
-        <a:xfrm>
-          <a:off x="549970" y="395428"/>
-          <a:ext cx="3363270" cy="790857"/>
-        </a:xfrm>
-        <a:prstGeom prst="rect">
-          <a:avLst/>
-        </a:prstGeom>
-        <a:solidFill>
-          <a:schemeClr val="accent1">
-            <a:hueOff val="0"/>
-            <a:satOff val="0"/>
-            <a:lumOff val="0"/>
-            <a:alphaOff val="0"/>
-          </a:schemeClr>
-        </a:solidFill>
-        <a:ln w="15875" cap="flat" cmpd="sng" algn="ctr">
-          <a:solidFill>
-            <a:schemeClr val="lt1">
-              <a:hueOff val="0"/>
-              <a:satOff val="0"/>
-              <a:lumOff val="0"/>
-              <a:alphaOff val="0"/>
-            </a:schemeClr>
-          </a:solidFill>
-          <a:prstDash val="solid"/>
-        </a:ln>
-        <a:effectLst/>
-      </dsp:spPr>
-      <dsp:style>
-        <a:lnRef idx="2">
-          <a:scrgbClr r="0" g="0" b="0"/>
-        </a:lnRef>
-        <a:fillRef idx="1">
-          <a:scrgbClr r="0" g="0" b="0"/>
-        </a:fillRef>
-        <a:effectRef idx="0">
-          <a:scrgbClr r="0" g="0" b="0"/>
-        </a:effectRef>
-        <a:fontRef idx="minor">
-          <a:schemeClr val="lt1"/>
-        </a:fontRef>
-      </dsp:style>
-      <dsp:txBody>
-        <a:bodyPr spcFirstLastPara="0" vert="horz" wrap="square" lIns="627743" tIns="45720" rIns="45720" bIns="45720" numCol="1" spcCol="1270" anchor="ctr" anchorCtr="0">
-          <a:noAutofit/>
-        </a:bodyPr>
-        <a:lstStyle/>
-        <a:p>
-          <a:pPr lvl="0" algn="l" defTabSz="800100">
-            <a:lnSpc>
-              <a:spcPct val="90000"/>
-            </a:lnSpc>
-            <a:spcBef>
-              <a:spcPct val="0"/>
-            </a:spcBef>
-            <a:spcAft>
-              <a:spcPct val="35000"/>
-            </a:spcAft>
-          </a:pPr>
-          <a:r>
-            <a:rPr lang="en-US" sz="1800" kern="1200" dirty="0" smtClean="0">
-              <a:latin typeface="Times New Roman" panose="02020603050405020304" pitchFamily="18" charset="0"/>
-              <a:cs typeface="Times New Roman" panose="02020603050405020304" pitchFamily="18" charset="0"/>
-            </a:rPr>
-            <a:t>Full support with listening, reading, conservation </a:t>
-          </a:r>
-          <a:endParaRPr lang="vi-VN" sz="1800" kern="1200" dirty="0">
-            <a:latin typeface="Times New Roman" panose="02020603050405020304" pitchFamily="18" charset="0"/>
-            <a:cs typeface="Times New Roman" panose="02020603050405020304" pitchFamily="18" charset="0"/>
-          </a:endParaRPr>
-        </a:p>
-      </dsp:txBody>
-      <dsp:txXfrm>
-        <a:off x="549970" y="395428"/>
-        <a:ext cx="3363270" cy="790857"/>
-      </dsp:txXfrm>
-    </dsp:sp>
-    <dsp:sp modelId="{9E1C77A4-8D45-4BE7-BFBD-848809ECA6C2}">
-      <dsp:nvSpPr>
-        <dsp:cNvPr id="0" name=""/>
-        <dsp:cNvSpPr/>
-      </dsp:nvSpPr>
-      <dsp:spPr>
-        <a:xfrm>
-          <a:off x="55684" y="296571"/>
-          <a:ext cx="988571" cy="988571"/>
-        </a:xfrm>
-        <a:prstGeom prst="ellipse">
-          <a:avLst/>
-        </a:prstGeom>
-        <a:solidFill>
-          <a:schemeClr val="accent5"/>
-        </a:solidFill>
-        <a:ln w="22225" cap="flat" cmpd="sng" algn="ctr">
-          <a:solidFill>
-            <a:schemeClr val="lt1"/>
-          </a:solidFill>
-          <a:prstDash val="solid"/>
-        </a:ln>
-        <a:effectLst/>
-      </dsp:spPr>
-      <dsp:style>
-        <a:lnRef idx="3">
-          <a:schemeClr val="lt1"/>
-        </a:lnRef>
-        <a:fillRef idx="1">
-          <a:schemeClr val="accent5"/>
-        </a:fillRef>
-        <a:effectRef idx="1">
-          <a:schemeClr val="accent5"/>
-        </a:effectRef>
-        <a:fontRef idx="minor">
-          <a:schemeClr val="lt1"/>
-        </a:fontRef>
-      </dsp:style>
-    </dsp:sp>
-    <dsp:sp modelId="{81C01EE0-18CF-4928-9379-28A6FA51AFD6}">
-      <dsp:nvSpPr>
-        <dsp:cNvPr id="0" name=""/>
-        <dsp:cNvSpPr/>
-      </dsp:nvSpPr>
-      <dsp:spPr>
-        <a:xfrm>
-          <a:off x="837446" y="1581714"/>
-          <a:ext cx="3075793" cy="790857"/>
-        </a:xfrm>
-        <a:prstGeom prst="rect">
-          <a:avLst/>
-        </a:prstGeom>
-        <a:solidFill>
-          <a:schemeClr val="accent1">
-            <a:hueOff val="0"/>
-            <a:satOff val="0"/>
-            <a:lumOff val="0"/>
-            <a:alphaOff val="0"/>
-          </a:schemeClr>
-        </a:solidFill>
-        <a:ln w="15875" cap="flat" cmpd="sng" algn="ctr">
-          <a:solidFill>
-            <a:schemeClr val="lt1">
-              <a:hueOff val="0"/>
-              <a:satOff val="0"/>
-              <a:lumOff val="0"/>
-              <a:alphaOff val="0"/>
-            </a:schemeClr>
-          </a:solidFill>
-          <a:prstDash val="solid"/>
-        </a:ln>
-        <a:effectLst/>
-      </dsp:spPr>
-      <dsp:style>
-        <a:lnRef idx="2">
-          <a:scrgbClr r="0" g="0" b="0"/>
-        </a:lnRef>
-        <a:fillRef idx="1">
-          <a:scrgbClr r="0" g="0" b="0"/>
-        </a:fillRef>
-        <a:effectRef idx="0">
-          <a:scrgbClr r="0" g="0" b="0"/>
-        </a:effectRef>
-        <a:fontRef idx="minor">
-          <a:schemeClr val="lt1"/>
-        </a:fontRef>
-      </dsp:style>
-      <dsp:txBody>
-        <a:bodyPr spcFirstLastPara="0" vert="horz" wrap="square" lIns="627743" tIns="45720" rIns="45720" bIns="45720" numCol="1" spcCol="1270" anchor="ctr" anchorCtr="0">
-          <a:noAutofit/>
-        </a:bodyPr>
-        <a:lstStyle/>
-        <a:p>
-          <a:pPr lvl="0" algn="l" defTabSz="800100">
-            <a:lnSpc>
-              <a:spcPct val="90000"/>
-            </a:lnSpc>
-            <a:spcBef>
-              <a:spcPct val="0"/>
-            </a:spcBef>
-            <a:spcAft>
-              <a:spcPct val="35000"/>
-            </a:spcAft>
-          </a:pPr>
-          <a:r>
-            <a:rPr lang="en-US" sz="1800" kern="1200" dirty="0" smtClean="0">
-              <a:latin typeface="Times New Roman" panose="02020603050405020304" pitchFamily="18" charset="0"/>
-              <a:cs typeface="Times New Roman" panose="02020603050405020304" pitchFamily="18" charset="0"/>
-            </a:rPr>
-            <a:t>Support search but too simple</a:t>
-          </a:r>
-          <a:endParaRPr lang="vi-VN" sz="1800" kern="1200" dirty="0">
-            <a:latin typeface="Times New Roman" panose="02020603050405020304" pitchFamily="18" charset="0"/>
-            <a:cs typeface="Times New Roman" panose="02020603050405020304" pitchFamily="18" charset="0"/>
-          </a:endParaRPr>
-        </a:p>
-      </dsp:txBody>
-      <dsp:txXfrm>
-        <a:off x="837446" y="1581714"/>
-        <a:ext cx="3075793" cy="790857"/>
-      </dsp:txXfrm>
-    </dsp:sp>
-    <dsp:sp modelId="{6F2E30C8-6A87-4E0F-8998-72EB6932062A}">
-      <dsp:nvSpPr>
-        <dsp:cNvPr id="0" name=""/>
-        <dsp:cNvSpPr/>
-      </dsp:nvSpPr>
-      <dsp:spPr>
-        <a:xfrm>
-          <a:off x="343161" y="1482856"/>
-          <a:ext cx="988571" cy="988571"/>
-        </a:xfrm>
-        <a:prstGeom prst="ellipse">
-          <a:avLst/>
-        </a:prstGeom>
-        <a:solidFill>
-          <a:schemeClr val="accent5"/>
-        </a:solidFill>
-        <a:ln w="22225" cap="flat" cmpd="sng" algn="ctr">
-          <a:solidFill>
-            <a:schemeClr val="lt1"/>
-          </a:solidFill>
-          <a:prstDash val="solid"/>
-        </a:ln>
-        <a:effectLst/>
-      </dsp:spPr>
-      <dsp:style>
-        <a:lnRef idx="3">
-          <a:schemeClr val="lt1"/>
-        </a:lnRef>
-        <a:fillRef idx="1">
-          <a:schemeClr val="accent5"/>
-        </a:fillRef>
-        <a:effectRef idx="1">
-          <a:schemeClr val="accent5"/>
-        </a:effectRef>
-        <a:fontRef idx="minor">
-          <a:schemeClr val="lt1"/>
-        </a:fontRef>
-      </dsp:style>
-    </dsp:sp>
-    <dsp:sp modelId="{762AFA2A-34D0-49EA-A3C0-2FB0FEE1181A}">
-      <dsp:nvSpPr>
-        <dsp:cNvPr id="0" name=""/>
-        <dsp:cNvSpPr/>
-      </dsp:nvSpPr>
-      <dsp:spPr>
-        <a:xfrm>
-          <a:off x="549970" y="2767999"/>
-          <a:ext cx="3363270" cy="790857"/>
-        </a:xfrm>
-        <a:prstGeom prst="rect">
-          <a:avLst/>
-        </a:prstGeom>
-        <a:solidFill>
-          <a:schemeClr val="accent1">
-            <a:hueOff val="0"/>
-            <a:satOff val="0"/>
-            <a:lumOff val="0"/>
-            <a:alphaOff val="0"/>
-          </a:schemeClr>
-        </a:solidFill>
-        <a:ln w="15875" cap="flat" cmpd="sng" algn="ctr">
-          <a:solidFill>
-            <a:schemeClr val="lt1">
-              <a:hueOff val="0"/>
-              <a:satOff val="0"/>
-              <a:lumOff val="0"/>
-              <a:alphaOff val="0"/>
-            </a:schemeClr>
-          </a:solidFill>
-          <a:prstDash val="solid"/>
-        </a:ln>
-        <a:effectLst/>
-      </dsp:spPr>
-      <dsp:style>
-        <a:lnRef idx="2">
-          <a:scrgbClr r="0" g="0" b="0"/>
-        </a:lnRef>
-        <a:fillRef idx="1">
-          <a:scrgbClr r="0" g="0" b="0"/>
-        </a:fillRef>
-        <a:effectRef idx="0">
-          <a:scrgbClr r="0" g="0" b="0"/>
-        </a:effectRef>
-        <a:fontRef idx="minor">
-          <a:schemeClr val="lt1"/>
-        </a:fontRef>
-      </dsp:style>
-      <dsp:txBody>
-        <a:bodyPr spcFirstLastPara="0" vert="horz" wrap="square" lIns="627743" tIns="45720" rIns="45720" bIns="45720" numCol="1" spcCol="1270" anchor="ctr" anchorCtr="0">
-          <a:noAutofit/>
-        </a:bodyPr>
-        <a:lstStyle/>
-        <a:p>
-          <a:pPr lvl="0" algn="l" defTabSz="800100">
-            <a:lnSpc>
-              <a:spcPct val="90000"/>
-            </a:lnSpc>
-            <a:spcBef>
-              <a:spcPct val="0"/>
-            </a:spcBef>
-            <a:spcAft>
-              <a:spcPct val="35000"/>
-            </a:spcAft>
-          </a:pPr>
-          <a:r>
-            <a:rPr lang="en-US" sz="1800" kern="1200" dirty="0" smtClean="0">
-              <a:latin typeface="Times New Roman" panose="02020603050405020304" pitchFamily="18" charset="0"/>
-              <a:cs typeface="Times New Roman" panose="02020603050405020304" pitchFamily="18" charset="0"/>
-            </a:rPr>
-            <a:t>Have to register and upgrade account to study</a:t>
-          </a:r>
-          <a:endParaRPr lang="vi-VN" sz="1800" kern="1200" dirty="0">
-            <a:latin typeface="Times New Roman" panose="02020603050405020304" pitchFamily="18" charset="0"/>
-            <a:cs typeface="Times New Roman" panose="02020603050405020304" pitchFamily="18" charset="0"/>
-          </a:endParaRPr>
-        </a:p>
-      </dsp:txBody>
-      <dsp:txXfrm>
-        <a:off x="549970" y="2767999"/>
-        <a:ext cx="3363270" cy="790857"/>
-      </dsp:txXfrm>
-    </dsp:sp>
-    <dsp:sp modelId="{0EF2079F-D86F-4C23-8DD3-6BF1A77FB16D}">
-      <dsp:nvSpPr>
-        <dsp:cNvPr id="0" name=""/>
-        <dsp:cNvSpPr/>
-      </dsp:nvSpPr>
-      <dsp:spPr>
-        <a:xfrm>
-          <a:off x="55684" y="2669142"/>
-          <a:ext cx="988571" cy="988571"/>
-        </a:xfrm>
-        <a:prstGeom prst="ellipse">
-          <a:avLst/>
-        </a:prstGeom>
-        <a:solidFill>
-          <a:schemeClr val="accent5"/>
-        </a:solidFill>
-        <a:ln w="22225" cap="flat" cmpd="sng" algn="ctr">
-          <a:solidFill>
-            <a:schemeClr val="lt1"/>
-          </a:solidFill>
-          <a:prstDash val="solid"/>
-        </a:ln>
-        <a:effectLst/>
-      </dsp:spPr>
-      <dsp:style>
-        <a:lnRef idx="3">
-          <a:schemeClr val="lt1"/>
-        </a:lnRef>
-        <a:fillRef idx="1">
-          <a:schemeClr val="accent5"/>
-        </a:fillRef>
-        <a:effectRef idx="1">
-          <a:schemeClr val="accent5"/>
-        </a:effectRef>
-        <a:fontRef idx="minor">
-          <a:schemeClr val="lt1"/>
-        </a:fontRef>
-      </dsp:style>
-    </dsp:sp>
   </dsp:spTree>
 </dsp:drawing>
 </file>
@@ -21141,7 +19563,7 @@
           <a:p>
             <a:r>
               <a:rPr lang="vi-VN" cap="none" dirty="0" smtClean="0">
-                <a:latin typeface="Times New Roman (Headings)"/>
+                <a:latin typeface="+mj-lt"/>
               </a:rPr>
               <a:t>The system will be developed on web</a:t>
             </a:r>
@@ -21149,7 +19571,7 @@
           <a:p>
             <a:r>
               <a:rPr lang="vi-VN" cap="none" dirty="0" smtClean="0">
-                <a:latin typeface="Times New Roman (Headings)"/>
+                <a:latin typeface="+mj-lt"/>
               </a:rPr>
               <a:t>User include guest and member can use functions likes:</a:t>
             </a:r>
@@ -21157,15 +19579,9 @@
           <a:p>
             <a:r>
               <a:rPr lang="vi-VN" cap="none" dirty="0" smtClean="0">
-                <a:latin typeface="Times New Roman (Headings)"/>
+                <a:latin typeface="+mj-lt"/>
               </a:rPr>
-              <a:t>User can filter and searching words with </a:t>
-            </a:r>
-            <a:r>
-              <a:rPr lang="vi-VN" cap="none" dirty="0" smtClean="0">
-                <a:latin typeface="Times New Roman (Headings)"/>
-              </a:rPr>
-              <a:t>more options:</a:t>
+              <a:t>User can filter and searching words with more options:</a:t>
             </a:r>
           </a:p>
           <a:p>
@@ -21175,9 +19591,29 @@
             </a:pPr>
             <a:r>
               <a:rPr lang="vi-VN" cap="none" dirty="0" smtClean="0">
-                <a:latin typeface="Times New Roman (Headings)"/>
+                <a:latin typeface="+mj-lt"/>
               </a:rPr>
-              <a:t>Search sentences: User enter 1 word then choose option ‘Search sentence’ , website will return full meaning of word and list related example sentences.</a:t>
+              <a:t>Search sentences: User enter </a:t>
+            </a:r>
+            <a:r>
+              <a:rPr lang="en-US" cap="none" dirty="0" smtClean="0">
+                <a:latin typeface="Times New Roman" panose="02020603050405020304" pitchFamily="18" charset="0"/>
+                <a:cs typeface="Times New Roman" panose="02020603050405020304" pitchFamily="18" charset="0"/>
+              </a:rPr>
+              <a:t>a</a:t>
+            </a:r>
+            <a:r>
+              <a:rPr lang="vi-VN" cap="none" dirty="0" smtClean="0">
+                <a:latin typeface="Times New Roman" panose="02020603050405020304" pitchFamily="18" charset="0"/>
+                <a:cs typeface="Times New Roman" panose="02020603050405020304" pitchFamily="18" charset="0"/>
+              </a:rPr>
+              <a:t> </a:t>
+            </a:r>
+            <a:r>
+              <a:rPr lang="vi-VN" cap="none" dirty="0" smtClean="0">
+                <a:latin typeface="+mj-lt"/>
+              </a:rPr>
+              <a:t>word then choose option ‘Search sentence’ , website will return full meaning of word and list related example sentences.</a:t>
             </a:r>
           </a:p>
           <a:p>
@@ -21187,19 +19623,39 @@
             </a:pPr>
             <a:r>
               <a:rPr lang="vi-VN" cap="none" dirty="0" smtClean="0">
-                <a:latin typeface="Times New Roman (Headings)"/>
+                <a:latin typeface="+mj-lt"/>
               </a:rPr>
-              <a:t>Search grammar: User enter  1 grammar then choose option ‘Search grammar’ , website will return full meaning of grammar and list related example sentences.</a:t>
+              <a:t>Search grammar: User enter </a:t>
+            </a:r>
+            <a:r>
+              <a:rPr lang="en-US" cap="none" dirty="0" smtClean="0">
+                <a:latin typeface="Times New Roman" panose="02020603050405020304" pitchFamily="18" charset="0"/>
+                <a:cs typeface="Times New Roman" panose="02020603050405020304" pitchFamily="18" charset="0"/>
+              </a:rPr>
+              <a:t>a</a:t>
+            </a:r>
+            <a:r>
+              <a:rPr lang="vi-VN" cap="none" dirty="0" smtClean="0">
+                <a:latin typeface="Times New Roman" panose="02020603050405020304" pitchFamily="18" charset="0"/>
+                <a:cs typeface="Times New Roman" panose="02020603050405020304" pitchFamily="18" charset="0"/>
+              </a:rPr>
+              <a:t> </a:t>
+            </a:r>
+            <a:r>
+              <a:rPr lang="vi-VN" cap="none" dirty="0" smtClean="0">
+                <a:latin typeface="+mj-lt"/>
+              </a:rPr>
+              <a:t>grammar then choose option ‘Search grammar’ , website will return full meaning of grammar and list related example sentences.</a:t>
             </a:r>
           </a:p>
           <a:p>
             <a:endParaRPr lang="vi-VN" cap="none" dirty="0" smtClean="0">
-              <a:latin typeface="Times New Roman (Headings)"/>
+              <a:latin typeface="+mj-lt"/>
             </a:endParaRPr>
           </a:p>
           <a:p>
             <a:endParaRPr lang="vi-VN" cap="none" dirty="0" smtClean="0">
-              <a:latin typeface="Times New Roman (Headings)"/>
+              <a:latin typeface="+mj-lt"/>
             </a:endParaRPr>
           </a:p>
         </p:txBody>
@@ -21963,7 +20419,38 @@
               <a:rPr lang="vi-VN" cap="none" dirty="0">
                 <a:latin typeface="+mj-lt"/>
               </a:rPr>
-              <a:t>Search conversation: User enter 1 keyword relate conversation then choose option ‘ Search conversation’, website will return list related </a:t>
+              <a:t>Search conversation: User </a:t>
+            </a:r>
+            <a:r>
+              <a:rPr lang="vi-VN" cap="none" dirty="0" smtClean="0">
+                <a:latin typeface="+mj-lt"/>
+              </a:rPr>
+              <a:t>enter</a:t>
+            </a:r>
+            <a:r>
+              <a:rPr lang="en-US" cap="none" dirty="0" smtClean="0">
+                <a:latin typeface="+mj-lt"/>
+              </a:rPr>
+              <a:t> </a:t>
+            </a:r>
+            <a:r>
+              <a:rPr lang="en-US" cap="none" dirty="0" smtClean="0">
+                <a:latin typeface="Times New Roman" panose="02020603050405020304" pitchFamily="18" charset="0"/>
+                <a:cs typeface="Times New Roman" panose="02020603050405020304" pitchFamily="18" charset="0"/>
+              </a:rPr>
+              <a:t>a</a:t>
+            </a:r>
+            <a:r>
+              <a:rPr lang="vi-VN" cap="none" dirty="0" smtClean="0">
+                <a:latin typeface="+mj-lt"/>
+              </a:rPr>
+              <a:t> </a:t>
+            </a:r>
+            <a:r>
+              <a:rPr lang="vi-VN" cap="none" dirty="0">
+                <a:latin typeface="+mj-lt"/>
+              </a:rPr>
+              <a:t>keyword relate conversation then choose option ‘ Search conversation’, website will return list related </a:t>
             </a:r>
             <a:r>
               <a:rPr lang="vi-VN" cap="none" dirty="0" smtClean="0">
@@ -21990,7 +20477,27 @@
               <a:rPr lang="vi-VN" cap="none" dirty="0" smtClean="0">
                 <a:latin typeface="+mj-lt"/>
               </a:rPr>
-              <a:t>specialized Japanese: User enter 1 word then choose option ‘ Search specialized Japanese’, website </a:t>
+              <a:t>specialized Japanese: User enter </a:t>
+            </a:r>
+            <a:r>
+              <a:rPr lang="en-US" cap="none" dirty="0" smtClean="0">
+                <a:latin typeface="Times New Roman" panose="02020603050405020304" pitchFamily="18" charset="0"/>
+                <a:cs typeface="Times New Roman" panose="02020603050405020304" pitchFamily="18" charset="0"/>
+              </a:rPr>
+              <a:t>a</a:t>
+            </a:r>
+            <a:r>
+              <a:rPr lang="vi-VN" cap="none" dirty="0" smtClean="0">
+                <a:latin typeface="Times New Roman" panose="02020603050405020304" pitchFamily="18" charset="0"/>
+                <a:cs typeface="Times New Roman" panose="02020603050405020304" pitchFamily="18" charset="0"/>
+              </a:rPr>
+              <a:t> </a:t>
+            </a:r>
+            <a:r>
+              <a:rPr lang="vi-VN" cap="none" dirty="0" smtClean="0">
+                <a:latin typeface="+mj-lt"/>
+              </a:rPr>
+              <a:t>word then choose option ‘ Search specialized Japanese’, website </a:t>
             </a:r>
             <a:r>
               <a:rPr lang="vi-VN" cap="none" dirty="0">
@@ -22017,10 +20524,24 @@
               <a:t>Search video: User enter </a:t>
             </a:r>
             <a:r>
+              <a:rPr lang="en-US" cap="none" dirty="0">
+                <a:latin typeface="Times New Roman" panose="02020603050405020304" pitchFamily="18" charset="0"/>
+                <a:cs typeface="Times New Roman" panose="02020603050405020304" pitchFamily="18" charset="0"/>
+              </a:rPr>
+              <a:t>a</a:t>
+            </a:r>
+            <a:r>
+              <a:rPr lang="vi-VN" cap="none" dirty="0" smtClean="0">
+                <a:latin typeface="Times New Roman" panose="02020603050405020304" pitchFamily="18" charset="0"/>
+                <a:cs typeface="Times New Roman" panose="02020603050405020304" pitchFamily="18" charset="0"/>
+              </a:rPr>
+              <a:t> </a:t>
+            </a:r>
+            <a:r>
               <a:rPr lang="vi-VN" cap="none" dirty="0">
                 <a:latin typeface="+mj-lt"/>
               </a:rPr>
-              <a:t>1 keyword relate </a:t>
+              <a:t>keyword relate </a:t>
             </a:r>
             <a:r>
               <a:rPr lang="vi-VN" cap="none" dirty="0" smtClean="0">
@@ -22050,14 +20571,15 @@
               <a:rPr lang="vi-VN" cap="none" dirty="0" smtClean="0">
                 <a:latin typeface="+mj-lt"/>
               </a:rPr>
-              <a:t>videos.</a:t>
+              <a:t>videos</a:t>
             </a:r>
-            <a:endParaRPr lang="vi-VN" cap="none" dirty="0">
-              <a:latin typeface="+mj-lt"/>
-            </a:endParaRPr>
-          </a:p>
-          <a:p>
-            <a:endParaRPr lang="vi-VN" dirty="0">
+            <a:r>
+              <a:rPr lang="vi-VN" cap="none" dirty="0" smtClean="0">
+                <a:latin typeface="+mj-lt"/>
+              </a:rPr>
+              <a:t>.</a:t>
+            </a:r>
+            <a:endParaRPr lang="en-US" cap="none" dirty="0">
               <a:latin typeface="+mj-lt"/>
             </a:endParaRPr>
           </a:p>
@@ -23873,19 +22395,7 @@
               <a:rPr lang="vi-VN" cap="none" dirty="0" smtClean="0">
                 <a:latin typeface="+mj-lt"/>
               </a:rPr>
-              <a:t>If user is guest, they </a:t>
-            </a:r>
-            <a:r>
-              <a:rPr lang="vi-VN" cap="none" dirty="0" smtClean="0">
-                <a:latin typeface="+mj-lt"/>
-              </a:rPr>
-              <a:t>have to </a:t>
-            </a:r>
-            <a:r>
-              <a:rPr lang="vi-VN" cap="none" dirty="0" smtClean="0">
-                <a:latin typeface="+mj-lt"/>
-              </a:rPr>
-              <a:t>register then doing test and tracking mark in manage account</a:t>
+              <a:t>If user is guest, they have to register then doing test and tracking mark in manage account</a:t>
             </a:r>
             <a:endParaRPr lang="vi-VN" dirty="0">
               <a:latin typeface="+mj-lt"/>
@@ -24283,33 +22793,8 @@
                 <a:latin typeface="Times New Roman" panose="02020603050405020304" pitchFamily="18" charset="0"/>
                 <a:cs typeface="Times New Roman" panose="02020603050405020304" pitchFamily="18" charset="0"/>
               </a:rPr>
-              <a:t>Admin can manage </a:t>
+              <a:t>Admin can manage admin’s account: admin can ad new admin, edit profile, delete admin</a:t>
             </a:r>
-            <a:r>
-              <a:rPr lang="en-US" cap="none" dirty="0" smtClean="0">
-                <a:latin typeface="Times New Roman" panose="02020603050405020304" pitchFamily="18" charset="0"/>
-                <a:cs typeface="Times New Roman" panose="02020603050405020304" pitchFamily="18" charset="0"/>
-              </a:rPr>
-              <a:t>admin’s account</a:t>
-            </a:r>
-            <a:r>
-              <a:rPr lang="en-US" cap="none" dirty="0" smtClean="0">
-                <a:latin typeface="Times New Roman" panose="02020603050405020304" pitchFamily="18" charset="0"/>
-                <a:cs typeface="Times New Roman" panose="02020603050405020304" pitchFamily="18" charset="0"/>
-              </a:rPr>
-              <a:t>: </a:t>
-            </a:r>
-            <a:r>
-              <a:rPr lang="en-US" cap="none" dirty="0" smtClean="0">
-                <a:latin typeface="Times New Roman" panose="02020603050405020304" pitchFamily="18" charset="0"/>
-                <a:cs typeface="Times New Roman" panose="02020603050405020304" pitchFamily="18" charset="0"/>
-              </a:rPr>
-              <a:t>admin can ad new admin, edit profile, delete admin</a:t>
-            </a:r>
-            <a:endParaRPr lang="en-US" cap="none" dirty="0" smtClean="0">
-              <a:latin typeface="Times New Roman" panose="02020603050405020304" pitchFamily="18" charset="0"/>
-              <a:cs typeface="Times New Roman" panose="02020603050405020304" pitchFamily="18" charset="0"/>
-            </a:endParaRPr>
           </a:p>
           <a:p>
             <a:r>
@@ -24317,14 +22802,7 @@
                 <a:latin typeface="Times New Roman" panose="02020603050405020304" pitchFamily="18" charset="0"/>
                 <a:cs typeface="Times New Roman" panose="02020603050405020304" pitchFamily="18" charset="0"/>
               </a:rPr>
-              <a:t>Admin can manage </a:t>
-            </a:r>
-            <a:r>
-              <a:rPr lang="en-US" cap="none" dirty="0" smtClean="0">
-                <a:latin typeface="Times New Roman" panose="02020603050405020304" pitchFamily="18" charset="0"/>
-                <a:cs typeface="Times New Roman" panose="02020603050405020304" pitchFamily="18" charset="0"/>
-              </a:rPr>
-              <a:t>member’s account: search member, ban/unban member, delete member</a:t>
+              <a:t>Admin can manage member’s account: search member, ban/unban member, delete member</a:t>
             </a:r>
           </a:p>
           <a:p>
@@ -24344,10 +22822,6 @@
               </a:rPr>
               <a:t>Admin can manage database of: Vocabulary, reading, listening, conversation, testing. In each database, admin can search, add, edit, delete</a:t>
             </a:r>
-            <a:endParaRPr lang="en-US" cap="none" dirty="0" smtClean="0">
-              <a:latin typeface="Times New Roman" panose="02020603050405020304" pitchFamily="18" charset="0"/>
-              <a:cs typeface="Times New Roman" panose="02020603050405020304" pitchFamily="18" charset="0"/>
-            </a:endParaRPr>
           </a:p>
         </p:txBody>
       </p:sp>

--- a/WIP/Documents/Report 1/UJD_VN_Examination_v1.0_EN/UJD_VN_ProjectOverview_v1.0.pptx
+++ b/WIP/Documents/Report 1/UJD_VN_Examination_v1.0_EN/UJD_VN_ProjectOverview_v1.0.pptx
@@ -11,19 +11,17 @@
     <p:sldId id="259" r:id="rId5"/>
     <p:sldId id="260" r:id="rId6"/>
     <p:sldId id="261" r:id="rId7"/>
-    <p:sldId id="272" r:id="rId8"/>
-    <p:sldId id="262" r:id="rId9"/>
-    <p:sldId id="273" r:id="rId10"/>
-    <p:sldId id="264" r:id="rId11"/>
-    <p:sldId id="277" r:id="rId12"/>
-    <p:sldId id="276" r:id="rId13"/>
-    <p:sldId id="278" r:id="rId14"/>
-    <p:sldId id="275" r:id="rId15"/>
-    <p:sldId id="266" r:id="rId16"/>
-    <p:sldId id="265" r:id="rId17"/>
-    <p:sldId id="274" r:id="rId18"/>
-    <p:sldId id="267" r:id="rId19"/>
-    <p:sldId id="270" r:id="rId20"/>
+    <p:sldId id="262" r:id="rId8"/>
+    <p:sldId id="264" r:id="rId9"/>
+    <p:sldId id="277" r:id="rId10"/>
+    <p:sldId id="278" r:id="rId11"/>
+    <p:sldId id="276" r:id="rId12"/>
+    <p:sldId id="275" r:id="rId13"/>
+    <p:sldId id="266" r:id="rId14"/>
+    <p:sldId id="267" r:id="rId15"/>
+    <p:sldId id="265" r:id="rId16"/>
+    <p:sldId id="274" r:id="rId17"/>
+    <p:sldId id="270" r:id="rId18"/>
   </p:sldIdLst>
   <p:sldSz cx="12192000" cy="6858000"/>
   <p:notesSz cx="6858000" cy="9144000"/>
@@ -5684,6 +5682,504 @@
       <dsp:cNvGrpSpPr/>
     </dsp:nvGrpSpPr>
     <dsp:grpSpPr/>
+    <dsp:sp modelId="{678C6D30-A20E-40F8-9C7B-9EA267646672}">
+      <dsp:nvSpPr>
+        <dsp:cNvPr id="0" name=""/>
+        <dsp:cNvSpPr/>
+      </dsp:nvSpPr>
+      <dsp:spPr>
+        <a:xfrm>
+          <a:off x="0" y="310006"/>
+          <a:ext cx="10363200" cy="992250"/>
+        </a:xfrm>
+        <a:prstGeom prst="rect">
+          <a:avLst/>
+        </a:prstGeom>
+        <a:solidFill>
+          <a:schemeClr val="lt1">
+            <a:alpha val="90000"/>
+            <a:hueOff val="0"/>
+            <a:satOff val="0"/>
+            <a:lumOff val="0"/>
+            <a:alphaOff val="0"/>
+          </a:schemeClr>
+        </a:solidFill>
+        <a:ln w="15875" cap="flat" cmpd="sng" algn="ctr">
+          <a:solidFill>
+            <a:schemeClr val="accent1">
+              <a:hueOff val="0"/>
+              <a:satOff val="0"/>
+              <a:lumOff val="0"/>
+              <a:alphaOff val="0"/>
+            </a:schemeClr>
+          </a:solidFill>
+          <a:prstDash val="solid"/>
+        </a:ln>
+        <a:effectLst/>
+      </dsp:spPr>
+      <dsp:style>
+        <a:lnRef idx="2">
+          <a:scrgbClr r="0" g="0" b="0"/>
+        </a:lnRef>
+        <a:fillRef idx="1">
+          <a:scrgbClr r="0" g="0" b="0"/>
+        </a:fillRef>
+        <a:effectRef idx="0">
+          <a:scrgbClr r="0" g="0" b="0"/>
+        </a:effectRef>
+        <a:fontRef idx="minor"/>
+      </dsp:style>
+      <dsp:txBody>
+        <a:bodyPr spcFirstLastPara="0" vert="horz" wrap="square" lIns="804299" tIns="374904" rIns="804299" bIns="128016" numCol="1" spcCol="1270" anchor="t" anchorCtr="0">
+          <a:noAutofit/>
+        </a:bodyPr>
+        <a:lstStyle/>
+        <a:p>
+          <a:pPr marL="171450" lvl="1" indent="-171450" algn="l" defTabSz="800100">
+            <a:lnSpc>
+              <a:spcPct val="90000"/>
+            </a:lnSpc>
+            <a:spcBef>
+              <a:spcPct val="0"/>
+            </a:spcBef>
+            <a:spcAft>
+              <a:spcPct val="15000"/>
+            </a:spcAft>
+            <a:buChar char="••"/>
+          </a:pPr>
+          <a:r>
+            <a:rPr lang="en-US" sz="1800" kern="1200" dirty="0" smtClean="0">
+              <a:latin typeface="Times New Roman" panose="02020603050405020304" pitchFamily="18" charset="0"/>
+              <a:cs typeface="Times New Roman" panose="02020603050405020304" pitchFamily="18" charset="0"/>
+            </a:rPr>
+            <a:t>Nowadays, the relation of Vietnam and Japan is very good, Japan market need more human resource of Vietnam in many fields, special IT.</a:t>
+          </a:r>
+          <a:endParaRPr lang="vi-VN" sz="1800" kern="1200" dirty="0">
+            <a:latin typeface="Times New Roman" panose="02020603050405020304" pitchFamily="18" charset="0"/>
+            <a:cs typeface="Times New Roman" panose="02020603050405020304" pitchFamily="18" charset="0"/>
+          </a:endParaRPr>
+        </a:p>
+      </dsp:txBody>
+      <dsp:txXfrm>
+        <a:off x="0" y="310006"/>
+        <a:ext cx="10363200" cy="992250"/>
+      </dsp:txXfrm>
+    </dsp:sp>
+    <dsp:sp modelId="{9DF00E2F-AB03-4A2B-8E6D-A48625443F6B}">
+      <dsp:nvSpPr>
+        <dsp:cNvPr id="0" name=""/>
+        <dsp:cNvSpPr/>
+      </dsp:nvSpPr>
+      <dsp:spPr>
+        <a:xfrm>
+          <a:off x="518160" y="44326"/>
+          <a:ext cx="7254240" cy="531360"/>
+        </a:xfrm>
+        <a:prstGeom prst="roundRect">
+          <a:avLst/>
+        </a:prstGeom>
+        <a:solidFill>
+          <a:schemeClr val="accent1">
+            <a:hueOff val="0"/>
+            <a:satOff val="0"/>
+            <a:lumOff val="0"/>
+            <a:alphaOff val="0"/>
+          </a:schemeClr>
+        </a:solidFill>
+        <a:ln w="15875" cap="flat" cmpd="sng" algn="ctr">
+          <a:solidFill>
+            <a:schemeClr val="lt1">
+              <a:hueOff val="0"/>
+              <a:satOff val="0"/>
+              <a:lumOff val="0"/>
+              <a:alphaOff val="0"/>
+            </a:schemeClr>
+          </a:solidFill>
+          <a:prstDash val="solid"/>
+        </a:ln>
+        <a:effectLst/>
+      </dsp:spPr>
+      <dsp:style>
+        <a:lnRef idx="2">
+          <a:scrgbClr r="0" g="0" b="0"/>
+        </a:lnRef>
+        <a:fillRef idx="1">
+          <a:scrgbClr r="0" g="0" b="0"/>
+        </a:fillRef>
+        <a:effectRef idx="0">
+          <a:scrgbClr r="0" g="0" b="0"/>
+        </a:effectRef>
+        <a:fontRef idx="minor">
+          <a:schemeClr val="lt1"/>
+        </a:fontRef>
+      </dsp:style>
+      <dsp:txBody>
+        <a:bodyPr spcFirstLastPara="0" vert="horz" wrap="square" lIns="274193" tIns="0" rIns="274193" bIns="0" numCol="1" spcCol="1270" anchor="ctr" anchorCtr="0">
+          <a:noAutofit/>
+        </a:bodyPr>
+        <a:lstStyle/>
+        <a:p>
+          <a:pPr lvl="0" algn="l" defTabSz="889000">
+            <a:lnSpc>
+              <a:spcPct val="90000"/>
+            </a:lnSpc>
+            <a:spcBef>
+              <a:spcPct val="0"/>
+            </a:spcBef>
+            <a:spcAft>
+              <a:spcPct val="35000"/>
+            </a:spcAft>
+          </a:pPr>
+          <a:r>
+            <a:rPr lang="en-US" sz="2000" kern="1200" dirty="0" smtClean="0">
+              <a:latin typeface="Times New Roman" panose="02020603050405020304" pitchFamily="18" charset="0"/>
+              <a:cs typeface="Times New Roman" panose="02020603050405020304" pitchFamily="18" charset="0"/>
+            </a:rPr>
+            <a:t>Demand of learning Japanese high	</a:t>
+          </a:r>
+          <a:endParaRPr lang="vi-VN" sz="2000" kern="1200" dirty="0">
+            <a:latin typeface="Times New Roman" panose="02020603050405020304" pitchFamily="18" charset="0"/>
+            <a:cs typeface="Times New Roman" panose="02020603050405020304" pitchFamily="18" charset="0"/>
+          </a:endParaRPr>
+        </a:p>
+      </dsp:txBody>
+      <dsp:txXfrm>
+        <a:off x="544099" y="70265"/>
+        <a:ext cx="7202362" cy="479482"/>
+      </dsp:txXfrm>
+    </dsp:sp>
+    <dsp:sp modelId="{68A2766C-7C34-4C35-887E-54B6FC4FB292}">
+      <dsp:nvSpPr>
+        <dsp:cNvPr id="0" name=""/>
+        <dsp:cNvSpPr/>
+      </dsp:nvSpPr>
+      <dsp:spPr>
+        <a:xfrm>
+          <a:off x="0" y="1665136"/>
+          <a:ext cx="10363200" cy="992250"/>
+        </a:xfrm>
+        <a:prstGeom prst="rect">
+          <a:avLst/>
+        </a:prstGeom>
+        <a:solidFill>
+          <a:schemeClr val="lt1">
+            <a:alpha val="90000"/>
+            <a:hueOff val="0"/>
+            <a:satOff val="0"/>
+            <a:lumOff val="0"/>
+            <a:alphaOff val="0"/>
+          </a:schemeClr>
+        </a:solidFill>
+        <a:ln w="15875" cap="flat" cmpd="sng" algn="ctr">
+          <a:solidFill>
+            <a:schemeClr val="accent1">
+              <a:hueOff val="0"/>
+              <a:satOff val="0"/>
+              <a:lumOff val="0"/>
+              <a:alphaOff val="0"/>
+            </a:schemeClr>
+          </a:solidFill>
+          <a:prstDash val="solid"/>
+        </a:ln>
+        <a:effectLst/>
+      </dsp:spPr>
+      <dsp:style>
+        <a:lnRef idx="2">
+          <a:scrgbClr r="0" g="0" b="0"/>
+        </a:lnRef>
+        <a:fillRef idx="1">
+          <a:scrgbClr r="0" g="0" b="0"/>
+        </a:fillRef>
+        <a:effectRef idx="0">
+          <a:scrgbClr r="0" g="0" b="0"/>
+        </a:effectRef>
+        <a:fontRef idx="minor"/>
+      </dsp:style>
+      <dsp:txBody>
+        <a:bodyPr spcFirstLastPara="0" vert="horz" wrap="square" lIns="804299" tIns="374904" rIns="804299" bIns="128016" numCol="1" spcCol="1270" anchor="t" anchorCtr="0">
+          <a:noAutofit/>
+        </a:bodyPr>
+        <a:lstStyle/>
+        <a:p>
+          <a:pPr marL="171450" lvl="1" indent="-171450" algn="l" defTabSz="800100">
+            <a:lnSpc>
+              <a:spcPct val="90000"/>
+            </a:lnSpc>
+            <a:spcBef>
+              <a:spcPct val="0"/>
+            </a:spcBef>
+            <a:spcAft>
+              <a:spcPct val="15000"/>
+            </a:spcAft>
+            <a:buChar char="••"/>
+          </a:pPr>
+          <a:r>
+            <a:rPr lang="en-US" sz="1800" kern="1200" dirty="0" smtClean="0">
+              <a:latin typeface="Times New Roman" panose="02020603050405020304" pitchFamily="18" charset="0"/>
+              <a:cs typeface="Times New Roman" panose="02020603050405020304" pitchFamily="18" charset="0"/>
+            </a:rPr>
+            <a:t>Because number of people learn Japanese is crowd, series of centers are opened but they cannot control of training quality. </a:t>
+          </a:r>
+          <a:endParaRPr lang="vi-VN" sz="1800" kern="1200" dirty="0">
+            <a:latin typeface="Times New Roman" panose="02020603050405020304" pitchFamily="18" charset="0"/>
+            <a:cs typeface="Times New Roman" panose="02020603050405020304" pitchFamily="18" charset="0"/>
+          </a:endParaRPr>
+        </a:p>
+      </dsp:txBody>
+      <dsp:txXfrm>
+        <a:off x="0" y="1665136"/>
+        <a:ext cx="10363200" cy="992250"/>
+      </dsp:txXfrm>
+    </dsp:sp>
+    <dsp:sp modelId="{D51B1303-EA43-4BF5-8680-F32E92C64BF3}">
+      <dsp:nvSpPr>
+        <dsp:cNvPr id="0" name=""/>
+        <dsp:cNvSpPr/>
+      </dsp:nvSpPr>
+      <dsp:spPr>
+        <a:xfrm>
+          <a:off x="518160" y="1399456"/>
+          <a:ext cx="7254240" cy="531360"/>
+        </a:xfrm>
+        <a:prstGeom prst="roundRect">
+          <a:avLst/>
+        </a:prstGeom>
+        <a:solidFill>
+          <a:schemeClr val="accent1">
+            <a:hueOff val="0"/>
+            <a:satOff val="0"/>
+            <a:lumOff val="0"/>
+            <a:alphaOff val="0"/>
+          </a:schemeClr>
+        </a:solidFill>
+        <a:ln w="15875" cap="flat" cmpd="sng" algn="ctr">
+          <a:solidFill>
+            <a:schemeClr val="lt1">
+              <a:hueOff val="0"/>
+              <a:satOff val="0"/>
+              <a:lumOff val="0"/>
+              <a:alphaOff val="0"/>
+            </a:schemeClr>
+          </a:solidFill>
+          <a:prstDash val="solid"/>
+        </a:ln>
+        <a:effectLst/>
+      </dsp:spPr>
+      <dsp:style>
+        <a:lnRef idx="2">
+          <a:scrgbClr r="0" g="0" b="0"/>
+        </a:lnRef>
+        <a:fillRef idx="1">
+          <a:scrgbClr r="0" g="0" b="0"/>
+        </a:fillRef>
+        <a:effectRef idx="0">
+          <a:scrgbClr r="0" g="0" b="0"/>
+        </a:effectRef>
+        <a:fontRef idx="minor">
+          <a:schemeClr val="lt1"/>
+        </a:fontRef>
+      </dsp:style>
+      <dsp:txBody>
+        <a:bodyPr spcFirstLastPara="0" vert="horz" wrap="square" lIns="274193" tIns="0" rIns="274193" bIns="0" numCol="1" spcCol="1270" anchor="ctr" anchorCtr="0">
+          <a:noAutofit/>
+        </a:bodyPr>
+        <a:lstStyle/>
+        <a:p>
+          <a:pPr lvl="0" algn="l" defTabSz="889000">
+            <a:lnSpc>
+              <a:spcPct val="90000"/>
+            </a:lnSpc>
+            <a:spcBef>
+              <a:spcPct val="0"/>
+            </a:spcBef>
+            <a:spcAft>
+              <a:spcPct val="35000"/>
+            </a:spcAft>
+          </a:pPr>
+          <a:r>
+            <a:rPr lang="en-US" sz="2000" kern="1200" dirty="0" smtClean="0">
+              <a:latin typeface="Times New Roman" panose="02020603050405020304" pitchFamily="18" charset="0"/>
+              <a:cs typeface="Times New Roman" panose="02020603050405020304" pitchFamily="18" charset="0"/>
+            </a:rPr>
+            <a:t>Have a lot of Japanese training center </a:t>
+          </a:r>
+          <a:endParaRPr lang="vi-VN" sz="2000" kern="1200" dirty="0">
+            <a:latin typeface="Times New Roman" panose="02020603050405020304" pitchFamily="18" charset="0"/>
+            <a:cs typeface="Times New Roman" panose="02020603050405020304" pitchFamily="18" charset="0"/>
+          </a:endParaRPr>
+        </a:p>
+      </dsp:txBody>
+      <dsp:txXfrm>
+        <a:off x="544099" y="1425395"/>
+        <a:ext cx="7202362" cy="479482"/>
+      </dsp:txXfrm>
+    </dsp:sp>
+    <dsp:sp modelId="{78651DE0-4B2B-43D0-9506-AC7E997241E2}">
+      <dsp:nvSpPr>
+        <dsp:cNvPr id="0" name=""/>
+        <dsp:cNvSpPr/>
+      </dsp:nvSpPr>
+      <dsp:spPr>
+        <a:xfrm>
+          <a:off x="0" y="3020267"/>
+          <a:ext cx="10363200" cy="992250"/>
+        </a:xfrm>
+        <a:prstGeom prst="rect">
+          <a:avLst/>
+        </a:prstGeom>
+        <a:solidFill>
+          <a:schemeClr val="lt1">
+            <a:alpha val="90000"/>
+            <a:hueOff val="0"/>
+            <a:satOff val="0"/>
+            <a:lumOff val="0"/>
+            <a:alphaOff val="0"/>
+          </a:schemeClr>
+        </a:solidFill>
+        <a:ln w="15875" cap="flat" cmpd="sng" algn="ctr">
+          <a:solidFill>
+            <a:schemeClr val="accent1">
+              <a:hueOff val="0"/>
+              <a:satOff val="0"/>
+              <a:lumOff val="0"/>
+              <a:alphaOff val="0"/>
+            </a:schemeClr>
+          </a:solidFill>
+          <a:prstDash val="solid"/>
+        </a:ln>
+        <a:effectLst/>
+      </dsp:spPr>
+      <dsp:style>
+        <a:lnRef idx="2">
+          <a:scrgbClr r="0" g="0" b="0"/>
+        </a:lnRef>
+        <a:fillRef idx="1">
+          <a:scrgbClr r="0" g="0" b="0"/>
+        </a:fillRef>
+        <a:effectRef idx="0">
+          <a:scrgbClr r="0" g="0" b="0"/>
+        </a:effectRef>
+        <a:fontRef idx="minor"/>
+      </dsp:style>
+      <dsp:txBody>
+        <a:bodyPr spcFirstLastPara="0" vert="horz" wrap="square" lIns="804299" tIns="374904" rIns="804299" bIns="128016" numCol="1" spcCol="1270" anchor="t" anchorCtr="0">
+          <a:noAutofit/>
+        </a:bodyPr>
+        <a:lstStyle/>
+        <a:p>
+          <a:pPr marL="171450" lvl="1" indent="-171450" algn="l" defTabSz="800100">
+            <a:lnSpc>
+              <a:spcPct val="90000"/>
+            </a:lnSpc>
+            <a:spcBef>
+              <a:spcPct val="0"/>
+            </a:spcBef>
+            <a:spcAft>
+              <a:spcPct val="15000"/>
+            </a:spcAft>
+            <a:buChar char="••"/>
+          </a:pPr>
+          <a:r>
+            <a:rPr lang="en-US" sz="1800" kern="1200" dirty="0" smtClean="0">
+              <a:latin typeface="Times New Roman" panose="02020603050405020304" pitchFamily="18" charset="0"/>
+              <a:cs typeface="Times New Roman" panose="02020603050405020304" pitchFamily="18" charset="0"/>
+            </a:rPr>
+            <a:t>With technology development, there are many websites to learn Japanese with many types and languages. Moreover it requests user upgrade account to learn.</a:t>
+          </a:r>
+          <a:endParaRPr lang="vi-VN" sz="1800" kern="1200" dirty="0">
+            <a:latin typeface="Times New Roman" panose="02020603050405020304" pitchFamily="18" charset="0"/>
+            <a:cs typeface="Times New Roman" panose="02020603050405020304" pitchFamily="18" charset="0"/>
+          </a:endParaRPr>
+        </a:p>
+      </dsp:txBody>
+      <dsp:txXfrm>
+        <a:off x="0" y="3020267"/>
+        <a:ext cx="10363200" cy="992250"/>
+      </dsp:txXfrm>
+    </dsp:sp>
+    <dsp:sp modelId="{ECA79339-7A35-4A1A-BD73-B1B2FC840DCA}">
+      <dsp:nvSpPr>
+        <dsp:cNvPr id="0" name=""/>
+        <dsp:cNvSpPr/>
+      </dsp:nvSpPr>
+      <dsp:spPr>
+        <a:xfrm>
+          <a:off x="531036" y="2754587"/>
+          <a:ext cx="7254240" cy="531360"/>
+        </a:xfrm>
+        <a:prstGeom prst="roundRect">
+          <a:avLst/>
+        </a:prstGeom>
+        <a:solidFill>
+          <a:schemeClr val="accent1">
+            <a:hueOff val="0"/>
+            <a:satOff val="0"/>
+            <a:lumOff val="0"/>
+            <a:alphaOff val="0"/>
+          </a:schemeClr>
+        </a:solidFill>
+        <a:ln w="15875" cap="flat" cmpd="sng" algn="ctr">
+          <a:solidFill>
+            <a:schemeClr val="lt1">
+              <a:hueOff val="0"/>
+              <a:satOff val="0"/>
+              <a:lumOff val="0"/>
+              <a:alphaOff val="0"/>
+            </a:schemeClr>
+          </a:solidFill>
+          <a:prstDash val="solid"/>
+        </a:ln>
+        <a:effectLst/>
+      </dsp:spPr>
+      <dsp:style>
+        <a:lnRef idx="2">
+          <a:scrgbClr r="0" g="0" b="0"/>
+        </a:lnRef>
+        <a:fillRef idx="1">
+          <a:scrgbClr r="0" g="0" b="0"/>
+        </a:fillRef>
+        <a:effectRef idx="0">
+          <a:scrgbClr r="0" g="0" b="0"/>
+        </a:effectRef>
+        <a:fontRef idx="minor">
+          <a:schemeClr val="lt1"/>
+        </a:fontRef>
+      </dsp:style>
+      <dsp:txBody>
+        <a:bodyPr spcFirstLastPara="0" vert="horz" wrap="square" lIns="274193" tIns="0" rIns="274193" bIns="0" numCol="1" spcCol="1270" anchor="ctr" anchorCtr="0">
+          <a:noAutofit/>
+        </a:bodyPr>
+        <a:lstStyle/>
+        <a:p>
+          <a:pPr lvl="0" algn="l" defTabSz="889000">
+            <a:lnSpc>
+              <a:spcPct val="90000"/>
+            </a:lnSpc>
+            <a:spcBef>
+              <a:spcPct val="0"/>
+            </a:spcBef>
+            <a:spcAft>
+              <a:spcPct val="35000"/>
+            </a:spcAft>
+          </a:pPr>
+          <a:r>
+            <a:rPr lang="en-US" sz="2000" kern="1200" dirty="0" smtClean="0">
+              <a:latin typeface="Times New Roman" panose="02020603050405020304" pitchFamily="18" charset="0"/>
+              <a:cs typeface="Times New Roman" panose="02020603050405020304" pitchFamily="18" charset="0"/>
+            </a:rPr>
+            <a:t>Learning online</a:t>
+          </a:r>
+          <a:endParaRPr lang="vi-VN" sz="2000" kern="1200" dirty="0">
+            <a:latin typeface="Times New Roman" panose="02020603050405020304" pitchFamily="18" charset="0"/>
+            <a:cs typeface="Times New Roman" panose="02020603050405020304" pitchFamily="18" charset="0"/>
+          </a:endParaRPr>
+        </a:p>
+      </dsp:txBody>
+      <dsp:txXfrm>
+        <a:off x="556975" y="2780526"/>
+        <a:ext cx="7202362" cy="479482"/>
+      </dsp:txXfrm>
+    </dsp:sp>
   </dsp:spTree>
 </dsp:drawing>
 </file>
@@ -5696,6 +6192,675 @@
       <dsp:cNvGrpSpPr/>
     </dsp:nvGrpSpPr>
     <dsp:grpSpPr/>
+    <dsp:sp modelId="{51C4A495-0C66-4A22-A351-390CFFC79680}">
+      <dsp:nvSpPr>
+        <dsp:cNvPr id="0" name=""/>
+        <dsp:cNvSpPr/>
+      </dsp:nvSpPr>
+      <dsp:spPr>
+        <a:xfrm>
+          <a:off x="-4076259" y="-625646"/>
+          <a:ext cx="4857378" cy="4857378"/>
+        </a:xfrm>
+        <a:prstGeom prst="blockArc">
+          <a:avLst>
+            <a:gd name="adj1" fmla="val 18900000"/>
+            <a:gd name="adj2" fmla="val 2700000"/>
+            <a:gd name="adj3" fmla="val 445"/>
+          </a:avLst>
+        </a:prstGeom>
+        <a:noFill/>
+        <a:ln w="15875" cap="flat" cmpd="sng" algn="ctr">
+          <a:solidFill>
+            <a:schemeClr val="accent1">
+              <a:shade val="60000"/>
+              <a:hueOff val="0"/>
+              <a:satOff val="0"/>
+              <a:lumOff val="0"/>
+              <a:alphaOff val="0"/>
+            </a:schemeClr>
+          </a:solidFill>
+          <a:prstDash val="solid"/>
+        </a:ln>
+        <a:effectLst/>
+      </dsp:spPr>
+      <dsp:style>
+        <a:lnRef idx="2">
+          <a:scrgbClr r="0" g="0" b="0"/>
+        </a:lnRef>
+        <a:fillRef idx="0">
+          <a:scrgbClr r="0" g="0" b="0"/>
+        </a:fillRef>
+        <a:effectRef idx="0">
+          <a:scrgbClr r="0" g="0" b="0"/>
+        </a:effectRef>
+        <a:fontRef idx="minor"/>
+      </dsp:style>
+    </dsp:sp>
+    <dsp:sp modelId="{9DD96637-2F30-4874-8A90-97DD64D536DA}">
+      <dsp:nvSpPr>
+        <dsp:cNvPr id="0" name=""/>
+        <dsp:cNvSpPr/>
+      </dsp:nvSpPr>
+      <dsp:spPr>
+        <a:xfrm>
+          <a:off x="342224" y="225308"/>
+          <a:ext cx="3897859" cy="450904"/>
+        </a:xfrm>
+        <a:prstGeom prst="rect">
+          <a:avLst/>
+        </a:prstGeom>
+        <a:solidFill>
+          <a:schemeClr val="accent1">
+            <a:hueOff val="0"/>
+            <a:satOff val="0"/>
+            <a:lumOff val="0"/>
+            <a:alphaOff val="0"/>
+          </a:schemeClr>
+        </a:solidFill>
+        <a:ln w="15875" cap="flat" cmpd="sng" algn="ctr">
+          <a:solidFill>
+            <a:schemeClr val="lt1">
+              <a:hueOff val="0"/>
+              <a:satOff val="0"/>
+              <a:lumOff val="0"/>
+              <a:alphaOff val="0"/>
+            </a:schemeClr>
+          </a:solidFill>
+          <a:prstDash val="solid"/>
+        </a:ln>
+        <a:effectLst/>
+      </dsp:spPr>
+      <dsp:style>
+        <a:lnRef idx="2">
+          <a:scrgbClr r="0" g="0" b="0"/>
+        </a:lnRef>
+        <a:fillRef idx="1">
+          <a:scrgbClr r="0" g="0" b="0"/>
+        </a:fillRef>
+        <a:effectRef idx="0">
+          <a:scrgbClr r="0" g="0" b="0"/>
+        </a:effectRef>
+        <a:fontRef idx="minor">
+          <a:schemeClr val="lt1"/>
+        </a:fontRef>
+      </dsp:style>
+      <dsp:txBody>
+        <a:bodyPr spcFirstLastPara="0" vert="horz" wrap="square" lIns="357906" tIns="40640" rIns="40640" bIns="40640" numCol="1" spcCol="1270" anchor="ctr" anchorCtr="0">
+          <a:noAutofit/>
+        </a:bodyPr>
+        <a:lstStyle/>
+        <a:p>
+          <a:pPr lvl="0" algn="l" defTabSz="711200">
+            <a:lnSpc>
+              <a:spcPct val="90000"/>
+            </a:lnSpc>
+            <a:spcBef>
+              <a:spcPct val="0"/>
+            </a:spcBef>
+            <a:spcAft>
+              <a:spcPct val="35000"/>
+            </a:spcAft>
+          </a:pPr>
+          <a:r>
+            <a:rPr lang="en-US" sz="1600" kern="1200" dirty="0" smtClean="0">
+              <a:latin typeface="Times New Roman" panose="02020603050405020304" pitchFamily="18" charset="0"/>
+              <a:cs typeface="Times New Roman" panose="02020603050405020304" pitchFamily="18" charset="0"/>
+            </a:rPr>
+            <a:t>Search with more option, but more words have not meaning with Vietnamese</a:t>
+          </a:r>
+          <a:endParaRPr lang="vi-VN" sz="1600" kern="1200" dirty="0">
+            <a:latin typeface="Times New Roman" panose="02020603050405020304" pitchFamily="18" charset="0"/>
+            <a:cs typeface="Times New Roman" panose="02020603050405020304" pitchFamily="18" charset="0"/>
+          </a:endParaRPr>
+        </a:p>
+      </dsp:txBody>
+      <dsp:txXfrm>
+        <a:off x="342224" y="225308"/>
+        <a:ext cx="3897859" cy="450904"/>
+      </dsp:txXfrm>
+    </dsp:sp>
+    <dsp:sp modelId="{7BFF0465-791D-4791-BA1F-466CB0FDCC10}">
+      <dsp:nvSpPr>
+        <dsp:cNvPr id="0" name=""/>
+        <dsp:cNvSpPr/>
+      </dsp:nvSpPr>
+      <dsp:spPr>
+        <a:xfrm>
+          <a:off x="60408" y="168945"/>
+          <a:ext cx="563631" cy="563631"/>
+        </a:xfrm>
+        <a:prstGeom prst="ellipse">
+          <a:avLst/>
+        </a:prstGeom>
+        <a:solidFill>
+          <a:schemeClr val="accent5"/>
+        </a:solidFill>
+        <a:ln w="22225" cap="flat" cmpd="sng" algn="ctr">
+          <a:solidFill>
+            <a:schemeClr val="lt1"/>
+          </a:solidFill>
+          <a:prstDash val="solid"/>
+        </a:ln>
+        <a:effectLst/>
+      </dsp:spPr>
+      <dsp:style>
+        <a:lnRef idx="3">
+          <a:schemeClr val="lt1"/>
+        </a:lnRef>
+        <a:fillRef idx="1">
+          <a:schemeClr val="accent5"/>
+        </a:fillRef>
+        <a:effectRef idx="1">
+          <a:schemeClr val="accent5"/>
+        </a:effectRef>
+        <a:fontRef idx="minor">
+          <a:schemeClr val="lt1"/>
+        </a:fontRef>
+      </dsp:style>
+    </dsp:sp>
+    <dsp:sp modelId="{9DF6A524-D9D9-4A58-8F9E-19DFD14DEA19}">
+      <dsp:nvSpPr>
+        <dsp:cNvPr id="0" name=""/>
+        <dsp:cNvSpPr/>
+      </dsp:nvSpPr>
+      <dsp:spPr>
+        <a:xfrm>
+          <a:off x="665329" y="901449"/>
+          <a:ext cx="3574754" cy="450904"/>
+        </a:xfrm>
+        <a:prstGeom prst="rect">
+          <a:avLst/>
+        </a:prstGeom>
+        <a:solidFill>
+          <a:schemeClr val="accent1">
+            <a:hueOff val="0"/>
+            <a:satOff val="0"/>
+            <a:lumOff val="0"/>
+            <a:alphaOff val="0"/>
+          </a:schemeClr>
+        </a:solidFill>
+        <a:ln w="15875" cap="flat" cmpd="sng" algn="ctr">
+          <a:solidFill>
+            <a:schemeClr val="lt1">
+              <a:hueOff val="0"/>
+              <a:satOff val="0"/>
+              <a:lumOff val="0"/>
+              <a:alphaOff val="0"/>
+            </a:schemeClr>
+          </a:solidFill>
+          <a:prstDash val="solid"/>
+        </a:ln>
+        <a:effectLst/>
+      </dsp:spPr>
+      <dsp:style>
+        <a:lnRef idx="2">
+          <a:scrgbClr r="0" g="0" b="0"/>
+        </a:lnRef>
+        <a:fillRef idx="1">
+          <a:scrgbClr r="0" g="0" b="0"/>
+        </a:fillRef>
+        <a:effectRef idx="0">
+          <a:scrgbClr r="0" g="0" b="0"/>
+        </a:effectRef>
+        <a:fontRef idx="minor">
+          <a:schemeClr val="lt1"/>
+        </a:fontRef>
+      </dsp:style>
+      <dsp:txBody>
+        <a:bodyPr spcFirstLastPara="0" vert="horz" wrap="square" lIns="357906" tIns="40640" rIns="40640" bIns="40640" numCol="1" spcCol="1270" anchor="ctr" anchorCtr="0">
+          <a:noAutofit/>
+        </a:bodyPr>
+        <a:lstStyle/>
+        <a:p>
+          <a:pPr lvl="0" algn="l" defTabSz="711200">
+            <a:lnSpc>
+              <a:spcPct val="90000"/>
+            </a:lnSpc>
+            <a:spcBef>
+              <a:spcPct val="0"/>
+            </a:spcBef>
+            <a:spcAft>
+              <a:spcPct val="35000"/>
+            </a:spcAft>
+          </a:pPr>
+          <a:r>
+            <a:rPr lang="en-US" sz="1600" kern="1200" dirty="0" smtClean="0">
+              <a:latin typeface="Times New Roman" panose="02020603050405020304" pitchFamily="18" charset="0"/>
+              <a:cs typeface="Times New Roman" panose="02020603050405020304" pitchFamily="18" charset="0"/>
+            </a:rPr>
+            <a:t>Search Kanji, grammar</a:t>
+          </a:r>
+          <a:endParaRPr lang="vi-VN" sz="1600" kern="1200" dirty="0">
+            <a:latin typeface="Times New Roman" panose="02020603050405020304" pitchFamily="18" charset="0"/>
+            <a:cs typeface="Times New Roman" panose="02020603050405020304" pitchFamily="18" charset="0"/>
+          </a:endParaRPr>
+        </a:p>
+      </dsp:txBody>
+      <dsp:txXfrm>
+        <a:off x="665329" y="901449"/>
+        <a:ext cx="3574754" cy="450904"/>
+      </dsp:txXfrm>
+    </dsp:sp>
+    <dsp:sp modelId="{497B9AD0-3E4D-4A7E-B68E-226332B026B0}">
+      <dsp:nvSpPr>
+        <dsp:cNvPr id="0" name=""/>
+        <dsp:cNvSpPr/>
+      </dsp:nvSpPr>
+      <dsp:spPr>
+        <a:xfrm>
+          <a:off x="383513" y="845086"/>
+          <a:ext cx="563631" cy="563631"/>
+        </a:xfrm>
+        <a:prstGeom prst="ellipse">
+          <a:avLst/>
+        </a:prstGeom>
+        <a:solidFill>
+          <a:schemeClr val="accent5"/>
+        </a:solidFill>
+        <a:ln w="22225" cap="flat" cmpd="sng" algn="ctr">
+          <a:solidFill>
+            <a:schemeClr val="lt1"/>
+          </a:solidFill>
+          <a:prstDash val="solid"/>
+        </a:ln>
+        <a:effectLst/>
+      </dsp:spPr>
+      <dsp:style>
+        <a:lnRef idx="3">
+          <a:schemeClr val="lt1"/>
+        </a:lnRef>
+        <a:fillRef idx="1">
+          <a:schemeClr val="accent5"/>
+        </a:fillRef>
+        <a:effectRef idx="1">
+          <a:schemeClr val="accent5"/>
+        </a:effectRef>
+        <a:fontRef idx="minor">
+          <a:schemeClr val="lt1"/>
+        </a:fontRef>
+      </dsp:style>
+    </dsp:sp>
+    <dsp:sp modelId="{2B15AA60-2467-495D-8871-06C600EDB43E}">
+      <dsp:nvSpPr>
+        <dsp:cNvPr id="0" name=""/>
+        <dsp:cNvSpPr/>
+      </dsp:nvSpPr>
+      <dsp:spPr>
+        <a:xfrm>
+          <a:off x="764496" y="1577590"/>
+          <a:ext cx="3475587" cy="450904"/>
+        </a:xfrm>
+        <a:prstGeom prst="rect">
+          <a:avLst/>
+        </a:prstGeom>
+        <a:solidFill>
+          <a:schemeClr val="accent1">
+            <a:hueOff val="0"/>
+            <a:satOff val="0"/>
+            <a:lumOff val="0"/>
+            <a:alphaOff val="0"/>
+          </a:schemeClr>
+        </a:solidFill>
+        <a:ln w="15875" cap="flat" cmpd="sng" algn="ctr">
+          <a:solidFill>
+            <a:schemeClr val="lt1">
+              <a:hueOff val="0"/>
+              <a:satOff val="0"/>
+              <a:lumOff val="0"/>
+              <a:alphaOff val="0"/>
+            </a:schemeClr>
+          </a:solidFill>
+          <a:prstDash val="solid"/>
+        </a:ln>
+        <a:effectLst/>
+      </dsp:spPr>
+      <dsp:style>
+        <a:lnRef idx="2">
+          <a:scrgbClr r="0" g="0" b="0"/>
+        </a:lnRef>
+        <a:fillRef idx="1">
+          <a:scrgbClr r="0" g="0" b="0"/>
+        </a:fillRef>
+        <a:effectRef idx="0">
+          <a:scrgbClr r="0" g="0" b="0"/>
+        </a:effectRef>
+        <a:fontRef idx="minor">
+          <a:schemeClr val="lt1"/>
+        </a:fontRef>
+      </dsp:style>
+      <dsp:txBody>
+        <a:bodyPr spcFirstLastPara="0" vert="horz" wrap="square" lIns="357906" tIns="40640" rIns="40640" bIns="40640" numCol="1" spcCol="1270" anchor="ctr" anchorCtr="0">
+          <a:noAutofit/>
+        </a:bodyPr>
+        <a:lstStyle/>
+        <a:p>
+          <a:pPr lvl="0" algn="l" defTabSz="711200">
+            <a:lnSpc>
+              <a:spcPct val="90000"/>
+            </a:lnSpc>
+            <a:spcBef>
+              <a:spcPct val="0"/>
+            </a:spcBef>
+            <a:spcAft>
+              <a:spcPct val="35000"/>
+            </a:spcAft>
+          </a:pPr>
+          <a:r>
+            <a:rPr lang="en-US" sz="1600" kern="1200" dirty="0" smtClean="0">
+              <a:latin typeface="Times New Roman" panose="02020603050405020304" pitchFamily="18" charset="0"/>
+              <a:cs typeface="Times New Roman" panose="02020603050405020304" pitchFamily="18" charset="0"/>
+            </a:rPr>
+            <a:t>Post question</a:t>
+          </a:r>
+          <a:endParaRPr lang="vi-VN" sz="1600" kern="1200" dirty="0">
+            <a:latin typeface="Times New Roman" panose="02020603050405020304" pitchFamily="18" charset="0"/>
+            <a:cs typeface="Times New Roman" panose="02020603050405020304" pitchFamily="18" charset="0"/>
+          </a:endParaRPr>
+        </a:p>
+      </dsp:txBody>
+      <dsp:txXfrm>
+        <a:off x="764496" y="1577590"/>
+        <a:ext cx="3475587" cy="450904"/>
+      </dsp:txXfrm>
+    </dsp:sp>
+    <dsp:sp modelId="{8575CED9-5FEF-41EF-BE93-852B953BDBDC}">
+      <dsp:nvSpPr>
+        <dsp:cNvPr id="0" name=""/>
+        <dsp:cNvSpPr/>
+      </dsp:nvSpPr>
+      <dsp:spPr>
+        <a:xfrm>
+          <a:off x="482681" y="1521226"/>
+          <a:ext cx="563631" cy="563631"/>
+        </a:xfrm>
+        <a:prstGeom prst="ellipse">
+          <a:avLst/>
+        </a:prstGeom>
+        <a:solidFill>
+          <a:schemeClr val="accent5"/>
+        </a:solidFill>
+        <a:ln w="22225" cap="flat" cmpd="sng" algn="ctr">
+          <a:solidFill>
+            <a:schemeClr val="lt1"/>
+          </a:solidFill>
+          <a:prstDash val="solid"/>
+        </a:ln>
+        <a:effectLst/>
+      </dsp:spPr>
+      <dsp:style>
+        <a:lnRef idx="3">
+          <a:schemeClr val="lt1"/>
+        </a:lnRef>
+        <a:fillRef idx="1">
+          <a:schemeClr val="accent5"/>
+        </a:fillRef>
+        <a:effectRef idx="1">
+          <a:schemeClr val="accent5"/>
+        </a:effectRef>
+        <a:fontRef idx="minor">
+          <a:schemeClr val="lt1"/>
+        </a:fontRef>
+      </dsp:style>
+    </dsp:sp>
+    <dsp:sp modelId="{0FF2CFBC-CB9E-4995-86FB-3267A6372736}">
+      <dsp:nvSpPr>
+        <dsp:cNvPr id="0" name=""/>
+        <dsp:cNvSpPr/>
+      </dsp:nvSpPr>
+      <dsp:spPr>
+        <a:xfrm>
+          <a:off x="665329" y="2253731"/>
+          <a:ext cx="3574754" cy="450904"/>
+        </a:xfrm>
+        <a:prstGeom prst="rect">
+          <a:avLst/>
+        </a:prstGeom>
+        <a:solidFill>
+          <a:schemeClr val="accent1">
+            <a:hueOff val="0"/>
+            <a:satOff val="0"/>
+            <a:lumOff val="0"/>
+            <a:alphaOff val="0"/>
+          </a:schemeClr>
+        </a:solidFill>
+        <a:ln w="15875" cap="flat" cmpd="sng" algn="ctr">
+          <a:solidFill>
+            <a:schemeClr val="lt1">
+              <a:hueOff val="0"/>
+              <a:satOff val="0"/>
+              <a:lumOff val="0"/>
+              <a:alphaOff val="0"/>
+            </a:schemeClr>
+          </a:solidFill>
+          <a:prstDash val="solid"/>
+        </a:ln>
+        <a:effectLst/>
+      </dsp:spPr>
+      <dsp:style>
+        <a:lnRef idx="2">
+          <a:scrgbClr r="0" g="0" b="0"/>
+        </a:lnRef>
+        <a:fillRef idx="1">
+          <a:scrgbClr r="0" g="0" b="0"/>
+        </a:fillRef>
+        <a:effectRef idx="0">
+          <a:scrgbClr r="0" g="0" b="0"/>
+        </a:effectRef>
+        <a:fontRef idx="minor">
+          <a:schemeClr val="lt1"/>
+        </a:fontRef>
+      </dsp:style>
+      <dsp:txBody>
+        <a:bodyPr spcFirstLastPara="0" vert="horz" wrap="square" lIns="357906" tIns="40640" rIns="40640" bIns="40640" numCol="1" spcCol="1270" anchor="ctr" anchorCtr="0">
+          <a:noAutofit/>
+        </a:bodyPr>
+        <a:lstStyle/>
+        <a:p>
+          <a:pPr lvl="0" algn="l" defTabSz="711200">
+            <a:lnSpc>
+              <a:spcPct val="90000"/>
+            </a:lnSpc>
+            <a:spcBef>
+              <a:spcPct val="0"/>
+            </a:spcBef>
+            <a:spcAft>
+              <a:spcPct val="35000"/>
+            </a:spcAft>
+          </a:pPr>
+          <a:r>
+            <a:rPr lang="en-US" sz="1600" kern="1200" dirty="0" smtClean="0">
+              <a:latin typeface="Times New Roman" panose="02020603050405020304" pitchFamily="18" charset="0"/>
+              <a:cs typeface="Times New Roman" panose="02020603050405020304" pitchFamily="18" charset="0"/>
+            </a:rPr>
+            <a:t>Do not support Viet-</a:t>
+          </a:r>
+          <a:r>
+            <a:rPr lang="en-US" sz="1600" kern="1200" dirty="0" err="1" smtClean="0">
+              <a:latin typeface="Times New Roman" panose="02020603050405020304" pitchFamily="18" charset="0"/>
+              <a:cs typeface="Times New Roman" panose="02020603050405020304" pitchFamily="18" charset="0"/>
+            </a:rPr>
+            <a:t>Nhat</a:t>
+          </a:r>
+          <a:r>
+            <a:rPr lang="en-US" sz="1600" kern="1200" dirty="0" smtClean="0">
+              <a:latin typeface="Times New Roman" panose="02020603050405020304" pitchFamily="18" charset="0"/>
+              <a:cs typeface="Times New Roman" panose="02020603050405020304" pitchFamily="18" charset="0"/>
+            </a:rPr>
+            <a:t> dictionary</a:t>
+          </a:r>
+          <a:endParaRPr lang="vi-VN" sz="1600" kern="1200" dirty="0">
+            <a:latin typeface="Times New Roman" panose="02020603050405020304" pitchFamily="18" charset="0"/>
+            <a:cs typeface="Times New Roman" panose="02020603050405020304" pitchFamily="18" charset="0"/>
+          </a:endParaRPr>
+        </a:p>
+      </dsp:txBody>
+      <dsp:txXfrm>
+        <a:off x="665329" y="2253731"/>
+        <a:ext cx="3574754" cy="450904"/>
+      </dsp:txXfrm>
+    </dsp:sp>
+    <dsp:sp modelId="{947B1892-D03C-417C-819C-4518608CE2F1}">
+      <dsp:nvSpPr>
+        <dsp:cNvPr id="0" name=""/>
+        <dsp:cNvSpPr/>
+      </dsp:nvSpPr>
+      <dsp:spPr>
+        <a:xfrm>
+          <a:off x="383513" y="2197367"/>
+          <a:ext cx="563631" cy="563631"/>
+        </a:xfrm>
+        <a:prstGeom prst="ellipse">
+          <a:avLst/>
+        </a:prstGeom>
+        <a:solidFill>
+          <a:schemeClr val="accent5"/>
+        </a:solidFill>
+        <a:ln w="22225" cap="flat" cmpd="sng" algn="ctr">
+          <a:solidFill>
+            <a:schemeClr val="lt1"/>
+          </a:solidFill>
+          <a:prstDash val="solid"/>
+        </a:ln>
+        <a:effectLst/>
+      </dsp:spPr>
+      <dsp:style>
+        <a:lnRef idx="3">
+          <a:schemeClr val="lt1"/>
+        </a:lnRef>
+        <a:fillRef idx="1">
+          <a:schemeClr val="accent5"/>
+        </a:fillRef>
+        <a:effectRef idx="1">
+          <a:schemeClr val="accent5"/>
+        </a:effectRef>
+        <a:fontRef idx="minor">
+          <a:schemeClr val="lt1"/>
+        </a:fontRef>
+      </dsp:style>
+    </dsp:sp>
+    <dsp:sp modelId="{123C2C93-EF1A-4AE1-983B-B83057050CFD}">
+      <dsp:nvSpPr>
+        <dsp:cNvPr id="0" name=""/>
+        <dsp:cNvSpPr/>
+      </dsp:nvSpPr>
+      <dsp:spPr>
+        <a:xfrm>
+          <a:off x="342224" y="2929871"/>
+          <a:ext cx="3897859" cy="450904"/>
+        </a:xfrm>
+        <a:prstGeom prst="rect">
+          <a:avLst/>
+        </a:prstGeom>
+        <a:solidFill>
+          <a:schemeClr val="accent1">
+            <a:hueOff val="0"/>
+            <a:satOff val="0"/>
+            <a:lumOff val="0"/>
+            <a:alphaOff val="0"/>
+          </a:schemeClr>
+        </a:solidFill>
+        <a:ln w="15875" cap="flat" cmpd="sng" algn="ctr">
+          <a:solidFill>
+            <a:schemeClr val="lt1">
+              <a:hueOff val="0"/>
+              <a:satOff val="0"/>
+              <a:lumOff val="0"/>
+              <a:alphaOff val="0"/>
+            </a:schemeClr>
+          </a:solidFill>
+          <a:prstDash val="solid"/>
+        </a:ln>
+        <a:effectLst/>
+      </dsp:spPr>
+      <dsp:style>
+        <a:lnRef idx="2">
+          <a:scrgbClr r="0" g="0" b="0"/>
+        </a:lnRef>
+        <a:fillRef idx="1">
+          <a:scrgbClr r="0" g="0" b="0"/>
+        </a:fillRef>
+        <a:effectRef idx="0">
+          <a:scrgbClr r="0" g="0" b="0"/>
+        </a:effectRef>
+        <a:fontRef idx="minor">
+          <a:schemeClr val="lt1"/>
+        </a:fontRef>
+      </dsp:style>
+      <dsp:txBody>
+        <a:bodyPr spcFirstLastPara="0" vert="horz" wrap="square" lIns="357906" tIns="40640" rIns="40640" bIns="40640" numCol="1" spcCol="1270" anchor="ctr" anchorCtr="0">
+          <a:noAutofit/>
+        </a:bodyPr>
+        <a:lstStyle/>
+        <a:p>
+          <a:pPr lvl="0" algn="l" defTabSz="711200">
+            <a:lnSpc>
+              <a:spcPct val="90000"/>
+            </a:lnSpc>
+            <a:spcBef>
+              <a:spcPct val="0"/>
+            </a:spcBef>
+            <a:spcAft>
+              <a:spcPct val="35000"/>
+            </a:spcAft>
+          </a:pPr>
+          <a:r>
+            <a:rPr lang="en-US" sz="1600" kern="1200" dirty="0" smtClean="0">
+              <a:latin typeface="Times New Roman" panose="02020603050405020304" pitchFamily="18" charset="0"/>
+              <a:cs typeface="Times New Roman" panose="02020603050405020304" pitchFamily="18" charset="0"/>
+            </a:rPr>
+            <a:t>Do not support listening, reading, conservation …</a:t>
+          </a:r>
+          <a:endParaRPr lang="vi-VN" sz="1600" kern="1200" dirty="0">
+            <a:latin typeface="Times New Roman" panose="02020603050405020304" pitchFamily="18" charset="0"/>
+            <a:cs typeface="Times New Roman" panose="02020603050405020304" pitchFamily="18" charset="0"/>
+          </a:endParaRPr>
+        </a:p>
+      </dsp:txBody>
+      <dsp:txXfrm>
+        <a:off x="342224" y="2929871"/>
+        <a:ext cx="3897859" cy="450904"/>
+      </dsp:txXfrm>
+    </dsp:sp>
+    <dsp:sp modelId="{BD052CAD-EFB7-467E-A22D-57802D279BC6}">
+      <dsp:nvSpPr>
+        <dsp:cNvPr id="0" name=""/>
+        <dsp:cNvSpPr/>
+      </dsp:nvSpPr>
+      <dsp:spPr>
+        <a:xfrm>
+          <a:off x="60408" y="2873508"/>
+          <a:ext cx="563631" cy="563631"/>
+        </a:xfrm>
+        <a:prstGeom prst="ellipse">
+          <a:avLst/>
+        </a:prstGeom>
+        <a:solidFill>
+          <a:schemeClr val="accent5"/>
+        </a:solidFill>
+        <a:ln w="22225" cap="flat" cmpd="sng" algn="ctr">
+          <a:solidFill>
+            <a:schemeClr val="lt1"/>
+          </a:solidFill>
+          <a:prstDash val="solid"/>
+        </a:ln>
+        <a:effectLst/>
+      </dsp:spPr>
+      <dsp:style>
+        <a:lnRef idx="3">
+          <a:schemeClr val="lt1"/>
+        </a:lnRef>
+        <a:fillRef idx="1">
+          <a:schemeClr val="accent5"/>
+        </a:fillRef>
+        <a:effectRef idx="1">
+          <a:schemeClr val="accent5"/>
+        </a:effectRef>
+        <a:fontRef idx="minor">
+          <a:schemeClr val="lt1"/>
+        </a:fontRef>
+      </dsp:style>
+    </dsp:sp>
   </dsp:spTree>
 </dsp:drawing>
 </file>
@@ -5708,6 +6873,417 @@
       <dsp:cNvGrpSpPr/>
     </dsp:nvGrpSpPr>
     <dsp:grpSpPr/>
+    <dsp:sp modelId="{9DCE723E-758A-4DCB-BF12-E43674B3B875}">
+      <dsp:nvSpPr>
+        <dsp:cNvPr id="0" name=""/>
+        <dsp:cNvSpPr/>
+      </dsp:nvSpPr>
+      <dsp:spPr>
+        <a:xfrm>
+          <a:off x="-4470206" y="-685537"/>
+          <a:ext cx="5325359" cy="5325359"/>
+        </a:xfrm>
+        <a:prstGeom prst="blockArc">
+          <a:avLst>
+            <a:gd name="adj1" fmla="val 18900000"/>
+            <a:gd name="adj2" fmla="val 2700000"/>
+            <a:gd name="adj3" fmla="val 406"/>
+          </a:avLst>
+        </a:prstGeom>
+        <a:noFill/>
+        <a:ln w="15875" cap="flat" cmpd="sng" algn="ctr">
+          <a:solidFill>
+            <a:schemeClr val="accent1">
+              <a:shade val="60000"/>
+              <a:hueOff val="0"/>
+              <a:satOff val="0"/>
+              <a:lumOff val="0"/>
+              <a:alphaOff val="0"/>
+            </a:schemeClr>
+          </a:solidFill>
+          <a:prstDash val="solid"/>
+        </a:ln>
+        <a:effectLst/>
+      </dsp:spPr>
+      <dsp:style>
+        <a:lnRef idx="2">
+          <a:scrgbClr r="0" g="0" b="0"/>
+        </a:lnRef>
+        <a:fillRef idx="0">
+          <a:scrgbClr r="0" g="0" b="0"/>
+        </a:fillRef>
+        <a:effectRef idx="0">
+          <a:scrgbClr r="0" g="0" b="0"/>
+        </a:effectRef>
+        <a:fontRef idx="minor"/>
+      </dsp:style>
+    </dsp:sp>
+    <dsp:sp modelId="{C372E2F0-A6A5-483E-98F9-044395DCEC81}">
+      <dsp:nvSpPr>
+        <dsp:cNvPr id="0" name=""/>
+        <dsp:cNvSpPr/>
+      </dsp:nvSpPr>
+      <dsp:spPr>
+        <a:xfrm>
+          <a:off x="549970" y="395428"/>
+          <a:ext cx="3363270" cy="790857"/>
+        </a:xfrm>
+        <a:prstGeom prst="rect">
+          <a:avLst/>
+        </a:prstGeom>
+        <a:solidFill>
+          <a:schemeClr val="accent1">
+            <a:hueOff val="0"/>
+            <a:satOff val="0"/>
+            <a:lumOff val="0"/>
+            <a:alphaOff val="0"/>
+          </a:schemeClr>
+        </a:solidFill>
+        <a:ln w="15875" cap="flat" cmpd="sng" algn="ctr">
+          <a:solidFill>
+            <a:schemeClr val="lt1">
+              <a:hueOff val="0"/>
+              <a:satOff val="0"/>
+              <a:lumOff val="0"/>
+              <a:alphaOff val="0"/>
+            </a:schemeClr>
+          </a:solidFill>
+          <a:prstDash val="solid"/>
+        </a:ln>
+        <a:effectLst/>
+      </dsp:spPr>
+      <dsp:style>
+        <a:lnRef idx="2">
+          <a:scrgbClr r="0" g="0" b="0"/>
+        </a:lnRef>
+        <a:fillRef idx="1">
+          <a:scrgbClr r="0" g="0" b="0"/>
+        </a:fillRef>
+        <a:effectRef idx="0">
+          <a:scrgbClr r="0" g="0" b="0"/>
+        </a:effectRef>
+        <a:fontRef idx="minor">
+          <a:schemeClr val="lt1"/>
+        </a:fontRef>
+      </dsp:style>
+      <dsp:txBody>
+        <a:bodyPr spcFirstLastPara="0" vert="horz" wrap="square" lIns="627743" tIns="45720" rIns="45720" bIns="45720" numCol="1" spcCol="1270" anchor="ctr" anchorCtr="0">
+          <a:noAutofit/>
+        </a:bodyPr>
+        <a:lstStyle/>
+        <a:p>
+          <a:pPr lvl="0" algn="l" defTabSz="800100">
+            <a:lnSpc>
+              <a:spcPct val="90000"/>
+            </a:lnSpc>
+            <a:spcBef>
+              <a:spcPct val="0"/>
+            </a:spcBef>
+            <a:spcAft>
+              <a:spcPct val="35000"/>
+            </a:spcAft>
+          </a:pPr>
+          <a:r>
+            <a:rPr lang="en-US" sz="1800" kern="1200" dirty="0" smtClean="0">
+              <a:latin typeface="Times New Roman" panose="02020603050405020304" pitchFamily="18" charset="0"/>
+              <a:cs typeface="Times New Roman" panose="02020603050405020304" pitchFamily="18" charset="0"/>
+            </a:rPr>
+            <a:t>Full support with listening, reading, conservation </a:t>
+          </a:r>
+          <a:endParaRPr lang="vi-VN" sz="1800" kern="1200" dirty="0">
+            <a:latin typeface="Times New Roman" panose="02020603050405020304" pitchFamily="18" charset="0"/>
+            <a:cs typeface="Times New Roman" panose="02020603050405020304" pitchFamily="18" charset="0"/>
+          </a:endParaRPr>
+        </a:p>
+      </dsp:txBody>
+      <dsp:txXfrm>
+        <a:off x="549970" y="395428"/>
+        <a:ext cx="3363270" cy="790857"/>
+      </dsp:txXfrm>
+    </dsp:sp>
+    <dsp:sp modelId="{9E1C77A4-8D45-4BE7-BFBD-848809ECA6C2}">
+      <dsp:nvSpPr>
+        <dsp:cNvPr id="0" name=""/>
+        <dsp:cNvSpPr/>
+      </dsp:nvSpPr>
+      <dsp:spPr>
+        <a:xfrm>
+          <a:off x="55684" y="296571"/>
+          <a:ext cx="988571" cy="988571"/>
+        </a:xfrm>
+        <a:prstGeom prst="ellipse">
+          <a:avLst/>
+        </a:prstGeom>
+        <a:solidFill>
+          <a:schemeClr val="accent5"/>
+        </a:solidFill>
+        <a:ln w="22225" cap="flat" cmpd="sng" algn="ctr">
+          <a:solidFill>
+            <a:schemeClr val="lt1"/>
+          </a:solidFill>
+          <a:prstDash val="solid"/>
+        </a:ln>
+        <a:effectLst/>
+      </dsp:spPr>
+      <dsp:style>
+        <a:lnRef idx="3">
+          <a:schemeClr val="lt1"/>
+        </a:lnRef>
+        <a:fillRef idx="1">
+          <a:schemeClr val="accent5"/>
+        </a:fillRef>
+        <a:effectRef idx="1">
+          <a:schemeClr val="accent5"/>
+        </a:effectRef>
+        <a:fontRef idx="minor">
+          <a:schemeClr val="lt1"/>
+        </a:fontRef>
+      </dsp:style>
+    </dsp:sp>
+    <dsp:sp modelId="{81C01EE0-18CF-4928-9379-28A6FA51AFD6}">
+      <dsp:nvSpPr>
+        <dsp:cNvPr id="0" name=""/>
+        <dsp:cNvSpPr/>
+      </dsp:nvSpPr>
+      <dsp:spPr>
+        <a:xfrm>
+          <a:off x="837446" y="1581714"/>
+          <a:ext cx="3075793" cy="790857"/>
+        </a:xfrm>
+        <a:prstGeom prst="rect">
+          <a:avLst/>
+        </a:prstGeom>
+        <a:solidFill>
+          <a:schemeClr val="accent1">
+            <a:hueOff val="0"/>
+            <a:satOff val="0"/>
+            <a:lumOff val="0"/>
+            <a:alphaOff val="0"/>
+          </a:schemeClr>
+        </a:solidFill>
+        <a:ln w="15875" cap="flat" cmpd="sng" algn="ctr">
+          <a:solidFill>
+            <a:schemeClr val="lt1">
+              <a:hueOff val="0"/>
+              <a:satOff val="0"/>
+              <a:lumOff val="0"/>
+              <a:alphaOff val="0"/>
+            </a:schemeClr>
+          </a:solidFill>
+          <a:prstDash val="solid"/>
+        </a:ln>
+        <a:effectLst/>
+      </dsp:spPr>
+      <dsp:style>
+        <a:lnRef idx="2">
+          <a:scrgbClr r="0" g="0" b="0"/>
+        </a:lnRef>
+        <a:fillRef idx="1">
+          <a:scrgbClr r="0" g="0" b="0"/>
+        </a:fillRef>
+        <a:effectRef idx="0">
+          <a:scrgbClr r="0" g="0" b="0"/>
+        </a:effectRef>
+        <a:fontRef idx="minor">
+          <a:schemeClr val="lt1"/>
+        </a:fontRef>
+      </dsp:style>
+      <dsp:txBody>
+        <a:bodyPr spcFirstLastPara="0" vert="horz" wrap="square" lIns="627743" tIns="45720" rIns="45720" bIns="45720" numCol="1" spcCol="1270" anchor="ctr" anchorCtr="0">
+          <a:noAutofit/>
+        </a:bodyPr>
+        <a:lstStyle/>
+        <a:p>
+          <a:pPr lvl="0" algn="l" defTabSz="800100">
+            <a:lnSpc>
+              <a:spcPct val="90000"/>
+            </a:lnSpc>
+            <a:spcBef>
+              <a:spcPct val="0"/>
+            </a:spcBef>
+            <a:spcAft>
+              <a:spcPct val="35000"/>
+            </a:spcAft>
+          </a:pPr>
+          <a:r>
+            <a:rPr lang="en-US" sz="1800" kern="1200" dirty="0" smtClean="0">
+              <a:latin typeface="Times New Roman" panose="02020603050405020304" pitchFamily="18" charset="0"/>
+              <a:cs typeface="Times New Roman" panose="02020603050405020304" pitchFamily="18" charset="0"/>
+            </a:rPr>
+            <a:t>Support search but too simple</a:t>
+          </a:r>
+          <a:endParaRPr lang="vi-VN" sz="1800" kern="1200" dirty="0">
+            <a:latin typeface="Times New Roman" panose="02020603050405020304" pitchFamily="18" charset="0"/>
+            <a:cs typeface="Times New Roman" panose="02020603050405020304" pitchFamily="18" charset="0"/>
+          </a:endParaRPr>
+        </a:p>
+      </dsp:txBody>
+      <dsp:txXfrm>
+        <a:off x="837446" y="1581714"/>
+        <a:ext cx="3075793" cy="790857"/>
+      </dsp:txXfrm>
+    </dsp:sp>
+    <dsp:sp modelId="{6F2E30C8-6A87-4E0F-8998-72EB6932062A}">
+      <dsp:nvSpPr>
+        <dsp:cNvPr id="0" name=""/>
+        <dsp:cNvSpPr/>
+      </dsp:nvSpPr>
+      <dsp:spPr>
+        <a:xfrm>
+          <a:off x="343161" y="1482856"/>
+          <a:ext cx="988571" cy="988571"/>
+        </a:xfrm>
+        <a:prstGeom prst="ellipse">
+          <a:avLst/>
+        </a:prstGeom>
+        <a:solidFill>
+          <a:schemeClr val="accent5"/>
+        </a:solidFill>
+        <a:ln w="22225" cap="flat" cmpd="sng" algn="ctr">
+          <a:solidFill>
+            <a:schemeClr val="lt1"/>
+          </a:solidFill>
+          <a:prstDash val="solid"/>
+        </a:ln>
+        <a:effectLst/>
+      </dsp:spPr>
+      <dsp:style>
+        <a:lnRef idx="3">
+          <a:schemeClr val="lt1"/>
+        </a:lnRef>
+        <a:fillRef idx="1">
+          <a:schemeClr val="accent5"/>
+        </a:fillRef>
+        <a:effectRef idx="1">
+          <a:schemeClr val="accent5"/>
+        </a:effectRef>
+        <a:fontRef idx="minor">
+          <a:schemeClr val="lt1"/>
+        </a:fontRef>
+      </dsp:style>
+    </dsp:sp>
+    <dsp:sp modelId="{762AFA2A-34D0-49EA-A3C0-2FB0FEE1181A}">
+      <dsp:nvSpPr>
+        <dsp:cNvPr id="0" name=""/>
+        <dsp:cNvSpPr/>
+      </dsp:nvSpPr>
+      <dsp:spPr>
+        <a:xfrm>
+          <a:off x="549970" y="2767999"/>
+          <a:ext cx="3363270" cy="790857"/>
+        </a:xfrm>
+        <a:prstGeom prst="rect">
+          <a:avLst/>
+        </a:prstGeom>
+        <a:solidFill>
+          <a:schemeClr val="accent1">
+            <a:hueOff val="0"/>
+            <a:satOff val="0"/>
+            <a:lumOff val="0"/>
+            <a:alphaOff val="0"/>
+          </a:schemeClr>
+        </a:solidFill>
+        <a:ln w="15875" cap="flat" cmpd="sng" algn="ctr">
+          <a:solidFill>
+            <a:schemeClr val="lt1">
+              <a:hueOff val="0"/>
+              <a:satOff val="0"/>
+              <a:lumOff val="0"/>
+              <a:alphaOff val="0"/>
+            </a:schemeClr>
+          </a:solidFill>
+          <a:prstDash val="solid"/>
+        </a:ln>
+        <a:effectLst/>
+      </dsp:spPr>
+      <dsp:style>
+        <a:lnRef idx="2">
+          <a:scrgbClr r="0" g="0" b="0"/>
+        </a:lnRef>
+        <a:fillRef idx="1">
+          <a:scrgbClr r="0" g="0" b="0"/>
+        </a:fillRef>
+        <a:effectRef idx="0">
+          <a:scrgbClr r="0" g="0" b="0"/>
+        </a:effectRef>
+        <a:fontRef idx="minor">
+          <a:schemeClr val="lt1"/>
+        </a:fontRef>
+      </dsp:style>
+      <dsp:txBody>
+        <a:bodyPr spcFirstLastPara="0" vert="horz" wrap="square" lIns="627743" tIns="45720" rIns="45720" bIns="45720" numCol="1" spcCol="1270" anchor="ctr" anchorCtr="0">
+          <a:noAutofit/>
+        </a:bodyPr>
+        <a:lstStyle/>
+        <a:p>
+          <a:pPr lvl="0" algn="l" defTabSz="800100">
+            <a:lnSpc>
+              <a:spcPct val="90000"/>
+            </a:lnSpc>
+            <a:spcBef>
+              <a:spcPct val="0"/>
+            </a:spcBef>
+            <a:spcAft>
+              <a:spcPct val="35000"/>
+            </a:spcAft>
+          </a:pPr>
+          <a:r>
+            <a:rPr lang="en-US" sz="1800" kern="1200" dirty="0" smtClean="0">
+              <a:latin typeface="Times New Roman" panose="02020603050405020304" pitchFamily="18" charset="0"/>
+              <a:cs typeface="Times New Roman" panose="02020603050405020304" pitchFamily="18" charset="0"/>
+            </a:rPr>
+            <a:t>Have to register and upgrade account to study</a:t>
+          </a:r>
+          <a:endParaRPr lang="vi-VN" sz="1800" kern="1200" dirty="0">
+            <a:latin typeface="Times New Roman" panose="02020603050405020304" pitchFamily="18" charset="0"/>
+            <a:cs typeface="Times New Roman" panose="02020603050405020304" pitchFamily="18" charset="0"/>
+          </a:endParaRPr>
+        </a:p>
+      </dsp:txBody>
+      <dsp:txXfrm>
+        <a:off x="549970" y="2767999"/>
+        <a:ext cx="3363270" cy="790857"/>
+      </dsp:txXfrm>
+    </dsp:sp>
+    <dsp:sp modelId="{0EF2079F-D86F-4C23-8DD3-6BF1A77FB16D}">
+      <dsp:nvSpPr>
+        <dsp:cNvPr id="0" name=""/>
+        <dsp:cNvSpPr/>
+      </dsp:nvSpPr>
+      <dsp:spPr>
+        <a:xfrm>
+          <a:off x="55684" y="2669142"/>
+          <a:ext cx="988571" cy="988571"/>
+        </a:xfrm>
+        <a:prstGeom prst="ellipse">
+          <a:avLst/>
+        </a:prstGeom>
+        <a:solidFill>
+          <a:schemeClr val="accent5"/>
+        </a:solidFill>
+        <a:ln w="22225" cap="flat" cmpd="sng" algn="ctr">
+          <a:solidFill>
+            <a:schemeClr val="lt1"/>
+          </a:solidFill>
+          <a:prstDash val="solid"/>
+        </a:ln>
+        <a:effectLst/>
+      </dsp:spPr>
+      <dsp:style>
+        <a:lnRef idx="3">
+          <a:schemeClr val="lt1"/>
+        </a:lnRef>
+        <a:fillRef idx="1">
+          <a:schemeClr val="accent5"/>
+        </a:fillRef>
+        <a:effectRef idx="1">
+          <a:schemeClr val="accent5"/>
+        </a:effectRef>
+        <a:fontRef idx="minor">
+          <a:schemeClr val="lt1"/>
+        </a:fontRef>
+      </dsp:style>
+    </dsp:sp>
   </dsp:spTree>
 </dsp:drawing>
 </file>
@@ -19551,2399 +21127,140 @@
         </p:nvSpPr>
         <p:spPr>
           <a:xfrm>
-            <a:off x="913775" y="2367092"/>
-            <a:ext cx="10363826" cy="3424107"/>
-          </a:xfrm>
-        </p:spPr>
-        <p:txBody>
-          <a:bodyPr>
-            <a:normAutofit/>
-          </a:bodyPr>
-          <a:lstStyle/>
-          <a:p>
-            <a:r>
-              <a:rPr lang="vi-VN" cap="none" dirty="0" smtClean="0">
-                <a:latin typeface="+mj-lt"/>
-              </a:rPr>
-              <a:t>The system will be developed on web</a:t>
-            </a:r>
-          </a:p>
-          <a:p>
-            <a:r>
-              <a:rPr lang="vi-VN" cap="none" dirty="0" smtClean="0">
-                <a:latin typeface="+mj-lt"/>
-              </a:rPr>
-              <a:t>User include guest and member can use functions likes:</a:t>
-            </a:r>
-          </a:p>
-          <a:p>
-            <a:r>
-              <a:rPr lang="vi-VN" cap="none" dirty="0" smtClean="0">
-                <a:latin typeface="+mj-lt"/>
-              </a:rPr>
-              <a:t>User can filter and searching words with more options:</a:t>
-            </a:r>
-          </a:p>
-          <a:p>
-            <a:pPr>
-              <a:buFont typeface="Wingdings" panose="05000000000000000000" pitchFamily="2" charset="2"/>
-              <a:buChar char="Ø"/>
-            </a:pPr>
-            <a:r>
-              <a:rPr lang="vi-VN" cap="none" dirty="0" smtClean="0">
-                <a:latin typeface="+mj-lt"/>
-              </a:rPr>
-              <a:t>Search sentences: User enter </a:t>
-            </a:r>
-            <a:r>
-              <a:rPr lang="en-US" cap="none" dirty="0" smtClean="0">
-                <a:latin typeface="Times New Roman" panose="02020603050405020304" pitchFamily="18" charset="0"/>
-                <a:cs typeface="Times New Roman" panose="02020603050405020304" pitchFamily="18" charset="0"/>
-              </a:rPr>
-              <a:t>a</a:t>
-            </a:r>
-            <a:r>
-              <a:rPr lang="vi-VN" cap="none" dirty="0" smtClean="0">
-                <a:latin typeface="Times New Roman" panose="02020603050405020304" pitchFamily="18" charset="0"/>
-                <a:cs typeface="Times New Roman" panose="02020603050405020304" pitchFamily="18" charset="0"/>
-              </a:rPr>
-              <a:t> </a:t>
-            </a:r>
-            <a:r>
-              <a:rPr lang="vi-VN" cap="none" dirty="0" smtClean="0">
-                <a:latin typeface="+mj-lt"/>
-              </a:rPr>
-              <a:t>word then choose option ‘Search sentence’ , website will return full meaning of word and list related example sentences.</a:t>
-            </a:r>
-          </a:p>
-          <a:p>
-            <a:pPr>
-              <a:buFont typeface="Wingdings" panose="05000000000000000000" pitchFamily="2" charset="2"/>
-              <a:buChar char="Ø"/>
-            </a:pPr>
-            <a:r>
-              <a:rPr lang="vi-VN" cap="none" dirty="0" smtClean="0">
-                <a:latin typeface="+mj-lt"/>
-              </a:rPr>
-              <a:t>Search grammar: User enter </a:t>
-            </a:r>
-            <a:r>
-              <a:rPr lang="en-US" cap="none" dirty="0" smtClean="0">
-                <a:latin typeface="Times New Roman" panose="02020603050405020304" pitchFamily="18" charset="0"/>
-                <a:cs typeface="Times New Roman" panose="02020603050405020304" pitchFamily="18" charset="0"/>
-              </a:rPr>
-              <a:t>a</a:t>
-            </a:r>
-            <a:r>
-              <a:rPr lang="vi-VN" cap="none" dirty="0" smtClean="0">
-                <a:latin typeface="Times New Roman" panose="02020603050405020304" pitchFamily="18" charset="0"/>
-                <a:cs typeface="Times New Roman" panose="02020603050405020304" pitchFamily="18" charset="0"/>
-              </a:rPr>
-              <a:t> </a:t>
-            </a:r>
-            <a:r>
-              <a:rPr lang="vi-VN" cap="none" dirty="0" smtClean="0">
-                <a:latin typeface="+mj-lt"/>
-              </a:rPr>
-              <a:t>grammar then choose option ‘Search grammar’ , website will return full meaning of grammar and list related example sentences.</a:t>
-            </a:r>
-          </a:p>
-          <a:p>
-            <a:endParaRPr lang="vi-VN" cap="none" dirty="0" smtClean="0">
-              <a:latin typeface="+mj-lt"/>
-            </a:endParaRPr>
-          </a:p>
-          <a:p>
-            <a:endParaRPr lang="vi-VN" cap="none" dirty="0" smtClean="0">
-              <a:latin typeface="+mj-lt"/>
-            </a:endParaRPr>
-          </a:p>
-        </p:txBody>
-      </p:sp>
-      <p:sp>
-        <p:nvSpPr>
-          <p:cNvPr id="4" name="Title 1"/>
-          <p:cNvSpPr>
-            <a:spLocks noGrp="1"/>
-          </p:cNvSpPr>
-          <p:nvPr>
-            <p:ph type="title"/>
-          </p:nvPr>
-        </p:nvSpPr>
-        <p:spPr>
-          <a:xfrm>
-            <a:off x="913775" y="618517"/>
-            <a:ext cx="10364451" cy="1596177"/>
+            <a:off x="913774" y="2073500"/>
+            <a:ext cx="10363826" cy="3717700"/>
           </a:xfrm>
         </p:spPr>
         <p:txBody>
           <a:bodyPr/>
           <a:lstStyle/>
           <a:p>
-            <a:pPr lvl="0"/>
+            <a:pPr marL="0" indent="0">
+              <a:buNone/>
+            </a:pPr>
             <a:r>
-              <a:rPr lang="vi-VN" sz="5400" cap="none" dirty="0" smtClean="0">
-                <a:ln w="0"/>
-                <a:gradFill>
-                  <a:gsLst>
-                    <a:gs pos="0">
-                      <a:schemeClr val="accent5">
-                        <a:lumMod val="50000"/>
-                      </a:schemeClr>
-                    </a:gs>
-                    <a:gs pos="50000">
-                      <a:schemeClr val="accent5"/>
-                    </a:gs>
-                    <a:gs pos="100000">
-                      <a:schemeClr val="accent5">
-                        <a:lumMod val="60000"/>
-                        <a:lumOff val="40000"/>
-                      </a:schemeClr>
-                    </a:gs>
-                  </a:gsLst>
-                  <a:lin ang="5400000"/>
-                </a:gradFill>
-                <a:effectLst>
-                  <a:reflection blurRad="6350" stA="53000" endA="300" endPos="35500" dir="5400000" sy="-90000" algn="bl" rotWithShape="0"/>
-                </a:effectLst>
-                <a:latin typeface="Times New Roman" pitchFamily="18" charset="0"/>
-                <a:cs typeface="Times New Roman" pitchFamily="18" charset="0"/>
+              <a:rPr lang="vi-VN" b="1" cap="none" dirty="0">
+                <a:latin typeface="+mj-lt"/>
               </a:rPr>
-              <a:t>Functional Requirements</a:t>
+              <a:t>6</a:t>
             </a:r>
             <a:r>
-              <a:rPr lang="vi-VN" dirty="0"/>
-              <a:t/>
-            </a:r>
-            <a:br>
-              <a:rPr lang="vi-VN" dirty="0"/>
-            </a:br>
-            <a:endParaRPr lang="vi-VN" dirty="0"/>
-          </a:p>
-        </p:txBody>
-      </p:sp>
-    </p:spTree>
-    <p:extLst>
-      <p:ext uri="{BB962C8B-B14F-4D97-AF65-F5344CB8AC3E}">
-        <p14:creationId xmlns:p14="http://schemas.microsoft.com/office/powerpoint/2010/main" val="730829765"/>
-      </p:ext>
-    </p:extLst>
-  </p:cSld>
-  <p:clrMapOvr>
-    <a:masterClrMapping/>
-  </p:clrMapOvr>
-  <p:timing>
-    <p:tnLst>
-      <p:par>
-        <p:cTn id="1" dur="indefinite" restart="never" nodeType="tmRoot">
-          <p:childTnLst>
-            <p:seq concurrent="1" nextAc="seek">
-              <p:cTn id="2" dur="indefinite" nodeType="mainSeq">
-                <p:childTnLst>
-                  <p:par>
-                    <p:cTn id="3" fill="hold">
-                      <p:stCondLst>
-                        <p:cond delay="indefinite"/>
-                      </p:stCondLst>
-                      <p:childTnLst>
-                        <p:par>
-                          <p:cTn id="4" fill="hold">
-                            <p:stCondLst>
-                              <p:cond delay="0"/>
-                            </p:stCondLst>
-                            <p:childTnLst>
-                              <p:par>
-                                <p:cTn id="5" presetID="16" presetClass="entr" presetSubtype="21" fill="hold" grpId="0" nodeType="clickEffect">
-                                  <p:stCondLst>
-                                    <p:cond delay="0"/>
-                                  </p:stCondLst>
-                                  <p:childTnLst>
-                                    <p:set>
-                                      <p:cBhvr>
-                                        <p:cTn id="6" dur="1" fill="hold">
-                                          <p:stCondLst>
-                                            <p:cond delay="0"/>
-                                          </p:stCondLst>
-                                        </p:cTn>
-                                        <p:tgtEl>
-                                          <p:spTgt spid="4"/>
-                                        </p:tgtEl>
-                                        <p:attrNameLst>
-                                          <p:attrName>style.visibility</p:attrName>
-                                        </p:attrNameLst>
-                                      </p:cBhvr>
-                                      <p:to>
-                                        <p:strVal val="visible"/>
-                                      </p:to>
-                                    </p:set>
-                                    <p:animEffect transition="in" filter="barn(inVertical)">
-                                      <p:cBhvr>
-                                        <p:cTn id="7" dur="500"/>
-                                        <p:tgtEl>
-                                          <p:spTgt spid="4"/>
-                                        </p:tgtEl>
-                                      </p:cBhvr>
-                                    </p:animEffect>
-                                  </p:childTnLst>
-                                </p:cTn>
-                              </p:par>
-                            </p:childTnLst>
-                          </p:cTn>
-                        </p:par>
-                      </p:childTnLst>
-                    </p:cTn>
-                  </p:par>
-                  <p:par>
-                    <p:cTn id="8" fill="hold">
-                      <p:stCondLst>
-                        <p:cond delay="indefinite"/>
-                      </p:stCondLst>
-                      <p:childTnLst>
-                        <p:par>
-                          <p:cTn id="9" fill="hold">
-                            <p:stCondLst>
-                              <p:cond delay="0"/>
-                            </p:stCondLst>
-                            <p:childTnLst>
-                              <p:par>
-                                <p:cTn id="10" presetID="42" presetClass="entr" presetSubtype="0" fill="hold" grpId="0" nodeType="clickEffect">
-                                  <p:stCondLst>
-                                    <p:cond delay="0"/>
-                                  </p:stCondLst>
-                                  <p:childTnLst>
-                                    <p:set>
-                                      <p:cBhvr>
-                                        <p:cTn id="11" dur="1" fill="hold">
-                                          <p:stCondLst>
-                                            <p:cond delay="0"/>
-                                          </p:stCondLst>
-                                        </p:cTn>
-                                        <p:tgtEl>
-                                          <p:spTgt spid="3">
-                                            <p:txEl>
-                                              <p:pRg st="0" end="0"/>
-                                            </p:txEl>
-                                          </p:spTgt>
-                                        </p:tgtEl>
-                                        <p:attrNameLst>
-                                          <p:attrName>style.visibility</p:attrName>
-                                        </p:attrNameLst>
-                                      </p:cBhvr>
-                                      <p:to>
-                                        <p:strVal val="visible"/>
-                                      </p:to>
-                                    </p:set>
-                                    <p:animEffect transition="in" filter="fade">
-                                      <p:cBhvr>
-                                        <p:cTn id="12" dur="1000"/>
-                                        <p:tgtEl>
-                                          <p:spTgt spid="3">
-                                            <p:txEl>
-                                              <p:pRg st="0" end="0"/>
-                                            </p:txEl>
-                                          </p:spTgt>
-                                        </p:tgtEl>
-                                      </p:cBhvr>
-                                    </p:animEffect>
-                                    <p:anim calcmode="lin" valueType="num">
-                                      <p:cBhvr>
-                                        <p:cTn id="13" dur="1000" fill="hold"/>
-                                        <p:tgtEl>
-                                          <p:spTgt spid="3">
-                                            <p:txEl>
-                                              <p:pRg st="0" end="0"/>
-                                            </p:txEl>
-                                          </p:spTgt>
-                                        </p:tgtEl>
-                                        <p:attrNameLst>
-                                          <p:attrName>ppt_x</p:attrName>
-                                        </p:attrNameLst>
-                                      </p:cBhvr>
-                                      <p:tavLst>
-                                        <p:tav tm="0">
-                                          <p:val>
-                                            <p:strVal val="#ppt_x"/>
-                                          </p:val>
-                                        </p:tav>
-                                        <p:tav tm="100000">
-                                          <p:val>
-                                            <p:strVal val="#ppt_x"/>
-                                          </p:val>
-                                        </p:tav>
-                                      </p:tavLst>
-                                    </p:anim>
-                                    <p:anim calcmode="lin" valueType="num">
-                                      <p:cBhvr>
-                                        <p:cTn id="14" dur="1000" fill="hold"/>
-                                        <p:tgtEl>
-                                          <p:spTgt spid="3">
-                                            <p:txEl>
-                                              <p:pRg st="0" end="0"/>
-                                            </p:txEl>
-                                          </p:spTgt>
-                                        </p:tgtEl>
-                                        <p:attrNameLst>
-                                          <p:attrName>ppt_y</p:attrName>
-                                        </p:attrNameLst>
-                                      </p:cBhvr>
-                                      <p:tavLst>
-                                        <p:tav tm="0">
-                                          <p:val>
-                                            <p:strVal val="#ppt_y+.1"/>
-                                          </p:val>
-                                        </p:tav>
-                                        <p:tav tm="100000">
-                                          <p:val>
-                                            <p:strVal val="#ppt_y"/>
-                                          </p:val>
-                                        </p:tav>
-                                      </p:tavLst>
-                                    </p:anim>
-                                  </p:childTnLst>
-                                </p:cTn>
-                              </p:par>
-                            </p:childTnLst>
-                          </p:cTn>
-                        </p:par>
-                      </p:childTnLst>
-                    </p:cTn>
-                  </p:par>
-                  <p:par>
-                    <p:cTn id="15" fill="hold">
-                      <p:stCondLst>
-                        <p:cond delay="indefinite"/>
-                      </p:stCondLst>
-                      <p:childTnLst>
-                        <p:par>
-                          <p:cTn id="16" fill="hold">
-                            <p:stCondLst>
-                              <p:cond delay="0"/>
-                            </p:stCondLst>
-                            <p:childTnLst>
-                              <p:par>
-                                <p:cTn id="17" presetID="42" presetClass="entr" presetSubtype="0" fill="hold" grpId="0" nodeType="clickEffect">
-                                  <p:stCondLst>
-                                    <p:cond delay="0"/>
-                                  </p:stCondLst>
-                                  <p:childTnLst>
-                                    <p:set>
-                                      <p:cBhvr>
-                                        <p:cTn id="18" dur="1" fill="hold">
-                                          <p:stCondLst>
-                                            <p:cond delay="0"/>
-                                          </p:stCondLst>
-                                        </p:cTn>
-                                        <p:tgtEl>
-                                          <p:spTgt spid="3">
-                                            <p:txEl>
-                                              <p:pRg st="1" end="1"/>
-                                            </p:txEl>
-                                          </p:spTgt>
-                                        </p:tgtEl>
-                                        <p:attrNameLst>
-                                          <p:attrName>style.visibility</p:attrName>
-                                        </p:attrNameLst>
-                                      </p:cBhvr>
-                                      <p:to>
-                                        <p:strVal val="visible"/>
-                                      </p:to>
-                                    </p:set>
-                                    <p:animEffect transition="in" filter="fade">
-                                      <p:cBhvr>
-                                        <p:cTn id="19" dur="1000"/>
-                                        <p:tgtEl>
-                                          <p:spTgt spid="3">
-                                            <p:txEl>
-                                              <p:pRg st="1" end="1"/>
-                                            </p:txEl>
-                                          </p:spTgt>
-                                        </p:tgtEl>
-                                      </p:cBhvr>
-                                    </p:animEffect>
-                                    <p:anim calcmode="lin" valueType="num">
-                                      <p:cBhvr>
-                                        <p:cTn id="20" dur="1000" fill="hold"/>
-                                        <p:tgtEl>
-                                          <p:spTgt spid="3">
-                                            <p:txEl>
-                                              <p:pRg st="1" end="1"/>
-                                            </p:txEl>
-                                          </p:spTgt>
-                                        </p:tgtEl>
-                                        <p:attrNameLst>
-                                          <p:attrName>ppt_x</p:attrName>
-                                        </p:attrNameLst>
-                                      </p:cBhvr>
-                                      <p:tavLst>
-                                        <p:tav tm="0">
-                                          <p:val>
-                                            <p:strVal val="#ppt_x"/>
-                                          </p:val>
-                                        </p:tav>
-                                        <p:tav tm="100000">
-                                          <p:val>
-                                            <p:strVal val="#ppt_x"/>
-                                          </p:val>
-                                        </p:tav>
-                                      </p:tavLst>
-                                    </p:anim>
-                                    <p:anim calcmode="lin" valueType="num">
-                                      <p:cBhvr>
-                                        <p:cTn id="21" dur="1000" fill="hold"/>
-                                        <p:tgtEl>
-                                          <p:spTgt spid="3">
-                                            <p:txEl>
-                                              <p:pRg st="1" end="1"/>
-                                            </p:txEl>
-                                          </p:spTgt>
-                                        </p:tgtEl>
-                                        <p:attrNameLst>
-                                          <p:attrName>ppt_y</p:attrName>
-                                        </p:attrNameLst>
-                                      </p:cBhvr>
-                                      <p:tavLst>
-                                        <p:tav tm="0">
-                                          <p:val>
-                                            <p:strVal val="#ppt_y+.1"/>
-                                          </p:val>
-                                        </p:tav>
-                                        <p:tav tm="100000">
-                                          <p:val>
-                                            <p:strVal val="#ppt_y"/>
-                                          </p:val>
-                                        </p:tav>
-                                      </p:tavLst>
-                                    </p:anim>
-                                  </p:childTnLst>
-                                </p:cTn>
-                              </p:par>
-                            </p:childTnLst>
-                          </p:cTn>
-                        </p:par>
-                      </p:childTnLst>
-                    </p:cTn>
-                  </p:par>
-                  <p:par>
-                    <p:cTn id="22" fill="hold">
-                      <p:stCondLst>
-                        <p:cond delay="indefinite"/>
-                      </p:stCondLst>
-                      <p:childTnLst>
-                        <p:par>
-                          <p:cTn id="23" fill="hold">
-                            <p:stCondLst>
-                              <p:cond delay="0"/>
-                            </p:stCondLst>
-                            <p:childTnLst>
-                              <p:par>
-                                <p:cTn id="24" presetID="42" presetClass="entr" presetSubtype="0" fill="hold" grpId="0" nodeType="clickEffect">
-                                  <p:stCondLst>
-                                    <p:cond delay="0"/>
-                                  </p:stCondLst>
-                                  <p:childTnLst>
-                                    <p:set>
-                                      <p:cBhvr>
-                                        <p:cTn id="25" dur="1" fill="hold">
-                                          <p:stCondLst>
-                                            <p:cond delay="0"/>
-                                          </p:stCondLst>
-                                        </p:cTn>
-                                        <p:tgtEl>
-                                          <p:spTgt spid="3">
-                                            <p:txEl>
-                                              <p:pRg st="2" end="2"/>
-                                            </p:txEl>
-                                          </p:spTgt>
-                                        </p:tgtEl>
-                                        <p:attrNameLst>
-                                          <p:attrName>style.visibility</p:attrName>
-                                        </p:attrNameLst>
-                                      </p:cBhvr>
-                                      <p:to>
-                                        <p:strVal val="visible"/>
-                                      </p:to>
-                                    </p:set>
-                                    <p:animEffect transition="in" filter="fade">
-                                      <p:cBhvr>
-                                        <p:cTn id="26" dur="1000"/>
-                                        <p:tgtEl>
-                                          <p:spTgt spid="3">
-                                            <p:txEl>
-                                              <p:pRg st="2" end="2"/>
-                                            </p:txEl>
-                                          </p:spTgt>
-                                        </p:tgtEl>
-                                      </p:cBhvr>
-                                    </p:animEffect>
-                                    <p:anim calcmode="lin" valueType="num">
-                                      <p:cBhvr>
-                                        <p:cTn id="27" dur="1000" fill="hold"/>
-                                        <p:tgtEl>
-                                          <p:spTgt spid="3">
-                                            <p:txEl>
-                                              <p:pRg st="2" end="2"/>
-                                            </p:txEl>
-                                          </p:spTgt>
-                                        </p:tgtEl>
-                                        <p:attrNameLst>
-                                          <p:attrName>ppt_x</p:attrName>
-                                        </p:attrNameLst>
-                                      </p:cBhvr>
-                                      <p:tavLst>
-                                        <p:tav tm="0">
-                                          <p:val>
-                                            <p:strVal val="#ppt_x"/>
-                                          </p:val>
-                                        </p:tav>
-                                        <p:tav tm="100000">
-                                          <p:val>
-                                            <p:strVal val="#ppt_x"/>
-                                          </p:val>
-                                        </p:tav>
-                                      </p:tavLst>
-                                    </p:anim>
-                                    <p:anim calcmode="lin" valueType="num">
-                                      <p:cBhvr>
-                                        <p:cTn id="28" dur="1000" fill="hold"/>
-                                        <p:tgtEl>
-                                          <p:spTgt spid="3">
-                                            <p:txEl>
-                                              <p:pRg st="2" end="2"/>
-                                            </p:txEl>
-                                          </p:spTgt>
-                                        </p:tgtEl>
-                                        <p:attrNameLst>
-                                          <p:attrName>ppt_y</p:attrName>
-                                        </p:attrNameLst>
-                                      </p:cBhvr>
-                                      <p:tavLst>
-                                        <p:tav tm="0">
-                                          <p:val>
-                                            <p:strVal val="#ppt_y+.1"/>
-                                          </p:val>
-                                        </p:tav>
-                                        <p:tav tm="100000">
-                                          <p:val>
-                                            <p:strVal val="#ppt_y"/>
-                                          </p:val>
-                                        </p:tav>
-                                      </p:tavLst>
-                                    </p:anim>
-                                  </p:childTnLst>
-                                </p:cTn>
-                              </p:par>
-                            </p:childTnLst>
-                          </p:cTn>
-                        </p:par>
-                      </p:childTnLst>
-                    </p:cTn>
-                  </p:par>
-                  <p:par>
-                    <p:cTn id="29" fill="hold">
-                      <p:stCondLst>
-                        <p:cond delay="indefinite"/>
-                      </p:stCondLst>
-                      <p:childTnLst>
-                        <p:par>
-                          <p:cTn id="30" fill="hold">
-                            <p:stCondLst>
-                              <p:cond delay="0"/>
-                            </p:stCondLst>
-                            <p:childTnLst>
-                              <p:par>
-                                <p:cTn id="31" presetID="42" presetClass="entr" presetSubtype="0" fill="hold" grpId="0" nodeType="clickEffect">
-                                  <p:stCondLst>
-                                    <p:cond delay="0"/>
-                                  </p:stCondLst>
-                                  <p:childTnLst>
-                                    <p:set>
-                                      <p:cBhvr>
-                                        <p:cTn id="32" dur="1" fill="hold">
-                                          <p:stCondLst>
-                                            <p:cond delay="0"/>
-                                          </p:stCondLst>
-                                        </p:cTn>
-                                        <p:tgtEl>
-                                          <p:spTgt spid="3">
-                                            <p:txEl>
-                                              <p:pRg st="3" end="3"/>
-                                            </p:txEl>
-                                          </p:spTgt>
-                                        </p:tgtEl>
-                                        <p:attrNameLst>
-                                          <p:attrName>style.visibility</p:attrName>
-                                        </p:attrNameLst>
-                                      </p:cBhvr>
-                                      <p:to>
-                                        <p:strVal val="visible"/>
-                                      </p:to>
-                                    </p:set>
-                                    <p:animEffect transition="in" filter="fade">
-                                      <p:cBhvr>
-                                        <p:cTn id="33" dur="1000"/>
-                                        <p:tgtEl>
-                                          <p:spTgt spid="3">
-                                            <p:txEl>
-                                              <p:pRg st="3" end="3"/>
-                                            </p:txEl>
-                                          </p:spTgt>
-                                        </p:tgtEl>
-                                      </p:cBhvr>
-                                    </p:animEffect>
-                                    <p:anim calcmode="lin" valueType="num">
-                                      <p:cBhvr>
-                                        <p:cTn id="34" dur="1000" fill="hold"/>
-                                        <p:tgtEl>
-                                          <p:spTgt spid="3">
-                                            <p:txEl>
-                                              <p:pRg st="3" end="3"/>
-                                            </p:txEl>
-                                          </p:spTgt>
-                                        </p:tgtEl>
-                                        <p:attrNameLst>
-                                          <p:attrName>ppt_x</p:attrName>
-                                        </p:attrNameLst>
-                                      </p:cBhvr>
-                                      <p:tavLst>
-                                        <p:tav tm="0">
-                                          <p:val>
-                                            <p:strVal val="#ppt_x"/>
-                                          </p:val>
-                                        </p:tav>
-                                        <p:tav tm="100000">
-                                          <p:val>
-                                            <p:strVal val="#ppt_x"/>
-                                          </p:val>
-                                        </p:tav>
-                                      </p:tavLst>
-                                    </p:anim>
-                                    <p:anim calcmode="lin" valueType="num">
-                                      <p:cBhvr>
-                                        <p:cTn id="35" dur="1000" fill="hold"/>
-                                        <p:tgtEl>
-                                          <p:spTgt spid="3">
-                                            <p:txEl>
-                                              <p:pRg st="3" end="3"/>
-                                            </p:txEl>
-                                          </p:spTgt>
-                                        </p:tgtEl>
-                                        <p:attrNameLst>
-                                          <p:attrName>ppt_y</p:attrName>
-                                        </p:attrNameLst>
-                                      </p:cBhvr>
-                                      <p:tavLst>
-                                        <p:tav tm="0">
-                                          <p:val>
-                                            <p:strVal val="#ppt_y+.1"/>
-                                          </p:val>
-                                        </p:tav>
-                                        <p:tav tm="100000">
-                                          <p:val>
-                                            <p:strVal val="#ppt_y"/>
-                                          </p:val>
-                                        </p:tav>
-                                      </p:tavLst>
-                                    </p:anim>
-                                  </p:childTnLst>
-                                </p:cTn>
-                              </p:par>
-                              <p:par>
-                                <p:cTn id="36" presetID="42" presetClass="entr" presetSubtype="0" fill="hold" grpId="0" nodeType="withEffect">
-                                  <p:stCondLst>
-                                    <p:cond delay="0"/>
-                                  </p:stCondLst>
-                                  <p:childTnLst>
-                                    <p:set>
-                                      <p:cBhvr>
-                                        <p:cTn id="37" dur="1" fill="hold">
-                                          <p:stCondLst>
-                                            <p:cond delay="0"/>
-                                          </p:stCondLst>
-                                        </p:cTn>
-                                        <p:tgtEl>
-                                          <p:spTgt spid="3">
-                                            <p:txEl>
-                                              <p:pRg st="4" end="4"/>
-                                            </p:txEl>
-                                          </p:spTgt>
-                                        </p:tgtEl>
-                                        <p:attrNameLst>
-                                          <p:attrName>style.visibility</p:attrName>
-                                        </p:attrNameLst>
-                                      </p:cBhvr>
-                                      <p:to>
-                                        <p:strVal val="visible"/>
-                                      </p:to>
-                                    </p:set>
-                                    <p:animEffect transition="in" filter="fade">
-                                      <p:cBhvr>
-                                        <p:cTn id="38" dur="1000"/>
-                                        <p:tgtEl>
-                                          <p:spTgt spid="3">
-                                            <p:txEl>
-                                              <p:pRg st="4" end="4"/>
-                                            </p:txEl>
-                                          </p:spTgt>
-                                        </p:tgtEl>
-                                      </p:cBhvr>
-                                    </p:animEffect>
-                                    <p:anim calcmode="lin" valueType="num">
-                                      <p:cBhvr>
-                                        <p:cTn id="39" dur="1000" fill="hold"/>
-                                        <p:tgtEl>
-                                          <p:spTgt spid="3">
-                                            <p:txEl>
-                                              <p:pRg st="4" end="4"/>
-                                            </p:txEl>
-                                          </p:spTgt>
-                                        </p:tgtEl>
-                                        <p:attrNameLst>
-                                          <p:attrName>ppt_x</p:attrName>
-                                        </p:attrNameLst>
-                                      </p:cBhvr>
-                                      <p:tavLst>
-                                        <p:tav tm="0">
-                                          <p:val>
-                                            <p:strVal val="#ppt_x"/>
-                                          </p:val>
-                                        </p:tav>
-                                        <p:tav tm="100000">
-                                          <p:val>
-                                            <p:strVal val="#ppt_x"/>
-                                          </p:val>
-                                        </p:tav>
-                                      </p:tavLst>
-                                    </p:anim>
-                                    <p:anim calcmode="lin" valueType="num">
-                                      <p:cBhvr>
-                                        <p:cTn id="40" dur="1000" fill="hold"/>
-                                        <p:tgtEl>
-                                          <p:spTgt spid="3">
-                                            <p:txEl>
-                                              <p:pRg st="4" end="4"/>
-                                            </p:txEl>
-                                          </p:spTgt>
-                                        </p:tgtEl>
-                                        <p:attrNameLst>
-                                          <p:attrName>ppt_y</p:attrName>
-                                        </p:attrNameLst>
-                                      </p:cBhvr>
-                                      <p:tavLst>
-                                        <p:tav tm="0">
-                                          <p:val>
-                                            <p:strVal val="#ppt_y+.1"/>
-                                          </p:val>
-                                        </p:tav>
-                                        <p:tav tm="100000">
-                                          <p:val>
-                                            <p:strVal val="#ppt_y"/>
-                                          </p:val>
-                                        </p:tav>
-                                      </p:tavLst>
-                                    </p:anim>
-                                  </p:childTnLst>
-                                </p:cTn>
-                              </p:par>
-                            </p:childTnLst>
-                          </p:cTn>
-                        </p:par>
-                      </p:childTnLst>
-                    </p:cTn>
-                  </p:par>
-                </p:childTnLst>
-              </p:cTn>
-              <p:prevCondLst>
-                <p:cond evt="onPrev" delay="0">
-                  <p:tgtEl>
-                    <p:sldTgt/>
-                  </p:tgtEl>
-                </p:cond>
-              </p:prevCondLst>
-              <p:nextCondLst>
-                <p:cond evt="onNext" delay="0">
-                  <p:tgtEl>
-                    <p:sldTgt/>
-                  </p:tgtEl>
-                </p:cond>
-              </p:nextCondLst>
-            </p:seq>
-          </p:childTnLst>
-        </p:cTn>
-      </p:par>
-    </p:tnLst>
-    <p:bldLst>
-      <p:bldP spid="3" grpId="0" build="p"/>
-      <p:bldP spid="4" grpId="0"/>
-    </p:bldLst>
-  </p:timing>
-</p:sld>
-</file>
-
-<file path=ppt/slides/slide11.xml><?xml version="1.0" encoding="utf-8"?>
-<p:sld xmlns:a="http://schemas.openxmlformats.org/drawingml/2006/main" xmlns:r="http://schemas.openxmlformats.org/officeDocument/2006/relationships" xmlns:p="http://schemas.openxmlformats.org/presentationml/2006/main">
-  <p:cSld>
-    <p:spTree>
-      <p:nvGrpSpPr>
-        <p:cNvPr id="1" name=""/>
-        <p:cNvGrpSpPr/>
-        <p:nvPr/>
-      </p:nvGrpSpPr>
-      <p:grpSpPr>
-        <a:xfrm>
-          <a:off x="0" y="0"/>
-          <a:ext cx="0" cy="0"/>
-          <a:chOff x="0" y="0"/>
-          <a:chExt cx="0" cy="0"/>
-        </a:xfrm>
-      </p:grpSpPr>
-      <p:sp>
-        <p:nvSpPr>
-          <p:cNvPr id="3" name="Content Placeholder 2"/>
-          <p:cNvSpPr>
-            <a:spLocks noGrp="1"/>
-          </p:cNvSpPr>
-          <p:nvPr>
-            <p:ph sz="quarter" idx="13"/>
-          </p:nvPr>
-        </p:nvSpPr>
-        <p:spPr/>
-        <p:txBody>
-          <a:bodyPr/>
-          <a:lstStyle/>
-          <a:p>
-            <a:pPr>
-              <a:buFont typeface="Wingdings" panose="05000000000000000000" pitchFamily="2" charset="2"/>
-              <a:buChar char="Ø"/>
-            </a:pPr>
-            <a:r>
-              <a:rPr lang="vi-VN" cap="none" dirty="0">
+              <a:rPr lang="vi-VN" b="1" cap="none" dirty="0" smtClean="0">
                 <a:latin typeface="+mj-lt"/>
               </a:rPr>
-              <a:t>Search conversation: User </a:t>
+              <a:t>.Log in: </a:t>
             </a:r>
             <a:r>
               <a:rPr lang="vi-VN" cap="none" dirty="0" smtClean="0">
                 <a:latin typeface="+mj-lt"/>
               </a:rPr>
-              <a:t>enter</a:t>
-            </a:r>
-            <a:r>
-              <a:rPr lang="en-US" cap="none" dirty="0" smtClean="0">
-                <a:latin typeface="+mj-lt"/>
-              </a:rPr>
-              <a:t> </a:t>
-            </a:r>
-            <a:r>
-              <a:rPr lang="en-US" cap="none" dirty="0" smtClean="0">
-                <a:latin typeface="Times New Roman" panose="02020603050405020304" pitchFamily="18" charset="0"/>
-                <a:cs typeface="Times New Roman" panose="02020603050405020304" pitchFamily="18" charset="0"/>
-              </a:rPr>
-              <a:t>a</a:t>
-            </a:r>
-            <a:r>
-              <a:rPr lang="vi-VN" cap="none" dirty="0" smtClean="0">
-                <a:latin typeface="+mj-lt"/>
-              </a:rPr>
-              <a:t> </a:t>
-            </a:r>
-            <a:r>
-              <a:rPr lang="vi-VN" cap="none" dirty="0">
-                <a:latin typeface="+mj-lt"/>
-              </a:rPr>
-              <a:t>keyword relate conversation then choose option ‘ Search conversation’, website will return list related </a:t>
-            </a:r>
-            <a:r>
-              <a:rPr lang="vi-VN" cap="none" dirty="0" smtClean="0">
-                <a:latin typeface="+mj-lt"/>
-              </a:rPr>
-              <a:t>conversations</a:t>
-            </a:r>
-            <a:endParaRPr lang="vi-VN" cap="none" dirty="0">
-              <a:latin typeface="+mj-lt"/>
-            </a:endParaRPr>
-          </a:p>
-          <a:p>
-            <a:pPr>
-              <a:buFont typeface="Wingdings" panose="05000000000000000000" pitchFamily="2" charset="2"/>
-              <a:buChar char="Ø"/>
-            </a:pPr>
-            <a:r>
-              <a:rPr lang="vi-VN" cap="none" dirty="0">
-                <a:latin typeface="+mj-lt"/>
-              </a:rPr>
-              <a:t>Search </a:t>
-            </a:r>
-            <a:r>
-              <a:rPr lang="vi-VN" cap="none" dirty="0" smtClean="0">
-                <a:latin typeface="+mj-lt"/>
-              </a:rPr>
-              <a:t>specialized Japanese: User enter </a:t>
-            </a:r>
-            <a:r>
-              <a:rPr lang="en-US" cap="none" dirty="0" smtClean="0">
-                <a:latin typeface="Times New Roman" panose="02020603050405020304" pitchFamily="18" charset="0"/>
-                <a:cs typeface="Times New Roman" panose="02020603050405020304" pitchFamily="18" charset="0"/>
-              </a:rPr>
-              <a:t>a</a:t>
-            </a:r>
-            <a:r>
-              <a:rPr lang="vi-VN" cap="none" dirty="0" smtClean="0">
-                <a:latin typeface="Times New Roman" panose="02020603050405020304" pitchFamily="18" charset="0"/>
-                <a:cs typeface="Times New Roman" panose="02020603050405020304" pitchFamily="18" charset="0"/>
-              </a:rPr>
-              <a:t> </a:t>
-            </a:r>
-            <a:r>
-              <a:rPr lang="vi-VN" cap="none" dirty="0" smtClean="0">
-                <a:latin typeface="+mj-lt"/>
-              </a:rPr>
-              <a:t>word then choose option ‘ Search specialized Japanese’, website </a:t>
-            </a:r>
-            <a:r>
-              <a:rPr lang="vi-VN" cap="none" dirty="0">
-                <a:latin typeface="+mj-lt"/>
-              </a:rPr>
-              <a:t>website will return full meaning of word and list related example sentences</a:t>
-            </a:r>
-            <a:r>
-              <a:rPr lang="vi-VN" cap="none" dirty="0" smtClean="0">
-                <a:latin typeface="+mj-lt"/>
-              </a:rPr>
-              <a:t>.</a:t>
-            </a:r>
-          </a:p>
-          <a:p>
-            <a:pPr>
-              <a:buFont typeface="Wingdings" panose="05000000000000000000" pitchFamily="2" charset="2"/>
-              <a:buChar char="Ø"/>
-            </a:pPr>
-            <a:r>
-              <a:rPr lang="vi-VN" cap="none" dirty="0" smtClean="0">
-                <a:latin typeface="+mj-lt"/>
-              </a:rPr>
-              <a:t>Search video: User enter </a:t>
-            </a:r>
-            <a:r>
-              <a:rPr lang="en-US" cap="none" dirty="0">
-                <a:latin typeface="Times New Roman" panose="02020603050405020304" pitchFamily="18" charset="0"/>
-                <a:cs typeface="Times New Roman" panose="02020603050405020304" pitchFamily="18" charset="0"/>
-              </a:rPr>
-              <a:t>a</a:t>
-            </a:r>
-            <a:r>
-              <a:rPr lang="vi-VN" cap="none" dirty="0" smtClean="0">
-                <a:latin typeface="Times New Roman" panose="02020603050405020304" pitchFamily="18" charset="0"/>
-                <a:cs typeface="Times New Roman" panose="02020603050405020304" pitchFamily="18" charset="0"/>
-              </a:rPr>
-              <a:t> </a:t>
-            </a:r>
-            <a:r>
-              <a:rPr lang="vi-VN" cap="none" dirty="0">
-                <a:latin typeface="+mj-lt"/>
-              </a:rPr>
-              <a:t>keyword relate </a:t>
-            </a:r>
-            <a:r>
-              <a:rPr lang="vi-VN" cap="none" dirty="0" smtClean="0">
-                <a:latin typeface="+mj-lt"/>
-              </a:rPr>
-              <a:t>video </a:t>
-            </a:r>
-            <a:r>
-              <a:rPr lang="vi-VN" cap="none" dirty="0">
-                <a:latin typeface="+mj-lt"/>
-              </a:rPr>
-              <a:t>then choose option ‘ Search </a:t>
-            </a:r>
-            <a:r>
-              <a:rPr lang="vi-VN" cap="none" dirty="0" smtClean="0">
-                <a:latin typeface="+mj-lt"/>
-              </a:rPr>
-              <a:t>video’, </a:t>
-            </a:r>
-            <a:r>
-              <a:rPr lang="vi-VN" cap="none" dirty="0">
-                <a:latin typeface="+mj-lt"/>
-              </a:rPr>
-              <a:t>website will return list related </a:t>
-            </a:r>
-            <a:r>
-              <a:rPr lang="vi-VN" cap="none" dirty="0" smtClean="0">
-                <a:latin typeface="+mj-lt"/>
-              </a:rPr>
-              <a:t>videos</a:t>
-            </a:r>
-            <a:r>
-              <a:rPr lang="vi-VN" cap="none" dirty="0" smtClean="0">
-                <a:latin typeface="+mj-lt"/>
-              </a:rPr>
-              <a:t>.</a:t>
-            </a:r>
-            <a:endParaRPr lang="en-US" cap="none" dirty="0">
-              <a:latin typeface="+mj-lt"/>
-            </a:endParaRPr>
-          </a:p>
-        </p:txBody>
-      </p:sp>
-      <p:sp>
-        <p:nvSpPr>
-          <p:cNvPr id="4" name="Title 1"/>
-          <p:cNvSpPr>
-            <a:spLocks noGrp="1"/>
-          </p:cNvSpPr>
-          <p:nvPr>
-            <p:ph type="title"/>
-          </p:nvPr>
-        </p:nvSpPr>
-        <p:spPr>
-          <a:xfrm>
-            <a:off x="913775" y="618517"/>
-            <a:ext cx="10364451" cy="1596177"/>
-          </a:xfrm>
-        </p:spPr>
-        <p:txBody>
-          <a:bodyPr/>
-          <a:lstStyle/>
-          <a:p>
-            <a:pPr lvl="0"/>
-            <a:r>
-              <a:rPr lang="vi-VN" sz="5400" cap="none" dirty="0" smtClean="0">
-                <a:ln w="0"/>
-                <a:gradFill>
-                  <a:gsLst>
-                    <a:gs pos="0">
-                      <a:schemeClr val="accent5">
-                        <a:lumMod val="50000"/>
-                      </a:schemeClr>
-                    </a:gs>
-                    <a:gs pos="50000">
-                      <a:schemeClr val="accent5"/>
-                    </a:gs>
-                    <a:gs pos="100000">
-                      <a:schemeClr val="accent5">
-                        <a:lumMod val="60000"/>
-                        <a:lumOff val="40000"/>
-                      </a:schemeClr>
-                    </a:gs>
-                  </a:gsLst>
-                  <a:lin ang="5400000"/>
-                </a:gradFill>
-                <a:effectLst>
-                  <a:reflection blurRad="6350" stA="53000" endA="300" endPos="35500" dir="5400000" sy="-90000" algn="bl" rotWithShape="0"/>
-                </a:effectLst>
-                <a:latin typeface="Times New Roman" pitchFamily="18" charset="0"/>
-                <a:cs typeface="Times New Roman" pitchFamily="18" charset="0"/>
-              </a:rPr>
-              <a:t>Functional Requirements</a:t>
-            </a:r>
-            <a:r>
-              <a:rPr lang="vi-VN" dirty="0"/>
-              <a:t/>
-            </a:r>
-            <a:br>
-              <a:rPr lang="vi-VN" dirty="0"/>
-            </a:br>
-            <a:endParaRPr lang="vi-VN" dirty="0"/>
-          </a:p>
-        </p:txBody>
-      </p:sp>
-    </p:spTree>
-    <p:extLst>
-      <p:ext uri="{BB962C8B-B14F-4D97-AF65-F5344CB8AC3E}">
-        <p14:creationId xmlns:p14="http://schemas.microsoft.com/office/powerpoint/2010/main" val="2071829766"/>
-      </p:ext>
-    </p:extLst>
-  </p:cSld>
-  <p:clrMapOvr>
-    <a:masterClrMapping/>
-  </p:clrMapOvr>
-  <p:timing>
-    <p:tnLst>
-      <p:par>
-        <p:cTn id="1" dur="indefinite" restart="never" nodeType="tmRoot">
-          <p:childTnLst>
-            <p:seq concurrent="1" nextAc="seek">
-              <p:cTn id="2" dur="indefinite" nodeType="mainSeq">
-                <p:childTnLst>
-                  <p:par>
-                    <p:cTn id="3" fill="hold">
-                      <p:stCondLst>
-                        <p:cond delay="indefinite"/>
-                      </p:stCondLst>
-                      <p:childTnLst>
-                        <p:par>
-                          <p:cTn id="4" fill="hold">
-                            <p:stCondLst>
-                              <p:cond delay="0"/>
-                            </p:stCondLst>
-                            <p:childTnLst>
-                              <p:par>
-                                <p:cTn id="5" presetID="16" presetClass="entr" presetSubtype="21" fill="hold" grpId="0" nodeType="clickEffect">
-                                  <p:stCondLst>
-                                    <p:cond delay="0"/>
-                                  </p:stCondLst>
-                                  <p:childTnLst>
-                                    <p:set>
-                                      <p:cBhvr>
-                                        <p:cTn id="6" dur="1" fill="hold">
-                                          <p:stCondLst>
-                                            <p:cond delay="0"/>
-                                          </p:stCondLst>
-                                        </p:cTn>
-                                        <p:tgtEl>
-                                          <p:spTgt spid="4"/>
-                                        </p:tgtEl>
-                                        <p:attrNameLst>
-                                          <p:attrName>style.visibility</p:attrName>
-                                        </p:attrNameLst>
-                                      </p:cBhvr>
-                                      <p:to>
-                                        <p:strVal val="visible"/>
-                                      </p:to>
-                                    </p:set>
-                                    <p:animEffect transition="in" filter="barn(inVertical)">
-                                      <p:cBhvr>
-                                        <p:cTn id="7" dur="500"/>
-                                        <p:tgtEl>
-                                          <p:spTgt spid="4"/>
-                                        </p:tgtEl>
-                                      </p:cBhvr>
-                                    </p:animEffect>
-                                  </p:childTnLst>
-                                </p:cTn>
-                              </p:par>
-                            </p:childTnLst>
-                          </p:cTn>
-                        </p:par>
-                      </p:childTnLst>
-                    </p:cTn>
-                  </p:par>
-                  <p:par>
-                    <p:cTn id="8" fill="hold">
-                      <p:stCondLst>
-                        <p:cond delay="indefinite"/>
-                      </p:stCondLst>
-                      <p:childTnLst>
-                        <p:par>
-                          <p:cTn id="9" fill="hold">
-                            <p:stCondLst>
-                              <p:cond delay="0"/>
-                            </p:stCondLst>
-                            <p:childTnLst>
-                              <p:par>
-                                <p:cTn id="10" presetID="42" presetClass="entr" presetSubtype="0" fill="hold" nodeType="clickEffect">
-                                  <p:stCondLst>
-                                    <p:cond delay="0"/>
-                                  </p:stCondLst>
-                                  <p:childTnLst>
-                                    <p:set>
-                                      <p:cBhvr>
-                                        <p:cTn id="11" dur="1" fill="hold">
-                                          <p:stCondLst>
-                                            <p:cond delay="0"/>
-                                          </p:stCondLst>
-                                        </p:cTn>
-                                        <p:tgtEl>
-                                          <p:spTgt spid="3">
-                                            <p:txEl>
-                                              <p:pRg st="0" end="0"/>
-                                            </p:txEl>
-                                          </p:spTgt>
-                                        </p:tgtEl>
-                                        <p:attrNameLst>
-                                          <p:attrName>style.visibility</p:attrName>
-                                        </p:attrNameLst>
-                                      </p:cBhvr>
-                                      <p:to>
-                                        <p:strVal val="visible"/>
-                                      </p:to>
-                                    </p:set>
-                                    <p:animEffect transition="in" filter="fade">
-                                      <p:cBhvr>
-                                        <p:cTn id="12" dur="1000"/>
-                                        <p:tgtEl>
-                                          <p:spTgt spid="3">
-                                            <p:txEl>
-                                              <p:pRg st="0" end="0"/>
-                                            </p:txEl>
-                                          </p:spTgt>
-                                        </p:tgtEl>
-                                      </p:cBhvr>
-                                    </p:animEffect>
-                                    <p:anim calcmode="lin" valueType="num">
-                                      <p:cBhvr>
-                                        <p:cTn id="13" dur="1000" fill="hold"/>
-                                        <p:tgtEl>
-                                          <p:spTgt spid="3">
-                                            <p:txEl>
-                                              <p:pRg st="0" end="0"/>
-                                            </p:txEl>
-                                          </p:spTgt>
-                                        </p:tgtEl>
-                                        <p:attrNameLst>
-                                          <p:attrName>ppt_x</p:attrName>
-                                        </p:attrNameLst>
-                                      </p:cBhvr>
-                                      <p:tavLst>
-                                        <p:tav tm="0">
-                                          <p:val>
-                                            <p:strVal val="#ppt_x"/>
-                                          </p:val>
-                                        </p:tav>
-                                        <p:tav tm="100000">
-                                          <p:val>
-                                            <p:strVal val="#ppt_x"/>
-                                          </p:val>
-                                        </p:tav>
-                                      </p:tavLst>
-                                    </p:anim>
-                                    <p:anim calcmode="lin" valueType="num">
-                                      <p:cBhvr>
-                                        <p:cTn id="14" dur="1000" fill="hold"/>
-                                        <p:tgtEl>
-                                          <p:spTgt spid="3">
-                                            <p:txEl>
-                                              <p:pRg st="0" end="0"/>
-                                            </p:txEl>
-                                          </p:spTgt>
-                                        </p:tgtEl>
-                                        <p:attrNameLst>
-                                          <p:attrName>ppt_y</p:attrName>
-                                        </p:attrNameLst>
-                                      </p:cBhvr>
-                                      <p:tavLst>
-                                        <p:tav tm="0">
-                                          <p:val>
-                                            <p:strVal val="#ppt_y+.1"/>
-                                          </p:val>
-                                        </p:tav>
-                                        <p:tav tm="100000">
-                                          <p:val>
-                                            <p:strVal val="#ppt_y"/>
-                                          </p:val>
-                                        </p:tav>
-                                      </p:tavLst>
-                                    </p:anim>
-                                  </p:childTnLst>
-                                </p:cTn>
-                              </p:par>
-                              <p:par>
-                                <p:cTn id="15" presetID="42" presetClass="entr" presetSubtype="0" fill="hold" nodeType="withEffect">
-                                  <p:stCondLst>
-                                    <p:cond delay="0"/>
-                                  </p:stCondLst>
-                                  <p:childTnLst>
-                                    <p:set>
-                                      <p:cBhvr>
-                                        <p:cTn id="16" dur="1" fill="hold">
-                                          <p:stCondLst>
-                                            <p:cond delay="0"/>
-                                          </p:stCondLst>
-                                        </p:cTn>
-                                        <p:tgtEl>
-                                          <p:spTgt spid="3">
-                                            <p:txEl>
-                                              <p:pRg st="1" end="1"/>
-                                            </p:txEl>
-                                          </p:spTgt>
-                                        </p:tgtEl>
-                                        <p:attrNameLst>
-                                          <p:attrName>style.visibility</p:attrName>
-                                        </p:attrNameLst>
-                                      </p:cBhvr>
-                                      <p:to>
-                                        <p:strVal val="visible"/>
-                                      </p:to>
-                                    </p:set>
-                                    <p:animEffect transition="in" filter="fade">
-                                      <p:cBhvr>
-                                        <p:cTn id="17" dur="1000"/>
-                                        <p:tgtEl>
-                                          <p:spTgt spid="3">
-                                            <p:txEl>
-                                              <p:pRg st="1" end="1"/>
-                                            </p:txEl>
-                                          </p:spTgt>
-                                        </p:tgtEl>
-                                      </p:cBhvr>
-                                    </p:animEffect>
-                                    <p:anim calcmode="lin" valueType="num">
-                                      <p:cBhvr>
-                                        <p:cTn id="18" dur="1000" fill="hold"/>
-                                        <p:tgtEl>
-                                          <p:spTgt spid="3">
-                                            <p:txEl>
-                                              <p:pRg st="1" end="1"/>
-                                            </p:txEl>
-                                          </p:spTgt>
-                                        </p:tgtEl>
-                                        <p:attrNameLst>
-                                          <p:attrName>ppt_x</p:attrName>
-                                        </p:attrNameLst>
-                                      </p:cBhvr>
-                                      <p:tavLst>
-                                        <p:tav tm="0">
-                                          <p:val>
-                                            <p:strVal val="#ppt_x"/>
-                                          </p:val>
-                                        </p:tav>
-                                        <p:tav tm="100000">
-                                          <p:val>
-                                            <p:strVal val="#ppt_x"/>
-                                          </p:val>
-                                        </p:tav>
-                                      </p:tavLst>
-                                    </p:anim>
-                                    <p:anim calcmode="lin" valueType="num">
-                                      <p:cBhvr>
-                                        <p:cTn id="19" dur="1000" fill="hold"/>
-                                        <p:tgtEl>
-                                          <p:spTgt spid="3">
-                                            <p:txEl>
-                                              <p:pRg st="1" end="1"/>
-                                            </p:txEl>
-                                          </p:spTgt>
-                                        </p:tgtEl>
-                                        <p:attrNameLst>
-                                          <p:attrName>ppt_y</p:attrName>
-                                        </p:attrNameLst>
-                                      </p:cBhvr>
-                                      <p:tavLst>
-                                        <p:tav tm="0">
-                                          <p:val>
-                                            <p:strVal val="#ppt_y+.1"/>
-                                          </p:val>
-                                        </p:tav>
-                                        <p:tav tm="100000">
-                                          <p:val>
-                                            <p:strVal val="#ppt_y"/>
-                                          </p:val>
-                                        </p:tav>
-                                      </p:tavLst>
-                                    </p:anim>
-                                  </p:childTnLst>
-                                </p:cTn>
-                              </p:par>
-                              <p:par>
-                                <p:cTn id="20" presetID="42" presetClass="entr" presetSubtype="0" fill="hold" nodeType="withEffect">
-                                  <p:stCondLst>
-                                    <p:cond delay="0"/>
-                                  </p:stCondLst>
-                                  <p:childTnLst>
-                                    <p:set>
-                                      <p:cBhvr>
-                                        <p:cTn id="21" dur="1" fill="hold">
-                                          <p:stCondLst>
-                                            <p:cond delay="0"/>
-                                          </p:stCondLst>
-                                        </p:cTn>
-                                        <p:tgtEl>
-                                          <p:spTgt spid="3">
-                                            <p:txEl>
-                                              <p:pRg st="2" end="2"/>
-                                            </p:txEl>
-                                          </p:spTgt>
-                                        </p:tgtEl>
-                                        <p:attrNameLst>
-                                          <p:attrName>style.visibility</p:attrName>
-                                        </p:attrNameLst>
-                                      </p:cBhvr>
-                                      <p:to>
-                                        <p:strVal val="visible"/>
-                                      </p:to>
-                                    </p:set>
-                                    <p:animEffect transition="in" filter="fade">
-                                      <p:cBhvr>
-                                        <p:cTn id="22" dur="1000"/>
-                                        <p:tgtEl>
-                                          <p:spTgt spid="3">
-                                            <p:txEl>
-                                              <p:pRg st="2" end="2"/>
-                                            </p:txEl>
-                                          </p:spTgt>
-                                        </p:tgtEl>
-                                      </p:cBhvr>
-                                    </p:animEffect>
-                                    <p:anim calcmode="lin" valueType="num">
-                                      <p:cBhvr>
-                                        <p:cTn id="23" dur="1000" fill="hold"/>
-                                        <p:tgtEl>
-                                          <p:spTgt spid="3">
-                                            <p:txEl>
-                                              <p:pRg st="2" end="2"/>
-                                            </p:txEl>
-                                          </p:spTgt>
-                                        </p:tgtEl>
-                                        <p:attrNameLst>
-                                          <p:attrName>ppt_x</p:attrName>
-                                        </p:attrNameLst>
-                                      </p:cBhvr>
-                                      <p:tavLst>
-                                        <p:tav tm="0">
-                                          <p:val>
-                                            <p:strVal val="#ppt_x"/>
-                                          </p:val>
-                                        </p:tav>
-                                        <p:tav tm="100000">
-                                          <p:val>
-                                            <p:strVal val="#ppt_x"/>
-                                          </p:val>
-                                        </p:tav>
-                                      </p:tavLst>
-                                    </p:anim>
-                                    <p:anim calcmode="lin" valueType="num">
-                                      <p:cBhvr>
-                                        <p:cTn id="24" dur="1000" fill="hold"/>
-                                        <p:tgtEl>
-                                          <p:spTgt spid="3">
-                                            <p:txEl>
-                                              <p:pRg st="2" end="2"/>
-                                            </p:txEl>
-                                          </p:spTgt>
-                                        </p:tgtEl>
-                                        <p:attrNameLst>
-                                          <p:attrName>ppt_y</p:attrName>
-                                        </p:attrNameLst>
-                                      </p:cBhvr>
-                                      <p:tavLst>
-                                        <p:tav tm="0">
-                                          <p:val>
-                                            <p:strVal val="#ppt_y+.1"/>
-                                          </p:val>
-                                        </p:tav>
-                                        <p:tav tm="100000">
-                                          <p:val>
-                                            <p:strVal val="#ppt_y"/>
-                                          </p:val>
-                                        </p:tav>
-                                      </p:tavLst>
-                                    </p:anim>
-                                  </p:childTnLst>
-                                </p:cTn>
-                              </p:par>
-                            </p:childTnLst>
-                          </p:cTn>
-                        </p:par>
-                      </p:childTnLst>
-                    </p:cTn>
-                  </p:par>
-                </p:childTnLst>
-              </p:cTn>
-              <p:prevCondLst>
-                <p:cond evt="onPrev" delay="0">
-                  <p:tgtEl>
-                    <p:sldTgt/>
-                  </p:tgtEl>
-                </p:cond>
-              </p:prevCondLst>
-              <p:nextCondLst>
-                <p:cond evt="onNext" delay="0">
-                  <p:tgtEl>
-                    <p:sldTgt/>
-                  </p:tgtEl>
-                </p:cond>
-              </p:nextCondLst>
-            </p:seq>
-          </p:childTnLst>
-        </p:cTn>
-      </p:par>
-    </p:tnLst>
-    <p:bldLst>
-      <p:bldP spid="4" grpId="0"/>
-    </p:bldLst>
-  </p:timing>
-</p:sld>
-</file>
-
-<file path=ppt/slides/slide12.xml><?xml version="1.0" encoding="utf-8"?>
-<p:sld xmlns:a="http://schemas.openxmlformats.org/drawingml/2006/main" xmlns:r="http://schemas.openxmlformats.org/officeDocument/2006/relationships" xmlns:p="http://schemas.openxmlformats.org/presentationml/2006/main">
-  <p:cSld>
-    <p:spTree>
-      <p:nvGrpSpPr>
-        <p:cNvPr id="1" name=""/>
-        <p:cNvGrpSpPr/>
-        <p:nvPr/>
-      </p:nvGrpSpPr>
-      <p:grpSpPr>
-        <a:xfrm>
-          <a:off x="0" y="0"/>
-          <a:ext cx="0" cy="0"/>
-          <a:chOff x="0" y="0"/>
-          <a:chExt cx="0" cy="0"/>
-        </a:xfrm>
-      </p:grpSpPr>
-      <p:sp>
-        <p:nvSpPr>
-          <p:cNvPr id="3" name="Content Placeholder 2"/>
-          <p:cNvSpPr>
-            <a:spLocks noGrp="1"/>
-          </p:cNvSpPr>
-          <p:nvPr>
-            <p:ph sz="quarter" idx="13"/>
-          </p:nvPr>
-        </p:nvSpPr>
-        <p:spPr/>
-        <p:txBody>
-          <a:bodyPr>
-            <a:normAutofit lnSpcReduction="10000"/>
-          </a:bodyPr>
-          <a:lstStyle/>
-          <a:p>
-            <a:r>
-              <a:rPr lang="vi-VN" cap="none" dirty="0">
-                <a:latin typeface="+mj-lt"/>
-              </a:rPr>
-              <a:t>User can learn with many </a:t>
-            </a:r>
-            <a:r>
-              <a:rPr lang="vi-VN" cap="none" dirty="0" smtClean="0">
-                <a:latin typeface="+mj-lt"/>
-              </a:rPr>
-              <a:t>sections:</a:t>
-            </a:r>
-          </a:p>
-          <a:p>
-            <a:pPr>
-              <a:buFont typeface="Wingdings" panose="05000000000000000000" pitchFamily="2" charset="2"/>
-              <a:buChar char="Ø"/>
-            </a:pPr>
-            <a:r>
-              <a:rPr lang="vi-VN" cap="none" dirty="0" smtClean="0">
-                <a:latin typeface="+mj-lt"/>
-              </a:rPr>
-              <a:t>Training listening: User can choose section depend on level (N2, N3, N4)</a:t>
-            </a:r>
-          </a:p>
-          <a:p>
-            <a:pPr>
-              <a:buFont typeface="Wingdings" panose="05000000000000000000" pitchFamily="2" charset="2"/>
-              <a:buChar char="Ø"/>
-            </a:pPr>
-            <a:r>
-              <a:rPr lang="vi-VN" cap="none" dirty="0" smtClean="0">
-                <a:latin typeface="+mj-lt"/>
-              </a:rPr>
-              <a:t>Training reading: </a:t>
-            </a:r>
-            <a:r>
-              <a:rPr lang="vi-VN" cap="none" dirty="0">
-                <a:latin typeface="+mj-lt"/>
-              </a:rPr>
-              <a:t>User can choose section </a:t>
-            </a:r>
-            <a:r>
-              <a:rPr lang="vi-VN" cap="none" dirty="0" smtClean="0">
-                <a:latin typeface="+mj-lt"/>
-              </a:rPr>
-              <a:t>from easy to hard</a:t>
-            </a:r>
-          </a:p>
-          <a:p>
-            <a:pPr>
-              <a:buFont typeface="Wingdings" panose="05000000000000000000" pitchFamily="2" charset="2"/>
-              <a:buChar char="Ø"/>
-            </a:pPr>
-            <a:r>
-              <a:rPr lang="vi-VN" cap="none" dirty="0" smtClean="0">
-                <a:latin typeface="+mj-lt"/>
-              </a:rPr>
-              <a:t>Reading document: website provide lots of documnet such as foundamentel japanese, intermediate japanese, review</a:t>
-            </a:r>
-          </a:p>
-          <a:p>
-            <a:pPr>
-              <a:buFont typeface="Wingdings" panose="05000000000000000000" pitchFamily="2" charset="2"/>
-              <a:buChar char="Ø"/>
-            </a:pPr>
-            <a:r>
-              <a:rPr lang="vi-VN" cap="none" dirty="0" smtClean="0">
-                <a:latin typeface="+mj-lt"/>
-              </a:rPr>
-              <a:t>Listening conversation: </a:t>
-            </a:r>
-            <a:r>
-              <a:rPr lang="vi-VN" cap="none" dirty="0">
-                <a:latin typeface="+mj-lt"/>
-              </a:rPr>
-              <a:t>User can choose section </a:t>
-            </a:r>
-            <a:r>
-              <a:rPr lang="vi-VN" cap="none" dirty="0" smtClean="0">
-                <a:latin typeface="+mj-lt"/>
-              </a:rPr>
-              <a:t>‘daily conversation’, ‘common conversation’</a:t>
-            </a:r>
-          </a:p>
-          <a:p>
-            <a:r>
-              <a:rPr lang="vi-VN" cap="none" dirty="0">
-                <a:latin typeface="+mj-lt"/>
-              </a:rPr>
-              <a:t>User can contribute database or opinion: when user has good document and good idea, user can send to admin</a:t>
+              <a:t>Member can log in to website by registered account or Facbook account, Google account</a:t>
             </a:r>
           </a:p>
           <a:p>
             <a:pPr marL="0" indent="0">
               <a:buNone/>
             </a:pPr>
-            <a:endParaRPr lang="vi-VN" cap="none" dirty="0">
-              <a:latin typeface="+mj-lt"/>
-            </a:endParaRPr>
-          </a:p>
-        </p:txBody>
-      </p:sp>
-      <p:sp>
-        <p:nvSpPr>
-          <p:cNvPr id="4" name="Title 1"/>
-          <p:cNvSpPr>
-            <a:spLocks noGrp="1"/>
-          </p:cNvSpPr>
-          <p:nvPr>
-            <p:ph type="title"/>
-          </p:nvPr>
-        </p:nvSpPr>
-        <p:spPr>
-          <a:xfrm>
-            <a:off x="913775" y="618517"/>
-            <a:ext cx="10364451" cy="1596177"/>
-          </a:xfrm>
-        </p:spPr>
-        <p:txBody>
-          <a:bodyPr/>
-          <a:lstStyle/>
-          <a:p>
-            <a:pPr lvl="0"/>
             <a:r>
-              <a:rPr lang="vi-VN" sz="5400" cap="none" dirty="0" smtClean="0">
-                <a:ln w="0"/>
-                <a:gradFill>
-                  <a:gsLst>
-                    <a:gs pos="0">
-                      <a:schemeClr val="accent5">
-                        <a:lumMod val="50000"/>
-                      </a:schemeClr>
-                    </a:gs>
-                    <a:gs pos="50000">
-                      <a:schemeClr val="accent5"/>
-                    </a:gs>
-                    <a:gs pos="100000">
-                      <a:schemeClr val="accent5">
-                        <a:lumMod val="60000"/>
-                        <a:lumOff val="40000"/>
-                      </a:schemeClr>
-                    </a:gs>
-                  </a:gsLst>
-                  <a:lin ang="5400000"/>
-                </a:gradFill>
-                <a:effectLst>
-                  <a:reflection blurRad="6350" stA="53000" endA="300" endPos="35500" dir="5400000" sy="-90000" algn="bl" rotWithShape="0"/>
-                </a:effectLst>
-                <a:latin typeface="Times New Roman" pitchFamily="18" charset="0"/>
-                <a:cs typeface="Times New Roman" pitchFamily="18" charset="0"/>
+              <a:rPr lang="vi-VN" b="1" cap="none" dirty="0">
+                <a:latin typeface="+mj-lt"/>
               </a:rPr>
-              <a:t>Functional Requirements</a:t>
+              <a:t>7</a:t>
             </a:r>
             <a:r>
-              <a:rPr lang="vi-VN" dirty="0"/>
-              <a:t/>
+              <a:rPr lang="vi-VN" b="1" cap="none" dirty="0" smtClean="0">
+                <a:latin typeface="+mj-lt"/>
+              </a:rPr>
+              <a:t>. Doing test: </a:t>
             </a:r>
-            <a:br>
-              <a:rPr lang="vi-VN" dirty="0"/>
-            </a:br>
-            <a:endParaRPr lang="vi-VN" dirty="0"/>
-          </a:p>
-        </p:txBody>
-      </p:sp>
-    </p:spTree>
-    <p:extLst>
-      <p:ext uri="{BB962C8B-B14F-4D97-AF65-F5344CB8AC3E}">
-        <p14:creationId xmlns:p14="http://schemas.microsoft.com/office/powerpoint/2010/main" val="650563165"/>
-      </p:ext>
-    </p:extLst>
-  </p:cSld>
-  <p:clrMapOvr>
-    <a:masterClrMapping/>
-  </p:clrMapOvr>
-  <p:timing>
-    <p:tnLst>
-      <p:par>
-        <p:cTn id="1" dur="indefinite" restart="never" nodeType="tmRoot">
-          <p:childTnLst>
-            <p:seq concurrent="1" nextAc="seek">
-              <p:cTn id="2" dur="indefinite" nodeType="mainSeq">
-                <p:childTnLst>
-                  <p:par>
-                    <p:cTn id="3" fill="hold">
-                      <p:stCondLst>
-                        <p:cond delay="indefinite"/>
-                      </p:stCondLst>
-                      <p:childTnLst>
-                        <p:par>
-                          <p:cTn id="4" fill="hold">
-                            <p:stCondLst>
-                              <p:cond delay="0"/>
-                            </p:stCondLst>
-                            <p:childTnLst>
-                              <p:par>
-                                <p:cTn id="5" presetID="16" presetClass="entr" presetSubtype="21" fill="hold" grpId="0" nodeType="clickEffect">
-                                  <p:stCondLst>
-                                    <p:cond delay="0"/>
-                                  </p:stCondLst>
-                                  <p:childTnLst>
-                                    <p:set>
-                                      <p:cBhvr>
-                                        <p:cTn id="6" dur="1" fill="hold">
-                                          <p:stCondLst>
-                                            <p:cond delay="0"/>
-                                          </p:stCondLst>
-                                        </p:cTn>
-                                        <p:tgtEl>
-                                          <p:spTgt spid="4"/>
-                                        </p:tgtEl>
-                                        <p:attrNameLst>
-                                          <p:attrName>style.visibility</p:attrName>
-                                        </p:attrNameLst>
-                                      </p:cBhvr>
-                                      <p:to>
-                                        <p:strVal val="visible"/>
-                                      </p:to>
-                                    </p:set>
-                                    <p:animEffect transition="in" filter="barn(inVertical)">
-                                      <p:cBhvr>
-                                        <p:cTn id="7" dur="500"/>
-                                        <p:tgtEl>
-                                          <p:spTgt spid="4"/>
-                                        </p:tgtEl>
-                                      </p:cBhvr>
-                                    </p:animEffect>
-                                  </p:childTnLst>
-                                </p:cTn>
-                              </p:par>
-                            </p:childTnLst>
-                          </p:cTn>
-                        </p:par>
-                      </p:childTnLst>
-                    </p:cTn>
-                  </p:par>
-                  <p:par>
-                    <p:cTn id="8" fill="hold">
-                      <p:stCondLst>
-                        <p:cond delay="indefinite"/>
-                      </p:stCondLst>
-                      <p:childTnLst>
-                        <p:par>
-                          <p:cTn id="9" fill="hold">
-                            <p:stCondLst>
-                              <p:cond delay="0"/>
-                            </p:stCondLst>
-                            <p:childTnLst>
-                              <p:par>
-                                <p:cTn id="10" presetID="16" presetClass="entr" presetSubtype="21" fill="hold" nodeType="clickEffect">
-                                  <p:stCondLst>
-                                    <p:cond delay="0"/>
-                                  </p:stCondLst>
-                                  <p:childTnLst>
-                                    <p:set>
-                                      <p:cBhvr>
-                                        <p:cTn id="11" dur="1" fill="hold">
-                                          <p:stCondLst>
-                                            <p:cond delay="0"/>
-                                          </p:stCondLst>
-                                        </p:cTn>
-                                        <p:tgtEl>
-                                          <p:spTgt spid="3">
-                                            <p:txEl>
-                                              <p:pRg st="0" end="0"/>
-                                            </p:txEl>
-                                          </p:spTgt>
-                                        </p:tgtEl>
-                                        <p:attrNameLst>
-                                          <p:attrName>style.visibility</p:attrName>
-                                        </p:attrNameLst>
-                                      </p:cBhvr>
-                                      <p:to>
-                                        <p:strVal val="visible"/>
-                                      </p:to>
-                                    </p:set>
-                                    <p:animEffect transition="in" filter="barn(inVertical)">
-                                      <p:cBhvr>
-                                        <p:cTn id="12" dur="500"/>
-                                        <p:tgtEl>
-                                          <p:spTgt spid="3">
-                                            <p:txEl>
-                                              <p:pRg st="0" end="0"/>
-                                            </p:txEl>
-                                          </p:spTgt>
-                                        </p:tgtEl>
-                                      </p:cBhvr>
-                                    </p:animEffect>
-                                  </p:childTnLst>
-                                </p:cTn>
-                              </p:par>
-                            </p:childTnLst>
-                          </p:cTn>
-                        </p:par>
-                      </p:childTnLst>
-                    </p:cTn>
-                  </p:par>
-                  <p:par>
-                    <p:cTn id="13" fill="hold">
-                      <p:stCondLst>
-                        <p:cond delay="indefinite"/>
-                      </p:stCondLst>
-                      <p:childTnLst>
-                        <p:par>
-                          <p:cTn id="14" fill="hold">
-                            <p:stCondLst>
-                              <p:cond delay="0"/>
-                            </p:stCondLst>
-                            <p:childTnLst>
-                              <p:par>
-                                <p:cTn id="15" presetID="42" presetClass="entr" presetSubtype="0" fill="hold" nodeType="clickEffect">
-                                  <p:stCondLst>
-                                    <p:cond delay="0"/>
-                                  </p:stCondLst>
-                                  <p:childTnLst>
-                                    <p:set>
-                                      <p:cBhvr>
-                                        <p:cTn id="16" dur="1" fill="hold">
-                                          <p:stCondLst>
-                                            <p:cond delay="0"/>
-                                          </p:stCondLst>
-                                        </p:cTn>
-                                        <p:tgtEl>
-                                          <p:spTgt spid="3">
-                                            <p:txEl>
-                                              <p:pRg st="1" end="1"/>
-                                            </p:txEl>
-                                          </p:spTgt>
-                                        </p:tgtEl>
-                                        <p:attrNameLst>
-                                          <p:attrName>style.visibility</p:attrName>
-                                        </p:attrNameLst>
-                                      </p:cBhvr>
-                                      <p:to>
-                                        <p:strVal val="visible"/>
-                                      </p:to>
-                                    </p:set>
-                                    <p:animEffect transition="in" filter="fade">
-                                      <p:cBhvr>
-                                        <p:cTn id="17" dur="1000"/>
-                                        <p:tgtEl>
-                                          <p:spTgt spid="3">
-                                            <p:txEl>
-                                              <p:pRg st="1" end="1"/>
-                                            </p:txEl>
-                                          </p:spTgt>
-                                        </p:tgtEl>
-                                      </p:cBhvr>
-                                    </p:animEffect>
-                                    <p:anim calcmode="lin" valueType="num">
-                                      <p:cBhvr>
-                                        <p:cTn id="18" dur="1000" fill="hold"/>
-                                        <p:tgtEl>
-                                          <p:spTgt spid="3">
-                                            <p:txEl>
-                                              <p:pRg st="1" end="1"/>
-                                            </p:txEl>
-                                          </p:spTgt>
-                                        </p:tgtEl>
-                                        <p:attrNameLst>
-                                          <p:attrName>ppt_x</p:attrName>
-                                        </p:attrNameLst>
-                                      </p:cBhvr>
-                                      <p:tavLst>
-                                        <p:tav tm="0">
-                                          <p:val>
-                                            <p:strVal val="#ppt_x"/>
-                                          </p:val>
-                                        </p:tav>
-                                        <p:tav tm="100000">
-                                          <p:val>
-                                            <p:strVal val="#ppt_x"/>
-                                          </p:val>
-                                        </p:tav>
-                                      </p:tavLst>
-                                    </p:anim>
-                                    <p:anim calcmode="lin" valueType="num">
-                                      <p:cBhvr>
-                                        <p:cTn id="19" dur="1000" fill="hold"/>
-                                        <p:tgtEl>
-                                          <p:spTgt spid="3">
-                                            <p:txEl>
-                                              <p:pRg st="1" end="1"/>
-                                            </p:txEl>
-                                          </p:spTgt>
-                                        </p:tgtEl>
-                                        <p:attrNameLst>
-                                          <p:attrName>ppt_y</p:attrName>
-                                        </p:attrNameLst>
-                                      </p:cBhvr>
-                                      <p:tavLst>
-                                        <p:tav tm="0">
-                                          <p:val>
-                                            <p:strVal val="#ppt_y+.1"/>
-                                          </p:val>
-                                        </p:tav>
-                                        <p:tav tm="100000">
-                                          <p:val>
-                                            <p:strVal val="#ppt_y"/>
-                                          </p:val>
-                                        </p:tav>
-                                      </p:tavLst>
-                                    </p:anim>
-                                  </p:childTnLst>
-                                </p:cTn>
-                              </p:par>
-                              <p:par>
-                                <p:cTn id="20" presetID="42" presetClass="entr" presetSubtype="0" fill="hold" nodeType="withEffect">
-                                  <p:stCondLst>
-                                    <p:cond delay="0"/>
-                                  </p:stCondLst>
-                                  <p:childTnLst>
-                                    <p:set>
-                                      <p:cBhvr>
-                                        <p:cTn id="21" dur="1" fill="hold">
-                                          <p:stCondLst>
-                                            <p:cond delay="0"/>
-                                          </p:stCondLst>
-                                        </p:cTn>
-                                        <p:tgtEl>
-                                          <p:spTgt spid="3">
-                                            <p:txEl>
-                                              <p:pRg st="2" end="2"/>
-                                            </p:txEl>
-                                          </p:spTgt>
-                                        </p:tgtEl>
-                                        <p:attrNameLst>
-                                          <p:attrName>style.visibility</p:attrName>
-                                        </p:attrNameLst>
-                                      </p:cBhvr>
-                                      <p:to>
-                                        <p:strVal val="visible"/>
-                                      </p:to>
-                                    </p:set>
-                                    <p:animEffect transition="in" filter="fade">
-                                      <p:cBhvr>
-                                        <p:cTn id="22" dur="1000"/>
-                                        <p:tgtEl>
-                                          <p:spTgt spid="3">
-                                            <p:txEl>
-                                              <p:pRg st="2" end="2"/>
-                                            </p:txEl>
-                                          </p:spTgt>
-                                        </p:tgtEl>
-                                      </p:cBhvr>
-                                    </p:animEffect>
-                                    <p:anim calcmode="lin" valueType="num">
-                                      <p:cBhvr>
-                                        <p:cTn id="23" dur="1000" fill="hold"/>
-                                        <p:tgtEl>
-                                          <p:spTgt spid="3">
-                                            <p:txEl>
-                                              <p:pRg st="2" end="2"/>
-                                            </p:txEl>
-                                          </p:spTgt>
-                                        </p:tgtEl>
-                                        <p:attrNameLst>
-                                          <p:attrName>ppt_x</p:attrName>
-                                        </p:attrNameLst>
-                                      </p:cBhvr>
-                                      <p:tavLst>
-                                        <p:tav tm="0">
-                                          <p:val>
-                                            <p:strVal val="#ppt_x"/>
-                                          </p:val>
-                                        </p:tav>
-                                        <p:tav tm="100000">
-                                          <p:val>
-                                            <p:strVal val="#ppt_x"/>
-                                          </p:val>
-                                        </p:tav>
-                                      </p:tavLst>
-                                    </p:anim>
-                                    <p:anim calcmode="lin" valueType="num">
-                                      <p:cBhvr>
-                                        <p:cTn id="24" dur="1000" fill="hold"/>
-                                        <p:tgtEl>
-                                          <p:spTgt spid="3">
-                                            <p:txEl>
-                                              <p:pRg st="2" end="2"/>
-                                            </p:txEl>
-                                          </p:spTgt>
-                                        </p:tgtEl>
-                                        <p:attrNameLst>
-                                          <p:attrName>ppt_y</p:attrName>
-                                        </p:attrNameLst>
-                                      </p:cBhvr>
-                                      <p:tavLst>
-                                        <p:tav tm="0">
-                                          <p:val>
-                                            <p:strVal val="#ppt_y+.1"/>
-                                          </p:val>
-                                        </p:tav>
-                                        <p:tav tm="100000">
-                                          <p:val>
-                                            <p:strVal val="#ppt_y"/>
-                                          </p:val>
-                                        </p:tav>
-                                      </p:tavLst>
-                                    </p:anim>
-                                  </p:childTnLst>
-                                </p:cTn>
-                              </p:par>
-                              <p:par>
-                                <p:cTn id="25" presetID="42" presetClass="entr" presetSubtype="0" fill="hold" nodeType="withEffect">
-                                  <p:stCondLst>
-                                    <p:cond delay="0"/>
-                                  </p:stCondLst>
-                                  <p:childTnLst>
-                                    <p:set>
-                                      <p:cBhvr>
-                                        <p:cTn id="26" dur="1" fill="hold">
-                                          <p:stCondLst>
-                                            <p:cond delay="0"/>
-                                          </p:stCondLst>
-                                        </p:cTn>
-                                        <p:tgtEl>
-                                          <p:spTgt spid="3">
-                                            <p:txEl>
-                                              <p:pRg st="3" end="3"/>
-                                            </p:txEl>
-                                          </p:spTgt>
-                                        </p:tgtEl>
-                                        <p:attrNameLst>
-                                          <p:attrName>style.visibility</p:attrName>
-                                        </p:attrNameLst>
-                                      </p:cBhvr>
-                                      <p:to>
-                                        <p:strVal val="visible"/>
-                                      </p:to>
-                                    </p:set>
-                                    <p:animEffect transition="in" filter="fade">
-                                      <p:cBhvr>
-                                        <p:cTn id="27" dur="1000"/>
-                                        <p:tgtEl>
-                                          <p:spTgt spid="3">
-                                            <p:txEl>
-                                              <p:pRg st="3" end="3"/>
-                                            </p:txEl>
-                                          </p:spTgt>
-                                        </p:tgtEl>
-                                      </p:cBhvr>
-                                    </p:animEffect>
-                                    <p:anim calcmode="lin" valueType="num">
-                                      <p:cBhvr>
-                                        <p:cTn id="28" dur="1000" fill="hold"/>
-                                        <p:tgtEl>
-                                          <p:spTgt spid="3">
-                                            <p:txEl>
-                                              <p:pRg st="3" end="3"/>
-                                            </p:txEl>
-                                          </p:spTgt>
-                                        </p:tgtEl>
-                                        <p:attrNameLst>
-                                          <p:attrName>ppt_x</p:attrName>
-                                        </p:attrNameLst>
-                                      </p:cBhvr>
-                                      <p:tavLst>
-                                        <p:tav tm="0">
-                                          <p:val>
-                                            <p:strVal val="#ppt_x"/>
-                                          </p:val>
-                                        </p:tav>
-                                        <p:tav tm="100000">
-                                          <p:val>
-                                            <p:strVal val="#ppt_x"/>
-                                          </p:val>
-                                        </p:tav>
-                                      </p:tavLst>
-                                    </p:anim>
-                                    <p:anim calcmode="lin" valueType="num">
-                                      <p:cBhvr>
-                                        <p:cTn id="29" dur="1000" fill="hold"/>
-                                        <p:tgtEl>
-                                          <p:spTgt spid="3">
-                                            <p:txEl>
-                                              <p:pRg st="3" end="3"/>
-                                            </p:txEl>
-                                          </p:spTgt>
-                                        </p:tgtEl>
-                                        <p:attrNameLst>
-                                          <p:attrName>ppt_y</p:attrName>
-                                        </p:attrNameLst>
-                                      </p:cBhvr>
-                                      <p:tavLst>
-                                        <p:tav tm="0">
-                                          <p:val>
-                                            <p:strVal val="#ppt_y+.1"/>
-                                          </p:val>
-                                        </p:tav>
-                                        <p:tav tm="100000">
-                                          <p:val>
-                                            <p:strVal val="#ppt_y"/>
-                                          </p:val>
-                                        </p:tav>
-                                      </p:tavLst>
-                                    </p:anim>
-                                  </p:childTnLst>
-                                </p:cTn>
-                              </p:par>
-                              <p:par>
-                                <p:cTn id="30" presetID="42" presetClass="entr" presetSubtype="0" fill="hold" nodeType="withEffect">
-                                  <p:stCondLst>
-                                    <p:cond delay="0"/>
-                                  </p:stCondLst>
-                                  <p:childTnLst>
-                                    <p:set>
-                                      <p:cBhvr>
-                                        <p:cTn id="31" dur="1" fill="hold">
-                                          <p:stCondLst>
-                                            <p:cond delay="0"/>
-                                          </p:stCondLst>
-                                        </p:cTn>
-                                        <p:tgtEl>
-                                          <p:spTgt spid="3">
-                                            <p:txEl>
-                                              <p:pRg st="4" end="4"/>
-                                            </p:txEl>
-                                          </p:spTgt>
-                                        </p:tgtEl>
-                                        <p:attrNameLst>
-                                          <p:attrName>style.visibility</p:attrName>
-                                        </p:attrNameLst>
-                                      </p:cBhvr>
-                                      <p:to>
-                                        <p:strVal val="visible"/>
-                                      </p:to>
-                                    </p:set>
-                                    <p:animEffect transition="in" filter="fade">
-                                      <p:cBhvr>
-                                        <p:cTn id="32" dur="1000"/>
-                                        <p:tgtEl>
-                                          <p:spTgt spid="3">
-                                            <p:txEl>
-                                              <p:pRg st="4" end="4"/>
-                                            </p:txEl>
-                                          </p:spTgt>
-                                        </p:tgtEl>
-                                      </p:cBhvr>
-                                    </p:animEffect>
-                                    <p:anim calcmode="lin" valueType="num">
-                                      <p:cBhvr>
-                                        <p:cTn id="33" dur="1000" fill="hold"/>
-                                        <p:tgtEl>
-                                          <p:spTgt spid="3">
-                                            <p:txEl>
-                                              <p:pRg st="4" end="4"/>
-                                            </p:txEl>
-                                          </p:spTgt>
-                                        </p:tgtEl>
-                                        <p:attrNameLst>
-                                          <p:attrName>ppt_x</p:attrName>
-                                        </p:attrNameLst>
-                                      </p:cBhvr>
-                                      <p:tavLst>
-                                        <p:tav tm="0">
-                                          <p:val>
-                                            <p:strVal val="#ppt_x"/>
-                                          </p:val>
-                                        </p:tav>
-                                        <p:tav tm="100000">
-                                          <p:val>
-                                            <p:strVal val="#ppt_x"/>
-                                          </p:val>
-                                        </p:tav>
-                                      </p:tavLst>
-                                    </p:anim>
-                                    <p:anim calcmode="lin" valueType="num">
-                                      <p:cBhvr>
-                                        <p:cTn id="34" dur="1000" fill="hold"/>
-                                        <p:tgtEl>
-                                          <p:spTgt spid="3">
-                                            <p:txEl>
-                                              <p:pRg st="4" end="4"/>
-                                            </p:txEl>
-                                          </p:spTgt>
-                                        </p:tgtEl>
-                                        <p:attrNameLst>
-                                          <p:attrName>ppt_y</p:attrName>
-                                        </p:attrNameLst>
-                                      </p:cBhvr>
-                                      <p:tavLst>
-                                        <p:tav tm="0">
-                                          <p:val>
-                                            <p:strVal val="#ppt_y+.1"/>
-                                          </p:val>
-                                        </p:tav>
-                                        <p:tav tm="100000">
-                                          <p:val>
-                                            <p:strVal val="#ppt_y"/>
-                                          </p:val>
-                                        </p:tav>
-                                      </p:tavLst>
-                                    </p:anim>
-                                  </p:childTnLst>
-                                </p:cTn>
-                              </p:par>
-                            </p:childTnLst>
-                          </p:cTn>
-                        </p:par>
-                      </p:childTnLst>
-                    </p:cTn>
-                  </p:par>
-                  <p:par>
-                    <p:cTn id="35" fill="hold">
-                      <p:stCondLst>
-                        <p:cond delay="indefinite"/>
-                      </p:stCondLst>
-                      <p:childTnLst>
-                        <p:par>
-                          <p:cTn id="36" fill="hold">
-                            <p:stCondLst>
-                              <p:cond delay="0"/>
-                            </p:stCondLst>
-                            <p:childTnLst>
-                              <p:par>
-                                <p:cTn id="37" presetID="16" presetClass="entr" presetSubtype="21" fill="hold" nodeType="clickEffect">
-                                  <p:stCondLst>
-                                    <p:cond delay="0"/>
-                                  </p:stCondLst>
-                                  <p:childTnLst>
-                                    <p:set>
-                                      <p:cBhvr>
-                                        <p:cTn id="38" dur="1" fill="hold">
-                                          <p:stCondLst>
-                                            <p:cond delay="0"/>
-                                          </p:stCondLst>
-                                        </p:cTn>
-                                        <p:tgtEl>
-                                          <p:spTgt spid="3">
-                                            <p:txEl>
-                                              <p:pRg st="5" end="5"/>
-                                            </p:txEl>
-                                          </p:spTgt>
-                                        </p:tgtEl>
-                                        <p:attrNameLst>
-                                          <p:attrName>style.visibility</p:attrName>
-                                        </p:attrNameLst>
-                                      </p:cBhvr>
-                                      <p:to>
-                                        <p:strVal val="visible"/>
-                                      </p:to>
-                                    </p:set>
-                                    <p:animEffect transition="in" filter="barn(inVertical)">
-                                      <p:cBhvr>
-                                        <p:cTn id="39" dur="500"/>
-                                        <p:tgtEl>
-                                          <p:spTgt spid="3">
-                                            <p:txEl>
-                                              <p:pRg st="5" end="5"/>
-                                            </p:txEl>
-                                          </p:spTgt>
-                                        </p:tgtEl>
-                                      </p:cBhvr>
-                                    </p:animEffect>
-                                  </p:childTnLst>
-                                </p:cTn>
-                              </p:par>
-                            </p:childTnLst>
-                          </p:cTn>
-                        </p:par>
-                      </p:childTnLst>
-                    </p:cTn>
-                  </p:par>
-                </p:childTnLst>
-              </p:cTn>
-              <p:prevCondLst>
-                <p:cond evt="onPrev" delay="0">
-                  <p:tgtEl>
-                    <p:sldTgt/>
-                  </p:tgtEl>
-                </p:cond>
-              </p:prevCondLst>
-              <p:nextCondLst>
-                <p:cond evt="onNext" delay="0">
-                  <p:tgtEl>
-                    <p:sldTgt/>
-                  </p:tgtEl>
-                </p:cond>
-              </p:nextCondLst>
-            </p:seq>
-          </p:childTnLst>
-        </p:cTn>
-      </p:par>
-    </p:tnLst>
-    <p:bldLst>
-      <p:bldP spid="4" grpId="0"/>
-    </p:bldLst>
-  </p:timing>
-</p:sld>
-</file>
-
-<file path=ppt/slides/slide13.xml><?xml version="1.0" encoding="utf-8"?>
-<p:sld xmlns:a="http://schemas.openxmlformats.org/drawingml/2006/main" xmlns:r="http://schemas.openxmlformats.org/officeDocument/2006/relationships" xmlns:p="http://schemas.openxmlformats.org/presentationml/2006/main">
-  <p:cSld>
-    <p:spTree>
-      <p:nvGrpSpPr>
-        <p:cNvPr id="1" name=""/>
-        <p:cNvGrpSpPr/>
-        <p:nvPr/>
-      </p:nvGrpSpPr>
-      <p:grpSpPr>
-        <a:xfrm>
-          <a:off x="0" y="0"/>
-          <a:ext cx="0" cy="0"/>
-          <a:chOff x="0" y="0"/>
-          <a:chExt cx="0" cy="0"/>
-        </a:xfrm>
-      </p:grpSpPr>
-      <p:sp>
-        <p:nvSpPr>
-          <p:cNvPr id="3" name="Content Placeholder 2"/>
-          <p:cNvSpPr>
-            <a:spLocks noGrp="1"/>
-          </p:cNvSpPr>
-          <p:nvPr>
-            <p:ph sz="quarter" idx="13"/>
-          </p:nvPr>
-        </p:nvSpPr>
-        <p:spPr/>
-        <p:txBody>
-          <a:bodyPr/>
-          <a:lstStyle/>
-          <a:p>
             <a:r>
               <a:rPr lang="vi-VN" cap="none" dirty="0" smtClean="0">
                 <a:latin typeface="+mj-lt"/>
               </a:rPr>
-              <a:t>If user is member, they can do test depend on level, in each level have full section to member test: reading, listening, garmmar, vocabulary. When member finishs test, they can save mark to tracking.</a:t>
+              <a:t>When member loged in, </a:t>
             </a:r>
-          </a:p>
-          <a:p>
+            <a:r>
+              <a:rPr lang="vi-VN" cap="none" dirty="0">
+                <a:latin typeface="+mj-lt"/>
+              </a:rPr>
+              <a:t>m</a:t>
+            </a:r>
             <a:r>
               <a:rPr lang="vi-VN" cap="none" dirty="0" smtClean="0">
                 <a:latin typeface="+mj-lt"/>
               </a:rPr>
-              <a:t>Member can manage their account: edit profile, track mark</a:t>
+              <a:t>ember can </a:t>
             </a:r>
-          </a:p>
-          <a:p>
             <a:r>
               <a:rPr lang="vi-VN" cap="none" dirty="0" smtClean="0">
                 <a:latin typeface="+mj-lt"/>
               </a:rPr>
-              <a:t>Member can log in by registered account or by facebook account / google account</a:t>
+              <a:t>do test depend on level, in each level have full section to member test: reading, listening, garmmar, vocabulary. When member finishs test, they can save mark to tracking.</a:t>
             </a:r>
           </a:p>
           <a:p>
+            <a:pPr marL="0" indent="0">
+              <a:buNone/>
+            </a:pPr>
+            <a:r>
+              <a:rPr lang="vi-VN" b="1" cap="none" dirty="0" smtClean="0">
+                <a:latin typeface="+mj-lt"/>
+              </a:rPr>
+              <a:t>8. Managing account</a:t>
+            </a:r>
+            <a:r>
+              <a:rPr lang="vi-VN" b="1" cap="none" dirty="0" smtClean="0">
+                <a:latin typeface="+mj-lt"/>
+              </a:rPr>
+              <a:t>: </a:t>
+            </a:r>
             <a:r>
               <a:rPr lang="vi-VN" cap="none" dirty="0" smtClean="0">
                 <a:latin typeface="+mj-lt"/>
               </a:rPr>
-              <a:t>If member forget password, they can get new password </a:t>
+              <a:t>Member can edit </a:t>
             </a:r>
-            <a:endParaRPr lang="vi-VN" cap="none" dirty="0">
+            <a:r>
+              <a:rPr lang="vi-VN" cap="none" dirty="0" smtClean="0">
+                <a:latin typeface="+mj-lt"/>
+              </a:rPr>
+              <a:t>profile, </a:t>
+            </a:r>
+            <a:r>
+              <a:rPr lang="vi-VN" cap="none" dirty="0" smtClean="0">
+                <a:latin typeface="+mj-lt"/>
+              </a:rPr>
+              <a:t>review mark</a:t>
+            </a:r>
+          </a:p>
+          <a:p>
+            <a:pPr marL="0" indent="0">
+              <a:buNone/>
+            </a:pPr>
+            <a:r>
+              <a:rPr lang="vi-VN" b="1" cap="none" dirty="0" smtClean="0">
+                <a:latin typeface="+mj-lt"/>
+              </a:rPr>
+              <a:t>9. Forgeting password: </a:t>
+            </a:r>
+            <a:r>
+              <a:rPr lang="vi-VN" cap="none" dirty="0" smtClean="0">
+                <a:latin typeface="+mj-lt"/>
+              </a:rPr>
+              <a:t>If member forget password, user can receive new passowd by email</a:t>
+            </a:r>
+          </a:p>
+          <a:p>
+            <a:pPr marL="0" indent="0">
+              <a:buNone/>
+            </a:pPr>
+            <a:r>
+              <a:rPr lang="vi-VN" b="1" cap="none" dirty="0" smtClean="0">
+                <a:latin typeface="+mj-lt"/>
+              </a:rPr>
+              <a:t>10. Log out</a:t>
+            </a:r>
+            <a:endParaRPr lang="vi-VN" b="1" cap="none" dirty="0" smtClean="0">
               <a:latin typeface="+mj-lt"/>
             </a:endParaRPr>
           </a:p>
@@ -22326,6 +21643,67 @@
                       </p:childTnLst>
                     </p:cTn>
                   </p:par>
+                  <p:par>
+                    <p:cTn id="28" fill="hold">
+                      <p:stCondLst>
+                        <p:cond delay="indefinite"/>
+                      </p:stCondLst>
+                      <p:childTnLst>
+                        <p:par>
+                          <p:cTn id="29" fill="hold">
+                            <p:stCondLst>
+                              <p:cond delay="0"/>
+                            </p:stCondLst>
+                            <p:childTnLst>
+                              <p:par>
+                                <p:cTn id="30" presetID="10" presetClass="entr" presetSubtype="0" fill="hold" nodeType="clickEffect">
+                                  <p:stCondLst>
+                                    <p:cond delay="0"/>
+                                  </p:stCondLst>
+                                  <p:childTnLst>
+                                    <p:set>
+                                      <p:cBhvr>
+                                        <p:cTn id="31" dur="1" fill="hold">
+                                          <p:stCondLst>
+                                            <p:cond delay="0"/>
+                                          </p:stCondLst>
+                                        </p:cTn>
+                                        <p:tgtEl>
+                                          <p:spTgt spid="3">
+                                            <p:txEl>
+                                              <p:pRg st="4" end="4"/>
+                                            </p:txEl>
+                                          </p:spTgt>
+                                        </p:tgtEl>
+                                        <p:attrNameLst>
+                                          <p:attrName>style.visibility</p:attrName>
+                                        </p:attrNameLst>
+                                      </p:cBhvr>
+                                      <p:to>
+                                        <p:strVal val="visible"/>
+                                      </p:to>
+                                    </p:set>
+                                    <p:animEffect transition="in" filter="fade">
+                                      <p:cBhvr>
+                                        <p:cTn id="32" dur="500"/>
+                                        <p:tgtEl>
+                                          <p:spTgt spid="3">
+                                            <p:txEl>
+                                              <p:pRg st="4" end="4"/>
+                                            </p:txEl>
+                                          </p:spTgt>
+                                        </p:tgtEl>
+                                      </p:cBhvr>
+                                    </p:animEffect>
+                                  </p:childTnLst>
+                                </p:cTn>
+                              </p:par>
+                            </p:childTnLst>
+                          </p:cTn>
+                        </p:par>
+                      </p:childTnLst>
+                    </p:cTn>
+                  </p:par>
                 </p:childTnLst>
               </p:cTn>
               <p:prevCondLst>
@@ -22354,7 +21732,350 @@
 </p:sld>
 </file>
 
-<file path=ppt/slides/slide14.xml><?xml version="1.0" encoding="utf-8"?>
+<file path=ppt/slides/slide11.xml><?xml version="1.0" encoding="utf-8"?>
+<p:sld xmlns:a="http://schemas.openxmlformats.org/drawingml/2006/main" xmlns:r="http://schemas.openxmlformats.org/officeDocument/2006/relationships" xmlns:p="http://schemas.openxmlformats.org/presentationml/2006/main">
+  <p:cSld>
+    <p:spTree>
+      <p:nvGrpSpPr>
+        <p:cNvPr id="1" name=""/>
+        <p:cNvGrpSpPr/>
+        <p:nvPr/>
+      </p:nvGrpSpPr>
+      <p:grpSpPr>
+        <a:xfrm>
+          <a:off x="0" y="0"/>
+          <a:ext cx="0" cy="0"/>
+          <a:chOff x="0" y="0"/>
+          <a:chExt cx="0" cy="0"/>
+        </a:xfrm>
+      </p:grpSpPr>
+      <p:sp>
+        <p:nvSpPr>
+          <p:cNvPr id="3" name="Content Placeholder 2"/>
+          <p:cNvSpPr>
+            <a:spLocks noGrp="1"/>
+          </p:cNvSpPr>
+          <p:nvPr>
+            <p:ph sz="quarter" idx="13"/>
+          </p:nvPr>
+        </p:nvSpPr>
+        <p:spPr/>
+        <p:txBody>
+          <a:bodyPr>
+            <a:normAutofit/>
+          </a:bodyPr>
+          <a:lstStyle/>
+          <a:p>
+            <a:r>
+              <a:rPr lang="vi-VN" sz="2800" b="1" u="sng" cap="none" dirty="0" smtClean="0">
+                <a:latin typeface="+mj-lt"/>
+              </a:rPr>
+              <a:t>Guest:</a:t>
+            </a:r>
+            <a:endParaRPr lang="vi-VN" sz="2800" b="1" u="sng" cap="none" dirty="0">
+              <a:latin typeface="+mj-lt"/>
+            </a:endParaRPr>
+          </a:p>
+          <a:p>
+            <a:pPr marL="0" indent="0">
+              <a:buNone/>
+            </a:pPr>
+            <a:r>
+              <a:rPr lang="vi-VN" cap="none" dirty="0" smtClean="0">
+                <a:latin typeface="+mj-lt"/>
+              </a:rPr>
+              <a:t>In general, guest can do almost function of member, exception doing test then tracking mark</a:t>
+            </a:r>
+            <a:endParaRPr lang="vi-VN" cap="none" dirty="0">
+              <a:latin typeface="+mj-lt"/>
+            </a:endParaRPr>
+          </a:p>
+        </p:txBody>
+      </p:sp>
+      <p:sp>
+        <p:nvSpPr>
+          <p:cNvPr id="4" name="Title 1"/>
+          <p:cNvSpPr>
+            <a:spLocks noGrp="1"/>
+          </p:cNvSpPr>
+          <p:nvPr>
+            <p:ph type="title"/>
+          </p:nvPr>
+        </p:nvSpPr>
+        <p:spPr>
+          <a:xfrm>
+            <a:off x="913775" y="618517"/>
+            <a:ext cx="10364451" cy="1596177"/>
+          </a:xfrm>
+        </p:spPr>
+        <p:txBody>
+          <a:bodyPr/>
+          <a:lstStyle/>
+          <a:p>
+            <a:pPr lvl="0"/>
+            <a:r>
+              <a:rPr lang="vi-VN" sz="5400" cap="none" dirty="0" smtClean="0">
+                <a:ln w="0"/>
+                <a:gradFill>
+                  <a:gsLst>
+                    <a:gs pos="0">
+                      <a:schemeClr val="accent5">
+                        <a:lumMod val="50000"/>
+                      </a:schemeClr>
+                    </a:gs>
+                    <a:gs pos="50000">
+                      <a:schemeClr val="accent5"/>
+                    </a:gs>
+                    <a:gs pos="100000">
+                      <a:schemeClr val="accent5">
+                        <a:lumMod val="60000"/>
+                        <a:lumOff val="40000"/>
+                      </a:schemeClr>
+                    </a:gs>
+                  </a:gsLst>
+                  <a:lin ang="5400000"/>
+                </a:gradFill>
+                <a:effectLst>
+                  <a:reflection blurRad="6350" stA="53000" endA="300" endPos="35500" dir="5400000" sy="-90000" algn="bl" rotWithShape="0"/>
+                </a:effectLst>
+                <a:latin typeface="Times New Roman" pitchFamily="18" charset="0"/>
+                <a:cs typeface="Times New Roman" pitchFamily="18" charset="0"/>
+              </a:rPr>
+              <a:t>Functional Requirements</a:t>
+            </a:r>
+            <a:r>
+              <a:rPr lang="vi-VN" dirty="0"/>
+              <a:t/>
+            </a:r>
+            <a:br>
+              <a:rPr lang="vi-VN" dirty="0"/>
+            </a:br>
+            <a:endParaRPr lang="vi-VN" dirty="0"/>
+          </a:p>
+        </p:txBody>
+      </p:sp>
+    </p:spTree>
+    <p:extLst>
+      <p:ext uri="{BB962C8B-B14F-4D97-AF65-F5344CB8AC3E}">
+        <p14:creationId xmlns:p14="http://schemas.microsoft.com/office/powerpoint/2010/main" val="650563165"/>
+      </p:ext>
+    </p:extLst>
+  </p:cSld>
+  <p:clrMapOvr>
+    <a:masterClrMapping/>
+  </p:clrMapOvr>
+  <p:timing>
+    <p:tnLst>
+      <p:par>
+        <p:cTn id="1" dur="indefinite" restart="never" nodeType="tmRoot">
+          <p:childTnLst>
+            <p:seq concurrent="1" nextAc="seek">
+              <p:cTn id="2" dur="indefinite" nodeType="mainSeq">
+                <p:childTnLst>
+                  <p:par>
+                    <p:cTn id="3" fill="hold">
+                      <p:stCondLst>
+                        <p:cond delay="indefinite"/>
+                      </p:stCondLst>
+                      <p:childTnLst>
+                        <p:par>
+                          <p:cTn id="4" fill="hold">
+                            <p:stCondLst>
+                              <p:cond delay="0"/>
+                            </p:stCondLst>
+                            <p:childTnLst>
+                              <p:par>
+                                <p:cTn id="5" presetID="16" presetClass="entr" presetSubtype="21" fill="hold" grpId="0" nodeType="clickEffect">
+                                  <p:stCondLst>
+                                    <p:cond delay="0"/>
+                                  </p:stCondLst>
+                                  <p:childTnLst>
+                                    <p:set>
+                                      <p:cBhvr>
+                                        <p:cTn id="6" dur="1" fill="hold">
+                                          <p:stCondLst>
+                                            <p:cond delay="0"/>
+                                          </p:stCondLst>
+                                        </p:cTn>
+                                        <p:tgtEl>
+                                          <p:spTgt spid="4"/>
+                                        </p:tgtEl>
+                                        <p:attrNameLst>
+                                          <p:attrName>style.visibility</p:attrName>
+                                        </p:attrNameLst>
+                                      </p:cBhvr>
+                                      <p:to>
+                                        <p:strVal val="visible"/>
+                                      </p:to>
+                                    </p:set>
+                                    <p:animEffect transition="in" filter="barn(inVertical)">
+                                      <p:cBhvr>
+                                        <p:cTn id="7" dur="500"/>
+                                        <p:tgtEl>
+                                          <p:spTgt spid="4"/>
+                                        </p:tgtEl>
+                                      </p:cBhvr>
+                                    </p:animEffect>
+                                  </p:childTnLst>
+                                </p:cTn>
+                              </p:par>
+                            </p:childTnLst>
+                          </p:cTn>
+                        </p:par>
+                      </p:childTnLst>
+                    </p:cTn>
+                  </p:par>
+                  <p:par>
+                    <p:cTn id="8" fill="hold">
+                      <p:stCondLst>
+                        <p:cond delay="indefinite"/>
+                      </p:stCondLst>
+                      <p:childTnLst>
+                        <p:par>
+                          <p:cTn id="9" fill="hold">
+                            <p:stCondLst>
+                              <p:cond delay="0"/>
+                            </p:stCondLst>
+                            <p:childTnLst>
+                              <p:par>
+                                <p:cTn id="10" presetID="16" presetClass="entr" presetSubtype="21" fill="hold" nodeType="clickEffect">
+                                  <p:stCondLst>
+                                    <p:cond delay="0"/>
+                                  </p:stCondLst>
+                                  <p:childTnLst>
+                                    <p:set>
+                                      <p:cBhvr>
+                                        <p:cTn id="11" dur="1" fill="hold">
+                                          <p:stCondLst>
+                                            <p:cond delay="0"/>
+                                          </p:stCondLst>
+                                        </p:cTn>
+                                        <p:tgtEl>
+                                          <p:spTgt spid="3">
+                                            <p:txEl>
+                                              <p:pRg st="0" end="0"/>
+                                            </p:txEl>
+                                          </p:spTgt>
+                                        </p:tgtEl>
+                                        <p:attrNameLst>
+                                          <p:attrName>style.visibility</p:attrName>
+                                        </p:attrNameLst>
+                                      </p:cBhvr>
+                                      <p:to>
+                                        <p:strVal val="visible"/>
+                                      </p:to>
+                                    </p:set>
+                                    <p:animEffect transition="in" filter="barn(inVertical)">
+                                      <p:cBhvr>
+                                        <p:cTn id="12" dur="500"/>
+                                        <p:tgtEl>
+                                          <p:spTgt spid="3">
+                                            <p:txEl>
+                                              <p:pRg st="0" end="0"/>
+                                            </p:txEl>
+                                          </p:spTgt>
+                                        </p:tgtEl>
+                                      </p:cBhvr>
+                                    </p:animEffect>
+                                  </p:childTnLst>
+                                </p:cTn>
+                              </p:par>
+                            </p:childTnLst>
+                          </p:cTn>
+                        </p:par>
+                      </p:childTnLst>
+                    </p:cTn>
+                  </p:par>
+                  <p:par>
+                    <p:cTn id="13" fill="hold">
+                      <p:stCondLst>
+                        <p:cond delay="indefinite"/>
+                      </p:stCondLst>
+                      <p:childTnLst>
+                        <p:par>
+                          <p:cTn id="14" fill="hold">
+                            <p:stCondLst>
+                              <p:cond delay="0"/>
+                            </p:stCondLst>
+                            <p:childTnLst>
+                              <p:par>
+                                <p:cTn id="15" presetID="16" presetClass="entr" presetSubtype="21" fill="hold" nodeType="clickEffect">
+                                  <p:stCondLst>
+                                    <p:cond delay="0"/>
+                                  </p:stCondLst>
+                                  <p:childTnLst>
+                                    <p:set>
+                                      <p:cBhvr>
+                                        <p:cTn id="16" dur="1" fill="hold">
+                                          <p:stCondLst>
+                                            <p:cond delay="0"/>
+                                          </p:stCondLst>
+                                        </p:cTn>
+                                        <p:tgtEl>
+                                          <p:spTgt spid="3">
+                                            <p:txEl>
+                                              <p:pRg st="1" end="1"/>
+                                            </p:txEl>
+                                          </p:spTgt>
+                                        </p:tgtEl>
+                                        <p:attrNameLst>
+                                          <p:attrName>style.visibility</p:attrName>
+                                        </p:attrNameLst>
+                                      </p:cBhvr>
+                                      <p:to>
+                                        <p:strVal val="visible"/>
+                                      </p:to>
+                                    </p:set>
+                                    <p:animEffect transition="in" filter="barn(inVertical)">
+                                      <p:cBhvr>
+                                        <p:cTn id="17" dur="500"/>
+                                        <p:tgtEl>
+                                          <p:spTgt spid="3">
+                                            <p:txEl>
+                                              <p:pRg st="1" end="1"/>
+                                            </p:txEl>
+                                          </p:spTgt>
+                                        </p:tgtEl>
+                                      </p:cBhvr>
+                                    </p:animEffect>
+                                  </p:childTnLst>
+                                </p:cTn>
+                              </p:par>
+                            </p:childTnLst>
+                          </p:cTn>
+                        </p:par>
+                      </p:childTnLst>
+                    </p:cTn>
+                  </p:par>
+                </p:childTnLst>
+              </p:cTn>
+              <p:prevCondLst>
+                <p:cond evt="onPrev" delay="0">
+                  <p:tgtEl>
+                    <p:sldTgt/>
+                  </p:tgtEl>
+                </p:cond>
+              </p:prevCondLst>
+              <p:nextCondLst>
+                <p:cond evt="onNext" delay="0">
+                  <p:tgtEl>
+                    <p:sldTgt/>
+                  </p:tgtEl>
+                </p:cond>
+              </p:nextCondLst>
+            </p:seq>
+          </p:childTnLst>
+        </p:cTn>
+      </p:par>
+    </p:tnLst>
+    <p:bldLst>
+      <p:bldP spid="4" grpId="0"/>
+    </p:bldLst>
+  </p:timing>
+</p:sld>
+</file>
+
+<file path=ppt/slides/slide12.xml><?xml version="1.0" encoding="utf-8"?>
 <p:sld xmlns:a="http://schemas.openxmlformats.org/drawingml/2006/main" xmlns:r="http://schemas.openxmlformats.org/officeDocument/2006/relationships" xmlns:p="http://schemas.openxmlformats.org/presentationml/2006/main">
   <p:cSld>
     <p:spTree>
@@ -22383,50 +22104,113 @@
         </p:nvSpPr>
         <p:spPr>
           <a:xfrm>
-            <a:off x="913775" y="2367092"/>
-            <a:ext cx="4121864" cy="3776131"/>
+            <a:off x="1339403" y="2367092"/>
+            <a:ext cx="9478850" cy="3776131"/>
           </a:xfrm>
         </p:spPr>
         <p:txBody>
-          <a:bodyPr/>
+          <a:bodyPr>
+            <a:normAutofit fontScale="92500"/>
+          </a:bodyPr>
           <a:lstStyle/>
           <a:p>
+            <a:r>
+              <a:rPr lang="vi-VN" sz="2800" b="1" u="sng" cap="none" dirty="0" smtClean="0">
+                <a:latin typeface="+mj-lt"/>
+              </a:rPr>
+              <a:t>Admin:</a:t>
+            </a:r>
+          </a:p>
+          <a:p>
+            <a:pPr marL="457200" indent="-457200">
+              <a:buAutoNum type="arabicPeriod"/>
+            </a:pPr>
+            <a:r>
+              <a:rPr lang="vi-VN" b="1" cap="none" dirty="0" smtClean="0">
+                <a:latin typeface="+mj-lt"/>
+              </a:rPr>
+              <a:t>Managing member’ account: </a:t>
+            </a:r>
             <a:r>
               <a:rPr lang="vi-VN" cap="none" dirty="0" smtClean="0">
                 <a:latin typeface="+mj-lt"/>
               </a:rPr>
-              <a:t>If user is guest, they have to register then doing test and tracking mark in manage account</a:t>
+              <a:t>Admin can search member, ban/ unban member, delete member</a:t>
             </a:r>
-            <a:endParaRPr lang="vi-VN" dirty="0">
+          </a:p>
+          <a:p>
+            <a:pPr marL="457200" indent="-457200">
+              <a:buAutoNum type="arabicPeriod"/>
+            </a:pPr>
+            <a:r>
+              <a:rPr lang="vi-VN" b="1" cap="none" dirty="0" smtClean="0">
+                <a:latin typeface="+mj-lt"/>
+              </a:rPr>
+              <a:t>Managing admin’s account: </a:t>
+            </a:r>
+            <a:r>
+              <a:rPr lang="vi-VN" cap="none" dirty="0" smtClean="0">
+                <a:latin typeface="+mj-lt"/>
+              </a:rPr>
+              <a:t>Admin can add new admin, delete admin, edit profile</a:t>
+            </a:r>
+          </a:p>
+          <a:p>
+            <a:pPr marL="457200" indent="-457200">
+              <a:buAutoNum type="arabicPeriod"/>
+            </a:pPr>
+            <a:r>
+              <a:rPr lang="vi-VN" b="1" cap="none" dirty="0" smtClean="0">
+                <a:latin typeface="+mj-lt"/>
+              </a:rPr>
+              <a:t>Managing contribute content: </a:t>
+            </a:r>
+            <a:r>
+              <a:rPr lang="vi-VN" cap="none" dirty="0" smtClean="0">
+                <a:latin typeface="+mj-lt"/>
+              </a:rPr>
+              <a:t>Admin can search content, approve content, delete content, reply to user</a:t>
+            </a:r>
+          </a:p>
+          <a:p>
+            <a:pPr marL="457200" indent="-457200">
+              <a:buAutoNum type="arabicPeriod"/>
+            </a:pPr>
+            <a:r>
+              <a:rPr lang="vi-VN" b="1" cap="none" dirty="0" smtClean="0">
+                <a:latin typeface="+mj-lt"/>
+              </a:rPr>
+              <a:t>Managing contribute opinion: </a:t>
+            </a:r>
+            <a:r>
+              <a:rPr lang="vi-VN" cap="none" dirty="0" smtClean="0">
+                <a:latin typeface="+mj-lt"/>
+              </a:rPr>
+              <a:t>Admin can search opinion, delete opinion, reply to user</a:t>
+            </a:r>
+          </a:p>
+          <a:p>
+            <a:pPr marL="457200" indent="-457200">
+              <a:buAutoNum type="arabicPeriod"/>
+            </a:pPr>
+            <a:r>
+              <a:rPr lang="vi-VN" b="1" cap="none" dirty="0" smtClean="0">
+                <a:latin typeface="+mj-lt"/>
+              </a:rPr>
+              <a:t>Managing Q&amp;A: </a:t>
+            </a:r>
+            <a:r>
+              <a:rPr lang="vi-VN" cap="none" dirty="0" smtClean="0">
+                <a:latin typeface="+mj-lt"/>
+              </a:rPr>
+              <a:t>Admin can search Q&amp;A, delete Q&amp;A, reply to user </a:t>
+            </a:r>
+            <a:endParaRPr lang="vi-VN" cap="none" dirty="0">
               <a:latin typeface="+mj-lt"/>
             </a:endParaRPr>
           </a:p>
         </p:txBody>
       </p:sp>
-      <p:pic>
-        <p:nvPicPr>
-          <p:cNvPr id="6" name="Picture 5"/>
-          <p:cNvPicPr>
-            <a:picLocks noChangeAspect="1"/>
-          </p:cNvPicPr>
-          <p:nvPr/>
-        </p:nvPicPr>
-        <p:blipFill>
-          <a:blip r:embed="rId2"/>
-          <a:stretch>
-            <a:fillRect/>
-          </a:stretch>
-        </p:blipFill>
-        <p:spPr>
-          <a:xfrm>
-            <a:off x="5035639" y="2214694"/>
-            <a:ext cx="6242587" cy="3928529"/>
-          </a:xfrm>
-          <a:prstGeom prst="rect">
-            <a:avLst/>
-          </a:prstGeom>
-        </p:spPr>
-      </p:pic>
       <p:sp>
         <p:nvSpPr>
           <p:cNvPr id="7" name="Title 1"/>
@@ -22688,7 +22472,7 @@
                             </p:stCondLst>
                             <p:childTnLst>
                               <p:par>
-                                <p:cTn id="17" presetID="14" presetClass="entr" presetSubtype="10" fill="hold" nodeType="clickEffect">
+                                <p:cTn id="17" presetID="42" presetClass="entr" presetSubtype="0" fill="hold" nodeType="clickEffect">
                                   <p:stCondLst>
                                     <p:cond delay="0"/>
                                   </p:stCondLst>
@@ -22701,7 +22485,11 @@
                                           </p:stCondLst>
                                         </p:cTn>
                                         <p:tgtEl>
-                                          <p:spTgt spid="6"/>
+                                          <p:spTgt spid="3">
+                                            <p:txEl>
+                                              <p:pRg st="1" end="1"/>
+                                            </p:txEl>
+                                          </p:spTgt>
                                         </p:tgtEl>
                                         <p:attrNameLst>
                                           <p:attrName>style.visibility</p:attrName>
@@ -22711,14 +22499,532 @@
                                         <p:strVal val="visible"/>
                                       </p:to>
                                     </p:set>
-                                    <p:animEffect transition="in" filter="randombar(horizontal)">
+                                    <p:animEffect transition="in" filter="fade">
                                       <p:cBhvr>
-                                        <p:cTn id="19" dur="500"/>
+                                        <p:cTn id="19" dur="1000"/>
                                         <p:tgtEl>
-                                          <p:spTgt spid="6"/>
+                                          <p:spTgt spid="3">
+                                            <p:txEl>
+                                              <p:pRg st="1" end="1"/>
+                                            </p:txEl>
+                                          </p:spTgt>
                                         </p:tgtEl>
                                       </p:cBhvr>
                                     </p:animEffect>
+                                    <p:anim calcmode="lin" valueType="num">
+                                      <p:cBhvr>
+                                        <p:cTn id="20" dur="1000" fill="hold"/>
+                                        <p:tgtEl>
+                                          <p:spTgt spid="3">
+                                            <p:txEl>
+                                              <p:pRg st="1" end="1"/>
+                                            </p:txEl>
+                                          </p:spTgt>
+                                        </p:tgtEl>
+                                        <p:attrNameLst>
+                                          <p:attrName>ppt_x</p:attrName>
+                                        </p:attrNameLst>
+                                      </p:cBhvr>
+                                      <p:tavLst>
+                                        <p:tav tm="0">
+                                          <p:val>
+                                            <p:strVal val="#ppt_x"/>
+                                          </p:val>
+                                        </p:tav>
+                                        <p:tav tm="100000">
+                                          <p:val>
+                                            <p:strVal val="#ppt_x"/>
+                                          </p:val>
+                                        </p:tav>
+                                      </p:tavLst>
+                                    </p:anim>
+                                    <p:anim calcmode="lin" valueType="num">
+                                      <p:cBhvr>
+                                        <p:cTn id="21" dur="1000" fill="hold"/>
+                                        <p:tgtEl>
+                                          <p:spTgt spid="3">
+                                            <p:txEl>
+                                              <p:pRg st="1" end="1"/>
+                                            </p:txEl>
+                                          </p:spTgt>
+                                        </p:tgtEl>
+                                        <p:attrNameLst>
+                                          <p:attrName>ppt_y</p:attrName>
+                                        </p:attrNameLst>
+                                      </p:cBhvr>
+                                      <p:tavLst>
+                                        <p:tav tm="0">
+                                          <p:val>
+                                            <p:strVal val="#ppt_y+.1"/>
+                                          </p:val>
+                                        </p:tav>
+                                        <p:tav tm="100000">
+                                          <p:val>
+                                            <p:strVal val="#ppt_y"/>
+                                          </p:val>
+                                        </p:tav>
+                                      </p:tavLst>
+                                    </p:anim>
+                                  </p:childTnLst>
+                                </p:cTn>
+                              </p:par>
+                            </p:childTnLst>
+                          </p:cTn>
+                        </p:par>
+                      </p:childTnLst>
+                    </p:cTn>
+                  </p:par>
+                  <p:par>
+                    <p:cTn id="22" fill="hold">
+                      <p:stCondLst>
+                        <p:cond delay="indefinite"/>
+                      </p:stCondLst>
+                      <p:childTnLst>
+                        <p:par>
+                          <p:cTn id="23" fill="hold">
+                            <p:stCondLst>
+                              <p:cond delay="0"/>
+                            </p:stCondLst>
+                            <p:childTnLst>
+                              <p:par>
+                                <p:cTn id="24" presetID="42" presetClass="entr" presetSubtype="0" fill="hold" nodeType="clickEffect">
+                                  <p:stCondLst>
+                                    <p:cond delay="0"/>
+                                  </p:stCondLst>
+                                  <p:childTnLst>
+                                    <p:set>
+                                      <p:cBhvr>
+                                        <p:cTn id="25" dur="1" fill="hold">
+                                          <p:stCondLst>
+                                            <p:cond delay="0"/>
+                                          </p:stCondLst>
+                                        </p:cTn>
+                                        <p:tgtEl>
+                                          <p:spTgt spid="3">
+                                            <p:txEl>
+                                              <p:pRg st="2" end="2"/>
+                                            </p:txEl>
+                                          </p:spTgt>
+                                        </p:tgtEl>
+                                        <p:attrNameLst>
+                                          <p:attrName>style.visibility</p:attrName>
+                                        </p:attrNameLst>
+                                      </p:cBhvr>
+                                      <p:to>
+                                        <p:strVal val="visible"/>
+                                      </p:to>
+                                    </p:set>
+                                    <p:animEffect transition="in" filter="fade">
+                                      <p:cBhvr>
+                                        <p:cTn id="26" dur="1000"/>
+                                        <p:tgtEl>
+                                          <p:spTgt spid="3">
+                                            <p:txEl>
+                                              <p:pRg st="2" end="2"/>
+                                            </p:txEl>
+                                          </p:spTgt>
+                                        </p:tgtEl>
+                                      </p:cBhvr>
+                                    </p:animEffect>
+                                    <p:anim calcmode="lin" valueType="num">
+                                      <p:cBhvr>
+                                        <p:cTn id="27" dur="1000" fill="hold"/>
+                                        <p:tgtEl>
+                                          <p:spTgt spid="3">
+                                            <p:txEl>
+                                              <p:pRg st="2" end="2"/>
+                                            </p:txEl>
+                                          </p:spTgt>
+                                        </p:tgtEl>
+                                        <p:attrNameLst>
+                                          <p:attrName>ppt_x</p:attrName>
+                                        </p:attrNameLst>
+                                      </p:cBhvr>
+                                      <p:tavLst>
+                                        <p:tav tm="0">
+                                          <p:val>
+                                            <p:strVal val="#ppt_x"/>
+                                          </p:val>
+                                        </p:tav>
+                                        <p:tav tm="100000">
+                                          <p:val>
+                                            <p:strVal val="#ppt_x"/>
+                                          </p:val>
+                                        </p:tav>
+                                      </p:tavLst>
+                                    </p:anim>
+                                    <p:anim calcmode="lin" valueType="num">
+                                      <p:cBhvr>
+                                        <p:cTn id="28" dur="1000" fill="hold"/>
+                                        <p:tgtEl>
+                                          <p:spTgt spid="3">
+                                            <p:txEl>
+                                              <p:pRg st="2" end="2"/>
+                                            </p:txEl>
+                                          </p:spTgt>
+                                        </p:tgtEl>
+                                        <p:attrNameLst>
+                                          <p:attrName>ppt_y</p:attrName>
+                                        </p:attrNameLst>
+                                      </p:cBhvr>
+                                      <p:tavLst>
+                                        <p:tav tm="0">
+                                          <p:val>
+                                            <p:strVal val="#ppt_y+.1"/>
+                                          </p:val>
+                                        </p:tav>
+                                        <p:tav tm="100000">
+                                          <p:val>
+                                            <p:strVal val="#ppt_y"/>
+                                          </p:val>
+                                        </p:tav>
+                                      </p:tavLst>
+                                    </p:anim>
+                                  </p:childTnLst>
+                                </p:cTn>
+                              </p:par>
+                            </p:childTnLst>
+                          </p:cTn>
+                        </p:par>
+                      </p:childTnLst>
+                    </p:cTn>
+                  </p:par>
+                  <p:par>
+                    <p:cTn id="29" fill="hold">
+                      <p:stCondLst>
+                        <p:cond delay="indefinite"/>
+                      </p:stCondLst>
+                      <p:childTnLst>
+                        <p:par>
+                          <p:cTn id="30" fill="hold">
+                            <p:stCondLst>
+                              <p:cond delay="0"/>
+                            </p:stCondLst>
+                            <p:childTnLst>
+                              <p:par>
+                                <p:cTn id="31" presetID="42" presetClass="entr" presetSubtype="0" fill="hold" nodeType="clickEffect">
+                                  <p:stCondLst>
+                                    <p:cond delay="0"/>
+                                  </p:stCondLst>
+                                  <p:childTnLst>
+                                    <p:set>
+                                      <p:cBhvr>
+                                        <p:cTn id="32" dur="1" fill="hold">
+                                          <p:stCondLst>
+                                            <p:cond delay="0"/>
+                                          </p:stCondLst>
+                                        </p:cTn>
+                                        <p:tgtEl>
+                                          <p:spTgt spid="3">
+                                            <p:txEl>
+                                              <p:pRg st="3" end="3"/>
+                                            </p:txEl>
+                                          </p:spTgt>
+                                        </p:tgtEl>
+                                        <p:attrNameLst>
+                                          <p:attrName>style.visibility</p:attrName>
+                                        </p:attrNameLst>
+                                      </p:cBhvr>
+                                      <p:to>
+                                        <p:strVal val="visible"/>
+                                      </p:to>
+                                    </p:set>
+                                    <p:animEffect transition="in" filter="fade">
+                                      <p:cBhvr>
+                                        <p:cTn id="33" dur="1000"/>
+                                        <p:tgtEl>
+                                          <p:spTgt spid="3">
+                                            <p:txEl>
+                                              <p:pRg st="3" end="3"/>
+                                            </p:txEl>
+                                          </p:spTgt>
+                                        </p:tgtEl>
+                                      </p:cBhvr>
+                                    </p:animEffect>
+                                    <p:anim calcmode="lin" valueType="num">
+                                      <p:cBhvr>
+                                        <p:cTn id="34" dur="1000" fill="hold"/>
+                                        <p:tgtEl>
+                                          <p:spTgt spid="3">
+                                            <p:txEl>
+                                              <p:pRg st="3" end="3"/>
+                                            </p:txEl>
+                                          </p:spTgt>
+                                        </p:tgtEl>
+                                        <p:attrNameLst>
+                                          <p:attrName>ppt_x</p:attrName>
+                                        </p:attrNameLst>
+                                      </p:cBhvr>
+                                      <p:tavLst>
+                                        <p:tav tm="0">
+                                          <p:val>
+                                            <p:strVal val="#ppt_x"/>
+                                          </p:val>
+                                        </p:tav>
+                                        <p:tav tm="100000">
+                                          <p:val>
+                                            <p:strVal val="#ppt_x"/>
+                                          </p:val>
+                                        </p:tav>
+                                      </p:tavLst>
+                                    </p:anim>
+                                    <p:anim calcmode="lin" valueType="num">
+                                      <p:cBhvr>
+                                        <p:cTn id="35" dur="1000" fill="hold"/>
+                                        <p:tgtEl>
+                                          <p:spTgt spid="3">
+                                            <p:txEl>
+                                              <p:pRg st="3" end="3"/>
+                                            </p:txEl>
+                                          </p:spTgt>
+                                        </p:tgtEl>
+                                        <p:attrNameLst>
+                                          <p:attrName>ppt_y</p:attrName>
+                                        </p:attrNameLst>
+                                      </p:cBhvr>
+                                      <p:tavLst>
+                                        <p:tav tm="0">
+                                          <p:val>
+                                            <p:strVal val="#ppt_y+.1"/>
+                                          </p:val>
+                                        </p:tav>
+                                        <p:tav tm="100000">
+                                          <p:val>
+                                            <p:strVal val="#ppt_y"/>
+                                          </p:val>
+                                        </p:tav>
+                                      </p:tavLst>
+                                    </p:anim>
+                                  </p:childTnLst>
+                                </p:cTn>
+                              </p:par>
+                            </p:childTnLst>
+                          </p:cTn>
+                        </p:par>
+                      </p:childTnLst>
+                    </p:cTn>
+                  </p:par>
+                  <p:par>
+                    <p:cTn id="36" fill="hold">
+                      <p:stCondLst>
+                        <p:cond delay="indefinite"/>
+                      </p:stCondLst>
+                      <p:childTnLst>
+                        <p:par>
+                          <p:cTn id="37" fill="hold">
+                            <p:stCondLst>
+                              <p:cond delay="0"/>
+                            </p:stCondLst>
+                            <p:childTnLst>
+                              <p:par>
+                                <p:cTn id="38" presetID="42" presetClass="entr" presetSubtype="0" fill="hold" nodeType="clickEffect">
+                                  <p:stCondLst>
+                                    <p:cond delay="0"/>
+                                  </p:stCondLst>
+                                  <p:childTnLst>
+                                    <p:set>
+                                      <p:cBhvr>
+                                        <p:cTn id="39" dur="1" fill="hold">
+                                          <p:stCondLst>
+                                            <p:cond delay="0"/>
+                                          </p:stCondLst>
+                                        </p:cTn>
+                                        <p:tgtEl>
+                                          <p:spTgt spid="3">
+                                            <p:txEl>
+                                              <p:pRg st="4" end="4"/>
+                                            </p:txEl>
+                                          </p:spTgt>
+                                        </p:tgtEl>
+                                        <p:attrNameLst>
+                                          <p:attrName>style.visibility</p:attrName>
+                                        </p:attrNameLst>
+                                      </p:cBhvr>
+                                      <p:to>
+                                        <p:strVal val="visible"/>
+                                      </p:to>
+                                    </p:set>
+                                    <p:animEffect transition="in" filter="fade">
+                                      <p:cBhvr>
+                                        <p:cTn id="40" dur="1000"/>
+                                        <p:tgtEl>
+                                          <p:spTgt spid="3">
+                                            <p:txEl>
+                                              <p:pRg st="4" end="4"/>
+                                            </p:txEl>
+                                          </p:spTgt>
+                                        </p:tgtEl>
+                                      </p:cBhvr>
+                                    </p:animEffect>
+                                    <p:anim calcmode="lin" valueType="num">
+                                      <p:cBhvr>
+                                        <p:cTn id="41" dur="1000" fill="hold"/>
+                                        <p:tgtEl>
+                                          <p:spTgt spid="3">
+                                            <p:txEl>
+                                              <p:pRg st="4" end="4"/>
+                                            </p:txEl>
+                                          </p:spTgt>
+                                        </p:tgtEl>
+                                        <p:attrNameLst>
+                                          <p:attrName>ppt_x</p:attrName>
+                                        </p:attrNameLst>
+                                      </p:cBhvr>
+                                      <p:tavLst>
+                                        <p:tav tm="0">
+                                          <p:val>
+                                            <p:strVal val="#ppt_x"/>
+                                          </p:val>
+                                        </p:tav>
+                                        <p:tav tm="100000">
+                                          <p:val>
+                                            <p:strVal val="#ppt_x"/>
+                                          </p:val>
+                                        </p:tav>
+                                      </p:tavLst>
+                                    </p:anim>
+                                    <p:anim calcmode="lin" valueType="num">
+                                      <p:cBhvr>
+                                        <p:cTn id="42" dur="1000" fill="hold"/>
+                                        <p:tgtEl>
+                                          <p:spTgt spid="3">
+                                            <p:txEl>
+                                              <p:pRg st="4" end="4"/>
+                                            </p:txEl>
+                                          </p:spTgt>
+                                        </p:tgtEl>
+                                        <p:attrNameLst>
+                                          <p:attrName>ppt_y</p:attrName>
+                                        </p:attrNameLst>
+                                      </p:cBhvr>
+                                      <p:tavLst>
+                                        <p:tav tm="0">
+                                          <p:val>
+                                            <p:strVal val="#ppt_y+.1"/>
+                                          </p:val>
+                                        </p:tav>
+                                        <p:tav tm="100000">
+                                          <p:val>
+                                            <p:strVal val="#ppt_y"/>
+                                          </p:val>
+                                        </p:tav>
+                                      </p:tavLst>
+                                    </p:anim>
+                                  </p:childTnLst>
+                                </p:cTn>
+                              </p:par>
+                            </p:childTnLst>
+                          </p:cTn>
+                        </p:par>
+                      </p:childTnLst>
+                    </p:cTn>
+                  </p:par>
+                  <p:par>
+                    <p:cTn id="43" fill="hold">
+                      <p:stCondLst>
+                        <p:cond delay="indefinite"/>
+                      </p:stCondLst>
+                      <p:childTnLst>
+                        <p:par>
+                          <p:cTn id="44" fill="hold">
+                            <p:stCondLst>
+                              <p:cond delay="0"/>
+                            </p:stCondLst>
+                            <p:childTnLst>
+                              <p:par>
+                                <p:cTn id="45" presetID="42" presetClass="entr" presetSubtype="0" fill="hold" nodeType="clickEffect">
+                                  <p:stCondLst>
+                                    <p:cond delay="0"/>
+                                  </p:stCondLst>
+                                  <p:childTnLst>
+                                    <p:set>
+                                      <p:cBhvr>
+                                        <p:cTn id="46" dur="1" fill="hold">
+                                          <p:stCondLst>
+                                            <p:cond delay="0"/>
+                                          </p:stCondLst>
+                                        </p:cTn>
+                                        <p:tgtEl>
+                                          <p:spTgt spid="3">
+                                            <p:txEl>
+                                              <p:pRg st="5" end="5"/>
+                                            </p:txEl>
+                                          </p:spTgt>
+                                        </p:tgtEl>
+                                        <p:attrNameLst>
+                                          <p:attrName>style.visibility</p:attrName>
+                                        </p:attrNameLst>
+                                      </p:cBhvr>
+                                      <p:to>
+                                        <p:strVal val="visible"/>
+                                      </p:to>
+                                    </p:set>
+                                    <p:animEffect transition="in" filter="fade">
+                                      <p:cBhvr>
+                                        <p:cTn id="47" dur="1000"/>
+                                        <p:tgtEl>
+                                          <p:spTgt spid="3">
+                                            <p:txEl>
+                                              <p:pRg st="5" end="5"/>
+                                            </p:txEl>
+                                          </p:spTgt>
+                                        </p:tgtEl>
+                                      </p:cBhvr>
+                                    </p:animEffect>
+                                    <p:anim calcmode="lin" valueType="num">
+                                      <p:cBhvr>
+                                        <p:cTn id="48" dur="1000" fill="hold"/>
+                                        <p:tgtEl>
+                                          <p:spTgt spid="3">
+                                            <p:txEl>
+                                              <p:pRg st="5" end="5"/>
+                                            </p:txEl>
+                                          </p:spTgt>
+                                        </p:tgtEl>
+                                        <p:attrNameLst>
+                                          <p:attrName>ppt_x</p:attrName>
+                                        </p:attrNameLst>
+                                      </p:cBhvr>
+                                      <p:tavLst>
+                                        <p:tav tm="0">
+                                          <p:val>
+                                            <p:strVal val="#ppt_x"/>
+                                          </p:val>
+                                        </p:tav>
+                                        <p:tav tm="100000">
+                                          <p:val>
+                                            <p:strVal val="#ppt_x"/>
+                                          </p:val>
+                                        </p:tav>
+                                      </p:tavLst>
+                                    </p:anim>
+                                    <p:anim calcmode="lin" valueType="num">
+                                      <p:cBhvr>
+                                        <p:cTn id="49" dur="1000" fill="hold"/>
+                                        <p:tgtEl>
+                                          <p:spTgt spid="3">
+                                            <p:txEl>
+                                              <p:pRg st="5" end="5"/>
+                                            </p:txEl>
+                                          </p:spTgt>
+                                        </p:tgtEl>
+                                        <p:attrNameLst>
+                                          <p:attrName>ppt_y</p:attrName>
+                                        </p:attrNameLst>
+                                      </p:cBhvr>
+                                      <p:tavLst>
+                                        <p:tav tm="0">
+                                          <p:val>
+                                            <p:strVal val="#ppt_y+.1"/>
+                                          </p:val>
+                                        </p:tav>
+                                        <p:tav tm="100000">
+                                          <p:val>
+                                            <p:strVal val="#ppt_y"/>
+                                          </p:val>
+                                        </p:tav>
+                                      </p:tavLst>
+                                    </p:anim>
                                   </p:childTnLst>
                                 </p:cTn>
                               </p:par>
@@ -22756,7 +23062,7 @@
 </p:sld>
 </file>
 
-<file path=ppt/slides/slide15.xml><?xml version="1.0" encoding="utf-8"?>
+<file path=ppt/slides/slide13.xml><?xml version="1.0" encoding="utf-8"?>
 <p:sld xmlns:a="http://schemas.openxmlformats.org/drawingml/2006/main" xmlns:r="http://schemas.openxmlformats.org/officeDocument/2006/relationships" xmlns:p="http://schemas.openxmlformats.org/presentationml/2006/main">
   <p:cSld>
     <p:spTree>
@@ -22788,40 +23094,234 @@
           <a:bodyPr/>
           <a:lstStyle/>
           <a:p>
+            <a:pPr marL="0" indent="0">
+              <a:buNone/>
+            </a:pPr>
+            <a:r>
+              <a:rPr lang="en-US" b="1" cap="none" dirty="0" smtClean="0">
+                <a:latin typeface="Times New Roman" panose="02020603050405020304" pitchFamily="18" charset="0"/>
+                <a:cs typeface="Times New Roman" panose="02020603050405020304" pitchFamily="18" charset="0"/>
+              </a:rPr>
+              <a:t>6. Managing vocabulary database:</a:t>
+            </a:r>
             <a:r>
               <a:rPr lang="en-US" cap="none" dirty="0" smtClean="0">
                 <a:latin typeface="Times New Roman" panose="02020603050405020304" pitchFamily="18" charset="0"/>
                 <a:cs typeface="Times New Roman" panose="02020603050405020304" pitchFamily="18" charset="0"/>
               </a:rPr>
-              <a:t>Admin can manage admin’s account: admin can ad new admin, edit profile, delete admin</a:t>
+              <a:t> </a:t>
             </a:r>
-          </a:p>
-          <a:p>
             <a:r>
               <a:rPr lang="en-US" cap="none" dirty="0" smtClean="0">
                 <a:latin typeface="Times New Roman" panose="02020603050405020304" pitchFamily="18" charset="0"/>
                 <a:cs typeface="Times New Roman" panose="02020603050405020304" pitchFamily="18" charset="0"/>
               </a:rPr>
-              <a:t>Admin can manage member’s account: search member, ban/unban member, delete member</a:t>
+              <a:t>Admin can search, add, edit, delete vocabulary</a:t>
             </a:r>
           </a:p>
           <a:p>
+            <a:pPr marL="0" indent="0">
+              <a:buNone/>
+            </a:pPr>
+            <a:r>
+              <a:rPr lang="en-US" b="1" cap="none" dirty="0">
+                <a:latin typeface="Times New Roman" panose="02020603050405020304" pitchFamily="18" charset="0"/>
+                <a:cs typeface="Times New Roman" panose="02020603050405020304" pitchFamily="18" charset="0"/>
+              </a:rPr>
+              <a:t>7. Managing </a:t>
+            </a:r>
+            <a:r>
+              <a:rPr lang="en-US" b="1" cap="none" dirty="0" smtClean="0">
+                <a:latin typeface="Times New Roman" panose="02020603050405020304" pitchFamily="18" charset="0"/>
+                <a:cs typeface="Times New Roman" panose="02020603050405020304" pitchFamily="18" charset="0"/>
+              </a:rPr>
+              <a:t>grammar </a:t>
+            </a:r>
+            <a:r>
+              <a:rPr lang="en-US" b="1" cap="none" dirty="0">
+                <a:latin typeface="Times New Roman" panose="02020603050405020304" pitchFamily="18" charset="0"/>
+                <a:cs typeface="Times New Roman" panose="02020603050405020304" pitchFamily="18" charset="0"/>
+              </a:rPr>
+              <a:t>database: </a:t>
+            </a:r>
+            <a:r>
+              <a:rPr lang="en-US" cap="none" dirty="0">
+                <a:latin typeface="Times New Roman" panose="02020603050405020304" pitchFamily="18" charset="0"/>
+                <a:cs typeface="Times New Roman" panose="02020603050405020304" pitchFamily="18" charset="0"/>
+              </a:rPr>
+              <a:t>Admin can search, add, edit, delete </a:t>
+            </a:r>
             <a:r>
               <a:rPr lang="en-US" cap="none" dirty="0" smtClean="0">
                 <a:latin typeface="Times New Roman" panose="02020603050405020304" pitchFamily="18" charset="0"/>
                 <a:cs typeface="Times New Roman" panose="02020603050405020304" pitchFamily="18" charset="0"/>
               </a:rPr>
-              <a:t>Admin can manage Q&amp;A: search Q&amp;A, reply Q&amp;A, delete Q&amp;A, Approve Q&amp;A</a:t>
+              <a:t>grammar</a:t>
             </a:r>
           </a:p>
           <a:p>
+            <a:pPr marL="0" indent="0">
+              <a:buNone/>
+            </a:pPr>
+            <a:r>
+              <a:rPr lang="en-US" b="1" cap="none" dirty="0">
+                <a:latin typeface="Times New Roman" panose="02020603050405020304" pitchFamily="18" charset="0"/>
+                <a:cs typeface="Times New Roman" panose="02020603050405020304" pitchFamily="18" charset="0"/>
+              </a:rPr>
+              <a:t>8. Managing </a:t>
+            </a:r>
+            <a:r>
+              <a:rPr lang="en-US" b="1" cap="none" dirty="0" smtClean="0">
+                <a:latin typeface="Times New Roman" panose="02020603050405020304" pitchFamily="18" charset="0"/>
+                <a:cs typeface="Times New Roman" panose="02020603050405020304" pitchFamily="18" charset="0"/>
+              </a:rPr>
+              <a:t>reading document </a:t>
+            </a:r>
+            <a:r>
+              <a:rPr lang="en-US" b="1" cap="none" dirty="0">
+                <a:latin typeface="Times New Roman" panose="02020603050405020304" pitchFamily="18" charset="0"/>
+                <a:cs typeface="Times New Roman" panose="02020603050405020304" pitchFamily="18" charset="0"/>
+              </a:rPr>
+              <a:t>database: </a:t>
+            </a:r>
+            <a:r>
+              <a:rPr lang="en-US" cap="none" dirty="0">
+                <a:latin typeface="Times New Roman" panose="02020603050405020304" pitchFamily="18" charset="0"/>
+                <a:cs typeface="Times New Roman" panose="02020603050405020304" pitchFamily="18" charset="0"/>
+              </a:rPr>
+              <a:t>Admin can search, add, edit, delete </a:t>
+            </a:r>
             <a:r>
               <a:rPr lang="en-US" cap="none" dirty="0" smtClean="0">
                 <a:latin typeface="Times New Roman" panose="02020603050405020304" pitchFamily="18" charset="0"/>
                 <a:cs typeface="Times New Roman" panose="02020603050405020304" pitchFamily="18" charset="0"/>
               </a:rPr>
-              <a:t>Admin can manage database of: Vocabulary, reading, listening, conversation, testing. In each database, admin can search, add, edit, delete</a:t>
+              <a:t>reading document</a:t>
             </a:r>
+          </a:p>
+          <a:p>
+            <a:pPr marL="0" indent="0">
+              <a:buNone/>
+            </a:pPr>
+            <a:r>
+              <a:rPr lang="en-US" b="1" cap="none" dirty="0" smtClean="0">
+                <a:latin typeface="Times New Roman" panose="02020603050405020304" pitchFamily="18" charset="0"/>
+                <a:cs typeface="Times New Roman" panose="02020603050405020304" pitchFamily="18" charset="0"/>
+              </a:rPr>
+              <a:t>9.</a:t>
+            </a:r>
+            <a:r>
+              <a:rPr lang="en-US" b="1" cap="none" dirty="0">
+                <a:latin typeface="Times New Roman" panose="02020603050405020304" pitchFamily="18" charset="0"/>
+                <a:cs typeface="Times New Roman" panose="02020603050405020304" pitchFamily="18" charset="0"/>
+              </a:rPr>
+              <a:t> Managing </a:t>
+            </a:r>
+            <a:r>
+              <a:rPr lang="en-US" b="1" cap="none" dirty="0" smtClean="0">
+                <a:latin typeface="Times New Roman" panose="02020603050405020304" pitchFamily="18" charset="0"/>
+                <a:cs typeface="Times New Roman" panose="02020603050405020304" pitchFamily="18" charset="0"/>
+              </a:rPr>
+              <a:t>listening </a:t>
+            </a:r>
+            <a:r>
+              <a:rPr lang="en-US" b="1" cap="none" dirty="0">
+                <a:latin typeface="Times New Roman" panose="02020603050405020304" pitchFamily="18" charset="0"/>
+                <a:cs typeface="Times New Roman" panose="02020603050405020304" pitchFamily="18" charset="0"/>
+              </a:rPr>
+              <a:t>database: </a:t>
+            </a:r>
+            <a:r>
+              <a:rPr lang="en-US" cap="none" dirty="0">
+                <a:latin typeface="Times New Roman" panose="02020603050405020304" pitchFamily="18" charset="0"/>
+                <a:cs typeface="Times New Roman" panose="02020603050405020304" pitchFamily="18" charset="0"/>
+              </a:rPr>
+              <a:t>Admin can search, add, edit, delete </a:t>
+            </a:r>
+            <a:r>
+              <a:rPr lang="en-US" cap="none" dirty="0" smtClean="0">
+                <a:latin typeface="Times New Roman" panose="02020603050405020304" pitchFamily="18" charset="0"/>
+                <a:cs typeface="Times New Roman" panose="02020603050405020304" pitchFamily="18" charset="0"/>
+              </a:rPr>
+              <a:t>listening</a:t>
+            </a:r>
+          </a:p>
+          <a:p>
+            <a:pPr marL="0" indent="0">
+              <a:buNone/>
+            </a:pPr>
+            <a:r>
+              <a:rPr lang="en-US" b="1" cap="none" dirty="0">
+                <a:latin typeface="Times New Roman" panose="02020603050405020304" pitchFamily="18" charset="0"/>
+                <a:cs typeface="Times New Roman" panose="02020603050405020304" pitchFamily="18" charset="0"/>
+              </a:rPr>
+              <a:t>10. Managing </a:t>
+            </a:r>
+            <a:r>
+              <a:rPr lang="en-US" b="1" cap="none" dirty="0" smtClean="0">
+                <a:latin typeface="Times New Roman" panose="02020603050405020304" pitchFamily="18" charset="0"/>
+                <a:cs typeface="Times New Roman" panose="02020603050405020304" pitchFamily="18" charset="0"/>
+              </a:rPr>
+              <a:t>Doing test </a:t>
+            </a:r>
+            <a:r>
+              <a:rPr lang="en-US" b="1" cap="none" dirty="0">
+                <a:latin typeface="Times New Roman" panose="02020603050405020304" pitchFamily="18" charset="0"/>
+                <a:cs typeface="Times New Roman" panose="02020603050405020304" pitchFamily="18" charset="0"/>
+              </a:rPr>
+              <a:t>database: </a:t>
+            </a:r>
+            <a:r>
+              <a:rPr lang="en-US" cap="none" dirty="0">
+                <a:latin typeface="Times New Roman" panose="02020603050405020304" pitchFamily="18" charset="0"/>
+                <a:cs typeface="Times New Roman" panose="02020603050405020304" pitchFamily="18" charset="0"/>
+              </a:rPr>
+              <a:t>Admin can search, add, edit, delete </a:t>
+            </a:r>
+            <a:r>
+              <a:rPr lang="en-US" cap="none" dirty="0" smtClean="0">
+                <a:latin typeface="Times New Roman" panose="02020603050405020304" pitchFamily="18" charset="0"/>
+                <a:cs typeface="Times New Roman" panose="02020603050405020304" pitchFamily="18" charset="0"/>
+              </a:rPr>
+              <a:t>doing test</a:t>
+            </a:r>
+          </a:p>
+          <a:p>
+            <a:pPr marL="0" indent="0">
+              <a:buNone/>
+            </a:pPr>
+            <a:r>
+              <a:rPr lang="en-US" b="1" cap="none" dirty="0" smtClean="0">
+                <a:latin typeface="Times New Roman" panose="02020603050405020304" pitchFamily="18" charset="0"/>
+                <a:cs typeface="Times New Roman" panose="02020603050405020304" pitchFamily="18" charset="0"/>
+              </a:rPr>
+              <a:t>11. Managing video </a:t>
+            </a:r>
+            <a:r>
+              <a:rPr lang="en-US" b="1" cap="none" dirty="0">
+                <a:latin typeface="Times New Roman" panose="02020603050405020304" pitchFamily="18" charset="0"/>
+                <a:cs typeface="Times New Roman" panose="02020603050405020304" pitchFamily="18" charset="0"/>
+              </a:rPr>
+              <a:t>database</a:t>
+            </a:r>
+            <a:r>
+              <a:rPr lang="en-US" cap="none" dirty="0">
+                <a:latin typeface="Times New Roman" panose="02020603050405020304" pitchFamily="18" charset="0"/>
+                <a:cs typeface="Times New Roman" panose="02020603050405020304" pitchFamily="18" charset="0"/>
+              </a:rPr>
+              <a:t>: Admin can search, add, edit, delete </a:t>
+            </a:r>
+            <a:r>
+              <a:rPr lang="en-US" cap="none" dirty="0" smtClean="0">
+                <a:latin typeface="Times New Roman" panose="02020603050405020304" pitchFamily="18" charset="0"/>
+                <a:cs typeface="Times New Roman" panose="02020603050405020304" pitchFamily="18" charset="0"/>
+              </a:rPr>
+              <a:t>video</a:t>
+            </a:r>
+            <a:endParaRPr lang="en-US" cap="none" dirty="0">
+              <a:latin typeface="Times New Roman" panose="02020603050405020304" pitchFamily="18" charset="0"/>
+              <a:cs typeface="Times New Roman" panose="02020603050405020304" pitchFamily="18" charset="0"/>
+            </a:endParaRPr>
           </a:p>
         </p:txBody>
       </p:sp>
@@ -23418,243 +23918,37 @@
                       </p:childTnLst>
                     </p:cTn>
                   </p:par>
-                </p:childTnLst>
-              </p:cTn>
-              <p:prevCondLst>
-                <p:cond evt="onPrev" delay="0">
-                  <p:tgtEl>
-                    <p:sldTgt/>
-                  </p:tgtEl>
-                </p:cond>
-              </p:prevCondLst>
-              <p:nextCondLst>
-                <p:cond evt="onNext" delay="0">
-                  <p:tgtEl>
-                    <p:sldTgt/>
-                  </p:tgtEl>
-                </p:cond>
-              </p:nextCondLst>
-            </p:seq>
-          </p:childTnLst>
-        </p:cTn>
-      </p:par>
-    </p:tnLst>
-    <p:bldLst>
-      <p:bldP spid="3" grpId="0" build="p"/>
-      <p:bldP spid="4" grpId="0"/>
-    </p:bldLst>
-  </p:timing>
-</p:sld>
-</file>
-
-<file path=ppt/slides/slide16.xml><?xml version="1.0" encoding="utf-8"?>
-<p:sld xmlns:a="http://schemas.openxmlformats.org/drawingml/2006/main" xmlns:r="http://schemas.openxmlformats.org/officeDocument/2006/relationships" xmlns:p="http://schemas.openxmlformats.org/presentationml/2006/main">
-  <p:cSld>
-    <p:spTree>
-      <p:nvGrpSpPr>
-        <p:cNvPr id="1" name=""/>
-        <p:cNvGrpSpPr/>
-        <p:nvPr/>
-      </p:nvGrpSpPr>
-      <p:grpSpPr>
-        <a:xfrm>
-          <a:off x="0" y="0"/>
-          <a:ext cx="0" cy="0"/>
-          <a:chOff x="0" y="0"/>
-          <a:chExt cx="0" cy="0"/>
-        </a:xfrm>
-      </p:grpSpPr>
-      <p:sp>
-        <p:nvSpPr>
-          <p:cNvPr id="4" name="Title 1"/>
-          <p:cNvSpPr>
-            <a:spLocks noGrp="1"/>
-          </p:cNvSpPr>
-          <p:nvPr>
-            <p:ph type="title"/>
-          </p:nvPr>
-        </p:nvSpPr>
-        <p:spPr>
-          <a:xfrm>
-            <a:off x="913775" y="0"/>
-            <a:ext cx="10364451" cy="940158"/>
-          </a:xfrm>
-        </p:spPr>
-        <p:txBody>
-          <a:bodyPr>
-            <a:normAutofit fontScale="90000"/>
-          </a:bodyPr>
-          <a:lstStyle/>
-          <a:p>
-            <a:pPr lvl="0"/>
-            <a:r>
-              <a:rPr lang="vi-VN" sz="5400" cap="none" dirty="0" smtClean="0">
-                <a:ln w="0"/>
-                <a:gradFill>
-                  <a:gsLst>
-                    <a:gs pos="0">
-                      <a:schemeClr val="accent5">
-                        <a:lumMod val="50000"/>
-                      </a:schemeClr>
-                    </a:gs>
-                    <a:gs pos="50000">
-                      <a:schemeClr val="accent5"/>
-                    </a:gs>
-                    <a:gs pos="100000">
-                      <a:schemeClr val="accent5">
-                        <a:lumMod val="60000"/>
-                        <a:lumOff val="40000"/>
-                      </a:schemeClr>
-                    </a:gs>
-                  </a:gsLst>
-                  <a:lin ang="5400000"/>
-                </a:gradFill>
-                <a:effectLst>
-                  <a:reflection blurRad="6350" stA="53000" endA="300" endPos="35500" dir="5400000" sy="-90000" algn="bl" rotWithShape="0"/>
-                </a:effectLst>
-                <a:latin typeface="Times New Roman" pitchFamily="18" charset="0"/>
-                <a:cs typeface="Times New Roman" pitchFamily="18" charset="0"/>
-              </a:rPr>
-              <a:t>Use cases diagram</a:t>
-            </a:r>
-            <a:r>
-              <a:rPr lang="vi-VN" dirty="0"/>
-              <a:t/>
-            </a:r>
-            <a:br>
-              <a:rPr lang="vi-VN" dirty="0"/>
-            </a:br>
-            <a:endParaRPr lang="vi-VN" dirty="0"/>
-          </a:p>
-        </p:txBody>
-      </p:sp>
-      <p:pic>
-        <p:nvPicPr>
-          <p:cNvPr id="5" name="Content Placeholder 4"/>
-          <p:cNvPicPr>
-            <a:picLocks noGrp="1" noChangeAspect="1"/>
-          </p:cNvPicPr>
-          <p:nvPr>
-            <p:ph sz="quarter" idx="13"/>
-          </p:nvPr>
-        </p:nvPicPr>
-        <p:blipFill>
-          <a:blip r:embed="rId2">
-            <a:extLst>
-              <a:ext uri="{28A0092B-C50C-407E-A947-70E740481C1C}">
-                <a14:useLocalDpi xmlns:a14="http://schemas.microsoft.com/office/drawing/2010/main" val="0"/>
-              </a:ext>
-            </a:extLst>
-          </a:blip>
-          <a:stretch>
-            <a:fillRect/>
-          </a:stretch>
-        </p:blipFill>
-        <p:spPr>
-          <a:xfrm>
-            <a:off x="1725769" y="746974"/>
-            <a:ext cx="8731876" cy="6220495"/>
-          </a:xfrm>
-        </p:spPr>
-      </p:pic>
-    </p:spTree>
-    <p:extLst>
-      <p:ext uri="{BB962C8B-B14F-4D97-AF65-F5344CB8AC3E}">
-        <p14:creationId xmlns:p14="http://schemas.microsoft.com/office/powerpoint/2010/main" val="2250950530"/>
-      </p:ext>
-    </p:extLst>
-  </p:cSld>
-  <p:clrMapOvr>
-    <a:masterClrMapping/>
-  </p:clrMapOvr>
-  <p:timing>
-    <p:tnLst>
-      <p:par>
-        <p:cTn id="1" dur="indefinite" restart="never" nodeType="tmRoot">
-          <p:childTnLst>
-            <p:seq concurrent="1" nextAc="seek">
-              <p:cTn id="2" dur="indefinite" nodeType="mainSeq">
-                <p:childTnLst>
                   <p:par>
-                    <p:cTn id="3" fill="hold">
+                    <p:cTn id="36" fill="hold">
                       <p:stCondLst>
                         <p:cond delay="indefinite"/>
                       </p:stCondLst>
                       <p:childTnLst>
                         <p:par>
-                          <p:cTn id="4" fill="hold">
+                          <p:cTn id="37" fill="hold">
                             <p:stCondLst>
                               <p:cond delay="0"/>
                             </p:stCondLst>
                             <p:childTnLst>
                               <p:par>
-                                <p:cTn id="5" presetID="16" presetClass="entr" presetSubtype="21" fill="hold" grpId="0" nodeType="clickEffect">
+                                <p:cTn id="38" presetID="42" presetClass="entr" presetSubtype="0" fill="hold" grpId="0" nodeType="clickEffect">
                                   <p:stCondLst>
                                     <p:cond delay="0"/>
                                   </p:stCondLst>
                                   <p:childTnLst>
                                     <p:set>
                                       <p:cBhvr>
-                                        <p:cTn id="6" dur="1" fill="hold">
+                                        <p:cTn id="39" dur="1" fill="hold">
                                           <p:stCondLst>
                                             <p:cond delay="0"/>
                                           </p:stCondLst>
                                         </p:cTn>
                                         <p:tgtEl>
-                                          <p:spTgt spid="4"/>
-                                        </p:tgtEl>
-                                        <p:attrNameLst>
-                                          <p:attrName>style.visibility</p:attrName>
-                                        </p:attrNameLst>
-                                      </p:cBhvr>
-                                      <p:to>
-                                        <p:strVal val="visible"/>
-                                      </p:to>
-                                    </p:set>
-                                    <p:animEffect transition="in" filter="barn(inVertical)">
-                                      <p:cBhvr>
-                                        <p:cTn id="7" dur="500"/>
-                                        <p:tgtEl>
-                                          <p:spTgt spid="4"/>
-                                        </p:tgtEl>
-                                      </p:cBhvr>
-                                    </p:animEffect>
-                                  </p:childTnLst>
-                                </p:cTn>
-                              </p:par>
-                            </p:childTnLst>
-                          </p:cTn>
-                        </p:par>
-                      </p:childTnLst>
-                    </p:cTn>
-                  </p:par>
-                  <p:par>
-                    <p:cTn id="8" fill="hold">
-                      <p:stCondLst>
-                        <p:cond delay="indefinite"/>
-                      </p:stCondLst>
-                      <p:childTnLst>
-                        <p:par>
-                          <p:cTn id="9" fill="hold">
-                            <p:stCondLst>
-                              <p:cond delay="0"/>
-                            </p:stCondLst>
-                            <p:childTnLst>
-                              <p:par>
-                                <p:cTn id="10" presetID="42" presetClass="entr" presetSubtype="0" fill="hold" nodeType="clickEffect">
-                                  <p:stCondLst>
-                                    <p:cond delay="0"/>
-                                  </p:stCondLst>
-                                  <p:childTnLst>
-                                    <p:set>
-                                      <p:cBhvr>
-                                        <p:cTn id="11" dur="1" fill="hold">
-                                          <p:stCondLst>
-                                            <p:cond delay="0"/>
-                                          </p:stCondLst>
-                                        </p:cTn>
-                                        <p:tgtEl>
-                                          <p:spTgt spid="5"/>
+                                          <p:spTgt spid="3">
+                                            <p:txEl>
+                                              <p:pRg st="4" end="4"/>
+                                            </p:txEl>
+                                          </p:spTgt>
                                         </p:tgtEl>
                                         <p:attrNameLst>
                                           <p:attrName>style.visibility</p:attrName>
@@ -23666,17 +23960,25 @@
                                     </p:set>
                                     <p:animEffect transition="in" filter="fade">
                                       <p:cBhvr>
-                                        <p:cTn id="12" dur="1000"/>
+                                        <p:cTn id="40" dur="1000"/>
                                         <p:tgtEl>
-                                          <p:spTgt spid="5"/>
+                                          <p:spTgt spid="3">
+                                            <p:txEl>
+                                              <p:pRg st="4" end="4"/>
+                                            </p:txEl>
+                                          </p:spTgt>
                                         </p:tgtEl>
                                       </p:cBhvr>
                                     </p:animEffect>
                                     <p:anim calcmode="lin" valueType="num">
                                       <p:cBhvr>
-                                        <p:cTn id="13" dur="1000" fill="hold"/>
+                                        <p:cTn id="41" dur="1000" fill="hold"/>
                                         <p:tgtEl>
-                                          <p:spTgt spid="5"/>
+                                          <p:spTgt spid="3">
+                                            <p:txEl>
+                                              <p:pRg st="4" end="4"/>
+                                            </p:txEl>
+                                          </p:spTgt>
                                         </p:tgtEl>
                                         <p:attrNameLst>
                                           <p:attrName>ppt_x</p:attrName>
@@ -23697,9 +23999,128 @@
                                     </p:anim>
                                     <p:anim calcmode="lin" valueType="num">
                                       <p:cBhvr>
-                                        <p:cTn id="14" dur="1000" fill="hold"/>
+                                        <p:cTn id="42" dur="1000" fill="hold"/>
                                         <p:tgtEl>
-                                          <p:spTgt spid="5"/>
+                                          <p:spTgt spid="3">
+                                            <p:txEl>
+                                              <p:pRg st="4" end="4"/>
+                                            </p:txEl>
+                                          </p:spTgt>
+                                        </p:tgtEl>
+                                        <p:attrNameLst>
+                                          <p:attrName>ppt_y</p:attrName>
+                                        </p:attrNameLst>
+                                      </p:cBhvr>
+                                      <p:tavLst>
+                                        <p:tav tm="0">
+                                          <p:val>
+                                            <p:strVal val="#ppt_y+.1"/>
+                                          </p:val>
+                                        </p:tav>
+                                        <p:tav tm="100000">
+                                          <p:val>
+                                            <p:strVal val="#ppt_y"/>
+                                          </p:val>
+                                        </p:tav>
+                                      </p:tavLst>
+                                    </p:anim>
+                                  </p:childTnLst>
+                                </p:cTn>
+                              </p:par>
+                            </p:childTnLst>
+                          </p:cTn>
+                        </p:par>
+                      </p:childTnLst>
+                    </p:cTn>
+                  </p:par>
+                  <p:par>
+                    <p:cTn id="43" fill="hold">
+                      <p:stCondLst>
+                        <p:cond delay="indefinite"/>
+                      </p:stCondLst>
+                      <p:childTnLst>
+                        <p:par>
+                          <p:cTn id="44" fill="hold">
+                            <p:stCondLst>
+                              <p:cond delay="0"/>
+                            </p:stCondLst>
+                            <p:childTnLst>
+                              <p:par>
+                                <p:cTn id="45" presetID="42" presetClass="entr" presetSubtype="0" fill="hold" grpId="0" nodeType="clickEffect">
+                                  <p:stCondLst>
+                                    <p:cond delay="0"/>
+                                  </p:stCondLst>
+                                  <p:childTnLst>
+                                    <p:set>
+                                      <p:cBhvr>
+                                        <p:cTn id="46" dur="1" fill="hold">
+                                          <p:stCondLst>
+                                            <p:cond delay="0"/>
+                                          </p:stCondLst>
+                                        </p:cTn>
+                                        <p:tgtEl>
+                                          <p:spTgt spid="3">
+                                            <p:txEl>
+                                              <p:pRg st="5" end="5"/>
+                                            </p:txEl>
+                                          </p:spTgt>
+                                        </p:tgtEl>
+                                        <p:attrNameLst>
+                                          <p:attrName>style.visibility</p:attrName>
+                                        </p:attrNameLst>
+                                      </p:cBhvr>
+                                      <p:to>
+                                        <p:strVal val="visible"/>
+                                      </p:to>
+                                    </p:set>
+                                    <p:animEffect transition="in" filter="fade">
+                                      <p:cBhvr>
+                                        <p:cTn id="47" dur="1000"/>
+                                        <p:tgtEl>
+                                          <p:spTgt spid="3">
+                                            <p:txEl>
+                                              <p:pRg st="5" end="5"/>
+                                            </p:txEl>
+                                          </p:spTgt>
+                                        </p:tgtEl>
+                                      </p:cBhvr>
+                                    </p:animEffect>
+                                    <p:anim calcmode="lin" valueType="num">
+                                      <p:cBhvr>
+                                        <p:cTn id="48" dur="1000" fill="hold"/>
+                                        <p:tgtEl>
+                                          <p:spTgt spid="3">
+                                            <p:txEl>
+                                              <p:pRg st="5" end="5"/>
+                                            </p:txEl>
+                                          </p:spTgt>
+                                        </p:tgtEl>
+                                        <p:attrNameLst>
+                                          <p:attrName>ppt_x</p:attrName>
+                                        </p:attrNameLst>
+                                      </p:cBhvr>
+                                      <p:tavLst>
+                                        <p:tav tm="0">
+                                          <p:val>
+                                            <p:strVal val="#ppt_x"/>
+                                          </p:val>
+                                        </p:tav>
+                                        <p:tav tm="100000">
+                                          <p:val>
+                                            <p:strVal val="#ppt_x"/>
+                                          </p:val>
+                                        </p:tav>
+                                      </p:tavLst>
+                                    </p:anim>
+                                    <p:anim calcmode="lin" valueType="num">
+                                      <p:cBhvr>
+                                        <p:cTn id="49" dur="1000" fill="hold"/>
+                                        <p:tgtEl>
+                                          <p:spTgt spid="3">
+                                            <p:txEl>
+                                              <p:pRg st="5" end="5"/>
+                                            </p:txEl>
+                                          </p:spTgt>
                                         </p:tgtEl>
                                         <p:attrNameLst>
                                           <p:attrName>ppt_y</p:attrName>
@@ -23749,79 +24170,14 @@
       </p:par>
     </p:tnLst>
     <p:bldLst>
+      <p:bldP spid="3" grpId="0" build="p"/>
       <p:bldP spid="4" grpId="0"/>
     </p:bldLst>
   </p:timing>
 </p:sld>
 </file>
 
-<file path=ppt/slides/slide17.xml><?xml version="1.0" encoding="utf-8"?>
-<p:sld xmlns:a="http://schemas.openxmlformats.org/drawingml/2006/main" xmlns:r="http://schemas.openxmlformats.org/officeDocument/2006/relationships" xmlns:p="http://schemas.openxmlformats.org/presentationml/2006/main">
-  <p:cSld>
-    <p:spTree>
-      <p:nvGrpSpPr>
-        <p:cNvPr id="1" name=""/>
-        <p:cNvGrpSpPr/>
-        <p:nvPr/>
-      </p:nvGrpSpPr>
-      <p:grpSpPr>
-        <a:xfrm>
-          <a:off x="0" y="0"/>
-          <a:ext cx="0" cy="0"/>
-          <a:chOff x="0" y="0"/>
-          <a:chExt cx="0" cy="0"/>
-        </a:xfrm>
-      </p:grpSpPr>
-      <p:pic>
-        <p:nvPicPr>
-          <p:cNvPr id="6" name="Content Placeholder 5"/>
-          <p:cNvPicPr>
-            <a:picLocks noGrp="1" noChangeAspect="1"/>
-          </p:cNvPicPr>
-          <p:nvPr>
-            <p:ph sz="quarter" idx="13"/>
-          </p:nvPr>
-        </p:nvPicPr>
-        <p:blipFill>
-          <a:blip r:embed="rId2">
-            <a:extLst>
-              <a:ext uri="{28A0092B-C50C-407E-A947-70E740481C1C}">
-                <a14:useLocalDpi xmlns:a14="http://schemas.microsoft.com/office/drawing/2010/main" val="0"/>
-              </a:ext>
-            </a:extLst>
-          </a:blip>
-          <a:stretch>
-            <a:fillRect/>
-          </a:stretch>
-        </p:blipFill>
-        <p:spPr>
-          <a:xfrm>
-            <a:off x="1648496" y="0"/>
-            <a:ext cx="7263685" cy="6858000"/>
-          </a:xfrm>
-        </p:spPr>
-      </p:pic>
-    </p:spTree>
-    <p:extLst>
-      <p:ext uri="{BB962C8B-B14F-4D97-AF65-F5344CB8AC3E}">
-        <p14:creationId xmlns:p14="http://schemas.microsoft.com/office/powerpoint/2010/main" val="1264601697"/>
-      </p:ext>
-    </p:extLst>
-  </p:cSld>
-  <p:clrMapOvr>
-    <a:masterClrMapping/>
-  </p:clrMapOvr>
-  <p:timing>
-    <p:tnLst>
-      <p:par>
-        <p:cTn id="1" dur="indefinite" restart="never" nodeType="tmRoot"/>
-      </p:par>
-    </p:tnLst>
-  </p:timing>
-</p:sld>
-</file>
-
-<file path=ppt/slides/slide18.xml><?xml version="1.0" encoding="utf-8"?>
+<file path=ppt/slides/slide14.xml><?xml version="1.0" encoding="utf-8"?>
 <p:sld xmlns:a="http://schemas.openxmlformats.org/drawingml/2006/main" xmlns:r="http://schemas.openxmlformats.org/officeDocument/2006/relationships" xmlns:p="http://schemas.openxmlformats.org/presentationml/2006/main">
   <p:cSld>
     <p:spTree>
@@ -24738,7 +25094,381 @@
 </p:sld>
 </file>
 
-<file path=ppt/slides/slide19.xml><?xml version="1.0" encoding="utf-8"?>
+<file path=ppt/slides/slide15.xml><?xml version="1.0" encoding="utf-8"?>
+<p:sld xmlns:a="http://schemas.openxmlformats.org/drawingml/2006/main" xmlns:r="http://schemas.openxmlformats.org/officeDocument/2006/relationships" xmlns:p="http://schemas.openxmlformats.org/presentationml/2006/main">
+  <p:cSld>
+    <p:spTree>
+      <p:nvGrpSpPr>
+        <p:cNvPr id="1" name=""/>
+        <p:cNvGrpSpPr/>
+        <p:nvPr/>
+      </p:nvGrpSpPr>
+      <p:grpSpPr>
+        <a:xfrm>
+          <a:off x="0" y="0"/>
+          <a:ext cx="0" cy="0"/>
+          <a:chOff x="0" y="0"/>
+          <a:chExt cx="0" cy="0"/>
+        </a:xfrm>
+      </p:grpSpPr>
+      <p:sp>
+        <p:nvSpPr>
+          <p:cNvPr id="4" name="Title 1"/>
+          <p:cNvSpPr>
+            <a:spLocks noGrp="1"/>
+          </p:cNvSpPr>
+          <p:nvPr>
+            <p:ph type="title"/>
+          </p:nvPr>
+        </p:nvSpPr>
+        <p:spPr>
+          <a:xfrm>
+            <a:off x="913775" y="0"/>
+            <a:ext cx="10364451" cy="940158"/>
+          </a:xfrm>
+        </p:spPr>
+        <p:txBody>
+          <a:bodyPr>
+            <a:normAutofit fontScale="90000"/>
+          </a:bodyPr>
+          <a:lstStyle/>
+          <a:p>
+            <a:pPr lvl="0"/>
+            <a:r>
+              <a:rPr lang="vi-VN" sz="5400" cap="none" dirty="0" smtClean="0">
+                <a:ln w="0"/>
+                <a:gradFill>
+                  <a:gsLst>
+                    <a:gs pos="0">
+                      <a:schemeClr val="accent5">
+                        <a:lumMod val="50000"/>
+                      </a:schemeClr>
+                    </a:gs>
+                    <a:gs pos="50000">
+                      <a:schemeClr val="accent5"/>
+                    </a:gs>
+                    <a:gs pos="100000">
+                      <a:schemeClr val="accent5">
+                        <a:lumMod val="60000"/>
+                        <a:lumOff val="40000"/>
+                      </a:schemeClr>
+                    </a:gs>
+                  </a:gsLst>
+                  <a:lin ang="5400000"/>
+                </a:gradFill>
+                <a:effectLst>
+                  <a:reflection blurRad="6350" stA="53000" endA="300" endPos="35500" dir="5400000" sy="-90000" algn="bl" rotWithShape="0"/>
+                </a:effectLst>
+                <a:latin typeface="Times New Roman" pitchFamily="18" charset="0"/>
+                <a:cs typeface="Times New Roman" pitchFamily="18" charset="0"/>
+              </a:rPr>
+              <a:t>Use cases diagram</a:t>
+            </a:r>
+            <a:r>
+              <a:rPr lang="vi-VN" dirty="0"/>
+              <a:t/>
+            </a:r>
+            <a:br>
+              <a:rPr lang="vi-VN" dirty="0"/>
+            </a:br>
+            <a:endParaRPr lang="vi-VN" dirty="0"/>
+          </a:p>
+        </p:txBody>
+      </p:sp>
+      <p:pic>
+        <p:nvPicPr>
+          <p:cNvPr id="5" name="Content Placeholder 4"/>
+          <p:cNvPicPr>
+            <a:picLocks noGrp="1" noChangeAspect="1"/>
+          </p:cNvPicPr>
+          <p:nvPr>
+            <p:ph sz="quarter" idx="13"/>
+          </p:nvPr>
+        </p:nvPicPr>
+        <p:blipFill>
+          <a:blip r:embed="rId2">
+            <a:extLst>
+              <a:ext uri="{28A0092B-C50C-407E-A947-70E740481C1C}">
+                <a14:useLocalDpi xmlns:a14="http://schemas.microsoft.com/office/drawing/2010/main" val="0"/>
+              </a:ext>
+            </a:extLst>
+          </a:blip>
+          <a:stretch>
+            <a:fillRect/>
+          </a:stretch>
+        </p:blipFill>
+        <p:spPr>
+          <a:xfrm>
+            <a:off x="1725769" y="746974"/>
+            <a:ext cx="8731876" cy="6220495"/>
+          </a:xfrm>
+        </p:spPr>
+      </p:pic>
+    </p:spTree>
+    <p:extLst>
+      <p:ext uri="{BB962C8B-B14F-4D97-AF65-F5344CB8AC3E}">
+        <p14:creationId xmlns:p14="http://schemas.microsoft.com/office/powerpoint/2010/main" val="2250950530"/>
+      </p:ext>
+    </p:extLst>
+  </p:cSld>
+  <p:clrMapOvr>
+    <a:masterClrMapping/>
+  </p:clrMapOvr>
+  <p:timing>
+    <p:tnLst>
+      <p:par>
+        <p:cTn id="1" dur="indefinite" restart="never" nodeType="tmRoot">
+          <p:childTnLst>
+            <p:seq concurrent="1" nextAc="seek">
+              <p:cTn id="2" dur="indefinite" nodeType="mainSeq">
+                <p:childTnLst>
+                  <p:par>
+                    <p:cTn id="3" fill="hold">
+                      <p:stCondLst>
+                        <p:cond delay="indefinite"/>
+                      </p:stCondLst>
+                      <p:childTnLst>
+                        <p:par>
+                          <p:cTn id="4" fill="hold">
+                            <p:stCondLst>
+                              <p:cond delay="0"/>
+                            </p:stCondLst>
+                            <p:childTnLst>
+                              <p:par>
+                                <p:cTn id="5" presetID="16" presetClass="entr" presetSubtype="21" fill="hold" grpId="0" nodeType="clickEffect">
+                                  <p:stCondLst>
+                                    <p:cond delay="0"/>
+                                  </p:stCondLst>
+                                  <p:childTnLst>
+                                    <p:set>
+                                      <p:cBhvr>
+                                        <p:cTn id="6" dur="1" fill="hold">
+                                          <p:stCondLst>
+                                            <p:cond delay="0"/>
+                                          </p:stCondLst>
+                                        </p:cTn>
+                                        <p:tgtEl>
+                                          <p:spTgt spid="4"/>
+                                        </p:tgtEl>
+                                        <p:attrNameLst>
+                                          <p:attrName>style.visibility</p:attrName>
+                                        </p:attrNameLst>
+                                      </p:cBhvr>
+                                      <p:to>
+                                        <p:strVal val="visible"/>
+                                      </p:to>
+                                    </p:set>
+                                    <p:animEffect transition="in" filter="barn(inVertical)">
+                                      <p:cBhvr>
+                                        <p:cTn id="7" dur="500"/>
+                                        <p:tgtEl>
+                                          <p:spTgt spid="4"/>
+                                        </p:tgtEl>
+                                      </p:cBhvr>
+                                    </p:animEffect>
+                                  </p:childTnLst>
+                                </p:cTn>
+                              </p:par>
+                            </p:childTnLst>
+                          </p:cTn>
+                        </p:par>
+                      </p:childTnLst>
+                    </p:cTn>
+                  </p:par>
+                  <p:par>
+                    <p:cTn id="8" fill="hold">
+                      <p:stCondLst>
+                        <p:cond delay="indefinite"/>
+                      </p:stCondLst>
+                      <p:childTnLst>
+                        <p:par>
+                          <p:cTn id="9" fill="hold">
+                            <p:stCondLst>
+                              <p:cond delay="0"/>
+                            </p:stCondLst>
+                            <p:childTnLst>
+                              <p:par>
+                                <p:cTn id="10" presetID="42" presetClass="entr" presetSubtype="0" fill="hold" nodeType="clickEffect">
+                                  <p:stCondLst>
+                                    <p:cond delay="0"/>
+                                  </p:stCondLst>
+                                  <p:childTnLst>
+                                    <p:set>
+                                      <p:cBhvr>
+                                        <p:cTn id="11" dur="1" fill="hold">
+                                          <p:stCondLst>
+                                            <p:cond delay="0"/>
+                                          </p:stCondLst>
+                                        </p:cTn>
+                                        <p:tgtEl>
+                                          <p:spTgt spid="5"/>
+                                        </p:tgtEl>
+                                        <p:attrNameLst>
+                                          <p:attrName>style.visibility</p:attrName>
+                                        </p:attrNameLst>
+                                      </p:cBhvr>
+                                      <p:to>
+                                        <p:strVal val="visible"/>
+                                      </p:to>
+                                    </p:set>
+                                    <p:animEffect transition="in" filter="fade">
+                                      <p:cBhvr>
+                                        <p:cTn id="12" dur="1000"/>
+                                        <p:tgtEl>
+                                          <p:spTgt spid="5"/>
+                                        </p:tgtEl>
+                                      </p:cBhvr>
+                                    </p:animEffect>
+                                    <p:anim calcmode="lin" valueType="num">
+                                      <p:cBhvr>
+                                        <p:cTn id="13" dur="1000" fill="hold"/>
+                                        <p:tgtEl>
+                                          <p:spTgt spid="5"/>
+                                        </p:tgtEl>
+                                        <p:attrNameLst>
+                                          <p:attrName>ppt_x</p:attrName>
+                                        </p:attrNameLst>
+                                      </p:cBhvr>
+                                      <p:tavLst>
+                                        <p:tav tm="0">
+                                          <p:val>
+                                            <p:strVal val="#ppt_x"/>
+                                          </p:val>
+                                        </p:tav>
+                                        <p:tav tm="100000">
+                                          <p:val>
+                                            <p:strVal val="#ppt_x"/>
+                                          </p:val>
+                                        </p:tav>
+                                      </p:tavLst>
+                                    </p:anim>
+                                    <p:anim calcmode="lin" valueType="num">
+                                      <p:cBhvr>
+                                        <p:cTn id="14" dur="1000" fill="hold"/>
+                                        <p:tgtEl>
+                                          <p:spTgt spid="5"/>
+                                        </p:tgtEl>
+                                        <p:attrNameLst>
+                                          <p:attrName>ppt_y</p:attrName>
+                                        </p:attrNameLst>
+                                      </p:cBhvr>
+                                      <p:tavLst>
+                                        <p:tav tm="0">
+                                          <p:val>
+                                            <p:strVal val="#ppt_y+.1"/>
+                                          </p:val>
+                                        </p:tav>
+                                        <p:tav tm="100000">
+                                          <p:val>
+                                            <p:strVal val="#ppt_y"/>
+                                          </p:val>
+                                        </p:tav>
+                                      </p:tavLst>
+                                    </p:anim>
+                                  </p:childTnLst>
+                                </p:cTn>
+                              </p:par>
+                            </p:childTnLst>
+                          </p:cTn>
+                        </p:par>
+                      </p:childTnLst>
+                    </p:cTn>
+                  </p:par>
+                </p:childTnLst>
+              </p:cTn>
+              <p:prevCondLst>
+                <p:cond evt="onPrev" delay="0">
+                  <p:tgtEl>
+                    <p:sldTgt/>
+                  </p:tgtEl>
+                </p:cond>
+              </p:prevCondLst>
+              <p:nextCondLst>
+                <p:cond evt="onNext" delay="0">
+                  <p:tgtEl>
+                    <p:sldTgt/>
+                  </p:tgtEl>
+                </p:cond>
+              </p:nextCondLst>
+            </p:seq>
+          </p:childTnLst>
+        </p:cTn>
+      </p:par>
+    </p:tnLst>
+    <p:bldLst>
+      <p:bldP spid="4" grpId="0"/>
+    </p:bldLst>
+  </p:timing>
+</p:sld>
+</file>
+
+<file path=ppt/slides/slide16.xml><?xml version="1.0" encoding="utf-8"?>
+<p:sld xmlns:a="http://schemas.openxmlformats.org/drawingml/2006/main" xmlns:r="http://schemas.openxmlformats.org/officeDocument/2006/relationships" xmlns:p="http://schemas.openxmlformats.org/presentationml/2006/main">
+  <p:cSld>
+    <p:spTree>
+      <p:nvGrpSpPr>
+        <p:cNvPr id="1" name=""/>
+        <p:cNvGrpSpPr/>
+        <p:nvPr/>
+      </p:nvGrpSpPr>
+      <p:grpSpPr>
+        <a:xfrm>
+          <a:off x="0" y="0"/>
+          <a:ext cx="0" cy="0"/>
+          <a:chOff x="0" y="0"/>
+          <a:chExt cx="0" cy="0"/>
+        </a:xfrm>
+      </p:grpSpPr>
+      <p:pic>
+        <p:nvPicPr>
+          <p:cNvPr id="6" name="Content Placeholder 5"/>
+          <p:cNvPicPr>
+            <a:picLocks noGrp="1" noChangeAspect="1"/>
+          </p:cNvPicPr>
+          <p:nvPr>
+            <p:ph sz="quarter" idx="13"/>
+          </p:nvPr>
+        </p:nvPicPr>
+        <p:blipFill>
+          <a:blip r:embed="rId2">
+            <a:extLst>
+              <a:ext uri="{28A0092B-C50C-407E-A947-70E740481C1C}">
+                <a14:useLocalDpi xmlns:a14="http://schemas.microsoft.com/office/drawing/2010/main" val="0"/>
+              </a:ext>
+            </a:extLst>
+          </a:blip>
+          <a:stretch>
+            <a:fillRect/>
+          </a:stretch>
+        </p:blipFill>
+        <p:spPr>
+          <a:xfrm>
+            <a:off x="1648496" y="0"/>
+            <a:ext cx="7263685" cy="6858000"/>
+          </a:xfrm>
+        </p:spPr>
+      </p:pic>
+    </p:spTree>
+    <p:extLst>
+      <p:ext uri="{BB962C8B-B14F-4D97-AF65-F5344CB8AC3E}">
+        <p14:creationId xmlns:p14="http://schemas.microsoft.com/office/powerpoint/2010/main" val="1264601697"/>
+      </p:ext>
+    </p:extLst>
+  </p:cSld>
+  <p:clrMapOvr>
+    <a:masterClrMapping/>
+  </p:clrMapOvr>
+  <p:timing>
+    <p:tnLst>
+      <p:par>
+        <p:cTn id="1" dur="indefinite" restart="never" nodeType="tmRoot"/>
+      </p:par>
+    </p:tnLst>
+  </p:timing>
+</p:sld>
+</file>
+
+<file path=ppt/slides/slide17.xml><?xml version="1.0" encoding="utf-8"?>
 <p:sld xmlns:a="http://schemas.openxmlformats.org/drawingml/2006/main" xmlns:r="http://schemas.openxmlformats.org/officeDocument/2006/relationships" xmlns:p="http://schemas.openxmlformats.org/presentationml/2006/main">
   <p:cSld>
     <p:spTree>
@@ -26681,8 +27411,8 @@
         </p:nvSpPr>
         <p:spPr>
           <a:xfrm>
-            <a:off x="913774" y="2214694"/>
-            <a:ext cx="10363826" cy="4031560"/>
+            <a:off x="913774" y="1803042"/>
+            <a:ext cx="10363826" cy="4443212"/>
           </a:xfrm>
         </p:spPr>
         <p:txBody>
@@ -26709,13 +27439,15 @@
                 <a:latin typeface="Times New Roman" panose="02020603050405020304" pitchFamily="18" charset="0"/>
                 <a:cs typeface="Times New Roman" panose="02020603050405020304" pitchFamily="18" charset="0"/>
               </a:rPr>
-              <a:t>User only need a laptop connect to internet, use any browser to access website</a:t>
+              <a:t>User only need a laptop connect to internet, use any browser to access </a:t>
             </a:r>
-          </a:p>
-          <a:p>
-            <a:pPr marL="0" indent="0">
-              <a:buNone/>
-            </a:pPr>
+            <a:r>
+              <a:rPr lang="en-US" cap="none" dirty="0" smtClean="0">
+                <a:latin typeface="Times New Roman" panose="02020603050405020304" pitchFamily="18" charset="0"/>
+                <a:cs typeface="Times New Roman" panose="02020603050405020304" pitchFamily="18" charset="0"/>
+              </a:rPr>
+              <a:t>website</a:t>
+            </a:r>
             <a:endParaRPr lang="en-US" cap="none" dirty="0" smtClean="0">
               <a:latin typeface="Times New Roman" panose="02020603050405020304" pitchFamily="18" charset="0"/>
               <a:cs typeface="Times New Roman" panose="02020603050405020304" pitchFamily="18" charset="0"/>
@@ -26735,15 +27467,6 @@
             </a:r>
           </a:p>
           <a:p>
-            <a:pPr marL="0" indent="0">
-              <a:buNone/>
-            </a:pPr>
-            <a:endParaRPr lang="en-US" cap="none" dirty="0" smtClean="0">
-              <a:latin typeface="Times New Roman" panose="02020603050405020304" pitchFamily="18" charset="0"/>
-              <a:cs typeface="Times New Roman" panose="02020603050405020304" pitchFamily="18" charset="0"/>
-            </a:endParaRPr>
-          </a:p>
-          <a:p>
             <a:pPr>
               <a:buFont typeface="Wingdings" panose="05000000000000000000" pitchFamily="2" charset="2"/>
               <a:buChar char="Ø"/>
@@ -26753,8 +27476,64 @@
                 <a:latin typeface="Times New Roman" panose="02020603050405020304" pitchFamily="18" charset="0"/>
                 <a:cs typeface="Times New Roman" panose="02020603050405020304" pitchFamily="18" charset="0"/>
               </a:rPr>
-              <a:t>User have not to mind about upgrading account to study</a:t>
+              <a:t>User have not to mind about upgrading account to </a:t>
             </a:r>
+            <a:r>
+              <a:rPr lang="en-US" cap="none" dirty="0" smtClean="0">
+                <a:latin typeface="Times New Roman" panose="02020603050405020304" pitchFamily="18" charset="0"/>
+                <a:cs typeface="Times New Roman" panose="02020603050405020304" pitchFamily="18" charset="0"/>
+              </a:rPr>
+              <a:t>study</a:t>
+            </a:r>
+          </a:p>
+          <a:p>
+            <a:pPr>
+              <a:buFont typeface="Wingdings" panose="05000000000000000000" pitchFamily="2" charset="2"/>
+              <a:buChar char="Ø"/>
+            </a:pPr>
+            <a:r>
+              <a:rPr lang="en-US" cap="none" dirty="0">
+                <a:latin typeface="Times New Roman" panose="02020603050405020304" pitchFamily="18" charset="0"/>
+                <a:cs typeface="Times New Roman" panose="02020603050405020304" pitchFamily="18" charset="0"/>
+              </a:rPr>
+              <a:t>Full of sections to user can choose, such as: reading, listening, conservation, video, testing, review JLPT…</a:t>
+            </a:r>
+          </a:p>
+          <a:p>
+            <a:pPr>
+              <a:buFont typeface="Wingdings" panose="05000000000000000000" pitchFamily="2" charset="2"/>
+              <a:buChar char="Ø"/>
+            </a:pPr>
+            <a:r>
+              <a:rPr lang="en-US" cap="none" dirty="0">
+                <a:latin typeface="Times New Roman" panose="02020603050405020304" pitchFamily="18" charset="0"/>
+                <a:cs typeface="Times New Roman" panose="02020603050405020304" pitchFamily="18" charset="0"/>
+              </a:rPr>
+              <a:t>Specially, search function with full option to help user maximum </a:t>
+            </a:r>
+          </a:p>
+          <a:p>
+            <a:pPr>
+              <a:buFont typeface="Wingdings" panose="05000000000000000000" pitchFamily="2" charset="2"/>
+              <a:buChar char="Ø"/>
+            </a:pPr>
+            <a:r>
+              <a:rPr lang="en-US" cap="none" dirty="0">
+                <a:latin typeface="Times New Roman" panose="02020603050405020304" pitchFamily="18" charset="0"/>
+                <a:cs typeface="Times New Roman" panose="02020603050405020304" pitchFamily="18" charset="0"/>
+              </a:rPr>
+              <a:t>User can contribute opinion and data </a:t>
+            </a:r>
+          </a:p>
+          <a:p>
+            <a:pPr>
+              <a:buFont typeface="Wingdings" panose="05000000000000000000" pitchFamily="2" charset="2"/>
+              <a:buChar char="Ø"/>
+            </a:pPr>
+            <a:endParaRPr lang="en-US" cap="none" dirty="0" smtClean="0">
+              <a:latin typeface="Times New Roman" panose="02020603050405020304" pitchFamily="18" charset="0"/>
+              <a:cs typeface="Times New Roman" panose="02020603050405020304" pitchFamily="18" charset="0"/>
+            </a:endParaRPr>
           </a:p>
         </p:txBody>
       </p:sp>
@@ -26820,96 +27599,6 @@
           </a:p>
         </p:txBody>
       </p:sp>
-      <p:pic>
-        <p:nvPicPr>
-          <p:cNvPr id="2" name="Picture 1"/>
-          <p:cNvPicPr>
-            <a:picLocks noChangeAspect="1"/>
-          </p:cNvPicPr>
-          <p:nvPr/>
-        </p:nvPicPr>
-        <p:blipFill>
-          <a:blip r:embed="rId2">
-            <a:extLst>
-              <a:ext uri="{28A0092B-C50C-407E-A947-70E740481C1C}">
-                <a14:useLocalDpi xmlns:a14="http://schemas.microsoft.com/office/drawing/2010/main" val="0"/>
-              </a:ext>
-            </a:extLst>
-          </a:blip>
-          <a:stretch>
-            <a:fillRect/>
-          </a:stretch>
-        </p:blipFill>
-        <p:spPr>
-          <a:xfrm>
-            <a:off x="9336557" y="2884867"/>
-            <a:ext cx="1662001" cy="1029035"/>
-          </a:xfrm>
-          <a:prstGeom prst="rect">
-            <a:avLst/>
-          </a:prstGeom>
-        </p:spPr>
-      </p:pic>
-      <p:pic>
-        <p:nvPicPr>
-          <p:cNvPr id="4" name="Picture 3"/>
-          <p:cNvPicPr>
-            <a:picLocks noChangeAspect="1"/>
-          </p:cNvPicPr>
-          <p:nvPr/>
-        </p:nvPicPr>
-        <p:blipFill>
-          <a:blip r:embed="rId3">
-            <a:extLst>
-              <a:ext uri="{28A0092B-C50C-407E-A947-70E740481C1C}">
-                <a14:useLocalDpi xmlns:a14="http://schemas.microsoft.com/office/drawing/2010/main" val="0"/>
-              </a:ext>
-            </a:extLst>
-          </a:blip>
-          <a:stretch>
-            <a:fillRect/>
-          </a:stretch>
-        </p:blipFill>
-        <p:spPr>
-          <a:xfrm>
-            <a:off x="7055096" y="3810871"/>
-            <a:ext cx="1766932" cy="987983"/>
-          </a:xfrm>
-          <a:prstGeom prst="rect">
-            <a:avLst/>
-          </a:prstGeom>
-        </p:spPr>
-      </p:pic>
-      <p:pic>
-        <p:nvPicPr>
-          <p:cNvPr id="5" name="Picture 4"/>
-          <p:cNvPicPr>
-            <a:picLocks noChangeAspect="1"/>
-          </p:cNvPicPr>
-          <p:nvPr/>
-        </p:nvPicPr>
-        <p:blipFill>
-          <a:blip r:embed="rId4">
-            <a:extLst>
-              <a:ext uri="{28A0092B-C50C-407E-A947-70E740481C1C}">
-                <a14:useLocalDpi xmlns:a14="http://schemas.microsoft.com/office/drawing/2010/main" val="0"/>
-              </a:ext>
-            </a:extLst>
-          </a:blip>
-          <a:stretch>
-            <a:fillRect/>
-          </a:stretch>
-        </p:blipFill>
-        <p:spPr>
-          <a:xfrm>
-            <a:off x="7055096" y="4926906"/>
-            <a:ext cx="1766932" cy="971617"/>
-          </a:xfrm>
-          <a:prstGeom prst="rect">
-            <a:avLst/>
-          </a:prstGeom>
-        </p:spPr>
-      </p:pic>
     </p:spTree>
     <p:extLst>
       <p:ext uri="{BB962C8B-B14F-4D97-AF65-F5344CB8AC3E}">
@@ -27105,7 +27794,11 @@
                                           </p:stCondLst>
                                         </p:cTn>
                                         <p:tgtEl>
-                                          <p:spTgt spid="2"/>
+                                          <p:spTgt spid="3">
+                                            <p:txEl>
+                                              <p:pRg st="2" end="2"/>
+                                            </p:txEl>
+                                          </p:spTgt>
                                         </p:tgtEl>
                                         <p:attrNameLst>
                                           <p:attrName>style.visibility</p:attrName>
@@ -27199,7 +27892,11 @@
                                           </p:stCondLst>
                                         </p:cTn>
                                         <p:tgtEl>
-                                          <p:spTgt spid="4"/>
+                                          <p:spTgt spid="3">
+                                            <p:txEl>
+                                              <p:pRg st="4" end="4"/>
+                                            </p:txEl>
+                                          </p:spTgt>
                                         </p:tgtEl>
                                         <p:attrNameLst>
                                           <p:attrName>style.visibility</p:attrName>
@@ -27293,7 +27990,11 @@
                                           </p:stCondLst>
                                         </p:cTn>
                                         <p:tgtEl>
-                                          <p:spTgt spid="5"/>
+                                          <p:spTgt spid="3">
+                                            <p:txEl>
+                                              <p:pRg st="6" end="6"/>
+                                            </p:txEl>
+                                          </p:spTgt>
                                         </p:tgtEl>
                                         <p:attrNameLst>
                                           <p:attrName>style.visibility</p:attrName>
@@ -27372,589 +28073,6 @@
           <a:bodyPr/>
           <a:lstStyle/>
           <a:p>
-            <a:pPr>
-              <a:buFont typeface="Wingdings" panose="05000000000000000000" pitchFamily="2" charset="2"/>
-              <a:buChar char="Ø"/>
-            </a:pPr>
-            <a:r>
-              <a:rPr lang="en-US" cap="none" dirty="0">
-                <a:latin typeface="Times New Roman" panose="02020603050405020304" pitchFamily="18" charset="0"/>
-                <a:cs typeface="Times New Roman" panose="02020603050405020304" pitchFamily="18" charset="0"/>
-              </a:rPr>
-              <a:t>Full of sections to user can choose, such as: reading, listening, conservation, video, </a:t>
-            </a:r>
-            <a:r>
-              <a:rPr lang="en-US" cap="none" dirty="0" smtClean="0">
-                <a:latin typeface="Times New Roman" panose="02020603050405020304" pitchFamily="18" charset="0"/>
-                <a:cs typeface="Times New Roman" panose="02020603050405020304" pitchFamily="18" charset="0"/>
-              </a:rPr>
-              <a:t>testing, review </a:t>
-            </a:r>
-            <a:r>
-              <a:rPr lang="en-US" cap="none" dirty="0">
-                <a:latin typeface="Times New Roman" panose="02020603050405020304" pitchFamily="18" charset="0"/>
-                <a:cs typeface="Times New Roman" panose="02020603050405020304" pitchFamily="18" charset="0"/>
-              </a:rPr>
-              <a:t>JLPT</a:t>
-            </a:r>
-            <a:r>
-              <a:rPr lang="en-US" cap="none" dirty="0" smtClean="0">
-                <a:latin typeface="Times New Roman" panose="02020603050405020304" pitchFamily="18" charset="0"/>
-                <a:cs typeface="Times New Roman" panose="02020603050405020304" pitchFamily="18" charset="0"/>
-              </a:rPr>
-              <a:t>…</a:t>
-            </a:r>
-          </a:p>
-          <a:p>
-            <a:pPr marL="0" indent="0">
-              <a:buNone/>
-            </a:pPr>
-            <a:endParaRPr lang="en-US" cap="none" dirty="0">
-              <a:latin typeface="Times New Roman" panose="02020603050405020304" pitchFamily="18" charset="0"/>
-              <a:cs typeface="Times New Roman" panose="02020603050405020304" pitchFamily="18" charset="0"/>
-            </a:endParaRPr>
-          </a:p>
-          <a:p>
-            <a:pPr>
-              <a:buFont typeface="Wingdings" panose="05000000000000000000" pitchFamily="2" charset="2"/>
-              <a:buChar char="Ø"/>
-            </a:pPr>
-            <a:r>
-              <a:rPr lang="en-US" cap="none" dirty="0">
-                <a:latin typeface="Times New Roman" panose="02020603050405020304" pitchFamily="18" charset="0"/>
-                <a:cs typeface="Times New Roman" panose="02020603050405020304" pitchFamily="18" charset="0"/>
-              </a:rPr>
-              <a:t>Specially, search function with full option to help user </a:t>
-            </a:r>
-            <a:r>
-              <a:rPr lang="en-US" cap="none" dirty="0" smtClean="0">
-                <a:latin typeface="Times New Roman" panose="02020603050405020304" pitchFamily="18" charset="0"/>
-                <a:cs typeface="Times New Roman" panose="02020603050405020304" pitchFamily="18" charset="0"/>
-              </a:rPr>
-              <a:t>maximum </a:t>
-            </a:r>
-          </a:p>
-          <a:p>
-            <a:pPr marL="0" indent="0">
-              <a:buNone/>
-            </a:pPr>
-            <a:endParaRPr lang="en-US" cap="none" dirty="0">
-              <a:latin typeface="Times New Roman" panose="02020603050405020304" pitchFamily="18" charset="0"/>
-              <a:cs typeface="Times New Roman" panose="02020603050405020304" pitchFamily="18" charset="0"/>
-            </a:endParaRPr>
-          </a:p>
-          <a:p>
-            <a:pPr>
-              <a:buFont typeface="Wingdings" panose="05000000000000000000" pitchFamily="2" charset="2"/>
-              <a:buChar char="Ø"/>
-            </a:pPr>
-            <a:r>
-              <a:rPr lang="en-US" cap="none" dirty="0">
-                <a:latin typeface="Times New Roman" panose="02020603050405020304" pitchFamily="18" charset="0"/>
-                <a:cs typeface="Times New Roman" panose="02020603050405020304" pitchFamily="18" charset="0"/>
-              </a:rPr>
-              <a:t>User can contribute opinion and data </a:t>
-            </a:r>
-          </a:p>
-          <a:p>
-            <a:endParaRPr lang="vi-VN" dirty="0">
-              <a:latin typeface="Times New Roman" panose="02020603050405020304" pitchFamily="18" charset="0"/>
-              <a:cs typeface="Times New Roman" panose="02020603050405020304" pitchFamily="18" charset="0"/>
-            </a:endParaRPr>
-          </a:p>
-        </p:txBody>
-      </p:sp>
-      <p:sp>
-        <p:nvSpPr>
-          <p:cNvPr id="4" name="Title 1"/>
-          <p:cNvSpPr>
-            <a:spLocks noGrp="1"/>
-          </p:cNvSpPr>
-          <p:nvPr>
-            <p:ph type="title"/>
-          </p:nvPr>
-        </p:nvSpPr>
-        <p:spPr>
-          <a:xfrm>
-            <a:off x="913775" y="618517"/>
-            <a:ext cx="10364451" cy="1596177"/>
-          </a:xfrm>
-        </p:spPr>
-        <p:txBody>
-          <a:bodyPr/>
-          <a:lstStyle/>
-          <a:p>
-            <a:pPr lvl="0"/>
-            <a:r>
-              <a:rPr lang="vi-VN" sz="5400" cap="none" dirty="0" smtClean="0">
-                <a:ln w="0"/>
-                <a:gradFill>
-                  <a:gsLst>
-                    <a:gs pos="0">
-                      <a:schemeClr val="accent5">
-                        <a:lumMod val="50000"/>
-                      </a:schemeClr>
-                    </a:gs>
-                    <a:gs pos="50000">
-                      <a:schemeClr val="accent5"/>
-                    </a:gs>
-                    <a:gs pos="100000">
-                      <a:schemeClr val="accent5">
-                        <a:lumMod val="60000"/>
-                        <a:lumOff val="40000"/>
-                      </a:schemeClr>
-                    </a:gs>
-                  </a:gsLst>
-                  <a:lin ang="5400000"/>
-                </a:gradFill>
-                <a:effectLst>
-                  <a:reflection blurRad="6350" stA="53000" endA="300" endPos="35500" dir="5400000" sy="-90000" algn="bl" rotWithShape="0"/>
-                </a:effectLst>
-                <a:latin typeface="Times New Roman" pitchFamily="18" charset="0"/>
-                <a:cs typeface="Times New Roman" pitchFamily="18" charset="0"/>
-              </a:rPr>
-              <a:t>The idea</a:t>
-            </a:r>
-            <a:r>
-              <a:rPr lang="vi-VN" dirty="0"/>
-              <a:t/>
-            </a:r>
-            <a:br>
-              <a:rPr lang="vi-VN" dirty="0"/>
-            </a:br>
-            <a:endParaRPr lang="vi-VN" dirty="0"/>
-          </a:p>
-        </p:txBody>
-      </p:sp>
-      <p:pic>
-        <p:nvPicPr>
-          <p:cNvPr id="5" name="Picture 4"/>
-          <p:cNvPicPr>
-            <a:picLocks noChangeAspect="1"/>
-          </p:cNvPicPr>
-          <p:nvPr/>
-        </p:nvPicPr>
-        <p:blipFill>
-          <a:blip r:embed="rId2">
-            <a:extLst>
-              <a:ext uri="{28A0092B-C50C-407E-A947-70E740481C1C}">
-                <a14:useLocalDpi xmlns:a14="http://schemas.microsoft.com/office/drawing/2010/main" val="0"/>
-              </a:ext>
-            </a:extLst>
-          </a:blip>
-          <a:stretch>
-            <a:fillRect/>
-          </a:stretch>
-        </p:blipFill>
-        <p:spPr>
-          <a:xfrm>
-            <a:off x="7854905" y="3116687"/>
-            <a:ext cx="1726976" cy="1120462"/>
-          </a:xfrm>
-          <a:prstGeom prst="rect">
-            <a:avLst/>
-          </a:prstGeom>
-        </p:spPr>
-      </p:pic>
-      <p:pic>
-        <p:nvPicPr>
-          <p:cNvPr id="6" name="Picture 5"/>
-          <p:cNvPicPr>
-            <a:picLocks noChangeAspect="1"/>
-          </p:cNvPicPr>
-          <p:nvPr/>
-        </p:nvPicPr>
-        <p:blipFill>
-          <a:blip r:embed="rId3">
-            <a:extLst>
-              <a:ext uri="{28A0092B-C50C-407E-A947-70E740481C1C}">
-                <a14:useLocalDpi xmlns:a14="http://schemas.microsoft.com/office/drawing/2010/main" val="0"/>
-              </a:ext>
-            </a:extLst>
-          </a:blip>
-          <a:stretch>
-            <a:fillRect/>
-          </a:stretch>
-        </p:blipFill>
-        <p:spPr>
-          <a:xfrm>
-            <a:off x="5216704" y="4079145"/>
-            <a:ext cx="2092817" cy="1249253"/>
-          </a:xfrm>
-          <a:prstGeom prst="rect">
-            <a:avLst/>
-          </a:prstGeom>
-        </p:spPr>
-      </p:pic>
-    </p:spTree>
-    <p:extLst>
-      <p:ext uri="{BB962C8B-B14F-4D97-AF65-F5344CB8AC3E}">
-        <p14:creationId xmlns:p14="http://schemas.microsoft.com/office/powerpoint/2010/main" val="2226690731"/>
-      </p:ext>
-    </p:extLst>
-  </p:cSld>
-  <p:clrMapOvr>
-    <a:masterClrMapping/>
-  </p:clrMapOvr>
-  <p:timing>
-    <p:tnLst>
-      <p:par>
-        <p:cTn id="1" dur="indefinite" restart="never" nodeType="tmRoot">
-          <p:childTnLst>
-            <p:seq concurrent="1" nextAc="seek">
-              <p:cTn id="2" dur="indefinite" nodeType="mainSeq">
-                <p:childTnLst>
-                  <p:par>
-                    <p:cTn id="3" fill="hold">
-                      <p:stCondLst>
-                        <p:cond delay="indefinite"/>
-                      </p:stCondLst>
-                      <p:childTnLst>
-                        <p:par>
-                          <p:cTn id="4" fill="hold">
-                            <p:stCondLst>
-                              <p:cond delay="0"/>
-                            </p:stCondLst>
-                            <p:childTnLst>
-                              <p:par>
-                                <p:cTn id="5" presetID="16" presetClass="entr" presetSubtype="21" fill="hold" grpId="0" nodeType="clickEffect">
-                                  <p:stCondLst>
-                                    <p:cond delay="0"/>
-                                  </p:stCondLst>
-                                  <p:childTnLst>
-                                    <p:set>
-                                      <p:cBhvr>
-                                        <p:cTn id="6" dur="1" fill="hold">
-                                          <p:stCondLst>
-                                            <p:cond delay="0"/>
-                                          </p:stCondLst>
-                                        </p:cTn>
-                                        <p:tgtEl>
-                                          <p:spTgt spid="4"/>
-                                        </p:tgtEl>
-                                        <p:attrNameLst>
-                                          <p:attrName>style.visibility</p:attrName>
-                                        </p:attrNameLst>
-                                      </p:cBhvr>
-                                      <p:to>
-                                        <p:strVal val="visible"/>
-                                      </p:to>
-                                    </p:set>
-                                    <p:animEffect transition="in" filter="barn(inVertical)">
-                                      <p:cBhvr>
-                                        <p:cTn id="7" dur="500"/>
-                                        <p:tgtEl>
-                                          <p:spTgt spid="4"/>
-                                        </p:tgtEl>
-                                      </p:cBhvr>
-                                    </p:animEffect>
-                                  </p:childTnLst>
-                                </p:cTn>
-                              </p:par>
-                            </p:childTnLst>
-                          </p:cTn>
-                        </p:par>
-                      </p:childTnLst>
-                    </p:cTn>
-                  </p:par>
-                  <p:par>
-                    <p:cTn id="8" fill="hold">
-                      <p:stCondLst>
-                        <p:cond delay="indefinite"/>
-                      </p:stCondLst>
-                      <p:childTnLst>
-                        <p:par>
-                          <p:cTn id="9" fill="hold">
-                            <p:stCondLst>
-                              <p:cond delay="0"/>
-                            </p:stCondLst>
-                            <p:childTnLst>
-                              <p:par>
-                                <p:cTn id="10" presetID="1" presetClass="entr" presetSubtype="0" fill="hold" grpId="0" nodeType="clickEffect">
-                                  <p:stCondLst>
-                                    <p:cond delay="0"/>
-                                  </p:stCondLst>
-                                  <p:childTnLst>
-                                    <p:set>
-                                      <p:cBhvr>
-                                        <p:cTn id="11" dur="1" fill="hold">
-                                          <p:stCondLst>
-                                            <p:cond delay="0"/>
-                                          </p:stCondLst>
-                                        </p:cTn>
-                                        <p:tgtEl>
-                                          <p:spTgt spid="3">
-                                            <p:txEl>
-                                              <p:pRg st="0" end="0"/>
-                                            </p:txEl>
-                                          </p:spTgt>
-                                        </p:tgtEl>
-                                        <p:attrNameLst>
-                                          <p:attrName>style.visibility</p:attrName>
-                                        </p:attrNameLst>
-                                      </p:cBhvr>
-                                      <p:to>
-                                        <p:strVal val="visible"/>
-                                      </p:to>
-                                    </p:set>
-                                  </p:childTnLst>
-                                </p:cTn>
-                              </p:par>
-                            </p:childTnLst>
-                          </p:cTn>
-                        </p:par>
-                      </p:childTnLst>
-                    </p:cTn>
-                  </p:par>
-                  <p:par>
-                    <p:cTn id="12" fill="hold">
-                      <p:stCondLst>
-                        <p:cond delay="indefinite"/>
-                      </p:stCondLst>
-                      <p:childTnLst>
-                        <p:par>
-                          <p:cTn id="13" fill="hold">
-                            <p:stCondLst>
-                              <p:cond delay="0"/>
-                            </p:stCondLst>
-                            <p:childTnLst>
-                              <p:par>
-                                <p:cTn id="14" presetID="1" presetClass="entr" presetSubtype="0" fill="hold" grpId="0" nodeType="clickEffect">
-                                  <p:stCondLst>
-                                    <p:cond delay="0"/>
-                                  </p:stCondLst>
-                                  <p:childTnLst>
-                                    <p:set>
-                                      <p:cBhvr>
-                                        <p:cTn id="15" dur="1" fill="hold">
-                                          <p:stCondLst>
-                                            <p:cond delay="0"/>
-                                          </p:stCondLst>
-                                        </p:cTn>
-                                        <p:tgtEl>
-                                          <p:spTgt spid="3">
-                                            <p:txEl>
-                                              <p:pRg st="2" end="2"/>
-                                            </p:txEl>
-                                          </p:spTgt>
-                                        </p:tgtEl>
-                                        <p:attrNameLst>
-                                          <p:attrName>style.visibility</p:attrName>
-                                        </p:attrNameLst>
-                                      </p:cBhvr>
-                                      <p:to>
-                                        <p:strVal val="visible"/>
-                                      </p:to>
-                                    </p:set>
-                                  </p:childTnLst>
-                                </p:cTn>
-                              </p:par>
-                            </p:childTnLst>
-                          </p:cTn>
-                        </p:par>
-                      </p:childTnLst>
-                    </p:cTn>
-                  </p:par>
-                  <p:par>
-                    <p:cTn id="16" fill="hold">
-                      <p:stCondLst>
-                        <p:cond delay="indefinite"/>
-                      </p:stCondLst>
-                      <p:childTnLst>
-                        <p:par>
-                          <p:cTn id="17" fill="hold">
-                            <p:stCondLst>
-                              <p:cond delay="0"/>
-                            </p:stCondLst>
-                            <p:childTnLst>
-                              <p:par>
-                                <p:cTn id="18" presetID="1" presetClass="entr" presetSubtype="0" fill="hold" nodeType="clickEffect">
-                                  <p:stCondLst>
-                                    <p:cond delay="0"/>
-                                  </p:stCondLst>
-                                  <p:childTnLst>
-                                    <p:set>
-                                      <p:cBhvr>
-                                        <p:cTn id="19" dur="1" fill="hold">
-                                          <p:stCondLst>
-                                            <p:cond delay="0"/>
-                                          </p:stCondLst>
-                                        </p:cTn>
-                                        <p:tgtEl>
-                                          <p:spTgt spid="5"/>
-                                        </p:tgtEl>
-                                        <p:attrNameLst>
-                                          <p:attrName>style.visibility</p:attrName>
-                                        </p:attrNameLst>
-                                      </p:cBhvr>
-                                      <p:to>
-                                        <p:strVal val="visible"/>
-                                      </p:to>
-                                    </p:set>
-                                  </p:childTnLst>
-                                </p:cTn>
-                              </p:par>
-                            </p:childTnLst>
-                          </p:cTn>
-                        </p:par>
-                      </p:childTnLst>
-                    </p:cTn>
-                  </p:par>
-                  <p:par>
-                    <p:cTn id="20" fill="hold">
-                      <p:stCondLst>
-                        <p:cond delay="indefinite"/>
-                      </p:stCondLst>
-                      <p:childTnLst>
-                        <p:par>
-                          <p:cTn id="21" fill="hold">
-                            <p:stCondLst>
-                              <p:cond delay="0"/>
-                            </p:stCondLst>
-                            <p:childTnLst>
-                              <p:par>
-                                <p:cTn id="22" presetID="1" presetClass="entr" presetSubtype="0" fill="hold" nodeType="clickEffect">
-                                  <p:stCondLst>
-                                    <p:cond delay="0"/>
-                                  </p:stCondLst>
-                                  <p:childTnLst>
-                                    <p:set>
-                                      <p:cBhvr>
-                                        <p:cTn id="23" dur="1" fill="hold">
-                                          <p:stCondLst>
-                                            <p:cond delay="0"/>
-                                          </p:stCondLst>
-                                        </p:cTn>
-                                        <p:tgtEl>
-                                          <p:spTgt spid="3">
-                                            <p:txEl>
-                                              <p:pRg st="4" end="4"/>
-                                            </p:txEl>
-                                          </p:spTgt>
-                                        </p:tgtEl>
-                                        <p:attrNameLst>
-                                          <p:attrName>style.visibility</p:attrName>
-                                        </p:attrNameLst>
-                                      </p:cBhvr>
-                                      <p:to>
-                                        <p:strVal val="visible"/>
-                                      </p:to>
-                                    </p:set>
-                                  </p:childTnLst>
-                                </p:cTn>
-                              </p:par>
-                            </p:childTnLst>
-                          </p:cTn>
-                        </p:par>
-                      </p:childTnLst>
-                    </p:cTn>
-                  </p:par>
-                  <p:par>
-                    <p:cTn id="24" fill="hold">
-                      <p:stCondLst>
-                        <p:cond delay="indefinite"/>
-                      </p:stCondLst>
-                      <p:childTnLst>
-                        <p:par>
-                          <p:cTn id="25" fill="hold">
-                            <p:stCondLst>
-                              <p:cond delay="0"/>
-                            </p:stCondLst>
-                            <p:childTnLst>
-                              <p:par>
-                                <p:cTn id="26" presetID="1" presetClass="entr" presetSubtype="0" fill="hold" nodeType="clickEffect">
-                                  <p:stCondLst>
-                                    <p:cond delay="0"/>
-                                  </p:stCondLst>
-                                  <p:childTnLst>
-                                    <p:set>
-                                      <p:cBhvr>
-                                        <p:cTn id="27" dur="1" fill="hold">
-                                          <p:stCondLst>
-                                            <p:cond delay="0"/>
-                                          </p:stCondLst>
-                                        </p:cTn>
-                                        <p:tgtEl>
-                                          <p:spTgt spid="6"/>
-                                        </p:tgtEl>
-                                        <p:attrNameLst>
-                                          <p:attrName>style.visibility</p:attrName>
-                                        </p:attrNameLst>
-                                      </p:cBhvr>
-                                      <p:to>
-                                        <p:strVal val="visible"/>
-                                      </p:to>
-                                    </p:set>
-                                  </p:childTnLst>
-                                </p:cTn>
-                              </p:par>
-                            </p:childTnLst>
-                          </p:cTn>
-                        </p:par>
-                      </p:childTnLst>
-                    </p:cTn>
-                  </p:par>
-                </p:childTnLst>
-              </p:cTn>
-              <p:prevCondLst>
-                <p:cond evt="onPrev" delay="0">
-                  <p:tgtEl>
-                    <p:sldTgt/>
-                  </p:tgtEl>
-                </p:cond>
-              </p:prevCondLst>
-              <p:nextCondLst>
-                <p:cond evt="onNext" delay="0">
-                  <p:tgtEl>
-                    <p:sldTgt/>
-                  </p:tgtEl>
-                </p:cond>
-              </p:nextCondLst>
-            </p:seq>
-          </p:childTnLst>
-        </p:cTn>
-      </p:par>
-    </p:tnLst>
-    <p:bldLst>
-      <p:bldP spid="3" grpId="0" uiExpand="1" build="p"/>
-      <p:bldP spid="4" grpId="0"/>
-    </p:bldLst>
-  </p:timing>
-</p:sld>
-</file>
-
-<file path=ppt/slides/slide8.xml><?xml version="1.0" encoding="utf-8"?>
-<p:sld xmlns:a="http://schemas.openxmlformats.org/drawingml/2006/main" xmlns:r="http://schemas.openxmlformats.org/officeDocument/2006/relationships" xmlns:p="http://schemas.openxmlformats.org/presentationml/2006/main">
-  <p:cSld>
-    <p:spTree>
-      <p:nvGrpSpPr>
-        <p:cNvPr id="1" name=""/>
-        <p:cNvGrpSpPr/>
-        <p:nvPr/>
-      </p:nvGrpSpPr>
-      <p:grpSpPr>
-        <a:xfrm>
-          <a:off x="0" y="0"/>
-          <a:ext cx="0" cy="0"/>
-          <a:chOff x="0" y="0"/>
-          <a:chExt cx="0" cy="0"/>
-        </a:xfrm>
-      </p:grpSpPr>
-      <p:sp>
-        <p:nvSpPr>
-          <p:cNvPr id="3" name="Content Placeholder 2"/>
-          <p:cNvSpPr>
-            <a:spLocks noGrp="1"/>
-          </p:cNvSpPr>
-          <p:nvPr>
-            <p:ph sz="quarter" idx="13"/>
-          </p:nvPr>
-        </p:nvSpPr>
-        <p:spPr/>
-        <p:txBody>
-          <a:bodyPr/>
-          <a:lstStyle/>
-          <a:p>
             <a:r>
               <a:rPr lang="en-US" cap="none" dirty="0" smtClean="0">
                 <a:latin typeface="Times New Roman" panose="02020603050405020304" pitchFamily="18" charset="0"/>
@@ -27964,9 +28082,20 @@
             </a:r>
           </a:p>
           <a:p>
-            <a:pPr marL="0" indent="0">
-              <a:buNone/>
-            </a:pPr>
+            <a:r>
+              <a:rPr lang="en-US" cap="none" dirty="0" smtClean="0">
+                <a:latin typeface="Times New Roman" panose="02020603050405020304" pitchFamily="18" charset="0"/>
+                <a:cs typeface="Times New Roman" panose="02020603050405020304" pitchFamily="18" charset="0"/>
+              </a:rPr>
+              <a:t>Applying knowledge during in 4 years to complete project </a:t>
+            </a:r>
+            <a:r>
+              <a:rPr lang="en-US" cap="none" dirty="0" smtClean="0">
+                <a:latin typeface="Times New Roman" panose="02020603050405020304" pitchFamily="18" charset="0"/>
+                <a:cs typeface="Times New Roman" panose="02020603050405020304" pitchFamily="18" charset="0"/>
+              </a:rPr>
+              <a:t>successfully</a:t>
+            </a:r>
             <a:endParaRPr lang="en-US" cap="none" dirty="0" smtClean="0">
               <a:latin typeface="Times New Roman" panose="02020603050405020304" pitchFamily="18" charset="0"/>
               <a:cs typeface="Times New Roman" panose="02020603050405020304" pitchFamily="18" charset="0"/>
@@ -27978,26 +28107,58 @@
                 <a:latin typeface="Times New Roman" panose="02020603050405020304" pitchFamily="18" charset="0"/>
                 <a:cs typeface="Times New Roman" panose="02020603050405020304" pitchFamily="18" charset="0"/>
               </a:rPr>
-              <a:t>Applying knowledge during in 4 years to complete project successfully</a:t>
+              <a:t>Studying more about: Java script, PHP, HTML, </a:t>
+            </a:r>
+            <a:r>
+              <a:rPr lang="en-US" cap="none" dirty="0" smtClean="0">
+                <a:latin typeface="Times New Roman" panose="02020603050405020304" pitchFamily="18" charset="0"/>
+                <a:cs typeface="Times New Roman" panose="02020603050405020304" pitchFamily="18" charset="0"/>
+              </a:rPr>
+              <a:t>…</a:t>
             </a:r>
           </a:p>
           <a:p>
-            <a:pPr marL="0" indent="0">
-              <a:buNone/>
-            </a:pPr>
-            <a:endParaRPr lang="en-US" cap="none" dirty="0" smtClean="0">
+            <a:r>
+              <a:rPr lang="en-US" cap="none" dirty="0">
+                <a:latin typeface="Times New Roman" panose="02020603050405020304" pitchFamily="18" charset="0"/>
+                <a:cs typeface="Times New Roman" panose="02020603050405020304" pitchFamily="18" charset="0"/>
+              </a:rPr>
+              <a:t>Understanding of software development process of F-soft </a:t>
+            </a:r>
+          </a:p>
+          <a:p>
+            <a:r>
+              <a:rPr lang="en-US" cap="none" dirty="0">
+                <a:latin typeface="Times New Roman" panose="02020603050405020304" pitchFamily="18" charset="0"/>
+                <a:cs typeface="Times New Roman" panose="02020603050405020304" pitchFamily="18" charset="0"/>
+              </a:rPr>
+              <a:t>Learning manage project and time</a:t>
+            </a:r>
+          </a:p>
+          <a:p>
+            <a:r>
+              <a:rPr lang="en-US" cap="none" dirty="0">
+                <a:latin typeface="Times New Roman" panose="02020603050405020304" pitchFamily="18" charset="0"/>
+                <a:cs typeface="Times New Roman" panose="02020603050405020304" pitchFamily="18" charset="0"/>
+              </a:rPr>
+              <a:t>Improving soft skill and working in group </a:t>
+            </a:r>
+            <a:endParaRPr lang="vi-VN" cap="none" dirty="0">
               <a:latin typeface="Times New Roman" panose="02020603050405020304" pitchFamily="18" charset="0"/>
               <a:cs typeface="Times New Roman" panose="02020603050405020304" pitchFamily="18" charset="0"/>
             </a:endParaRPr>
           </a:p>
           <a:p>
-            <a:r>
-              <a:rPr lang="en-US" cap="none" dirty="0" smtClean="0">
-                <a:latin typeface="Times New Roman" panose="02020603050405020304" pitchFamily="18" charset="0"/>
-                <a:cs typeface="Times New Roman" panose="02020603050405020304" pitchFamily="18" charset="0"/>
-              </a:rPr>
-              <a:t>Studying more about: Java script, PHP, HTML, …</a:t>
-            </a:r>
+            <a:endParaRPr lang="vi-VN" dirty="0">
+              <a:latin typeface="Times New Roman" panose="02020603050405020304" pitchFamily="18" charset="0"/>
+              <a:cs typeface="Times New Roman" panose="02020603050405020304" pitchFamily="18" charset="0"/>
+            </a:endParaRPr>
+          </a:p>
+          <a:p>
+            <a:endParaRPr lang="en-US" cap="none" dirty="0" smtClean="0">
+              <a:latin typeface="Times New Roman" panose="02020603050405020304" pitchFamily="18" charset="0"/>
+              <a:cs typeface="Times New Roman" panose="02020603050405020304" pitchFamily="18" charset="0"/>
+            </a:endParaRPr>
           </a:p>
         </p:txBody>
       </p:sp>
@@ -28063,66 +28224,6 @@
           </a:p>
         </p:txBody>
       </p:sp>
-      <p:pic>
-        <p:nvPicPr>
-          <p:cNvPr id="2" name="Picture 1"/>
-          <p:cNvPicPr>
-            <a:picLocks noChangeAspect="1"/>
-          </p:cNvPicPr>
-          <p:nvPr/>
-        </p:nvPicPr>
-        <p:blipFill>
-          <a:blip r:embed="rId2">
-            <a:extLst>
-              <a:ext uri="{28A0092B-C50C-407E-A947-70E740481C1C}">
-                <a14:useLocalDpi xmlns:a14="http://schemas.microsoft.com/office/drawing/2010/main" val="0"/>
-              </a:ext>
-            </a:extLst>
-          </a:blip>
-          <a:stretch>
-            <a:fillRect/>
-          </a:stretch>
-        </p:blipFill>
-        <p:spPr>
-          <a:xfrm>
-            <a:off x="8896350" y="2743200"/>
-            <a:ext cx="2115087" cy="839810"/>
-          </a:xfrm>
-          <a:prstGeom prst="rect">
-            <a:avLst/>
-          </a:prstGeom>
-        </p:spPr>
-      </p:pic>
-      <p:pic>
-        <p:nvPicPr>
-          <p:cNvPr id="5" name="Picture 4"/>
-          <p:cNvPicPr>
-            <a:picLocks noChangeAspect="1"/>
-          </p:cNvPicPr>
-          <p:nvPr/>
-        </p:nvPicPr>
-        <p:blipFill>
-          <a:blip r:embed="rId3">
-            <a:extLst>
-              <a:ext uri="{28A0092B-C50C-407E-A947-70E740481C1C}">
-                <a14:useLocalDpi xmlns:a14="http://schemas.microsoft.com/office/drawing/2010/main" val="0"/>
-              </a:ext>
-            </a:extLst>
-          </a:blip>
-          <a:stretch>
-            <a:fillRect/>
-          </a:stretch>
-        </p:blipFill>
-        <p:spPr>
-          <a:xfrm>
-            <a:off x="6463048" y="4494894"/>
-            <a:ext cx="1998372" cy="822302"/>
-          </a:xfrm>
-          <a:prstGeom prst="rect">
-            <a:avLst/>
-          </a:prstGeom>
-        </p:spPr>
-      </p:pic>
     </p:spTree>
     <p:extLst>
       <p:ext uri="{BB962C8B-B14F-4D97-AF65-F5344CB8AC3E}">
@@ -28269,7 +28370,11 @@
                                           </p:stCondLst>
                                         </p:cTn>
                                         <p:tgtEl>
-                                          <p:spTgt spid="2"/>
+                                          <p:spTgt spid="3">
+                                            <p:txEl>
+                                              <p:pRg st="1" end="1"/>
+                                            </p:txEl>
+                                          </p:spTgt>
                                         </p:tgtEl>
                                         <p:attrNameLst>
                                           <p:attrName>style.visibility</p:attrName>
@@ -28365,603 +28470,9 @@
                                         <p:tgtEl>
                                           <p:spTgt spid="3">
                                             <p:txEl>
-                                              <p:pRg st="4" end="4"/>
+                                              <p:pRg st="3" end="3"/>
                                             </p:txEl>
                                           </p:spTgt>
-                                        </p:tgtEl>
-                                        <p:attrNameLst>
-                                          <p:attrName>style.visibility</p:attrName>
-                                        </p:attrNameLst>
-                                      </p:cBhvr>
-                                      <p:to>
-                                        <p:strVal val="visible"/>
-                                      </p:to>
-                                    </p:set>
-                                  </p:childTnLst>
-                                </p:cTn>
-                              </p:par>
-                            </p:childTnLst>
-                          </p:cTn>
-                        </p:par>
-                      </p:childTnLst>
-                    </p:cTn>
-                  </p:par>
-                  <p:par>
-                    <p:cTn id="24" fill="hold">
-                      <p:stCondLst>
-                        <p:cond delay="indefinite"/>
-                      </p:stCondLst>
-                      <p:childTnLst>
-                        <p:par>
-                          <p:cTn id="25" fill="hold">
-                            <p:stCondLst>
-                              <p:cond delay="0"/>
-                            </p:stCondLst>
-                            <p:childTnLst>
-                              <p:par>
-                                <p:cTn id="26" presetID="1" presetClass="entr" presetSubtype="0" fill="hold" nodeType="clickEffect">
-                                  <p:stCondLst>
-                                    <p:cond delay="0"/>
-                                  </p:stCondLst>
-                                  <p:childTnLst>
-                                    <p:set>
-                                      <p:cBhvr>
-                                        <p:cTn id="27" dur="1" fill="hold">
-                                          <p:stCondLst>
-                                            <p:cond delay="0"/>
-                                          </p:stCondLst>
-                                        </p:cTn>
-                                        <p:tgtEl>
-                                          <p:spTgt spid="5"/>
-                                        </p:tgtEl>
-                                        <p:attrNameLst>
-                                          <p:attrName>style.visibility</p:attrName>
-                                        </p:attrNameLst>
-                                      </p:cBhvr>
-                                      <p:to>
-                                        <p:strVal val="visible"/>
-                                      </p:to>
-                                    </p:set>
-                                  </p:childTnLst>
-                                </p:cTn>
-                              </p:par>
-                            </p:childTnLst>
-                          </p:cTn>
-                        </p:par>
-                      </p:childTnLst>
-                    </p:cTn>
-                  </p:par>
-                </p:childTnLst>
-              </p:cTn>
-              <p:prevCondLst>
-                <p:cond evt="onPrev" delay="0">
-                  <p:tgtEl>
-                    <p:sldTgt/>
-                  </p:tgtEl>
-                </p:cond>
-              </p:prevCondLst>
-              <p:nextCondLst>
-                <p:cond evt="onNext" delay="0">
-                  <p:tgtEl>
-                    <p:sldTgt/>
-                  </p:tgtEl>
-                </p:cond>
-              </p:nextCondLst>
-            </p:seq>
-          </p:childTnLst>
-        </p:cTn>
-      </p:par>
-    </p:tnLst>
-    <p:bldLst>
-      <p:bldP spid="3" grpId="0" uiExpand="1" build="p"/>
-      <p:bldP spid="4" grpId="0"/>
-    </p:bldLst>
-  </p:timing>
-</p:sld>
-</file>
-
-<file path=ppt/slides/slide9.xml><?xml version="1.0" encoding="utf-8"?>
-<p:sld xmlns:a="http://schemas.openxmlformats.org/drawingml/2006/main" xmlns:r="http://schemas.openxmlformats.org/officeDocument/2006/relationships" xmlns:p="http://schemas.openxmlformats.org/presentationml/2006/main">
-  <p:cSld>
-    <p:spTree>
-      <p:nvGrpSpPr>
-        <p:cNvPr id="1" name=""/>
-        <p:cNvGrpSpPr/>
-        <p:nvPr/>
-      </p:nvGrpSpPr>
-      <p:grpSpPr>
-        <a:xfrm>
-          <a:off x="0" y="0"/>
-          <a:ext cx="0" cy="0"/>
-          <a:chOff x="0" y="0"/>
-          <a:chExt cx="0" cy="0"/>
-        </a:xfrm>
-      </p:grpSpPr>
-      <p:sp>
-        <p:nvSpPr>
-          <p:cNvPr id="3" name="Content Placeholder 2"/>
-          <p:cNvSpPr>
-            <a:spLocks noGrp="1"/>
-          </p:cNvSpPr>
-          <p:nvPr>
-            <p:ph sz="quarter" idx="13"/>
-          </p:nvPr>
-        </p:nvSpPr>
-        <p:spPr/>
-        <p:txBody>
-          <a:bodyPr/>
-          <a:lstStyle/>
-          <a:p>
-            <a:r>
-              <a:rPr lang="en-US" cap="none" dirty="0">
-                <a:latin typeface="Times New Roman" panose="02020603050405020304" pitchFamily="18" charset="0"/>
-                <a:cs typeface="Times New Roman" panose="02020603050405020304" pitchFamily="18" charset="0"/>
-              </a:rPr>
-              <a:t>Understanding of software development process of </a:t>
-            </a:r>
-            <a:r>
-              <a:rPr lang="en-US" cap="none" dirty="0" smtClean="0">
-                <a:latin typeface="Times New Roman" panose="02020603050405020304" pitchFamily="18" charset="0"/>
-                <a:cs typeface="Times New Roman" panose="02020603050405020304" pitchFamily="18" charset="0"/>
-              </a:rPr>
-              <a:t>F-soft </a:t>
-            </a:r>
-          </a:p>
-          <a:p>
-            <a:pPr marL="0" indent="0">
-              <a:buNone/>
-            </a:pPr>
-            <a:endParaRPr lang="en-US" cap="none" dirty="0">
-              <a:latin typeface="Times New Roman" panose="02020603050405020304" pitchFamily="18" charset="0"/>
-              <a:cs typeface="Times New Roman" panose="02020603050405020304" pitchFamily="18" charset="0"/>
-            </a:endParaRPr>
-          </a:p>
-          <a:p>
-            <a:r>
-              <a:rPr lang="en-US" cap="none" dirty="0">
-                <a:latin typeface="Times New Roman" panose="02020603050405020304" pitchFamily="18" charset="0"/>
-                <a:cs typeface="Times New Roman" panose="02020603050405020304" pitchFamily="18" charset="0"/>
-              </a:rPr>
-              <a:t>Learning manage project and </a:t>
-            </a:r>
-            <a:r>
-              <a:rPr lang="en-US" cap="none" dirty="0" smtClean="0">
-                <a:latin typeface="Times New Roman" panose="02020603050405020304" pitchFamily="18" charset="0"/>
-                <a:cs typeface="Times New Roman" panose="02020603050405020304" pitchFamily="18" charset="0"/>
-              </a:rPr>
-              <a:t>time</a:t>
-            </a:r>
-          </a:p>
-          <a:p>
-            <a:pPr marL="0" indent="0">
-              <a:buNone/>
-            </a:pPr>
-            <a:endParaRPr lang="en-US" cap="none" dirty="0">
-              <a:latin typeface="Times New Roman" panose="02020603050405020304" pitchFamily="18" charset="0"/>
-              <a:cs typeface="Times New Roman" panose="02020603050405020304" pitchFamily="18" charset="0"/>
-            </a:endParaRPr>
-          </a:p>
-          <a:p>
-            <a:r>
-              <a:rPr lang="en-US" cap="none" dirty="0">
-                <a:latin typeface="Times New Roman" panose="02020603050405020304" pitchFamily="18" charset="0"/>
-                <a:cs typeface="Times New Roman" panose="02020603050405020304" pitchFamily="18" charset="0"/>
-              </a:rPr>
-              <a:t>Improving soft skill and working in </a:t>
-            </a:r>
-            <a:r>
-              <a:rPr lang="en-US" cap="none" dirty="0" smtClean="0">
-                <a:latin typeface="Times New Roman" panose="02020603050405020304" pitchFamily="18" charset="0"/>
-                <a:cs typeface="Times New Roman" panose="02020603050405020304" pitchFamily="18" charset="0"/>
-              </a:rPr>
-              <a:t>group </a:t>
-            </a:r>
-            <a:endParaRPr lang="vi-VN" cap="none" dirty="0">
-              <a:latin typeface="Times New Roman" panose="02020603050405020304" pitchFamily="18" charset="0"/>
-              <a:cs typeface="Times New Roman" panose="02020603050405020304" pitchFamily="18" charset="0"/>
-            </a:endParaRPr>
-          </a:p>
-          <a:p>
-            <a:endParaRPr lang="vi-VN" dirty="0">
-              <a:latin typeface="Times New Roman" panose="02020603050405020304" pitchFamily="18" charset="0"/>
-              <a:cs typeface="Times New Roman" panose="02020603050405020304" pitchFamily="18" charset="0"/>
-            </a:endParaRPr>
-          </a:p>
-        </p:txBody>
-      </p:sp>
-      <p:sp>
-        <p:nvSpPr>
-          <p:cNvPr id="4" name="Title 1"/>
-          <p:cNvSpPr>
-            <a:spLocks noGrp="1"/>
-          </p:cNvSpPr>
-          <p:nvPr>
-            <p:ph type="title"/>
-          </p:nvPr>
-        </p:nvSpPr>
-        <p:spPr>
-          <a:xfrm>
-            <a:off x="913775" y="618517"/>
-            <a:ext cx="10364451" cy="1596177"/>
-          </a:xfrm>
-        </p:spPr>
-        <p:txBody>
-          <a:bodyPr/>
-          <a:lstStyle/>
-          <a:p>
-            <a:pPr lvl="0"/>
-            <a:r>
-              <a:rPr lang="vi-VN" sz="5400" cap="none" dirty="0" smtClean="0">
-                <a:ln w="0"/>
-                <a:gradFill>
-                  <a:gsLst>
-                    <a:gs pos="0">
-                      <a:schemeClr val="accent5">
-                        <a:lumMod val="50000"/>
-                      </a:schemeClr>
-                    </a:gs>
-                    <a:gs pos="50000">
-                      <a:schemeClr val="accent5"/>
-                    </a:gs>
-                    <a:gs pos="100000">
-                      <a:schemeClr val="accent5">
-                        <a:lumMod val="60000"/>
-                        <a:lumOff val="40000"/>
-                      </a:schemeClr>
-                    </a:gs>
-                  </a:gsLst>
-                  <a:lin ang="5400000"/>
-                </a:gradFill>
-                <a:effectLst>
-                  <a:reflection blurRad="6350" stA="53000" endA="300" endPos="35500" dir="5400000" sy="-90000" algn="bl" rotWithShape="0"/>
-                </a:effectLst>
-                <a:latin typeface="Times New Roman" pitchFamily="18" charset="0"/>
-                <a:cs typeface="Times New Roman" pitchFamily="18" charset="0"/>
-              </a:rPr>
-              <a:t>Objectives</a:t>
-            </a:r>
-            <a:r>
-              <a:rPr lang="vi-VN" dirty="0"/>
-              <a:t/>
-            </a:r>
-            <a:br>
-              <a:rPr lang="vi-VN" dirty="0"/>
-            </a:br>
-            <a:endParaRPr lang="vi-VN" dirty="0"/>
-          </a:p>
-        </p:txBody>
-      </p:sp>
-      <p:pic>
-        <p:nvPicPr>
-          <p:cNvPr id="5" name="Picture 4"/>
-          <p:cNvPicPr>
-            <a:picLocks noChangeAspect="1"/>
-          </p:cNvPicPr>
-          <p:nvPr/>
-        </p:nvPicPr>
-        <p:blipFill>
-          <a:blip r:embed="rId2">
-            <a:extLst>
-              <a:ext uri="{28A0092B-C50C-407E-A947-70E740481C1C}">
-                <a14:useLocalDpi xmlns:a14="http://schemas.microsoft.com/office/drawing/2010/main" val="0"/>
-              </a:ext>
-            </a:extLst>
-          </a:blip>
-          <a:stretch>
-            <a:fillRect/>
-          </a:stretch>
-        </p:blipFill>
-        <p:spPr>
-          <a:xfrm>
-            <a:off x="7217804" y="2214694"/>
-            <a:ext cx="2364078" cy="982417"/>
-          </a:xfrm>
-          <a:prstGeom prst="rect">
-            <a:avLst/>
-          </a:prstGeom>
-        </p:spPr>
-      </p:pic>
-      <p:pic>
-        <p:nvPicPr>
-          <p:cNvPr id="6" name="Picture 5"/>
-          <p:cNvPicPr>
-            <a:picLocks noChangeAspect="1"/>
-          </p:cNvPicPr>
-          <p:nvPr/>
-        </p:nvPicPr>
-        <p:blipFill>
-          <a:blip r:embed="rId3">
-            <a:extLst>
-              <a:ext uri="{28A0092B-C50C-407E-A947-70E740481C1C}">
-                <a14:useLocalDpi xmlns:a14="http://schemas.microsoft.com/office/drawing/2010/main" val="0"/>
-              </a:ext>
-            </a:extLst>
-          </a:blip>
-          <a:stretch>
-            <a:fillRect/>
-          </a:stretch>
-        </p:blipFill>
-        <p:spPr>
-          <a:xfrm>
-            <a:off x="4945489" y="3197111"/>
-            <a:ext cx="1988980" cy="859536"/>
-          </a:xfrm>
-          <a:prstGeom prst="rect">
-            <a:avLst/>
-          </a:prstGeom>
-        </p:spPr>
-      </p:pic>
-      <p:pic>
-        <p:nvPicPr>
-          <p:cNvPr id="7" name="Picture 6"/>
-          <p:cNvPicPr>
-            <a:picLocks noChangeAspect="1"/>
-          </p:cNvPicPr>
-          <p:nvPr/>
-        </p:nvPicPr>
-        <p:blipFill>
-          <a:blip r:embed="rId4">
-            <a:extLst>
-              <a:ext uri="{28A0092B-C50C-407E-A947-70E740481C1C}">
-                <a14:useLocalDpi xmlns:a14="http://schemas.microsoft.com/office/drawing/2010/main" val="0"/>
-              </a:ext>
-            </a:extLst>
-          </a:blip>
-          <a:stretch>
-            <a:fillRect/>
-          </a:stretch>
-        </p:blipFill>
-        <p:spPr>
-          <a:xfrm>
-            <a:off x="5603104" y="4163103"/>
-            <a:ext cx="1892400" cy="981481"/>
-          </a:xfrm>
-          <a:prstGeom prst="rect">
-            <a:avLst/>
-          </a:prstGeom>
-        </p:spPr>
-      </p:pic>
-    </p:spTree>
-    <p:extLst>
-      <p:ext uri="{BB962C8B-B14F-4D97-AF65-F5344CB8AC3E}">
-        <p14:creationId xmlns:p14="http://schemas.microsoft.com/office/powerpoint/2010/main" val="2314572860"/>
-      </p:ext>
-    </p:extLst>
-  </p:cSld>
-  <p:clrMapOvr>
-    <a:masterClrMapping/>
-  </p:clrMapOvr>
-  <p:timing>
-    <p:tnLst>
-      <p:par>
-        <p:cTn id="1" dur="indefinite" restart="never" nodeType="tmRoot">
-          <p:childTnLst>
-            <p:seq concurrent="1" nextAc="seek">
-              <p:cTn id="2" dur="indefinite" nodeType="mainSeq">
-                <p:childTnLst>
-                  <p:par>
-                    <p:cTn id="3" fill="hold">
-                      <p:stCondLst>
-                        <p:cond delay="indefinite"/>
-                      </p:stCondLst>
-                      <p:childTnLst>
-                        <p:par>
-                          <p:cTn id="4" fill="hold">
-                            <p:stCondLst>
-                              <p:cond delay="0"/>
-                            </p:stCondLst>
-                            <p:childTnLst>
-                              <p:par>
-                                <p:cTn id="5" presetID="16" presetClass="entr" presetSubtype="21" fill="hold" grpId="0" nodeType="clickEffect">
-                                  <p:stCondLst>
-                                    <p:cond delay="0"/>
-                                  </p:stCondLst>
-                                  <p:childTnLst>
-                                    <p:set>
-                                      <p:cBhvr>
-                                        <p:cTn id="6" dur="1" fill="hold">
-                                          <p:stCondLst>
-                                            <p:cond delay="0"/>
-                                          </p:stCondLst>
-                                        </p:cTn>
-                                        <p:tgtEl>
-                                          <p:spTgt spid="4"/>
-                                        </p:tgtEl>
-                                        <p:attrNameLst>
-                                          <p:attrName>style.visibility</p:attrName>
-                                        </p:attrNameLst>
-                                      </p:cBhvr>
-                                      <p:to>
-                                        <p:strVal val="visible"/>
-                                      </p:to>
-                                    </p:set>
-                                    <p:animEffect transition="in" filter="barn(inVertical)">
-                                      <p:cBhvr>
-                                        <p:cTn id="7" dur="500"/>
-                                        <p:tgtEl>
-                                          <p:spTgt spid="4"/>
-                                        </p:tgtEl>
-                                      </p:cBhvr>
-                                    </p:animEffect>
-                                  </p:childTnLst>
-                                </p:cTn>
-                              </p:par>
-                            </p:childTnLst>
-                          </p:cTn>
-                        </p:par>
-                      </p:childTnLst>
-                    </p:cTn>
-                  </p:par>
-                  <p:par>
-                    <p:cTn id="8" fill="hold">
-                      <p:stCondLst>
-                        <p:cond delay="indefinite"/>
-                      </p:stCondLst>
-                      <p:childTnLst>
-                        <p:par>
-                          <p:cTn id="9" fill="hold">
-                            <p:stCondLst>
-                              <p:cond delay="0"/>
-                            </p:stCondLst>
-                            <p:childTnLst>
-                              <p:par>
-                                <p:cTn id="10" presetID="1" presetClass="entr" presetSubtype="0" fill="hold" grpId="0" nodeType="clickEffect">
-                                  <p:stCondLst>
-                                    <p:cond delay="0"/>
-                                  </p:stCondLst>
-                                  <p:childTnLst>
-                                    <p:set>
-                                      <p:cBhvr>
-                                        <p:cTn id="11" dur="1" fill="hold">
-                                          <p:stCondLst>
-                                            <p:cond delay="0"/>
-                                          </p:stCondLst>
-                                        </p:cTn>
-                                        <p:tgtEl>
-                                          <p:spTgt spid="3">
-                                            <p:txEl>
-                                              <p:pRg st="0" end="0"/>
-                                            </p:txEl>
-                                          </p:spTgt>
-                                        </p:tgtEl>
-                                        <p:attrNameLst>
-                                          <p:attrName>style.visibility</p:attrName>
-                                        </p:attrNameLst>
-                                      </p:cBhvr>
-                                      <p:to>
-                                        <p:strVal val="visible"/>
-                                      </p:to>
-                                    </p:set>
-                                  </p:childTnLst>
-                                </p:cTn>
-                              </p:par>
-                            </p:childTnLst>
-                          </p:cTn>
-                        </p:par>
-                      </p:childTnLst>
-                    </p:cTn>
-                  </p:par>
-                  <p:par>
-                    <p:cTn id="12" fill="hold">
-                      <p:stCondLst>
-                        <p:cond delay="indefinite"/>
-                      </p:stCondLst>
-                      <p:childTnLst>
-                        <p:par>
-                          <p:cTn id="13" fill="hold">
-                            <p:stCondLst>
-                              <p:cond delay="0"/>
-                            </p:stCondLst>
-                            <p:childTnLst>
-                              <p:par>
-                                <p:cTn id="14" presetID="1" presetClass="entr" presetSubtype="0" fill="hold" nodeType="clickEffect">
-                                  <p:stCondLst>
-                                    <p:cond delay="0"/>
-                                  </p:stCondLst>
-                                  <p:childTnLst>
-                                    <p:set>
-                                      <p:cBhvr>
-                                        <p:cTn id="15" dur="1" fill="hold">
-                                          <p:stCondLst>
-                                            <p:cond delay="0"/>
-                                          </p:stCondLst>
-                                        </p:cTn>
-                                        <p:tgtEl>
-                                          <p:spTgt spid="5"/>
-                                        </p:tgtEl>
-                                        <p:attrNameLst>
-                                          <p:attrName>style.visibility</p:attrName>
-                                        </p:attrNameLst>
-                                      </p:cBhvr>
-                                      <p:to>
-                                        <p:strVal val="visible"/>
-                                      </p:to>
-                                    </p:set>
-                                  </p:childTnLst>
-                                </p:cTn>
-                              </p:par>
-                            </p:childTnLst>
-                          </p:cTn>
-                        </p:par>
-                      </p:childTnLst>
-                    </p:cTn>
-                  </p:par>
-                  <p:par>
-                    <p:cTn id="16" fill="hold">
-                      <p:stCondLst>
-                        <p:cond delay="indefinite"/>
-                      </p:stCondLst>
-                      <p:childTnLst>
-                        <p:par>
-                          <p:cTn id="17" fill="hold">
-                            <p:stCondLst>
-                              <p:cond delay="0"/>
-                            </p:stCondLst>
-                            <p:childTnLst>
-                              <p:par>
-                                <p:cTn id="18" presetID="1" presetClass="entr" presetSubtype="0" fill="hold" nodeType="clickEffect">
-                                  <p:stCondLst>
-                                    <p:cond delay="0"/>
-                                  </p:stCondLst>
-                                  <p:childTnLst>
-                                    <p:set>
-                                      <p:cBhvr>
-                                        <p:cTn id="19" dur="1" fill="hold">
-                                          <p:stCondLst>
-                                            <p:cond delay="0"/>
-                                          </p:stCondLst>
-                                        </p:cTn>
-                                        <p:tgtEl>
-                                          <p:spTgt spid="3">
-                                            <p:txEl>
-                                              <p:pRg st="2" end="2"/>
-                                            </p:txEl>
-                                          </p:spTgt>
-                                        </p:tgtEl>
-                                        <p:attrNameLst>
-                                          <p:attrName>style.visibility</p:attrName>
-                                        </p:attrNameLst>
-                                      </p:cBhvr>
-                                      <p:to>
-                                        <p:strVal val="visible"/>
-                                      </p:to>
-                                    </p:set>
-                                  </p:childTnLst>
-                                </p:cTn>
-                              </p:par>
-                            </p:childTnLst>
-                          </p:cTn>
-                        </p:par>
-                      </p:childTnLst>
-                    </p:cTn>
-                  </p:par>
-                  <p:par>
-                    <p:cTn id="20" fill="hold">
-                      <p:stCondLst>
-                        <p:cond delay="indefinite"/>
-                      </p:stCondLst>
-                      <p:childTnLst>
-                        <p:par>
-                          <p:cTn id="21" fill="hold">
-                            <p:stCondLst>
-                              <p:cond delay="0"/>
-                            </p:stCondLst>
-                            <p:childTnLst>
-                              <p:par>
-                                <p:cTn id="22" presetID="1" presetClass="entr" presetSubtype="0" fill="hold" nodeType="clickEffect">
-                                  <p:stCondLst>
-                                    <p:cond delay="0"/>
-                                  </p:stCondLst>
-                                  <p:childTnLst>
-                                    <p:set>
-                                      <p:cBhvr>
-                                        <p:cTn id="23" dur="1" fill="hold">
-                                          <p:stCondLst>
-                                            <p:cond delay="0"/>
-                                          </p:stCondLst>
-                                        </p:cTn>
-                                        <p:tgtEl>
-                                          <p:spTgt spid="6"/>
                                         </p:tgtEl>
                                         <p:attrNameLst>
                                           <p:attrName>style.visibility</p:attrName>
@@ -29055,7 +28566,11 @@
                                           </p:stCondLst>
                                         </p:cTn>
                                         <p:tgtEl>
-                                          <p:spTgt spid="7"/>
+                                          <p:spTgt spid="3">
+                                            <p:txEl>
+                                              <p:pRg st="5" end="5"/>
+                                            </p:txEl>
+                                          </p:spTgt>
                                         </p:tgtEl>
                                         <p:attrNameLst>
                                           <p:attrName>style.visibility</p:attrName>
@@ -29097,6 +28612,1953 @@
     </p:tnLst>
     <p:bldLst>
       <p:bldP spid="3" grpId="0" uiExpand="1" build="p"/>
+      <p:bldP spid="4" grpId="0"/>
+    </p:bldLst>
+  </p:timing>
+</p:sld>
+</file>
+
+<file path=ppt/slides/slide8.xml><?xml version="1.0" encoding="utf-8"?>
+<p:sld xmlns:a="http://schemas.openxmlformats.org/drawingml/2006/main" xmlns:r="http://schemas.openxmlformats.org/officeDocument/2006/relationships" xmlns:p="http://schemas.openxmlformats.org/presentationml/2006/main">
+  <p:cSld>
+    <p:spTree>
+      <p:nvGrpSpPr>
+        <p:cNvPr id="1" name=""/>
+        <p:cNvGrpSpPr/>
+        <p:nvPr/>
+      </p:nvGrpSpPr>
+      <p:grpSpPr>
+        <a:xfrm>
+          <a:off x="0" y="0"/>
+          <a:ext cx="0" cy="0"/>
+          <a:chOff x="0" y="0"/>
+          <a:chExt cx="0" cy="0"/>
+        </a:xfrm>
+      </p:grpSpPr>
+      <p:sp>
+        <p:nvSpPr>
+          <p:cNvPr id="3" name="Content Placeholder 2"/>
+          <p:cNvSpPr>
+            <a:spLocks noGrp="1"/>
+          </p:cNvSpPr>
+          <p:nvPr>
+            <p:ph sz="quarter" idx="13"/>
+          </p:nvPr>
+        </p:nvSpPr>
+        <p:spPr>
+          <a:xfrm>
+            <a:off x="913775" y="2367092"/>
+            <a:ext cx="10363826" cy="3424107"/>
+          </a:xfrm>
+        </p:spPr>
+        <p:txBody>
+          <a:bodyPr>
+            <a:normAutofit lnSpcReduction="10000"/>
+          </a:bodyPr>
+          <a:lstStyle/>
+          <a:p>
+            <a:r>
+              <a:rPr lang="vi-VN" sz="2800" b="1" u="sng" cap="none" dirty="0" smtClean="0">
+                <a:latin typeface="+mj-lt"/>
+              </a:rPr>
+              <a:t>Member:</a:t>
+            </a:r>
+          </a:p>
+          <a:p>
+            <a:pPr marL="0" indent="0">
+              <a:buNone/>
+            </a:pPr>
+            <a:r>
+              <a:rPr lang="vi-VN" b="1" cap="none" dirty="0" smtClean="0">
+                <a:latin typeface="+mj-lt"/>
+              </a:rPr>
+              <a:t>1. </a:t>
+            </a:r>
+            <a:r>
+              <a:rPr lang="vi-VN" b="1" cap="none" dirty="0" smtClean="0">
+                <a:latin typeface="+mj-lt"/>
+              </a:rPr>
+              <a:t>Searching </a:t>
+            </a:r>
+            <a:r>
+              <a:rPr lang="vi-VN" b="1" cap="none" dirty="0" smtClean="0">
+                <a:latin typeface="+mj-lt"/>
+              </a:rPr>
+              <a:t>word </a:t>
+            </a:r>
+            <a:r>
+              <a:rPr lang="vi-VN" b="1" cap="none" dirty="0" smtClean="0">
+                <a:latin typeface="+mj-lt"/>
+              </a:rPr>
+              <a:t>with more options:</a:t>
+            </a:r>
+          </a:p>
+          <a:p>
+            <a:pPr>
+              <a:buFont typeface="Wingdings" panose="05000000000000000000" pitchFamily="2" charset="2"/>
+              <a:buChar char="Ø"/>
+            </a:pPr>
+            <a:r>
+              <a:rPr lang="vi-VN" cap="none" dirty="0" smtClean="0">
+                <a:latin typeface="+mj-lt"/>
+              </a:rPr>
+              <a:t>Search </a:t>
+            </a:r>
+            <a:r>
+              <a:rPr lang="vi-VN" cap="none" dirty="0" smtClean="0">
+                <a:latin typeface="+mj-lt"/>
+              </a:rPr>
+              <a:t>sentences</a:t>
+            </a:r>
+          </a:p>
+          <a:p>
+            <a:pPr>
+              <a:buFont typeface="Wingdings" panose="05000000000000000000" pitchFamily="2" charset="2"/>
+              <a:buChar char="Ø"/>
+            </a:pPr>
+            <a:r>
+              <a:rPr lang="vi-VN" cap="none" dirty="0" smtClean="0">
+                <a:latin typeface="+mj-lt"/>
+              </a:rPr>
+              <a:t>Search grammar</a:t>
+            </a:r>
+          </a:p>
+          <a:p>
+            <a:pPr>
+              <a:buFont typeface="Wingdings" panose="05000000000000000000" pitchFamily="2" charset="2"/>
+              <a:buChar char="Ø"/>
+            </a:pPr>
+            <a:r>
+              <a:rPr lang="vi-VN" cap="none" dirty="0">
+                <a:latin typeface="+mj-lt"/>
+              </a:rPr>
+              <a:t>Search </a:t>
+            </a:r>
+            <a:r>
+              <a:rPr lang="vi-VN" cap="none" dirty="0" smtClean="0">
+                <a:latin typeface="+mj-lt"/>
+              </a:rPr>
+              <a:t>conversation</a:t>
+            </a:r>
+          </a:p>
+          <a:p>
+            <a:pPr>
+              <a:buFont typeface="Wingdings" panose="05000000000000000000" pitchFamily="2" charset="2"/>
+              <a:buChar char="Ø"/>
+            </a:pPr>
+            <a:r>
+              <a:rPr lang="vi-VN" cap="none" dirty="0" smtClean="0">
+                <a:latin typeface="+mj-lt"/>
+              </a:rPr>
+              <a:t>Search </a:t>
+            </a:r>
+            <a:r>
+              <a:rPr lang="vi-VN" cap="none" dirty="0">
+                <a:latin typeface="+mj-lt"/>
+              </a:rPr>
+              <a:t>specialized </a:t>
+            </a:r>
+            <a:r>
+              <a:rPr lang="vi-VN" cap="none" dirty="0" smtClean="0">
+                <a:latin typeface="+mj-lt"/>
+              </a:rPr>
+              <a:t>Japanese</a:t>
+            </a:r>
+          </a:p>
+          <a:p>
+            <a:pPr>
+              <a:buFont typeface="Wingdings" panose="05000000000000000000" pitchFamily="2" charset="2"/>
+              <a:buChar char="Ø"/>
+            </a:pPr>
+            <a:r>
+              <a:rPr lang="vi-VN" cap="none" dirty="0" smtClean="0">
+                <a:latin typeface="+mj-lt"/>
+              </a:rPr>
+              <a:t>Search video</a:t>
+            </a:r>
+            <a:endParaRPr lang="vi-VN" cap="none" dirty="0" smtClean="0">
+              <a:latin typeface="+mj-lt"/>
+            </a:endParaRPr>
+          </a:p>
+          <a:p>
+            <a:pPr>
+              <a:buFont typeface="Wingdings" panose="05000000000000000000" pitchFamily="2" charset="2"/>
+              <a:buChar char="Ø"/>
+            </a:pPr>
+            <a:endParaRPr lang="vi-VN" cap="none" dirty="0" smtClean="0">
+              <a:latin typeface="+mj-lt"/>
+            </a:endParaRPr>
+          </a:p>
+        </p:txBody>
+      </p:sp>
+      <p:sp>
+        <p:nvSpPr>
+          <p:cNvPr id="4" name="Title 1"/>
+          <p:cNvSpPr>
+            <a:spLocks noGrp="1"/>
+          </p:cNvSpPr>
+          <p:nvPr>
+            <p:ph type="title"/>
+          </p:nvPr>
+        </p:nvSpPr>
+        <p:spPr>
+          <a:xfrm>
+            <a:off x="913775" y="618517"/>
+            <a:ext cx="10364451" cy="1596177"/>
+          </a:xfrm>
+        </p:spPr>
+        <p:txBody>
+          <a:bodyPr/>
+          <a:lstStyle/>
+          <a:p>
+            <a:pPr lvl="0"/>
+            <a:r>
+              <a:rPr lang="vi-VN" sz="5400" cap="none" dirty="0" smtClean="0">
+                <a:ln w="0"/>
+                <a:gradFill>
+                  <a:gsLst>
+                    <a:gs pos="0">
+                      <a:schemeClr val="accent5">
+                        <a:lumMod val="50000"/>
+                      </a:schemeClr>
+                    </a:gs>
+                    <a:gs pos="50000">
+                      <a:schemeClr val="accent5"/>
+                    </a:gs>
+                    <a:gs pos="100000">
+                      <a:schemeClr val="accent5">
+                        <a:lumMod val="60000"/>
+                        <a:lumOff val="40000"/>
+                      </a:schemeClr>
+                    </a:gs>
+                  </a:gsLst>
+                  <a:lin ang="5400000"/>
+                </a:gradFill>
+                <a:effectLst>
+                  <a:reflection blurRad="6350" stA="53000" endA="300" endPos="35500" dir="5400000" sy="-90000" algn="bl" rotWithShape="0"/>
+                </a:effectLst>
+                <a:latin typeface="Times New Roman" pitchFamily="18" charset="0"/>
+                <a:cs typeface="Times New Roman" pitchFamily="18" charset="0"/>
+              </a:rPr>
+              <a:t>Functional Requirements</a:t>
+            </a:r>
+            <a:r>
+              <a:rPr lang="vi-VN" dirty="0"/>
+              <a:t/>
+            </a:r>
+            <a:br>
+              <a:rPr lang="vi-VN" dirty="0"/>
+            </a:br>
+            <a:endParaRPr lang="vi-VN" dirty="0"/>
+          </a:p>
+        </p:txBody>
+      </p:sp>
+    </p:spTree>
+    <p:extLst>
+      <p:ext uri="{BB962C8B-B14F-4D97-AF65-F5344CB8AC3E}">
+        <p14:creationId xmlns:p14="http://schemas.microsoft.com/office/powerpoint/2010/main" val="730829765"/>
+      </p:ext>
+    </p:extLst>
+  </p:cSld>
+  <p:clrMapOvr>
+    <a:masterClrMapping/>
+  </p:clrMapOvr>
+  <p:timing>
+    <p:tnLst>
+      <p:par>
+        <p:cTn id="1" dur="indefinite" restart="never" nodeType="tmRoot">
+          <p:childTnLst>
+            <p:seq concurrent="1" nextAc="seek">
+              <p:cTn id="2" dur="indefinite" nodeType="mainSeq">
+                <p:childTnLst>
+                  <p:par>
+                    <p:cTn id="3" fill="hold">
+                      <p:stCondLst>
+                        <p:cond delay="indefinite"/>
+                      </p:stCondLst>
+                      <p:childTnLst>
+                        <p:par>
+                          <p:cTn id="4" fill="hold">
+                            <p:stCondLst>
+                              <p:cond delay="0"/>
+                            </p:stCondLst>
+                            <p:childTnLst>
+                              <p:par>
+                                <p:cTn id="5" presetID="16" presetClass="entr" presetSubtype="21" fill="hold" grpId="0" nodeType="clickEffect">
+                                  <p:stCondLst>
+                                    <p:cond delay="0"/>
+                                  </p:stCondLst>
+                                  <p:childTnLst>
+                                    <p:set>
+                                      <p:cBhvr>
+                                        <p:cTn id="6" dur="1" fill="hold">
+                                          <p:stCondLst>
+                                            <p:cond delay="0"/>
+                                          </p:stCondLst>
+                                        </p:cTn>
+                                        <p:tgtEl>
+                                          <p:spTgt spid="4"/>
+                                        </p:tgtEl>
+                                        <p:attrNameLst>
+                                          <p:attrName>style.visibility</p:attrName>
+                                        </p:attrNameLst>
+                                      </p:cBhvr>
+                                      <p:to>
+                                        <p:strVal val="visible"/>
+                                      </p:to>
+                                    </p:set>
+                                    <p:animEffect transition="in" filter="barn(inVertical)">
+                                      <p:cBhvr>
+                                        <p:cTn id="7" dur="500"/>
+                                        <p:tgtEl>
+                                          <p:spTgt spid="4"/>
+                                        </p:tgtEl>
+                                      </p:cBhvr>
+                                    </p:animEffect>
+                                  </p:childTnLst>
+                                </p:cTn>
+                              </p:par>
+                            </p:childTnLst>
+                          </p:cTn>
+                        </p:par>
+                      </p:childTnLst>
+                    </p:cTn>
+                  </p:par>
+                  <p:par>
+                    <p:cTn id="8" fill="hold">
+                      <p:stCondLst>
+                        <p:cond delay="indefinite"/>
+                      </p:stCondLst>
+                      <p:childTnLst>
+                        <p:par>
+                          <p:cTn id="9" fill="hold">
+                            <p:stCondLst>
+                              <p:cond delay="0"/>
+                            </p:stCondLst>
+                            <p:childTnLst>
+                              <p:par>
+                                <p:cTn id="10" presetID="42" presetClass="entr" presetSubtype="0" fill="hold" grpId="0" nodeType="clickEffect">
+                                  <p:stCondLst>
+                                    <p:cond delay="0"/>
+                                  </p:stCondLst>
+                                  <p:childTnLst>
+                                    <p:set>
+                                      <p:cBhvr>
+                                        <p:cTn id="11" dur="1" fill="hold">
+                                          <p:stCondLst>
+                                            <p:cond delay="0"/>
+                                          </p:stCondLst>
+                                        </p:cTn>
+                                        <p:tgtEl>
+                                          <p:spTgt spid="3">
+                                            <p:txEl>
+                                              <p:pRg st="0" end="0"/>
+                                            </p:txEl>
+                                          </p:spTgt>
+                                        </p:tgtEl>
+                                        <p:attrNameLst>
+                                          <p:attrName>style.visibility</p:attrName>
+                                        </p:attrNameLst>
+                                      </p:cBhvr>
+                                      <p:to>
+                                        <p:strVal val="visible"/>
+                                      </p:to>
+                                    </p:set>
+                                    <p:animEffect transition="in" filter="fade">
+                                      <p:cBhvr>
+                                        <p:cTn id="12" dur="1000"/>
+                                        <p:tgtEl>
+                                          <p:spTgt spid="3">
+                                            <p:txEl>
+                                              <p:pRg st="0" end="0"/>
+                                            </p:txEl>
+                                          </p:spTgt>
+                                        </p:tgtEl>
+                                      </p:cBhvr>
+                                    </p:animEffect>
+                                    <p:anim calcmode="lin" valueType="num">
+                                      <p:cBhvr>
+                                        <p:cTn id="13" dur="1000" fill="hold"/>
+                                        <p:tgtEl>
+                                          <p:spTgt spid="3">
+                                            <p:txEl>
+                                              <p:pRg st="0" end="0"/>
+                                            </p:txEl>
+                                          </p:spTgt>
+                                        </p:tgtEl>
+                                        <p:attrNameLst>
+                                          <p:attrName>ppt_x</p:attrName>
+                                        </p:attrNameLst>
+                                      </p:cBhvr>
+                                      <p:tavLst>
+                                        <p:tav tm="0">
+                                          <p:val>
+                                            <p:strVal val="#ppt_x"/>
+                                          </p:val>
+                                        </p:tav>
+                                        <p:tav tm="100000">
+                                          <p:val>
+                                            <p:strVal val="#ppt_x"/>
+                                          </p:val>
+                                        </p:tav>
+                                      </p:tavLst>
+                                    </p:anim>
+                                    <p:anim calcmode="lin" valueType="num">
+                                      <p:cBhvr>
+                                        <p:cTn id="14" dur="1000" fill="hold"/>
+                                        <p:tgtEl>
+                                          <p:spTgt spid="3">
+                                            <p:txEl>
+                                              <p:pRg st="0" end="0"/>
+                                            </p:txEl>
+                                          </p:spTgt>
+                                        </p:tgtEl>
+                                        <p:attrNameLst>
+                                          <p:attrName>ppt_y</p:attrName>
+                                        </p:attrNameLst>
+                                      </p:cBhvr>
+                                      <p:tavLst>
+                                        <p:tav tm="0">
+                                          <p:val>
+                                            <p:strVal val="#ppt_y+.1"/>
+                                          </p:val>
+                                        </p:tav>
+                                        <p:tav tm="100000">
+                                          <p:val>
+                                            <p:strVal val="#ppt_y"/>
+                                          </p:val>
+                                        </p:tav>
+                                      </p:tavLst>
+                                    </p:anim>
+                                  </p:childTnLst>
+                                </p:cTn>
+                              </p:par>
+                            </p:childTnLst>
+                          </p:cTn>
+                        </p:par>
+                      </p:childTnLst>
+                    </p:cTn>
+                  </p:par>
+                  <p:par>
+                    <p:cTn id="15" fill="hold">
+                      <p:stCondLst>
+                        <p:cond delay="indefinite"/>
+                      </p:stCondLst>
+                      <p:childTnLst>
+                        <p:par>
+                          <p:cTn id="16" fill="hold">
+                            <p:stCondLst>
+                              <p:cond delay="0"/>
+                            </p:stCondLst>
+                            <p:childTnLst>
+                              <p:par>
+                                <p:cTn id="17" presetID="42" presetClass="entr" presetSubtype="0" fill="hold" grpId="0" nodeType="clickEffect">
+                                  <p:stCondLst>
+                                    <p:cond delay="0"/>
+                                  </p:stCondLst>
+                                  <p:childTnLst>
+                                    <p:set>
+                                      <p:cBhvr>
+                                        <p:cTn id="18" dur="1" fill="hold">
+                                          <p:stCondLst>
+                                            <p:cond delay="0"/>
+                                          </p:stCondLst>
+                                        </p:cTn>
+                                        <p:tgtEl>
+                                          <p:spTgt spid="3">
+                                            <p:txEl>
+                                              <p:pRg st="1" end="1"/>
+                                            </p:txEl>
+                                          </p:spTgt>
+                                        </p:tgtEl>
+                                        <p:attrNameLst>
+                                          <p:attrName>style.visibility</p:attrName>
+                                        </p:attrNameLst>
+                                      </p:cBhvr>
+                                      <p:to>
+                                        <p:strVal val="visible"/>
+                                      </p:to>
+                                    </p:set>
+                                    <p:animEffect transition="in" filter="fade">
+                                      <p:cBhvr>
+                                        <p:cTn id="19" dur="1000"/>
+                                        <p:tgtEl>
+                                          <p:spTgt spid="3">
+                                            <p:txEl>
+                                              <p:pRg st="1" end="1"/>
+                                            </p:txEl>
+                                          </p:spTgt>
+                                        </p:tgtEl>
+                                      </p:cBhvr>
+                                    </p:animEffect>
+                                    <p:anim calcmode="lin" valueType="num">
+                                      <p:cBhvr>
+                                        <p:cTn id="20" dur="1000" fill="hold"/>
+                                        <p:tgtEl>
+                                          <p:spTgt spid="3">
+                                            <p:txEl>
+                                              <p:pRg st="1" end="1"/>
+                                            </p:txEl>
+                                          </p:spTgt>
+                                        </p:tgtEl>
+                                        <p:attrNameLst>
+                                          <p:attrName>ppt_x</p:attrName>
+                                        </p:attrNameLst>
+                                      </p:cBhvr>
+                                      <p:tavLst>
+                                        <p:tav tm="0">
+                                          <p:val>
+                                            <p:strVal val="#ppt_x"/>
+                                          </p:val>
+                                        </p:tav>
+                                        <p:tav tm="100000">
+                                          <p:val>
+                                            <p:strVal val="#ppt_x"/>
+                                          </p:val>
+                                        </p:tav>
+                                      </p:tavLst>
+                                    </p:anim>
+                                    <p:anim calcmode="lin" valueType="num">
+                                      <p:cBhvr>
+                                        <p:cTn id="21" dur="1000" fill="hold"/>
+                                        <p:tgtEl>
+                                          <p:spTgt spid="3">
+                                            <p:txEl>
+                                              <p:pRg st="1" end="1"/>
+                                            </p:txEl>
+                                          </p:spTgt>
+                                        </p:tgtEl>
+                                        <p:attrNameLst>
+                                          <p:attrName>ppt_y</p:attrName>
+                                        </p:attrNameLst>
+                                      </p:cBhvr>
+                                      <p:tavLst>
+                                        <p:tav tm="0">
+                                          <p:val>
+                                            <p:strVal val="#ppt_y+.1"/>
+                                          </p:val>
+                                        </p:tav>
+                                        <p:tav tm="100000">
+                                          <p:val>
+                                            <p:strVal val="#ppt_y"/>
+                                          </p:val>
+                                        </p:tav>
+                                      </p:tavLst>
+                                    </p:anim>
+                                  </p:childTnLst>
+                                </p:cTn>
+                              </p:par>
+                            </p:childTnLst>
+                          </p:cTn>
+                        </p:par>
+                      </p:childTnLst>
+                    </p:cTn>
+                  </p:par>
+                  <p:par>
+                    <p:cTn id="22" fill="hold">
+                      <p:stCondLst>
+                        <p:cond delay="indefinite"/>
+                      </p:stCondLst>
+                      <p:childTnLst>
+                        <p:par>
+                          <p:cTn id="23" fill="hold">
+                            <p:stCondLst>
+                              <p:cond delay="0"/>
+                            </p:stCondLst>
+                            <p:childTnLst>
+                              <p:par>
+                                <p:cTn id="24" presetID="42" presetClass="entr" presetSubtype="0" fill="hold" grpId="0" nodeType="clickEffect">
+                                  <p:stCondLst>
+                                    <p:cond delay="0"/>
+                                  </p:stCondLst>
+                                  <p:childTnLst>
+                                    <p:set>
+                                      <p:cBhvr>
+                                        <p:cTn id="25" dur="1" fill="hold">
+                                          <p:stCondLst>
+                                            <p:cond delay="0"/>
+                                          </p:stCondLst>
+                                        </p:cTn>
+                                        <p:tgtEl>
+                                          <p:spTgt spid="3">
+                                            <p:txEl>
+                                              <p:pRg st="2" end="2"/>
+                                            </p:txEl>
+                                          </p:spTgt>
+                                        </p:tgtEl>
+                                        <p:attrNameLst>
+                                          <p:attrName>style.visibility</p:attrName>
+                                        </p:attrNameLst>
+                                      </p:cBhvr>
+                                      <p:to>
+                                        <p:strVal val="visible"/>
+                                      </p:to>
+                                    </p:set>
+                                    <p:animEffect transition="in" filter="fade">
+                                      <p:cBhvr>
+                                        <p:cTn id="26" dur="1000"/>
+                                        <p:tgtEl>
+                                          <p:spTgt spid="3">
+                                            <p:txEl>
+                                              <p:pRg st="2" end="2"/>
+                                            </p:txEl>
+                                          </p:spTgt>
+                                        </p:tgtEl>
+                                      </p:cBhvr>
+                                    </p:animEffect>
+                                    <p:anim calcmode="lin" valueType="num">
+                                      <p:cBhvr>
+                                        <p:cTn id="27" dur="1000" fill="hold"/>
+                                        <p:tgtEl>
+                                          <p:spTgt spid="3">
+                                            <p:txEl>
+                                              <p:pRg st="2" end="2"/>
+                                            </p:txEl>
+                                          </p:spTgt>
+                                        </p:tgtEl>
+                                        <p:attrNameLst>
+                                          <p:attrName>ppt_x</p:attrName>
+                                        </p:attrNameLst>
+                                      </p:cBhvr>
+                                      <p:tavLst>
+                                        <p:tav tm="0">
+                                          <p:val>
+                                            <p:strVal val="#ppt_x"/>
+                                          </p:val>
+                                        </p:tav>
+                                        <p:tav tm="100000">
+                                          <p:val>
+                                            <p:strVal val="#ppt_x"/>
+                                          </p:val>
+                                        </p:tav>
+                                      </p:tavLst>
+                                    </p:anim>
+                                    <p:anim calcmode="lin" valueType="num">
+                                      <p:cBhvr>
+                                        <p:cTn id="28" dur="1000" fill="hold"/>
+                                        <p:tgtEl>
+                                          <p:spTgt spid="3">
+                                            <p:txEl>
+                                              <p:pRg st="2" end="2"/>
+                                            </p:txEl>
+                                          </p:spTgt>
+                                        </p:tgtEl>
+                                        <p:attrNameLst>
+                                          <p:attrName>ppt_y</p:attrName>
+                                        </p:attrNameLst>
+                                      </p:cBhvr>
+                                      <p:tavLst>
+                                        <p:tav tm="0">
+                                          <p:val>
+                                            <p:strVal val="#ppt_y+.1"/>
+                                          </p:val>
+                                        </p:tav>
+                                        <p:tav tm="100000">
+                                          <p:val>
+                                            <p:strVal val="#ppt_y"/>
+                                          </p:val>
+                                        </p:tav>
+                                      </p:tavLst>
+                                    </p:anim>
+                                  </p:childTnLst>
+                                </p:cTn>
+                              </p:par>
+                            </p:childTnLst>
+                          </p:cTn>
+                        </p:par>
+                      </p:childTnLst>
+                    </p:cTn>
+                  </p:par>
+                  <p:par>
+                    <p:cTn id="29" fill="hold">
+                      <p:stCondLst>
+                        <p:cond delay="indefinite"/>
+                      </p:stCondLst>
+                      <p:childTnLst>
+                        <p:par>
+                          <p:cTn id="30" fill="hold">
+                            <p:stCondLst>
+                              <p:cond delay="0"/>
+                            </p:stCondLst>
+                            <p:childTnLst>
+                              <p:par>
+                                <p:cTn id="31" presetID="42" presetClass="entr" presetSubtype="0" fill="hold" grpId="0" nodeType="clickEffect">
+                                  <p:stCondLst>
+                                    <p:cond delay="0"/>
+                                  </p:stCondLst>
+                                  <p:childTnLst>
+                                    <p:set>
+                                      <p:cBhvr>
+                                        <p:cTn id="32" dur="1" fill="hold">
+                                          <p:stCondLst>
+                                            <p:cond delay="0"/>
+                                          </p:stCondLst>
+                                        </p:cTn>
+                                        <p:tgtEl>
+                                          <p:spTgt spid="3">
+                                            <p:txEl>
+                                              <p:pRg st="3" end="3"/>
+                                            </p:txEl>
+                                          </p:spTgt>
+                                        </p:tgtEl>
+                                        <p:attrNameLst>
+                                          <p:attrName>style.visibility</p:attrName>
+                                        </p:attrNameLst>
+                                      </p:cBhvr>
+                                      <p:to>
+                                        <p:strVal val="visible"/>
+                                      </p:to>
+                                    </p:set>
+                                    <p:animEffect transition="in" filter="fade">
+                                      <p:cBhvr>
+                                        <p:cTn id="33" dur="1000"/>
+                                        <p:tgtEl>
+                                          <p:spTgt spid="3">
+                                            <p:txEl>
+                                              <p:pRg st="3" end="3"/>
+                                            </p:txEl>
+                                          </p:spTgt>
+                                        </p:tgtEl>
+                                      </p:cBhvr>
+                                    </p:animEffect>
+                                    <p:anim calcmode="lin" valueType="num">
+                                      <p:cBhvr>
+                                        <p:cTn id="34" dur="1000" fill="hold"/>
+                                        <p:tgtEl>
+                                          <p:spTgt spid="3">
+                                            <p:txEl>
+                                              <p:pRg st="3" end="3"/>
+                                            </p:txEl>
+                                          </p:spTgt>
+                                        </p:tgtEl>
+                                        <p:attrNameLst>
+                                          <p:attrName>ppt_x</p:attrName>
+                                        </p:attrNameLst>
+                                      </p:cBhvr>
+                                      <p:tavLst>
+                                        <p:tav tm="0">
+                                          <p:val>
+                                            <p:strVal val="#ppt_x"/>
+                                          </p:val>
+                                        </p:tav>
+                                        <p:tav tm="100000">
+                                          <p:val>
+                                            <p:strVal val="#ppt_x"/>
+                                          </p:val>
+                                        </p:tav>
+                                      </p:tavLst>
+                                    </p:anim>
+                                    <p:anim calcmode="lin" valueType="num">
+                                      <p:cBhvr>
+                                        <p:cTn id="35" dur="1000" fill="hold"/>
+                                        <p:tgtEl>
+                                          <p:spTgt spid="3">
+                                            <p:txEl>
+                                              <p:pRg st="3" end="3"/>
+                                            </p:txEl>
+                                          </p:spTgt>
+                                        </p:tgtEl>
+                                        <p:attrNameLst>
+                                          <p:attrName>ppt_y</p:attrName>
+                                        </p:attrNameLst>
+                                      </p:cBhvr>
+                                      <p:tavLst>
+                                        <p:tav tm="0">
+                                          <p:val>
+                                            <p:strVal val="#ppt_y+.1"/>
+                                          </p:val>
+                                        </p:tav>
+                                        <p:tav tm="100000">
+                                          <p:val>
+                                            <p:strVal val="#ppt_y"/>
+                                          </p:val>
+                                        </p:tav>
+                                      </p:tavLst>
+                                    </p:anim>
+                                  </p:childTnLst>
+                                </p:cTn>
+                              </p:par>
+                            </p:childTnLst>
+                          </p:cTn>
+                        </p:par>
+                      </p:childTnLst>
+                    </p:cTn>
+                  </p:par>
+                  <p:par>
+                    <p:cTn id="36" fill="hold">
+                      <p:stCondLst>
+                        <p:cond delay="indefinite"/>
+                      </p:stCondLst>
+                      <p:childTnLst>
+                        <p:par>
+                          <p:cTn id="37" fill="hold">
+                            <p:stCondLst>
+                              <p:cond delay="0"/>
+                            </p:stCondLst>
+                            <p:childTnLst>
+                              <p:par>
+                                <p:cTn id="38" presetID="42" presetClass="entr" presetSubtype="0" fill="hold" grpId="0" nodeType="clickEffect">
+                                  <p:stCondLst>
+                                    <p:cond delay="0"/>
+                                  </p:stCondLst>
+                                  <p:childTnLst>
+                                    <p:set>
+                                      <p:cBhvr>
+                                        <p:cTn id="39" dur="1" fill="hold">
+                                          <p:stCondLst>
+                                            <p:cond delay="0"/>
+                                          </p:stCondLst>
+                                        </p:cTn>
+                                        <p:tgtEl>
+                                          <p:spTgt spid="3">
+                                            <p:txEl>
+                                              <p:pRg st="4" end="4"/>
+                                            </p:txEl>
+                                          </p:spTgt>
+                                        </p:tgtEl>
+                                        <p:attrNameLst>
+                                          <p:attrName>style.visibility</p:attrName>
+                                        </p:attrNameLst>
+                                      </p:cBhvr>
+                                      <p:to>
+                                        <p:strVal val="visible"/>
+                                      </p:to>
+                                    </p:set>
+                                    <p:animEffect transition="in" filter="fade">
+                                      <p:cBhvr>
+                                        <p:cTn id="40" dur="1000"/>
+                                        <p:tgtEl>
+                                          <p:spTgt spid="3">
+                                            <p:txEl>
+                                              <p:pRg st="4" end="4"/>
+                                            </p:txEl>
+                                          </p:spTgt>
+                                        </p:tgtEl>
+                                      </p:cBhvr>
+                                    </p:animEffect>
+                                    <p:anim calcmode="lin" valueType="num">
+                                      <p:cBhvr>
+                                        <p:cTn id="41" dur="1000" fill="hold"/>
+                                        <p:tgtEl>
+                                          <p:spTgt spid="3">
+                                            <p:txEl>
+                                              <p:pRg st="4" end="4"/>
+                                            </p:txEl>
+                                          </p:spTgt>
+                                        </p:tgtEl>
+                                        <p:attrNameLst>
+                                          <p:attrName>ppt_x</p:attrName>
+                                        </p:attrNameLst>
+                                      </p:cBhvr>
+                                      <p:tavLst>
+                                        <p:tav tm="0">
+                                          <p:val>
+                                            <p:strVal val="#ppt_x"/>
+                                          </p:val>
+                                        </p:tav>
+                                        <p:tav tm="100000">
+                                          <p:val>
+                                            <p:strVal val="#ppt_x"/>
+                                          </p:val>
+                                        </p:tav>
+                                      </p:tavLst>
+                                    </p:anim>
+                                    <p:anim calcmode="lin" valueType="num">
+                                      <p:cBhvr>
+                                        <p:cTn id="42" dur="1000" fill="hold"/>
+                                        <p:tgtEl>
+                                          <p:spTgt spid="3">
+                                            <p:txEl>
+                                              <p:pRg st="4" end="4"/>
+                                            </p:txEl>
+                                          </p:spTgt>
+                                        </p:tgtEl>
+                                        <p:attrNameLst>
+                                          <p:attrName>ppt_y</p:attrName>
+                                        </p:attrNameLst>
+                                      </p:cBhvr>
+                                      <p:tavLst>
+                                        <p:tav tm="0">
+                                          <p:val>
+                                            <p:strVal val="#ppt_y+.1"/>
+                                          </p:val>
+                                        </p:tav>
+                                        <p:tav tm="100000">
+                                          <p:val>
+                                            <p:strVal val="#ppt_y"/>
+                                          </p:val>
+                                        </p:tav>
+                                      </p:tavLst>
+                                    </p:anim>
+                                  </p:childTnLst>
+                                </p:cTn>
+                              </p:par>
+                            </p:childTnLst>
+                          </p:cTn>
+                        </p:par>
+                      </p:childTnLst>
+                    </p:cTn>
+                  </p:par>
+                  <p:par>
+                    <p:cTn id="43" fill="hold">
+                      <p:stCondLst>
+                        <p:cond delay="indefinite"/>
+                      </p:stCondLst>
+                      <p:childTnLst>
+                        <p:par>
+                          <p:cTn id="44" fill="hold">
+                            <p:stCondLst>
+                              <p:cond delay="0"/>
+                            </p:stCondLst>
+                            <p:childTnLst>
+                              <p:par>
+                                <p:cTn id="45" presetID="42" presetClass="entr" presetSubtype="0" fill="hold" grpId="0" nodeType="clickEffect">
+                                  <p:stCondLst>
+                                    <p:cond delay="0"/>
+                                  </p:stCondLst>
+                                  <p:childTnLst>
+                                    <p:set>
+                                      <p:cBhvr>
+                                        <p:cTn id="46" dur="1" fill="hold">
+                                          <p:stCondLst>
+                                            <p:cond delay="0"/>
+                                          </p:stCondLst>
+                                        </p:cTn>
+                                        <p:tgtEl>
+                                          <p:spTgt spid="3">
+                                            <p:txEl>
+                                              <p:pRg st="5" end="5"/>
+                                            </p:txEl>
+                                          </p:spTgt>
+                                        </p:tgtEl>
+                                        <p:attrNameLst>
+                                          <p:attrName>style.visibility</p:attrName>
+                                        </p:attrNameLst>
+                                      </p:cBhvr>
+                                      <p:to>
+                                        <p:strVal val="visible"/>
+                                      </p:to>
+                                    </p:set>
+                                    <p:animEffect transition="in" filter="fade">
+                                      <p:cBhvr>
+                                        <p:cTn id="47" dur="1000"/>
+                                        <p:tgtEl>
+                                          <p:spTgt spid="3">
+                                            <p:txEl>
+                                              <p:pRg st="5" end="5"/>
+                                            </p:txEl>
+                                          </p:spTgt>
+                                        </p:tgtEl>
+                                      </p:cBhvr>
+                                    </p:animEffect>
+                                    <p:anim calcmode="lin" valueType="num">
+                                      <p:cBhvr>
+                                        <p:cTn id="48" dur="1000" fill="hold"/>
+                                        <p:tgtEl>
+                                          <p:spTgt spid="3">
+                                            <p:txEl>
+                                              <p:pRg st="5" end="5"/>
+                                            </p:txEl>
+                                          </p:spTgt>
+                                        </p:tgtEl>
+                                        <p:attrNameLst>
+                                          <p:attrName>ppt_x</p:attrName>
+                                        </p:attrNameLst>
+                                      </p:cBhvr>
+                                      <p:tavLst>
+                                        <p:tav tm="0">
+                                          <p:val>
+                                            <p:strVal val="#ppt_x"/>
+                                          </p:val>
+                                        </p:tav>
+                                        <p:tav tm="100000">
+                                          <p:val>
+                                            <p:strVal val="#ppt_x"/>
+                                          </p:val>
+                                        </p:tav>
+                                      </p:tavLst>
+                                    </p:anim>
+                                    <p:anim calcmode="lin" valueType="num">
+                                      <p:cBhvr>
+                                        <p:cTn id="49" dur="1000" fill="hold"/>
+                                        <p:tgtEl>
+                                          <p:spTgt spid="3">
+                                            <p:txEl>
+                                              <p:pRg st="5" end="5"/>
+                                            </p:txEl>
+                                          </p:spTgt>
+                                        </p:tgtEl>
+                                        <p:attrNameLst>
+                                          <p:attrName>ppt_y</p:attrName>
+                                        </p:attrNameLst>
+                                      </p:cBhvr>
+                                      <p:tavLst>
+                                        <p:tav tm="0">
+                                          <p:val>
+                                            <p:strVal val="#ppt_y+.1"/>
+                                          </p:val>
+                                        </p:tav>
+                                        <p:tav tm="100000">
+                                          <p:val>
+                                            <p:strVal val="#ppt_y"/>
+                                          </p:val>
+                                        </p:tav>
+                                      </p:tavLst>
+                                    </p:anim>
+                                  </p:childTnLst>
+                                </p:cTn>
+                              </p:par>
+                            </p:childTnLst>
+                          </p:cTn>
+                        </p:par>
+                      </p:childTnLst>
+                    </p:cTn>
+                  </p:par>
+                  <p:par>
+                    <p:cTn id="50" fill="hold">
+                      <p:stCondLst>
+                        <p:cond delay="indefinite"/>
+                      </p:stCondLst>
+                      <p:childTnLst>
+                        <p:par>
+                          <p:cTn id="51" fill="hold">
+                            <p:stCondLst>
+                              <p:cond delay="0"/>
+                            </p:stCondLst>
+                            <p:childTnLst>
+                              <p:par>
+                                <p:cTn id="52" presetID="42" presetClass="entr" presetSubtype="0" fill="hold" grpId="0" nodeType="clickEffect">
+                                  <p:stCondLst>
+                                    <p:cond delay="0"/>
+                                  </p:stCondLst>
+                                  <p:childTnLst>
+                                    <p:set>
+                                      <p:cBhvr>
+                                        <p:cTn id="53" dur="1" fill="hold">
+                                          <p:stCondLst>
+                                            <p:cond delay="0"/>
+                                          </p:stCondLst>
+                                        </p:cTn>
+                                        <p:tgtEl>
+                                          <p:spTgt spid="3">
+                                            <p:txEl>
+                                              <p:pRg st="6" end="6"/>
+                                            </p:txEl>
+                                          </p:spTgt>
+                                        </p:tgtEl>
+                                        <p:attrNameLst>
+                                          <p:attrName>style.visibility</p:attrName>
+                                        </p:attrNameLst>
+                                      </p:cBhvr>
+                                      <p:to>
+                                        <p:strVal val="visible"/>
+                                      </p:to>
+                                    </p:set>
+                                    <p:animEffect transition="in" filter="fade">
+                                      <p:cBhvr>
+                                        <p:cTn id="54" dur="1000"/>
+                                        <p:tgtEl>
+                                          <p:spTgt spid="3">
+                                            <p:txEl>
+                                              <p:pRg st="6" end="6"/>
+                                            </p:txEl>
+                                          </p:spTgt>
+                                        </p:tgtEl>
+                                      </p:cBhvr>
+                                    </p:animEffect>
+                                    <p:anim calcmode="lin" valueType="num">
+                                      <p:cBhvr>
+                                        <p:cTn id="55" dur="1000" fill="hold"/>
+                                        <p:tgtEl>
+                                          <p:spTgt spid="3">
+                                            <p:txEl>
+                                              <p:pRg st="6" end="6"/>
+                                            </p:txEl>
+                                          </p:spTgt>
+                                        </p:tgtEl>
+                                        <p:attrNameLst>
+                                          <p:attrName>ppt_x</p:attrName>
+                                        </p:attrNameLst>
+                                      </p:cBhvr>
+                                      <p:tavLst>
+                                        <p:tav tm="0">
+                                          <p:val>
+                                            <p:strVal val="#ppt_x"/>
+                                          </p:val>
+                                        </p:tav>
+                                        <p:tav tm="100000">
+                                          <p:val>
+                                            <p:strVal val="#ppt_x"/>
+                                          </p:val>
+                                        </p:tav>
+                                      </p:tavLst>
+                                    </p:anim>
+                                    <p:anim calcmode="lin" valueType="num">
+                                      <p:cBhvr>
+                                        <p:cTn id="56" dur="1000" fill="hold"/>
+                                        <p:tgtEl>
+                                          <p:spTgt spid="3">
+                                            <p:txEl>
+                                              <p:pRg st="6" end="6"/>
+                                            </p:txEl>
+                                          </p:spTgt>
+                                        </p:tgtEl>
+                                        <p:attrNameLst>
+                                          <p:attrName>ppt_y</p:attrName>
+                                        </p:attrNameLst>
+                                      </p:cBhvr>
+                                      <p:tavLst>
+                                        <p:tav tm="0">
+                                          <p:val>
+                                            <p:strVal val="#ppt_y+.1"/>
+                                          </p:val>
+                                        </p:tav>
+                                        <p:tav tm="100000">
+                                          <p:val>
+                                            <p:strVal val="#ppt_y"/>
+                                          </p:val>
+                                        </p:tav>
+                                      </p:tavLst>
+                                    </p:anim>
+                                  </p:childTnLst>
+                                </p:cTn>
+                              </p:par>
+                            </p:childTnLst>
+                          </p:cTn>
+                        </p:par>
+                      </p:childTnLst>
+                    </p:cTn>
+                  </p:par>
+                </p:childTnLst>
+              </p:cTn>
+              <p:prevCondLst>
+                <p:cond evt="onPrev" delay="0">
+                  <p:tgtEl>
+                    <p:sldTgt/>
+                  </p:tgtEl>
+                </p:cond>
+              </p:prevCondLst>
+              <p:nextCondLst>
+                <p:cond evt="onNext" delay="0">
+                  <p:tgtEl>
+                    <p:sldTgt/>
+                  </p:tgtEl>
+                </p:cond>
+              </p:nextCondLst>
+            </p:seq>
+          </p:childTnLst>
+        </p:cTn>
+      </p:par>
+    </p:tnLst>
+    <p:bldLst>
+      <p:bldP spid="3" grpId="0" build="p"/>
+      <p:bldP spid="4" grpId="0"/>
+    </p:bldLst>
+  </p:timing>
+</p:sld>
+</file>
+
+<file path=ppt/slides/slide9.xml><?xml version="1.0" encoding="utf-8"?>
+<p:sld xmlns:a="http://schemas.openxmlformats.org/drawingml/2006/main" xmlns:r="http://schemas.openxmlformats.org/officeDocument/2006/relationships" xmlns:p="http://schemas.openxmlformats.org/presentationml/2006/main">
+  <p:cSld>
+    <p:spTree>
+      <p:nvGrpSpPr>
+        <p:cNvPr id="1" name=""/>
+        <p:cNvGrpSpPr/>
+        <p:nvPr/>
+      </p:nvGrpSpPr>
+      <p:grpSpPr>
+        <a:xfrm>
+          <a:off x="0" y="0"/>
+          <a:ext cx="0" cy="0"/>
+          <a:chOff x="0" y="0"/>
+          <a:chExt cx="0" cy="0"/>
+        </a:xfrm>
+      </p:grpSpPr>
+      <p:sp>
+        <p:nvSpPr>
+          <p:cNvPr id="3" name="Content Placeholder 2"/>
+          <p:cNvSpPr>
+            <a:spLocks noGrp="1"/>
+          </p:cNvSpPr>
+          <p:nvPr>
+            <p:ph sz="quarter" idx="13"/>
+          </p:nvPr>
+        </p:nvSpPr>
+        <p:spPr>
+          <a:xfrm>
+            <a:off x="913774" y="2009104"/>
+            <a:ext cx="10363826" cy="4443211"/>
+          </a:xfrm>
+        </p:spPr>
+        <p:txBody>
+          <a:bodyPr>
+            <a:normAutofit/>
+          </a:bodyPr>
+          <a:lstStyle/>
+          <a:p>
+            <a:pPr marL="0" indent="0">
+              <a:buNone/>
+            </a:pPr>
+            <a:r>
+              <a:rPr lang="vi-VN" b="1" cap="none" dirty="0">
+                <a:latin typeface="+mj-lt"/>
+              </a:rPr>
+              <a:t>2</a:t>
+            </a:r>
+            <a:r>
+              <a:rPr lang="vi-VN" b="1" cap="none" dirty="0" smtClean="0">
+                <a:latin typeface="+mj-lt"/>
+              </a:rPr>
+              <a:t>. Training </a:t>
+            </a:r>
+            <a:r>
+              <a:rPr lang="vi-VN" b="1" cap="none" dirty="0">
+                <a:latin typeface="+mj-lt"/>
+              </a:rPr>
+              <a:t>listening: </a:t>
+            </a:r>
+            <a:r>
+              <a:rPr lang="vi-VN" cap="none" dirty="0" smtClean="0">
+                <a:latin typeface="+mj-lt"/>
+              </a:rPr>
+              <a:t>Member can choose </a:t>
+            </a:r>
+            <a:r>
+              <a:rPr lang="vi-VN" cap="none" dirty="0">
+                <a:latin typeface="+mj-lt"/>
+              </a:rPr>
+              <a:t>section depend on level (N2, N3, N4</a:t>
+            </a:r>
+            <a:r>
+              <a:rPr lang="vi-VN" cap="none" dirty="0" smtClean="0">
+                <a:latin typeface="+mj-lt"/>
+              </a:rPr>
+              <a:t>). Member listen to question then choose answer. If member choose wrong answer and want to see answer, Website provides correct answer below</a:t>
+            </a:r>
+          </a:p>
+          <a:p>
+            <a:pPr marL="0" indent="0">
+              <a:buNone/>
+            </a:pPr>
+            <a:r>
+              <a:rPr lang="vi-VN" b="1" cap="none" dirty="0">
+                <a:latin typeface="+mj-lt"/>
+              </a:rPr>
+              <a:t>3</a:t>
+            </a:r>
+            <a:r>
+              <a:rPr lang="vi-VN" b="1" cap="none" dirty="0" smtClean="0">
+                <a:latin typeface="+mj-lt"/>
+              </a:rPr>
+              <a:t>. Reading document: </a:t>
+            </a:r>
+            <a:r>
+              <a:rPr lang="vi-VN" cap="none" dirty="0" smtClean="0">
+                <a:latin typeface="+mj-lt"/>
+              </a:rPr>
+              <a:t>Member can read document relate to foundamental, intermediate , grammar, JLPT</a:t>
+            </a:r>
+            <a:endParaRPr lang="vi-VN" cap="none" dirty="0">
+              <a:latin typeface="+mj-lt"/>
+            </a:endParaRPr>
+          </a:p>
+          <a:p>
+            <a:pPr marL="0" indent="0">
+              <a:buNone/>
+            </a:pPr>
+            <a:r>
+              <a:rPr lang="vi-VN" b="1" cap="none" dirty="0">
+                <a:latin typeface="+mj-lt"/>
+              </a:rPr>
+              <a:t>4</a:t>
+            </a:r>
+            <a:r>
+              <a:rPr lang="vi-VN" b="1" cap="none" dirty="0" smtClean="0">
+                <a:latin typeface="+mj-lt"/>
+              </a:rPr>
+              <a:t>. Listening conversation: </a:t>
+            </a:r>
+            <a:r>
+              <a:rPr lang="vi-VN" cap="none" dirty="0" smtClean="0">
+                <a:latin typeface="+mj-lt"/>
+              </a:rPr>
+              <a:t>Member can choose ‘Daily conversation’ or ’Common conversation’ to practice listening</a:t>
+            </a:r>
+          </a:p>
+          <a:p>
+            <a:pPr marL="0" indent="0">
+              <a:buNone/>
+            </a:pPr>
+            <a:r>
+              <a:rPr lang="vi-VN" b="1" cap="none" dirty="0">
+                <a:latin typeface="+mj-lt"/>
+              </a:rPr>
+              <a:t>5</a:t>
+            </a:r>
+            <a:r>
+              <a:rPr lang="vi-VN" b="1" cap="none" dirty="0" smtClean="0">
+                <a:latin typeface="+mj-lt"/>
+              </a:rPr>
+              <a:t>. Contacting admin: </a:t>
+            </a:r>
+            <a:r>
+              <a:rPr lang="vi-VN" cap="none" dirty="0">
+                <a:latin typeface="+mj-lt"/>
+              </a:rPr>
+              <a:t>when </a:t>
+            </a:r>
+            <a:r>
+              <a:rPr lang="vi-VN" cap="none" dirty="0" smtClean="0">
+                <a:latin typeface="+mj-lt"/>
+              </a:rPr>
+              <a:t>member have </a:t>
+            </a:r>
+            <a:r>
+              <a:rPr lang="vi-VN" cap="none" dirty="0">
+                <a:latin typeface="+mj-lt"/>
+              </a:rPr>
+              <a:t>good </a:t>
+            </a:r>
+            <a:r>
+              <a:rPr lang="vi-VN" cap="none" dirty="0" smtClean="0">
+                <a:latin typeface="+mj-lt"/>
+              </a:rPr>
+              <a:t>document, good idea or question; member </a:t>
+            </a:r>
+            <a:r>
+              <a:rPr lang="vi-VN" cap="none" dirty="0">
+                <a:latin typeface="+mj-lt"/>
+              </a:rPr>
+              <a:t>can </a:t>
+            </a:r>
+            <a:r>
+              <a:rPr lang="vi-VN" cap="none" dirty="0" smtClean="0">
+                <a:latin typeface="+mj-lt"/>
+              </a:rPr>
+              <a:t>choose 3 options ‘Contribute content’ , ‘Contribute opinion’ or ‘send Q&amp;A’ to send to admin, then admin will reply to member</a:t>
+            </a:r>
+            <a:endParaRPr lang="en-US" cap="none" dirty="0">
+              <a:latin typeface="+mj-lt"/>
+            </a:endParaRPr>
+          </a:p>
+        </p:txBody>
+      </p:sp>
+      <p:sp>
+        <p:nvSpPr>
+          <p:cNvPr id="4" name="Title 1"/>
+          <p:cNvSpPr>
+            <a:spLocks noGrp="1"/>
+          </p:cNvSpPr>
+          <p:nvPr>
+            <p:ph type="title"/>
+          </p:nvPr>
+        </p:nvSpPr>
+        <p:spPr>
+          <a:xfrm>
+            <a:off x="913775" y="618517"/>
+            <a:ext cx="10364451" cy="1596177"/>
+          </a:xfrm>
+        </p:spPr>
+        <p:txBody>
+          <a:bodyPr/>
+          <a:lstStyle/>
+          <a:p>
+            <a:pPr lvl="0"/>
+            <a:r>
+              <a:rPr lang="vi-VN" sz="5400" cap="none" dirty="0" smtClean="0">
+                <a:ln w="0"/>
+                <a:gradFill>
+                  <a:gsLst>
+                    <a:gs pos="0">
+                      <a:schemeClr val="accent5">
+                        <a:lumMod val="50000"/>
+                      </a:schemeClr>
+                    </a:gs>
+                    <a:gs pos="50000">
+                      <a:schemeClr val="accent5"/>
+                    </a:gs>
+                    <a:gs pos="100000">
+                      <a:schemeClr val="accent5">
+                        <a:lumMod val="60000"/>
+                        <a:lumOff val="40000"/>
+                      </a:schemeClr>
+                    </a:gs>
+                  </a:gsLst>
+                  <a:lin ang="5400000"/>
+                </a:gradFill>
+                <a:effectLst>
+                  <a:reflection blurRad="6350" stA="53000" endA="300" endPos="35500" dir="5400000" sy="-90000" algn="bl" rotWithShape="0"/>
+                </a:effectLst>
+                <a:latin typeface="Times New Roman" pitchFamily="18" charset="0"/>
+                <a:cs typeface="Times New Roman" pitchFamily="18" charset="0"/>
+              </a:rPr>
+              <a:t>Functional Requirements</a:t>
+            </a:r>
+            <a:r>
+              <a:rPr lang="vi-VN" dirty="0"/>
+              <a:t/>
+            </a:r>
+            <a:br>
+              <a:rPr lang="vi-VN" dirty="0"/>
+            </a:br>
+            <a:endParaRPr lang="vi-VN" dirty="0"/>
+          </a:p>
+        </p:txBody>
+      </p:sp>
+    </p:spTree>
+    <p:extLst>
+      <p:ext uri="{BB962C8B-B14F-4D97-AF65-F5344CB8AC3E}">
+        <p14:creationId xmlns:p14="http://schemas.microsoft.com/office/powerpoint/2010/main" val="2071829766"/>
+      </p:ext>
+    </p:extLst>
+  </p:cSld>
+  <p:clrMapOvr>
+    <a:masterClrMapping/>
+  </p:clrMapOvr>
+  <p:timing>
+    <p:tnLst>
+      <p:par>
+        <p:cTn id="1" dur="indefinite" restart="never" nodeType="tmRoot">
+          <p:childTnLst>
+            <p:seq concurrent="1" nextAc="seek">
+              <p:cTn id="2" dur="indefinite" nodeType="mainSeq">
+                <p:childTnLst>
+                  <p:par>
+                    <p:cTn id="3" fill="hold">
+                      <p:stCondLst>
+                        <p:cond delay="indefinite"/>
+                      </p:stCondLst>
+                      <p:childTnLst>
+                        <p:par>
+                          <p:cTn id="4" fill="hold">
+                            <p:stCondLst>
+                              <p:cond delay="0"/>
+                            </p:stCondLst>
+                            <p:childTnLst>
+                              <p:par>
+                                <p:cTn id="5" presetID="16" presetClass="entr" presetSubtype="21" fill="hold" grpId="0" nodeType="clickEffect">
+                                  <p:stCondLst>
+                                    <p:cond delay="0"/>
+                                  </p:stCondLst>
+                                  <p:childTnLst>
+                                    <p:set>
+                                      <p:cBhvr>
+                                        <p:cTn id="6" dur="1" fill="hold">
+                                          <p:stCondLst>
+                                            <p:cond delay="0"/>
+                                          </p:stCondLst>
+                                        </p:cTn>
+                                        <p:tgtEl>
+                                          <p:spTgt spid="4"/>
+                                        </p:tgtEl>
+                                        <p:attrNameLst>
+                                          <p:attrName>style.visibility</p:attrName>
+                                        </p:attrNameLst>
+                                      </p:cBhvr>
+                                      <p:to>
+                                        <p:strVal val="visible"/>
+                                      </p:to>
+                                    </p:set>
+                                    <p:animEffect transition="in" filter="barn(inVertical)">
+                                      <p:cBhvr>
+                                        <p:cTn id="7" dur="500"/>
+                                        <p:tgtEl>
+                                          <p:spTgt spid="4"/>
+                                        </p:tgtEl>
+                                      </p:cBhvr>
+                                    </p:animEffect>
+                                  </p:childTnLst>
+                                </p:cTn>
+                              </p:par>
+                            </p:childTnLst>
+                          </p:cTn>
+                        </p:par>
+                      </p:childTnLst>
+                    </p:cTn>
+                  </p:par>
+                  <p:par>
+                    <p:cTn id="8" fill="hold">
+                      <p:stCondLst>
+                        <p:cond delay="indefinite"/>
+                      </p:stCondLst>
+                      <p:childTnLst>
+                        <p:par>
+                          <p:cTn id="9" fill="hold">
+                            <p:stCondLst>
+                              <p:cond delay="0"/>
+                            </p:stCondLst>
+                            <p:childTnLst>
+                              <p:par>
+                                <p:cTn id="10" presetID="42" presetClass="entr" presetSubtype="0" fill="hold" nodeType="clickEffect">
+                                  <p:stCondLst>
+                                    <p:cond delay="0"/>
+                                  </p:stCondLst>
+                                  <p:childTnLst>
+                                    <p:set>
+                                      <p:cBhvr>
+                                        <p:cTn id="11" dur="1" fill="hold">
+                                          <p:stCondLst>
+                                            <p:cond delay="0"/>
+                                          </p:stCondLst>
+                                        </p:cTn>
+                                        <p:tgtEl>
+                                          <p:spTgt spid="3">
+                                            <p:txEl>
+                                              <p:pRg st="0" end="0"/>
+                                            </p:txEl>
+                                          </p:spTgt>
+                                        </p:tgtEl>
+                                        <p:attrNameLst>
+                                          <p:attrName>style.visibility</p:attrName>
+                                        </p:attrNameLst>
+                                      </p:cBhvr>
+                                      <p:to>
+                                        <p:strVal val="visible"/>
+                                      </p:to>
+                                    </p:set>
+                                    <p:animEffect transition="in" filter="fade">
+                                      <p:cBhvr>
+                                        <p:cTn id="12" dur="1000"/>
+                                        <p:tgtEl>
+                                          <p:spTgt spid="3">
+                                            <p:txEl>
+                                              <p:pRg st="0" end="0"/>
+                                            </p:txEl>
+                                          </p:spTgt>
+                                        </p:tgtEl>
+                                      </p:cBhvr>
+                                    </p:animEffect>
+                                    <p:anim calcmode="lin" valueType="num">
+                                      <p:cBhvr>
+                                        <p:cTn id="13" dur="1000" fill="hold"/>
+                                        <p:tgtEl>
+                                          <p:spTgt spid="3">
+                                            <p:txEl>
+                                              <p:pRg st="0" end="0"/>
+                                            </p:txEl>
+                                          </p:spTgt>
+                                        </p:tgtEl>
+                                        <p:attrNameLst>
+                                          <p:attrName>ppt_x</p:attrName>
+                                        </p:attrNameLst>
+                                      </p:cBhvr>
+                                      <p:tavLst>
+                                        <p:tav tm="0">
+                                          <p:val>
+                                            <p:strVal val="#ppt_x"/>
+                                          </p:val>
+                                        </p:tav>
+                                        <p:tav tm="100000">
+                                          <p:val>
+                                            <p:strVal val="#ppt_x"/>
+                                          </p:val>
+                                        </p:tav>
+                                      </p:tavLst>
+                                    </p:anim>
+                                    <p:anim calcmode="lin" valueType="num">
+                                      <p:cBhvr>
+                                        <p:cTn id="14" dur="1000" fill="hold"/>
+                                        <p:tgtEl>
+                                          <p:spTgt spid="3">
+                                            <p:txEl>
+                                              <p:pRg st="0" end="0"/>
+                                            </p:txEl>
+                                          </p:spTgt>
+                                        </p:tgtEl>
+                                        <p:attrNameLst>
+                                          <p:attrName>ppt_y</p:attrName>
+                                        </p:attrNameLst>
+                                      </p:cBhvr>
+                                      <p:tavLst>
+                                        <p:tav tm="0">
+                                          <p:val>
+                                            <p:strVal val="#ppt_y+.1"/>
+                                          </p:val>
+                                        </p:tav>
+                                        <p:tav tm="100000">
+                                          <p:val>
+                                            <p:strVal val="#ppt_y"/>
+                                          </p:val>
+                                        </p:tav>
+                                      </p:tavLst>
+                                    </p:anim>
+                                  </p:childTnLst>
+                                </p:cTn>
+                              </p:par>
+                            </p:childTnLst>
+                          </p:cTn>
+                        </p:par>
+                      </p:childTnLst>
+                    </p:cTn>
+                  </p:par>
+                  <p:par>
+                    <p:cTn id="15" fill="hold">
+                      <p:stCondLst>
+                        <p:cond delay="indefinite"/>
+                      </p:stCondLst>
+                      <p:childTnLst>
+                        <p:par>
+                          <p:cTn id="16" fill="hold">
+                            <p:stCondLst>
+                              <p:cond delay="0"/>
+                            </p:stCondLst>
+                            <p:childTnLst>
+                              <p:par>
+                                <p:cTn id="17" presetID="42" presetClass="entr" presetSubtype="0" fill="hold" nodeType="clickEffect">
+                                  <p:stCondLst>
+                                    <p:cond delay="0"/>
+                                  </p:stCondLst>
+                                  <p:childTnLst>
+                                    <p:set>
+                                      <p:cBhvr>
+                                        <p:cTn id="18" dur="1" fill="hold">
+                                          <p:stCondLst>
+                                            <p:cond delay="0"/>
+                                          </p:stCondLst>
+                                        </p:cTn>
+                                        <p:tgtEl>
+                                          <p:spTgt spid="3">
+                                            <p:txEl>
+                                              <p:pRg st="1" end="1"/>
+                                            </p:txEl>
+                                          </p:spTgt>
+                                        </p:tgtEl>
+                                        <p:attrNameLst>
+                                          <p:attrName>style.visibility</p:attrName>
+                                        </p:attrNameLst>
+                                      </p:cBhvr>
+                                      <p:to>
+                                        <p:strVal val="visible"/>
+                                      </p:to>
+                                    </p:set>
+                                    <p:animEffect transition="in" filter="fade">
+                                      <p:cBhvr>
+                                        <p:cTn id="19" dur="1000"/>
+                                        <p:tgtEl>
+                                          <p:spTgt spid="3">
+                                            <p:txEl>
+                                              <p:pRg st="1" end="1"/>
+                                            </p:txEl>
+                                          </p:spTgt>
+                                        </p:tgtEl>
+                                      </p:cBhvr>
+                                    </p:animEffect>
+                                    <p:anim calcmode="lin" valueType="num">
+                                      <p:cBhvr>
+                                        <p:cTn id="20" dur="1000" fill="hold"/>
+                                        <p:tgtEl>
+                                          <p:spTgt spid="3">
+                                            <p:txEl>
+                                              <p:pRg st="1" end="1"/>
+                                            </p:txEl>
+                                          </p:spTgt>
+                                        </p:tgtEl>
+                                        <p:attrNameLst>
+                                          <p:attrName>ppt_x</p:attrName>
+                                        </p:attrNameLst>
+                                      </p:cBhvr>
+                                      <p:tavLst>
+                                        <p:tav tm="0">
+                                          <p:val>
+                                            <p:strVal val="#ppt_x"/>
+                                          </p:val>
+                                        </p:tav>
+                                        <p:tav tm="100000">
+                                          <p:val>
+                                            <p:strVal val="#ppt_x"/>
+                                          </p:val>
+                                        </p:tav>
+                                      </p:tavLst>
+                                    </p:anim>
+                                    <p:anim calcmode="lin" valueType="num">
+                                      <p:cBhvr>
+                                        <p:cTn id="21" dur="1000" fill="hold"/>
+                                        <p:tgtEl>
+                                          <p:spTgt spid="3">
+                                            <p:txEl>
+                                              <p:pRg st="1" end="1"/>
+                                            </p:txEl>
+                                          </p:spTgt>
+                                        </p:tgtEl>
+                                        <p:attrNameLst>
+                                          <p:attrName>ppt_y</p:attrName>
+                                        </p:attrNameLst>
+                                      </p:cBhvr>
+                                      <p:tavLst>
+                                        <p:tav tm="0">
+                                          <p:val>
+                                            <p:strVal val="#ppt_y+.1"/>
+                                          </p:val>
+                                        </p:tav>
+                                        <p:tav tm="100000">
+                                          <p:val>
+                                            <p:strVal val="#ppt_y"/>
+                                          </p:val>
+                                        </p:tav>
+                                      </p:tavLst>
+                                    </p:anim>
+                                  </p:childTnLst>
+                                </p:cTn>
+                              </p:par>
+                            </p:childTnLst>
+                          </p:cTn>
+                        </p:par>
+                      </p:childTnLst>
+                    </p:cTn>
+                  </p:par>
+                  <p:par>
+                    <p:cTn id="22" fill="hold">
+                      <p:stCondLst>
+                        <p:cond delay="indefinite"/>
+                      </p:stCondLst>
+                      <p:childTnLst>
+                        <p:par>
+                          <p:cTn id="23" fill="hold">
+                            <p:stCondLst>
+                              <p:cond delay="0"/>
+                            </p:stCondLst>
+                            <p:childTnLst>
+                              <p:par>
+                                <p:cTn id="24" presetID="42" presetClass="entr" presetSubtype="0" fill="hold" nodeType="clickEffect">
+                                  <p:stCondLst>
+                                    <p:cond delay="0"/>
+                                  </p:stCondLst>
+                                  <p:childTnLst>
+                                    <p:set>
+                                      <p:cBhvr>
+                                        <p:cTn id="25" dur="1" fill="hold">
+                                          <p:stCondLst>
+                                            <p:cond delay="0"/>
+                                          </p:stCondLst>
+                                        </p:cTn>
+                                        <p:tgtEl>
+                                          <p:spTgt spid="3">
+                                            <p:txEl>
+                                              <p:pRg st="2" end="2"/>
+                                            </p:txEl>
+                                          </p:spTgt>
+                                        </p:tgtEl>
+                                        <p:attrNameLst>
+                                          <p:attrName>style.visibility</p:attrName>
+                                        </p:attrNameLst>
+                                      </p:cBhvr>
+                                      <p:to>
+                                        <p:strVal val="visible"/>
+                                      </p:to>
+                                    </p:set>
+                                    <p:animEffect transition="in" filter="fade">
+                                      <p:cBhvr>
+                                        <p:cTn id="26" dur="1000"/>
+                                        <p:tgtEl>
+                                          <p:spTgt spid="3">
+                                            <p:txEl>
+                                              <p:pRg st="2" end="2"/>
+                                            </p:txEl>
+                                          </p:spTgt>
+                                        </p:tgtEl>
+                                      </p:cBhvr>
+                                    </p:animEffect>
+                                    <p:anim calcmode="lin" valueType="num">
+                                      <p:cBhvr>
+                                        <p:cTn id="27" dur="1000" fill="hold"/>
+                                        <p:tgtEl>
+                                          <p:spTgt spid="3">
+                                            <p:txEl>
+                                              <p:pRg st="2" end="2"/>
+                                            </p:txEl>
+                                          </p:spTgt>
+                                        </p:tgtEl>
+                                        <p:attrNameLst>
+                                          <p:attrName>ppt_x</p:attrName>
+                                        </p:attrNameLst>
+                                      </p:cBhvr>
+                                      <p:tavLst>
+                                        <p:tav tm="0">
+                                          <p:val>
+                                            <p:strVal val="#ppt_x"/>
+                                          </p:val>
+                                        </p:tav>
+                                        <p:tav tm="100000">
+                                          <p:val>
+                                            <p:strVal val="#ppt_x"/>
+                                          </p:val>
+                                        </p:tav>
+                                      </p:tavLst>
+                                    </p:anim>
+                                    <p:anim calcmode="lin" valueType="num">
+                                      <p:cBhvr>
+                                        <p:cTn id="28" dur="1000" fill="hold"/>
+                                        <p:tgtEl>
+                                          <p:spTgt spid="3">
+                                            <p:txEl>
+                                              <p:pRg st="2" end="2"/>
+                                            </p:txEl>
+                                          </p:spTgt>
+                                        </p:tgtEl>
+                                        <p:attrNameLst>
+                                          <p:attrName>ppt_y</p:attrName>
+                                        </p:attrNameLst>
+                                      </p:cBhvr>
+                                      <p:tavLst>
+                                        <p:tav tm="0">
+                                          <p:val>
+                                            <p:strVal val="#ppt_y+.1"/>
+                                          </p:val>
+                                        </p:tav>
+                                        <p:tav tm="100000">
+                                          <p:val>
+                                            <p:strVal val="#ppt_y"/>
+                                          </p:val>
+                                        </p:tav>
+                                      </p:tavLst>
+                                    </p:anim>
+                                  </p:childTnLst>
+                                </p:cTn>
+                              </p:par>
+                            </p:childTnLst>
+                          </p:cTn>
+                        </p:par>
+                      </p:childTnLst>
+                    </p:cTn>
+                  </p:par>
+                  <p:par>
+                    <p:cTn id="29" fill="hold">
+                      <p:stCondLst>
+                        <p:cond delay="indefinite"/>
+                      </p:stCondLst>
+                      <p:childTnLst>
+                        <p:par>
+                          <p:cTn id="30" fill="hold">
+                            <p:stCondLst>
+                              <p:cond delay="0"/>
+                            </p:stCondLst>
+                            <p:childTnLst>
+                              <p:par>
+                                <p:cTn id="31" presetID="42" presetClass="entr" presetSubtype="0" fill="hold" nodeType="clickEffect">
+                                  <p:stCondLst>
+                                    <p:cond delay="0"/>
+                                  </p:stCondLst>
+                                  <p:childTnLst>
+                                    <p:set>
+                                      <p:cBhvr>
+                                        <p:cTn id="32" dur="1" fill="hold">
+                                          <p:stCondLst>
+                                            <p:cond delay="0"/>
+                                          </p:stCondLst>
+                                        </p:cTn>
+                                        <p:tgtEl>
+                                          <p:spTgt spid="3">
+                                            <p:txEl>
+                                              <p:pRg st="3" end="3"/>
+                                            </p:txEl>
+                                          </p:spTgt>
+                                        </p:tgtEl>
+                                        <p:attrNameLst>
+                                          <p:attrName>style.visibility</p:attrName>
+                                        </p:attrNameLst>
+                                      </p:cBhvr>
+                                      <p:to>
+                                        <p:strVal val="visible"/>
+                                      </p:to>
+                                    </p:set>
+                                    <p:animEffect transition="in" filter="fade">
+                                      <p:cBhvr>
+                                        <p:cTn id="33" dur="1000"/>
+                                        <p:tgtEl>
+                                          <p:spTgt spid="3">
+                                            <p:txEl>
+                                              <p:pRg st="3" end="3"/>
+                                            </p:txEl>
+                                          </p:spTgt>
+                                        </p:tgtEl>
+                                      </p:cBhvr>
+                                    </p:animEffect>
+                                    <p:anim calcmode="lin" valueType="num">
+                                      <p:cBhvr>
+                                        <p:cTn id="34" dur="1000" fill="hold"/>
+                                        <p:tgtEl>
+                                          <p:spTgt spid="3">
+                                            <p:txEl>
+                                              <p:pRg st="3" end="3"/>
+                                            </p:txEl>
+                                          </p:spTgt>
+                                        </p:tgtEl>
+                                        <p:attrNameLst>
+                                          <p:attrName>ppt_x</p:attrName>
+                                        </p:attrNameLst>
+                                      </p:cBhvr>
+                                      <p:tavLst>
+                                        <p:tav tm="0">
+                                          <p:val>
+                                            <p:strVal val="#ppt_x"/>
+                                          </p:val>
+                                        </p:tav>
+                                        <p:tav tm="100000">
+                                          <p:val>
+                                            <p:strVal val="#ppt_x"/>
+                                          </p:val>
+                                        </p:tav>
+                                      </p:tavLst>
+                                    </p:anim>
+                                    <p:anim calcmode="lin" valueType="num">
+                                      <p:cBhvr>
+                                        <p:cTn id="35" dur="1000" fill="hold"/>
+                                        <p:tgtEl>
+                                          <p:spTgt spid="3">
+                                            <p:txEl>
+                                              <p:pRg st="3" end="3"/>
+                                            </p:txEl>
+                                          </p:spTgt>
+                                        </p:tgtEl>
+                                        <p:attrNameLst>
+                                          <p:attrName>ppt_y</p:attrName>
+                                        </p:attrNameLst>
+                                      </p:cBhvr>
+                                      <p:tavLst>
+                                        <p:tav tm="0">
+                                          <p:val>
+                                            <p:strVal val="#ppt_y+.1"/>
+                                          </p:val>
+                                        </p:tav>
+                                        <p:tav tm="100000">
+                                          <p:val>
+                                            <p:strVal val="#ppt_y"/>
+                                          </p:val>
+                                        </p:tav>
+                                      </p:tavLst>
+                                    </p:anim>
+                                  </p:childTnLst>
+                                </p:cTn>
+                              </p:par>
+                            </p:childTnLst>
+                          </p:cTn>
+                        </p:par>
+                      </p:childTnLst>
+                    </p:cTn>
+                  </p:par>
+                </p:childTnLst>
+              </p:cTn>
+              <p:prevCondLst>
+                <p:cond evt="onPrev" delay="0">
+                  <p:tgtEl>
+                    <p:sldTgt/>
+                  </p:tgtEl>
+                </p:cond>
+              </p:prevCondLst>
+              <p:nextCondLst>
+                <p:cond evt="onNext" delay="0">
+                  <p:tgtEl>
+                    <p:sldTgt/>
+                  </p:tgtEl>
+                </p:cond>
+              </p:nextCondLst>
+            </p:seq>
+          </p:childTnLst>
+        </p:cTn>
+      </p:par>
+    </p:tnLst>
+    <p:bldLst>
       <p:bldP spid="4" grpId="0"/>
     </p:bldLst>
   </p:timing>
